--- a/FuzzyCLIPS_End_release.pptx
+++ b/FuzzyCLIPS_End_release.pptx
@@ -5,30 +5,30 @@
     <p:sldMasterId id="2147483648" r:id="rId1"/>
   </p:sldMasterIdLst>
   <p:notesMasterIdLst>
-    <p:notesMasterId r:id="rId23"/>
+    <p:notesMasterId r:id="rId24"/>
   </p:notesMasterIdLst>
   <p:sldIdLst>
-    <p:sldId id="256" r:id="rId2"/>
-    <p:sldId id="389" r:id="rId3"/>
-    <p:sldId id="395" r:id="rId4"/>
-    <p:sldId id="390" r:id="rId5"/>
-    <p:sldId id="391" r:id="rId6"/>
-    <p:sldId id="392" r:id="rId7"/>
-    <p:sldId id="393" r:id="rId8"/>
-    <p:sldId id="394" r:id="rId9"/>
-    <p:sldId id="397" r:id="rId10"/>
-    <p:sldId id="398" r:id="rId11"/>
-    <p:sldId id="399" r:id="rId12"/>
-    <p:sldId id="400" r:id="rId13"/>
-    <p:sldId id="401" r:id="rId14"/>
-    <p:sldId id="402" r:id="rId15"/>
-    <p:sldId id="403" r:id="rId16"/>
-    <p:sldId id="404" r:id="rId17"/>
-    <p:sldId id="405" r:id="rId18"/>
-    <p:sldId id="406" r:id="rId19"/>
-    <p:sldId id="407" r:id="rId20"/>
-    <p:sldId id="408" r:id="rId21"/>
-    <p:sldId id="271" r:id="rId22"/>
+    <p:sldId id="256" r:id="rId3"/>
+    <p:sldId id="389" r:id="rId4"/>
+    <p:sldId id="395" r:id="rId5"/>
+    <p:sldId id="390" r:id="rId6"/>
+    <p:sldId id="391" r:id="rId7"/>
+    <p:sldId id="392" r:id="rId8"/>
+    <p:sldId id="393" r:id="rId9"/>
+    <p:sldId id="394" r:id="rId10"/>
+    <p:sldId id="397" r:id="rId11"/>
+    <p:sldId id="398" r:id="rId12"/>
+    <p:sldId id="399" r:id="rId13"/>
+    <p:sldId id="400" r:id="rId14"/>
+    <p:sldId id="401" r:id="rId15"/>
+    <p:sldId id="402" r:id="rId16"/>
+    <p:sldId id="403" r:id="rId17"/>
+    <p:sldId id="404" r:id="rId18"/>
+    <p:sldId id="405" r:id="rId19"/>
+    <p:sldId id="406" r:id="rId20"/>
+    <p:sldId id="407" r:id="rId21"/>
+    <p:sldId id="408" r:id="rId22"/>
+    <p:sldId id="271" r:id="rId23"/>
   </p:sldIdLst>
   <p:sldSz cx="9144000" cy="6858000" type="screen4x3"/>
   <p:notesSz cx="6858000" cy="9144000"/>
@@ -157,26 +157,8 @@
         </p14:section>
       </p14:sectionLst>
     </p:ext>
-    <p:ext uri="{EFAFB233-063F-42B5-8137-9DF3F51BA10A}">
-      <p15:sldGuideLst xmlns:p15="http://schemas.microsoft.com/office/powerpoint/2012/main">
-        <p15:guide id="1" orient="horz" pos="2160">
-          <p15:clr>
-            <a:srgbClr val="A4A3A4"/>
-          </p15:clr>
-        </p15:guide>
-        <p15:guide id="2" pos="2879">
-          <p15:clr>
-            <a:srgbClr val="A4A3A4"/>
-          </p15:clr>
-        </p15:guide>
-      </p15:sldGuideLst>
-    </p:ext>
   </p:extLst>
 </p:presentation>
-</file>
-
-<file path=ppt/revisionInfo.xml><?xml version="1.0" encoding="utf-8"?>
-<p1510:revInfo xmlns:a="http://schemas.openxmlformats.org/drawingml/2006/main" xmlns:r="http://schemas.openxmlformats.org/officeDocument/2006/relationships" xmlns:p1510="http://schemas.microsoft.com/office/powerpoint/2015/10/main"/>
 </file>
 
 <file path=ppt/notesMasters/notesMaster1.xml><?xml version="1.0" encoding="utf-8"?>
@@ -261,8 +243,6 @@
           <a:p>
             <a:fld id="{9CA9DC24-7726-4808-ADFC-DF849E0E16AD}" type="datetimeFigureOut">
               <a:rPr lang="ru-RU" smtClean="0"/>
-              <a:pPr/>
-              <a:t>07.05.2017</a:t>
             </a:fld>
             <a:endParaRPr lang="ru-RU" dirty="0"/>
           </a:p>
@@ -329,6 +309,7 @@
               <a:rPr lang="ru-RU"/>
               <a:t>Образец текста</a:t>
             </a:r>
+            <a:endParaRPr lang="ru-RU"/>
           </a:p>
           <a:p>
             <a:pPr lvl="1"/>
@@ -336,6 +317,7 @@
               <a:rPr lang="ru-RU"/>
               <a:t>Второй уровень</a:t>
             </a:r>
+            <a:endParaRPr lang="ru-RU"/>
           </a:p>
           <a:p>
             <a:pPr lvl="2"/>
@@ -343,6 +325,7 @@
               <a:rPr lang="ru-RU"/>
               <a:t>Третий уровень</a:t>
             </a:r>
+            <a:endParaRPr lang="ru-RU"/>
           </a:p>
           <a:p>
             <a:pPr lvl="3"/>
@@ -350,6 +333,7 @@
               <a:rPr lang="ru-RU"/>
               <a:t>Четвертый уровень</a:t>
             </a:r>
+            <a:endParaRPr lang="ru-RU"/>
           </a:p>
           <a:p>
             <a:pPr lvl="4"/>
@@ -357,6 +341,7 @@
               <a:rPr lang="ru-RU"/>
               <a:t>Пятый уровень</a:t>
             </a:r>
+            <a:endParaRPr lang="ru-RU"/>
           </a:p>
         </p:txBody>
       </p:sp>
@@ -420,8 +405,6 @@
           <a:p>
             <a:fld id="{A9537455-B86B-474D-90C5-B7C151276584}" type="slidenum">
               <a:rPr lang="ru-RU" smtClean="0"/>
-              <a:pPr/>
-              <a:t>‹#›</a:t>
             </a:fld>
             <a:endParaRPr lang="ru-RU" dirty="0"/>
           </a:p>
@@ -717,8 +700,6 @@
           <a:p>
             <a:fld id="{3EB534D5-1E14-4FAC-B715-4967D436B579}" type="datetime1">
               <a:rPr lang="ru-RU" smtClean="0"/>
-              <a:pPr/>
-              <a:t>07.05.2017</a:t>
             </a:fld>
             <a:endParaRPr lang="ru-RU" dirty="0"/>
           </a:p>
@@ -741,8 +722,6 @@
           <a:p>
             <a:fld id="{2D80A49E-0AE4-4F85-8EA4-F0781D345D2A}" type="slidenum">
               <a:rPr lang="ru-RU" smtClean="0"/>
-              <a:pPr/>
-              <a:t>‹#›</a:t>
             </a:fld>
             <a:endParaRPr lang="ru-RU" dirty="0"/>
           </a:p>
@@ -835,6 +814,7 @@
               <a:rPr lang="ru-RU"/>
               <a:t>Образец текста</a:t>
             </a:r>
+            <a:endParaRPr lang="ru-RU"/>
           </a:p>
           <a:p>
             <a:pPr lvl="1"/>
@@ -842,6 +822,7 @@
               <a:rPr lang="ru-RU"/>
               <a:t>Второй уровень</a:t>
             </a:r>
+            <a:endParaRPr lang="ru-RU"/>
           </a:p>
           <a:p>
             <a:pPr lvl="2"/>
@@ -849,6 +830,7 @@
               <a:rPr lang="ru-RU"/>
               <a:t>Третий уровень</a:t>
             </a:r>
+            <a:endParaRPr lang="ru-RU"/>
           </a:p>
           <a:p>
             <a:pPr lvl="3"/>
@@ -856,6 +838,7 @@
               <a:rPr lang="ru-RU"/>
               <a:t>Четвертый уровень</a:t>
             </a:r>
+            <a:endParaRPr lang="ru-RU"/>
           </a:p>
           <a:p>
             <a:pPr lvl="4"/>
@@ -884,8 +867,6 @@
           <a:p>
             <a:fld id="{7D3C448E-B003-4D16-9B06-80DB50F3F9F1}" type="datetime1">
               <a:rPr lang="ru-RU" smtClean="0"/>
-              <a:pPr/>
-              <a:t>07.05.2017</a:t>
             </a:fld>
             <a:endParaRPr lang="ru-RU" dirty="0"/>
           </a:p>
@@ -927,8 +908,6 @@
           <a:p>
             <a:fld id="{2D80A49E-0AE4-4F85-8EA4-F0781D345D2A}" type="slidenum">
               <a:rPr lang="ru-RU" smtClean="0"/>
-              <a:pPr/>
-              <a:t>‹#›</a:t>
             </a:fld>
             <a:endParaRPr lang="ru-RU" dirty="0"/>
           </a:p>
@@ -1012,6 +991,7 @@
               <a:rPr lang="ru-RU"/>
               <a:t>Образец текста</a:t>
             </a:r>
+            <a:endParaRPr lang="ru-RU"/>
           </a:p>
           <a:p>
             <a:pPr lvl="1"/>
@@ -1019,6 +999,7 @@
               <a:rPr lang="ru-RU"/>
               <a:t>Второй уровень</a:t>
             </a:r>
+            <a:endParaRPr lang="ru-RU"/>
           </a:p>
           <a:p>
             <a:pPr lvl="2"/>
@@ -1026,6 +1007,7 @@
               <a:rPr lang="ru-RU"/>
               <a:t>Третий уровень</a:t>
             </a:r>
+            <a:endParaRPr lang="ru-RU"/>
           </a:p>
           <a:p>
             <a:pPr lvl="3"/>
@@ -1033,6 +1015,7 @@
               <a:rPr lang="ru-RU"/>
               <a:t>Четвертый уровень</a:t>
             </a:r>
+            <a:endParaRPr lang="ru-RU"/>
           </a:p>
           <a:p>
             <a:pPr lvl="4"/>
@@ -1061,8 +1044,6 @@
           <a:p>
             <a:fld id="{8EAEE2B9-4D55-4745-BC37-84051496B4D7}" type="datetime1">
               <a:rPr lang="ru-RU" smtClean="0"/>
-              <a:pPr/>
-              <a:t>07.05.2017</a:t>
             </a:fld>
             <a:endParaRPr lang="ru-RU" dirty="0"/>
           </a:p>
@@ -1104,8 +1085,6 @@
           <a:p>
             <a:fld id="{2D80A49E-0AE4-4F85-8EA4-F0781D345D2A}" type="slidenum">
               <a:rPr lang="ru-RU" smtClean="0"/>
-              <a:pPr/>
-              <a:t>‹#›</a:t>
             </a:fld>
             <a:endParaRPr lang="ru-RU" dirty="0"/>
           </a:p>
@@ -1197,6 +1176,7 @@
               <a:rPr lang="ru-RU"/>
               <a:t>Образец текста</a:t>
             </a:r>
+            <a:endParaRPr lang="ru-RU"/>
           </a:p>
           <a:p>
             <a:pPr lvl="1"/>
@@ -1204,6 +1184,7 @@
               <a:rPr lang="ru-RU"/>
               <a:t>Второй уровень</a:t>
             </a:r>
+            <a:endParaRPr lang="ru-RU"/>
           </a:p>
           <a:p>
             <a:pPr lvl="2"/>
@@ -1211,6 +1192,7 @@
               <a:rPr lang="ru-RU"/>
               <a:t>Третий уровень</a:t>
             </a:r>
+            <a:endParaRPr lang="ru-RU"/>
           </a:p>
           <a:p>
             <a:pPr lvl="3"/>
@@ -1218,6 +1200,7 @@
               <a:rPr lang="ru-RU"/>
               <a:t>Четвертый уровень</a:t>
             </a:r>
+            <a:endParaRPr lang="ru-RU"/>
           </a:p>
           <a:p>
             <a:pPr lvl="4"/>
@@ -1246,8 +1229,6 @@
           <a:p>
             <a:fld id="{69EECD53-A904-41D5-BA39-AA94A6B6ACA4}" type="datetime1">
               <a:rPr lang="ru-RU" smtClean="0"/>
-              <a:pPr/>
-              <a:t>07.05.2017</a:t>
             </a:fld>
             <a:endParaRPr lang="ru-RU" dirty="0"/>
           </a:p>
@@ -1289,8 +1270,6 @@
           <a:p>
             <a:fld id="{2D80A49E-0AE4-4F85-8EA4-F0781D345D2A}" type="slidenum">
               <a:rPr lang="ru-RU" smtClean="0"/>
-              <a:pPr/>
-              <a:t>‹#›</a:t>
             </a:fld>
             <a:endParaRPr lang="ru-RU" dirty="0"/>
           </a:p>
@@ -1490,6 +1469,7 @@
               <a:rPr lang="ru-RU"/>
               <a:t>Образец текста</a:t>
             </a:r>
+            <a:endParaRPr lang="ru-RU"/>
           </a:p>
         </p:txBody>
       </p:sp>
@@ -1510,8 +1490,6 @@
           <a:p>
             <a:fld id="{23E504CB-AB4F-45E6-B074-E6C956274FEB}" type="datetime1">
               <a:rPr lang="ru-RU" smtClean="0"/>
-              <a:pPr/>
-              <a:t>07.05.2017</a:t>
             </a:fld>
             <a:endParaRPr lang="ru-RU" dirty="0"/>
           </a:p>
@@ -1553,8 +1531,6 @@
           <a:p>
             <a:fld id="{2D80A49E-0AE4-4F85-8EA4-F0781D345D2A}" type="slidenum">
               <a:rPr lang="ru-RU" smtClean="0"/>
-              <a:pPr/>
-              <a:t>‹#›</a:t>
             </a:fld>
             <a:endParaRPr lang="ru-RU" dirty="0"/>
           </a:p>
@@ -1811,6 +1787,7 @@
               <a:rPr lang="ru-RU"/>
               <a:t>Образец текста</a:t>
             </a:r>
+            <a:endParaRPr lang="ru-RU"/>
           </a:p>
           <a:p>
             <a:pPr lvl="1"/>
@@ -1818,6 +1795,7 @@
               <a:rPr lang="ru-RU"/>
               <a:t>Второй уровень</a:t>
             </a:r>
+            <a:endParaRPr lang="ru-RU"/>
           </a:p>
           <a:p>
             <a:pPr lvl="2"/>
@@ -1825,6 +1803,7 @@
               <a:rPr lang="ru-RU"/>
               <a:t>Третий уровень</a:t>
             </a:r>
+            <a:endParaRPr lang="ru-RU"/>
           </a:p>
           <a:p>
             <a:pPr lvl="3"/>
@@ -1832,6 +1811,7 @@
               <a:rPr lang="ru-RU"/>
               <a:t>Четвертый уровень</a:t>
             </a:r>
+            <a:endParaRPr lang="ru-RU"/>
           </a:p>
           <a:p>
             <a:pPr lvl="4"/>
@@ -1860,8 +1840,6 @@
           <a:p>
             <a:fld id="{84D255AD-1B6E-42E8-8073-A6865F7099DD}" type="datetime1">
               <a:rPr lang="ru-RU" smtClean="0"/>
-              <a:pPr/>
-              <a:t>07.05.2017</a:t>
             </a:fld>
             <a:endParaRPr lang="ru-RU" dirty="0"/>
           </a:p>
@@ -1903,8 +1881,6 @@
           <a:p>
             <a:fld id="{2D80A49E-0AE4-4F85-8EA4-F0781D345D2A}" type="slidenum">
               <a:rPr lang="ru-RU" smtClean="0"/>
-              <a:pPr/>
-              <a:t>‹#›</a:t>
             </a:fld>
             <a:endParaRPr lang="ru-RU" dirty="0"/>
           </a:p>
@@ -1935,6 +1911,7 @@
               <a:rPr lang="ru-RU"/>
               <a:t>Образец текста</a:t>
             </a:r>
+            <a:endParaRPr lang="ru-RU"/>
           </a:p>
           <a:p>
             <a:pPr lvl="1"/>
@@ -1942,6 +1919,7 @@
               <a:rPr lang="ru-RU"/>
               <a:t>Второй уровень</a:t>
             </a:r>
+            <a:endParaRPr lang="ru-RU"/>
           </a:p>
           <a:p>
             <a:pPr lvl="2"/>
@@ -1949,6 +1927,7 @@
               <a:rPr lang="ru-RU"/>
               <a:t>Третий уровень</a:t>
             </a:r>
+            <a:endParaRPr lang="ru-RU"/>
           </a:p>
           <a:p>
             <a:pPr lvl="3"/>
@@ -1956,6 +1935,7 @@
               <a:rPr lang="ru-RU"/>
               <a:t>Четвертый уровень</a:t>
             </a:r>
+            <a:endParaRPr lang="ru-RU"/>
           </a:p>
           <a:p>
             <a:pPr lvl="4"/>
@@ -2083,6 +2063,7 @@
               <a:rPr lang="ru-RU"/>
               <a:t>Образец текста</a:t>
             </a:r>
+            <a:endParaRPr lang="ru-RU"/>
           </a:p>
         </p:txBody>
       </p:sp>
@@ -2150,6 +2131,7 @@
               <a:rPr lang="ru-RU"/>
               <a:t>Образец текста</a:t>
             </a:r>
+            <a:endParaRPr lang="ru-RU"/>
           </a:p>
         </p:txBody>
       </p:sp>
@@ -2170,8 +2152,6 @@
           <a:p>
             <a:fld id="{AFCE67DE-8772-4B19-AE75-E3133FD46BBB}" type="datetime1">
               <a:rPr lang="ru-RU" smtClean="0"/>
-              <a:pPr/>
-              <a:t>07.05.2017</a:t>
             </a:fld>
             <a:endParaRPr lang="ru-RU" dirty="0"/>
           </a:p>
@@ -2213,8 +2193,6 @@
           <a:p>
             <a:fld id="{2D80A49E-0AE4-4F85-8EA4-F0781D345D2A}" type="slidenum">
               <a:rPr lang="ru-RU" smtClean="0"/>
-              <a:pPr/>
-              <a:t>‹#›</a:t>
             </a:fld>
             <a:endParaRPr lang="ru-RU" dirty="0"/>
           </a:p>
@@ -2245,6 +2223,7 @@
               <a:rPr lang="ru-RU"/>
               <a:t>Образец текста</a:t>
             </a:r>
+            <a:endParaRPr lang="ru-RU"/>
           </a:p>
           <a:p>
             <a:pPr lvl="1"/>
@@ -2252,6 +2231,7 @@
               <a:rPr lang="ru-RU"/>
               <a:t>Второй уровень</a:t>
             </a:r>
+            <a:endParaRPr lang="ru-RU"/>
           </a:p>
           <a:p>
             <a:pPr lvl="2"/>
@@ -2259,6 +2239,7 @@
               <a:rPr lang="ru-RU"/>
               <a:t>Третий уровень</a:t>
             </a:r>
+            <a:endParaRPr lang="ru-RU"/>
           </a:p>
           <a:p>
             <a:pPr lvl="3"/>
@@ -2266,6 +2247,7 @@
               <a:rPr lang="ru-RU"/>
               <a:t>Четвертый уровень</a:t>
             </a:r>
+            <a:endParaRPr lang="ru-RU"/>
           </a:p>
           <a:p>
             <a:pPr lvl="4"/>
@@ -2302,6 +2284,7 @@
               <a:rPr lang="ru-RU"/>
               <a:t>Образец текста</a:t>
             </a:r>
+            <a:endParaRPr lang="ru-RU"/>
           </a:p>
           <a:p>
             <a:pPr lvl="1"/>
@@ -2309,6 +2292,7 @@
               <a:rPr lang="ru-RU"/>
               <a:t>Второй уровень</a:t>
             </a:r>
+            <a:endParaRPr lang="ru-RU"/>
           </a:p>
           <a:p>
             <a:pPr lvl="2"/>
@@ -2316,6 +2300,7 @@
               <a:rPr lang="ru-RU"/>
               <a:t>Третий уровень</a:t>
             </a:r>
+            <a:endParaRPr lang="ru-RU"/>
           </a:p>
           <a:p>
             <a:pPr lvl="3"/>
@@ -2323,6 +2308,7 @@
               <a:rPr lang="ru-RU"/>
               <a:t>Четвертый уровень</a:t>
             </a:r>
+            <a:endParaRPr lang="ru-RU"/>
           </a:p>
           <a:p>
             <a:pPr lvl="4"/>
@@ -2399,8 +2385,6 @@
           <a:p>
             <a:fld id="{8E449D21-A711-43D4-9A51-12E7B3BAAD49}" type="datetime1">
               <a:rPr lang="ru-RU" smtClean="0"/>
-              <a:pPr/>
-              <a:t>07.05.2017</a:t>
             </a:fld>
             <a:endParaRPr lang="ru-RU" dirty="0"/>
           </a:p>
@@ -2442,8 +2426,6 @@
           <a:p>
             <a:fld id="{2D80A49E-0AE4-4F85-8EA4-F0781D345D2A}" type="slidenum">
               <a:rPr lang="ru-RU" smtClean="0"/>
-              <a:pPr/>
-              <a:t>‹#›</a:t>
             </a:fld>
             <a:endParaRPr lang="ru-RU" dirty="0"/>
           </a:p>
@@ -2491,8 +2473,6 @@
           <a:p>
             <a:fld id="{28F86AC6-7F29-490F-B4B6-C168BE6DF92C}" type="datetime1">
               <a:rPr lang="ru-RU" smtClean="0"/>
-              <a:pPr/>
-              <a:t>07.05.2017</a:t>
             </a:fld>
             <a:endParaRPr lang="ru-RU" dirty="0"/>
           </a:p>
@@ -2534,8 +2514,6 @@
           <a:p>
             <a:fld id="{2D80A49E-0AE4-4F85-8EA4-F0781D345D2A}" type="slidenum">
               <a:rPr lang="ru-RU" smtClean="0"/>
-              <a:pPr/>
-              <a:t>‹#›</a:t>
             </a:fld>
             <a:endParaRPr lang="ru-RU" dirty="0"/>
           </a:p>
@@ -2662,6 +2640,7 @@
               <a:rPr lang="ru-RU"/>
               <a:t>Образец текста</a:t>
             </a:r>
+            <a:endParaRPr lang="ru-RU"/>
           </a:p>
           <a:p>
             <a:pPr lvl="1"/>
@@ -2669,6 +2648,7 @@
               <a:rPr lang="ru-RU"/>
               <a:t>Второй уровень</a:t>
             </a:r>
+            <a:endParaRPr lang="ru-RU"/>
           </a:p>
           <a:p>
             <a:pPr lvl="2"/>
@@ -2676,6 +2656,7 @@
               <a:rPr lang="ru-RU"/>
               <a:t>Третий уровень</a:t>
             </a:r>
+            <a:endParaRPr lang="ru-RU"/>
           </a:p>
           <a:p>
             <a:pPr lvl="3"/>
@@ -2683,6 +2664,7 @@
               <a:rPr lang="ru-RU"/>
               <a:t>Четвертый уровень</a:t>
             </a:r>
+            <a:endParaRPr lang="ru-RU"/>
           </a:p>
           <a:p>
             <a:pPr lvl="4"/>
@@ -2761,6 +2743,7 @@
               <a:rPr lang="ru-RU"/>
               <a:t>Образец текста</a:t>
             </a:r>
+            <a:endParaRPr lang="ru-RU"/>
           </a:p>
         </p:txBody>
       </p:sp>
@@ -2781,8 +2764,6 @@
           <a:p>
             <a:fld id="{528863DF-E591-4D29-8E8A-04558364FA0F}" type="datetime1">
               <a:rPr lang="ru-RU" smtClean="0"/>
-              <a:pPr/>
-              <a:t>07.05.2017</a:t>
             </a:fld>
             <a:endParaRPr lang="ru-RU" dirty="0"/>
           </a:p>
@@ -2824,8 +2805,6 @@
           <a:p>
             <a:fld id="{2D80A49E-0AE4-4F85-8EA4-F0781D345D2A}" type="slidenum">
               <a:rPr lang="ru-RU" smtClean="0"/>
-              <a:pPr/>
-              <a:t>‹#›</a:t>
             </a:fld>
             <a:endParaRPr lang="ru-RU" dirty="0"/>
           </a:p>
@@ -3032,6 +3011,7 @@
               <a:rPr lang="ru-RU"/>
               <a:t>Образец текста</a:t>
             </a:r>
+            <a:endParaRPr lang="ru-RU"/>
           </a:p>
         </p:txBody>
       </p:sp>
@@ -3052,8 +3032,6 @@
           <a:p>
             <a:fld id="{4AAD6C21-582B-4886-87A5-1A45D01A1598}" type="datetime1">
               <a:rPr lang="ru-RU" smtClean="0"/>
-              <a:pPr/>
-              <a:t>07.05.2017</a:t>
             </a:fld>
             <a:endParaRPr lang="ru-RU" dirty="0"/>
           </a:p>
@@ -3095,8 +3073,6 @@
           <a:p>
             <a:fld id="{2D80A49E-0AE4-4F85-8EA4-F0781D345D2A}" type="slidenum">
               <a:rPr lang="ru-RU" smtClean="0"/>
-              <a:pPr/>
-              <a:t>‹#›</a:t>
             </a:fld>
             <a:endParaRPr lang="ru-RU" dirty="0"/>
           </a:p>
@@ -3195,6 +3171,7 @@
               <a:rPr lang="ru-RU"/>
               <a:t>Образец текста</a:t>
             </a:r>
+            <a:endParaRPr lang="ru-RU"/>
           </a:p>
           <a:p>
             <a:pPr lvl="1"/>
@@ -3202,6 +3179,7 @@
               <a:rPr lang="ru-RU"/>
               <a:t>Второй уровень</a:t>
             </a:r>
+            <a:endParaRPr lang="ru-RU"/>
           </a:p>
           <a:p>
             <a:pPr lvl="2"/>
@@ -3209,6 +3187,7 @@
               <a:rPr lang="ru-RU"/>
               <a:t>Третий уровень</a:t>
             </a:r>
+            <a:endParaRPr lang="ru-RU"/>
           </a:p>
           <a:p>
             <a:pPr lvl="3"/>
@@ -3216,6 +3195,7 @@
               <a:rPr lang="ru-RU"/>
               <a:t>Четвертый уровень</a:t>
             </a:r>
+            <a:endParaRPr lang="ru-RU"/>
           </a:p>
           <a:p>
             <a:pPr lvl="4"/>
@@ -3264,8 +3244,6 @@
           <a:p>
             <a:fld id="{BADFDA0B-CF27-4A2E-976E-816ADD0FD315}" type="datetime1">
               <a:rPr lang="ru-RU" smtClean="0"/>
-              <a:pPr/>
-              <a:t>07.05.2017</a:t>
             </a:fld>
             <a:endParaRPr lang="ru-RU" dirty="0"/>
           </a:p>
@@ -3344,8 +3322,6 @@
           <a:p>
             <a:fld id="{2D80A49E-0AE4-4F85-8EA4-F0781D345D2A}" type="slidenum">
               <a:rPr lang="ru-RU" smtClean="0"/>
-              <a:pPr/>
-              <a:t>‹#›</a:t>
             </a:fld>
             <a:endParaRPr lang="ru-RU" dirty="0"/>
           </a:p>
@@ -3866,6 +3842,9 @@
               </a:rPr>
               <a:t>ОТДЕЛЕНИЕ  «ИНТЕЛЛЕКТУАЛЬНЫЕ КИБЕРНЕТИЧЕСКИЕ СИСТЕМЫ» </a:t>
             </a:r>
+            <a:endParaRPr sz="1400" dirty="0">
+              <a:effectLst/>
+            </a:endParaRPr>
           </a:p>
         </p:txBody>
       </p:sp>
@@ -4046,7 +4025,6 @@
           <a:p>
             <a:r>
               <a:rPr sz="2800" b="1" dirty="0">
-                <a:ln/>
                 <a:solidFill>
                   <a:schemeClr val="accent1"/>
                 </a:solidFill>
@@ -4084,6 +4062,16 @@
               </a:rPr>
               <a:t>FuzzyCLIPS</a:t>
             </a:r>
+            <a:endParaRPr sz="2800" b="1" dirty="0">
+              <a:effectLst>
+                <a:outerShdw blurRad="38100" dist="38100" dir="2700000" algn="tl">
+                  <a:srgbClr val="000000">
+                    <a:alpha val="43137"/>
+                  </a:srgbClr>
+                </a:outerShdw>
+              </a:effectLst>
+              <a:sym typeface="+mn-ea"/>
+            </a:endParaRPr>
           </a:p>
         </p:txBody>
       </p:sp>
@@ -4304,31 +4292,6 @@
               </a:rPr>
               <a:t>Рябов П.В</a:t>
             </a:r>
-          </a:p>
-          <a:p>
-            <a:pPr algn="r"/>
-            <a:r>
-              <a:rPr sz="1400" dirty="0">
-                <a:solidFill>
-                  <a:schemeClr val="tx1"/>
-                </a:solidFill>
-                <a:latin typeface="Times New Roman" panose="02020603050405020304" charset="0"/>
-              </a:rPr>
-              <a:t>Телегин Е.С</a:t>
-            </a:r>
-          </a:p>
-          <a:p>
-            <a:pPr algn="r"/>
-            <a:r>
-              <a:rPr sz="1400" dirty="0">
-                <a:solidFill>
-                  <a:schemeClr val="tx1"/>
-                </a:solidFill>
-                <a:latin typeface="Times New Roman" panose="02020603050405020304" charset="0"/>
-                <a:sym typeface="+mn-ea"/>
-              </a:rPr>
-              <a:t>Казорин С.В</a:t>
-            </a:r>
             <a:endParaRPr sz="1400" dirty="0">
               <a:solidFill>
                 <a:schemeClr val="tx1"/>
@@ -4337,6 +4300,43 @@
             </a:endParaRPr>
           </a:p>
           <a:p>
+            <a:pPr algn="r"/>
+            <a:r>
+              <a:rPr sz="1400" dirty="0">
+                <a:solidFill>
+                  <a:schemeClr val="tx1"/>
+                </a:solidFill>
+                <a:latin typeface="Times New Roman" panose="02020603050405020304" charset="0"/>
+              </a:rPr>
+              <a:t>Телегин Е.С</a:t>
+            </a:r>
+            <a:endParaRPr sz="1400" dirty="0">
+              <a:solidFill>
+                <a:schemeClr val="tx1"/>
+              </a:solidFill>
+              <a:latin typeface="Times New Roman" panose="02020603050405020304" charset="0"/>
+            </a:endParaRPr>
+          </a:p>
+          <a:p>
+            <a:pPr algn="r"/>
+            <a:r>
+              <a:rPr sz="1400" dirty="0">
+                <a:solidFill>
+                  <a:schemeClr val="tx1"/>
+                </a:solidFill>
+                <a:latin typeface="Times New Roman" panose="02020603050405020304" charset="0"/>
+                <a:sym typeface="+mn-ea"/>
+              </a:rPr>
+              <a:t>Казорин С.В</a:t>
+            </a:r>
+            <a:endParaRPr sz="1400" dirty="0">
+              <a:solidFill>
+                <a:schemeClr val="tx1"/>
+              </a:solidFill>
+              <a:latin typeface="Times New Roman" panose="02020603050405020304" charset="0"/>
+            </a:endParaRPr>
+          </a:p>
+          <a:p>
             <a:pPr algn="l"/>
             <a:r>
               <a:rPr sz="1400" dirty="0">
@@ -4347,6 +4347,12 @@
               </a:rPr>
               <a:t>				</a:t>
             </a:r>
+            <a:endParaRPr sz="1400" dirty="0">
+              <a:solidFill>
+                <a:schemeClr val="tx1"/>
+              </a:solidFill>
+              <a:latin typeface="Times New Roman" panose="02020603050405020304" charset="0"/>
+            </a:endParaRPr>
           </a:p>
           <a:p>
             <a:pPr algn="l"/>
@@ -4368,6 +4374,12 @@
               </a:rPr>
               <a:t>											</a:t>
             </a:r>
+            <a:endParaRPr sz="1400" dirty="0">
+              <a:solidFill>
+                <a:schemeClr val="tx1"/>
+              </a:solidFill>
+              <a:latin typeface="Times New Roman" panose="02020603050405020304" charset="0"/>
+            </a:endParaRPr>
           </a:p>
         </p:txBody>
       </p:sp>
@@ -4380,7 +4392,7 @@
           <p:nvPr/>
         </p:nvPicPr>
         <p:blipFill>
-          <a:blip r:embed="rId2" cstate="print">
+          <a:blip r:embed="rId1" cstate="print">
             <a:clrChange>
               <a:clrFrom>
                 <a:srgbClr val="FFFFFF">
@@ -4612,6 +4624,12 @@
               </a:rPr>
               <a:t>2017</a:t>
             </a:r>
+            <a:endParaRPr lang="ru-RU" sz="1800" dirty="0">
+              <a:solidFill>
+                <a:schemeClr val="tx1"/>
+              </a:solidFill>
+              <a:latin typeface="+mn-lt"/>
+            </a:endParaRPr>
           </a:p>
         </p:txBody>
       </p:sp>
@@ -4676,7 +4694,7 @@
                 <a:ea typeface="+mn-ea"/>
                 <a:cs typeface="+mn-cs"/>
               </a:rPr>
-              <a:t>9. Функции принадлежности в </a:t>
+              <a:t>8. Функции принадлежности в </a:t>
             </a:r>
             <a:r>
               <a:rPr lang="en-US" sz="2800" b="1" dirty="0" err="1">
@@ -4860,6 +4878,14 @@
               </a:rPr>
               <a:t>.</a:t>
             </a:r>
+            <a:endParaRPr lang="ru-RU" sz="1400" dirty="0">
+              <a:solidFill>
+                <a:srgbClr val="000000"/>
+              </a:solidFill>
+              <a:latin typeface="Courier New" panose="02070309020205020404" pitchFamily="49" charset="0"/>
+              <a:ea typeface="Courier New" panose="02070309020205020404" pitchFamily="49" charset="0"/>
+              <a:cs typeface="Courier New" panose="02070309020205020404" pitchFamily="49" charset="0"/>
+            </a:endParaRPr>
           </a:p>
           <a:p>
             <a:pPr>
@@ -4896,8 +4922,6 @@
           <a:p>
             <a:fld id="{2D80A49E-0AE4-4F85-8EA4-F0781D345D2A}" type="slidenum">
               <a:rPr lang="ru-RU" smtClean="0"/>
-              <a:pPr/>
-              <a:t>10</a:t>
             </a:fld>
             <a:endParaRPr lang="ru-RU" dirty="0"/>
           </a:p>
@@ -4910,7 +4934,7 @@
           <p:nvPr/>
         </p:nvPicPr>
         <p:blipFill>
-          <a:blip r:embed="rId2" cstate="print"/>
+          <a:blip r:embed="rId1" cstate="print"/>
           <a:stretch>
             <a:fillRect/>
           </a:stretch>
@@ -4990,7 +5014,7 @@
                 <a:ea typeface="+mn-ea"/>
                 <a:cs typeface="+mn-cs"/>
               </a:rPr>
-              <a:t>10. Способы представления функций принадлежности в </a:t>
+              <a:t>9. Способы представления функций принадлежности в </a:t>
             </a:r>
             <a:r>
               <a:rPr lang="en-US" sz="2800" b="1" dirty="0" err="1">
@@ -5050,6 +5074,7 @@
               <a:rPr lang="ru-RU" dirty="0"/>
               <a:t>		</a:t>
             </a:r>
+            <a:endParaRPr lang="ru-RU" dirty="0"/>
           </a:p>
           <a:p>
             <a:pPr>
@@ -5121,6 +5146,14 @@
               </a:rPr>
               <a:t> 3 разными способами:</a:t>
             </a:r>
+            <a:endParaRPr lang="ru-RU" sz="1400" dirty="0">
+              <a:solidFill>
+                <a:srgbClr val="000000"/>
+              </a:solidFill>
+              <a:latin typeface="Courier New" panose="02070309020205020404" pitchFamily="49" charset="0"/>
+              <a:ea typeface="Courier New" panose="02070309020205020404" pitchFamily="49" charset="0"/>
+              <a:cs typeface="Courier New" panose="02070309020205020404" pitchFamily="49" charset="0"/>
+            </a:endParaRPr>
           </a:p>
           <a:p>
             <a:pPr>
@@ -5179,6 +5212,14 @@
               </a:rPr>
               <a:t>Представление в виде стандартной функции</a:t>
             </a:r>
+            <a:endParaRPr lang="ru-RU" sz="1400" dirty="0">
+              <a:solidFill>
+                <a:srgbClr val="000000"/>
+              </a:solidFill>
+              <a:latin typeface="Courier New" panose="02070309020205020404" pitchFamily="49" charset="0"/>
+              <a:ea typeface="Courier New" panose="02070309020205020404" pitchFamily="49" charset="0"/>
+              <a:cs typeface="Courier New" panose="02070309020205020404" pitchFamily="49" charset="0"/>
+            </a:endParaRPr>
           </a:p>
           <a:p>
             <a:r>
@@ -5192,6 +5233,14 @@
               </a:rPr>
               <a:t>Представление в виде языковых выражений</a:t>
             </a:r>
+            <a:endParaRPr lang="ru-RU" sz="1400" dirty="0">
+              <a:solidFill>
+                <a:srgbClr val="000000"/>
+              </a:solidFill>
+              <a:latin typeface="Courier New" panose="02070309020205020404" pitchFamily="49" charset="0"/>
+              <a:ea typeface="Courier New" panose="02070309020205020404" pitchFamily="49" charset="0"/>
+              <a:cs typeface="Courier New" panose="02070309020205020404" pitchFamily="49" charset="0"/>
+            </a:endParaRPr>
           </a:p>
         </p:txBody>
       </p:sp>
@@ -5212,8 +5261,6 @@
           <a:p>
             <a:fld id="{2D80A49E-0AE4-4F85-8EA4-F0781D345D2A}" type="slidenum">
               <a:rPr lang="ru-RU" smtClean="0"/>
-              <a:pPr/>
-              <a:t>11</a:t>
             </a:fld>
             <a:endParaRPr lang="ru-RU" dirty="0"/>
           </a:p>
@@ -5280,7 +5327,7 @@
                 <a:ea typeface="+mn-ea"/>
                 <a:cs typeface="+mn-cs"/>
               </a:rPr>
-              <a:t>12.Представление в виде </a:t>
+              <a:t>10. Представление в виде </a:t>
             </a:r>
             <a:r>
               <a:rPr lang="ru-RU" sz="2800" b="1" dirty="0" err="1">
@@ -5734,6 +5781,14 @@
               </a:rPr>
               <a:t> можно описать следующим образом:</a:t>
             </a:r>
+            <a:endParaRPr lang="ru-RU" sz="2500" dirty="0">
+              <a:solidFill>
+                <a:srgbClr val="000000"/>
+              </a:solidFill>
+              <a:latin typeface="Courier New" panose="02070309020205020404" pitchFamily="49" charset="0"/>
+              <a:ea typeface="Courier New" panose="02070309020205020404" pitchFamily="49" charset="0"/>
+              <a:cs typeface="Courier New" panose="02070309020205020404" pitchFamily="49" charset="0"/>
+            </a:endParaRPr>
           </a:p>
           <a:p>
             <a:pPr>
@@ -5943,6 +5998,14 @@
               </a:rPr>
               <a:t>.</a:t>
             </a:r>
+            <a:endParaRPr lang="ru-RU" sz="2500" dirty="0">
+              <a:solidFill>
+                <a:srgbClr val="000000"/>
+              </a:solidFill>
+              <a:latin typeface="Courier New" panose="02070309020205020404" pitchFamily="49" charset="0"/>
+              <a:ea typeface="Courier New" panose="02070309020205020404" pitchFamily="49" charset="0"/>
+              <a:cs typeface="Courier New" panose="02070309020205020404" pitchFamily="49" charset="0"/>
+            </a:endParaRPr>
           </a:p>
           <a:p>
             <a:pPr>
@@ -6038,6 +6101,14 @@
               </a:rPr>
               <a:t>):</a:t>
             </a:r>
+            <a:endParaRPr lang="ru-RU" sz="2500" dirty="0">
+              <a:solidFill>
+                <a:srgbClr val="000000"/>
+              </a:solidFill>
+              <a:latin typeface="Courier New" panose="02070309020205020404" pitchFamily="49" charset="0"/>
+              <a:ea typeface="Courier New" panose="02070309020205020404" pitchFamily="49" charset="0"/>
+              <a:cs typeface="Courier New" panose="02070309020205020404" pitchFamily="49" charset="0"/>
+            </a:endParaRPr>
           </a:p>
           <a:p>
             <a:pPr>
@@ -6199,6 +6270,14 @@
               </a:rPr>
               <a:t>1</a:t>
             </a:r>
+            <a:endParaRPr lang="ru-RU" sz="2500" dirty="0">
+              <a:solidFill>
+                <a:srgbClr val="000000"/>
+              </a:solidFill>
+              <a:latin typeface="Courier New" panose="02070309020205020404" pitchFamily="49" charset="0"/>
+              <a:ea typeface="Courier New" panose="02070309020205020404" pitchFamily="49" charset="0"/>
+              <a:cs typeface="Courier New" panose="02070309020205020404" pitchFamily="49" charset="0"/>
+            </a:endParaRPr>
           </a:p>
           <a:p>
             <a:pPr>
@@ -6746,8 +6825,6 @@
           <a:p>
             <a:fld id="{2D80A49E-0AE4-4F85-8EA4-F0781D345D2A}" type="slidenum">
               <a:rPr lang="ru-RU" smtClean="0"/>
-              <a:pPr/>
-              <a:t>12</a:t>
             </a:fld>
             <a:endParaRPr lang="ru-RU" dirty="0"/>
           </a:p>
@@ -6788,7 +6865,12 @@
             <p:ph type="title"/>
           </p:nvPr>
         </p:nvSpPr>
-        <p:spPr/>
+        <p:spPr>
+          <a:xfrm>
+            <a:off x="457200" y="0"/>
+            <a:ext cx="8229600" cy="975360"/>
+          </a:xfrm>
+        </p:spPr>
         <p:txBody>
           <a:bodyPr/>
           <a:lstStyle/>
@@ -6811,6 +6893,21 @@
               </a:rPr>
               <a:t>Пример</a:t>
             </a:r>
+            <a:endParaRPr lang="ru-RU" sz="2800" b="1" dirty="0">
+              <a:solidFill>
+                <a:schemeClr val="accent1"/>
+              </a:solidFill>
+              <a:effectLst>
+                <a:outerShdw blurRad="38100" dist="25400" dir="5400000" algn="ctr" rotWithShape="0">
+                  <a:srgbClr val="6E747A">
+                    <a:alpha val="43000"/>
+                  </a:srgbClr>
+                </a:outerShdw>
+              </a:effectLst>
+              <a:latin typeface="Times New Roman" panose="02020603050405020304" charset="0"/>
+              <a:ea typeface="+mn-ea"/>
+              <a:cs typeface="+mn-cs"/>
+            </a:endParaRPr>
           </a:p>
         </p:txBody>
       </p:sp>
@@ -6922,6 +7019,14 @@
               </a:rPr>
               <a:t> 9}</a:t>
             </a:r>
+            <a:endParaRPr lang="ru-RU" sz="1400" dirty="0">
+              <a:solidFill>
+                <a:srgbClr val="000000"/>
+              </a:solidFill>
+              <a:latin typeface="Courier New" panose="02070309020205020404" pitchFamily="49" charset="0"/>
+              <a:ea typeface="Courier New" panose="02070309020205020404" pitchFamily="49" charset="0"/>
+              <a:cs typeface="Courier New" panose="02070309020205020404" pitchFamily="49" charset="0"/>
+            </a:endParaRPr>
           </a:p>
           <a:p>
             <a:pPr>
@@ -6949,6 +7054,14 @@
               </a:rPr>
               <a:t>Мы можем определить нечеткое множество следующим образом</a:t>
             </a:r>
+            <a:endParaRPr lang="ru-RU" sz="1400" dirty="0">
+              <a:solidFill>
+                <a:srgbClr val="000000"/>
+              </a:solidFill>
+              <a:latin typeface="Courier New" panose="02070309020205020404" pitchFamily="49" charset="0"/>
+              <a:ea typeface="Courier New" panose="02070309020205020404" pitchFamily="49" charset="0"/>
+              <a:cs typeface="Courier New" panose="02070309020205020404" pitchFamily="49" charset="0"/>
+            </a:endParaRPr>
           </a:p>
           <a:p>
             <a:pPr>
@@ -6965,6 +7078,14 @@
               </a:rPr>
               <a:t> </a:t>
             </a:r>
+            <a:endParaRPr lang="ru-RU" sz="1400" dirty="0">
+              <a:solidFill>
+                <a:srgbClr val="000000"/>
+              </a:solidFill>
+              <a:latin typeface="Courier New" panose="02070309020205020404" pitchFamily="49" charset="0"/>
+              <a:ea typeface="Courier New" panose="02070309020205020404" pitchFamily="49" charset="0"/>
+              <a:cs typeface="Courier New" panose="02070309020205020404" pitchFamily="49" charset="0"/>
+            </a:endParaRPr>
           </a:p>
           <a:p>
             <a:pPr>
@@ -7036,6 +7157,14 @@
               </a:rPr>
               <a:t>(3)= 0.9,m(4)= 1,m(5)= 0.8,m(6)= 0.5,m(7)= 0,m(8)= 0,m(9)= 0 </a:t>
             </a:r>
+            <a:endParaRPr lang="ru-RU" sz="1400" dirty="0">
+              <a:solidFill>
+                <a:srgbClr val="000000"/>
+              </a:solidFill>
+              <a:latin typeface="Courier New" panose="02070309020205020404" pitchFamily="49" charset="0"/>
+              <a:ea typeface="Courier New" panose="02070309020205020404" pitchFamily="49" charset="0"/>
+              <a:cs typeface="Courier New" panose="02070309020205020404" pitchFamily="49" charset="0"/>
+            </a:endParaRPr>
           </a:p>
           <a:p>
             <a:pPr>
@@ -7085,6 +7214,14 @@
               </a:rPr>
               <a:t> (1 0) (2 0.3) (3 0.9) (4 1) (5 0.8) (6 0.5) (7 0)</a:t>
             </a:r>
+            <a:endParaRPr lang="ru-RU" sz="1400" dirty="0">
+              <a:solidFill>
+                <a:srgbClr val="000000"/>
+              </a:solidFill>
+              <a:latin typeface="Courier New" panose="02070309020205020404" pitchFamily="49" charset="0"/>
+              <a:ea typeface="Courier New" panose="02070309020205020404" pitchFamily="49" charset="0"/>
+              <a:cs typeface="Courier New" panose="02070309020205020404" pitchFamily="49" charset="0"/>
+            </a:endParaRPr>
           </a:p>
           <a:p>
             <a:pPr>
@@ -7112,6 +7249,14 @@
               </a:rPr>
               <a:t>Можно также показать этот набор графически, как на рисунке ниже. </a:t>
             </a:r>
+            <a:endParaRPr lang="ru-RU" sz="1400" dirty="0">
+              <a:solidFill>
+                <a:srgbClr val="000000"/>
+              </a:solidFill>
+              <a:latin typeface="Courier New" panose="02070309020205020404" pitchFamily="49" charset="0"/>
+              <a:ea typeface="Courier New" panose="02070309020205020404" pitchFamily="49" charset="0"/>
+              <a:cs typeface="Courier New" panose="02070309020205020404" pitchFamily="49" charset="0"/>
+            </a:endParaRPr>
           </a:p>
           <a:p>
             <a:pPr>
@@ -7138,8 +7283,6 @@
           <a:p>
             <a:fld id="{2D80A49E-0AE4-4F85-8EA4-F0781D345D2A}" type="slidenum">
               <a:rPr lang="ru-RU" smtClean="0"/>
-              <a:pPr/>
-              <a:t>13</a:t>
             </a:fld>
             <a:endParaRPr lang="ru-RU" dirty="0"/>
           </a:p>
@@ -7152,7 +7295,7 @@
           <p:nvPr/>
         </p:nvPicPr>
         <p:blipFill>
-          <a:blip r:embed="rId2" cstate="print"/>
+          <a:blip r:embed="rId1" cstate="print"/>
           <a:srcRect/>
           <a:stretch>
             <a:fillRect/>
@@ -7230,8 +7373,23 @@
                 <a:ea typeface="+mn-ea"/>
                 <a:cs typeface="+mn-cs"/>
               </a:rPr>
-              <a:t>13. Представление в виде стандартной функции</a:t>
-            </a:r>
+              <a:t>11. Представление в виде стандартной функции</a:t>
+            </a:r>
+            <a:endParaRPr lang="ru-RU" sz="2800" b="1" dirty="0">
+              <a:solidFill>
+                <a:schemeClr val="accent1"/>
+              </a:solidFill>
+              <a:effectLst>
+                <a:outerShdw blurRad="38100" dist="25400" dir="5400000" algn="ctr" rotWithShape="0">
+                  <a:srgbClr val="6E747A">
+                    <a:alpha val="43000"/>
+                  </a:srgbClr>
+                </a:outerShdw>
+              </a:effectLst>
+              <a:latin typeface="Times New Roman" panose="02020603050405020304" charset="0"/>
+              <a:ea typeface="+mn-ea"/>
+              <a:cs typeface="+mn-cs"/>
+            </a:endParaRPr>
           </a:p>
         </p:txBody>
       </p:sp>
@@ -7508,6 +7666,14 @@
               </a:rPr>
               <a:t>)</a:t>
             </a:r>
+            <a:endParaRPr lang="ru-RU" sz="1400" dirty="0">
+              <a:solidFill>
+                <a:srgbClr val="000000"/>
+              </a:solidFill>
+              <a:latin typeface="Courier New" panose="02070309020205020404" pitchFamily="49" charset="0"/>
+              <a:ea typeface="Courier New" panose="02070309020205020404" pitchFamily="49" charset="0"/>
+              <a:cs typeface="Courier New" panose="02070309020205020404" pitchFamily="49" charset="0"/>
+            </a:endParaRPr>
           </a:p>
           <a:p>
             <a:pPr>
@@ -7625,6 +7791,14 @@
               </a:rPr>
               <a:t>числа, представляющие параметры соответствующих функций.</a:t>
             </a:r>
+            <a:endParaRPr lang="ru-RU" sz="1400" dirty="0">
+              <a:solidFill>
+                <a:srgbClr val="000000"/>
+              </a:solidFill>
+              <a:latin typeface="Courier New" panose="02070309020205020404" pitchFamily="49" charset="0"/>
+              <a:ea typeface="Courier New" panose="02070309020205020404" pitchFamily="49" charset="0"/>
+              <a:cs typeface="Courier New" panose="02070309020205020404" pitchFamily="49" charset="0"/>
+            </a:endParaRPr>
           </a:p>
           <a:p>
             <a:endParaRPr lang="ru-RU" dirty="0"/>
@@ -7648,8 +7822,6 @@
           <a:p>
             <a:fld id="{2D80A49E-0AE4-4F85-8EA4-F0781D345D2A}" type="slidenum">
               <a:rPr lang="ru-RU" smtClean="0"/>
-              <a:pPr/>
-              <a:t>14</a:t>
             </a:fld>
             <a:endParaRPr lang="ru-RU" dirty="0"/>
           </a:p>
@@ -7662,7 +7834,7 @@
           <p:nvPr/>
         </p:nvPicPr>
         <p:blipFill>
-          <a:blip r:embed="rId2" cstate="print"/>
+          <a:blip r:embed="rId1" cstate="print"/>
           <a:srcRect/>
           <a:stretch>
             <a:fillRect/>
@@ -7686,7 +7858,7 @@
           <p:nvPr/>
         </p:nvPicPr>
         <p:blipFill>
-          <a:blip r:embed="rId3" cstate="print"/>
+          <a:blip r:embed="rId2" cstate="print"/>
           <a:srcRect/>
           <a:stretch>
             <a:fillRect/>
@@ -7710,7 +7882,7 @@
           <p:nvPr/>
         </p:nvPicPr>
         <p:blipFill>
-          <a:blip r:embed="rId4" cstate="print"/>
+          <a:blip r:embed="rId3" cstate="print"/>
           <a:srcRect/>
           <a:stretch>
             <a:fillRect/>
@@ -7788,8 +7960,23 @@
                 <a:ea typeface="+mn-ea"/>
                 <a:cs typeface="+mn-cs"/>
               </a:rPr>
-              <a:t>14. Представление в виде языковых выражений</a:t>
-            </a:r>
+              <a:t>12. Представление в виде языковых выражений</a:t>
+            </a:r>
+            <a:endParaRPr lang="ru-RU" sz="2800" b="1" dirty="0">
+              <a:solidFill>
+                <a:schemeClr val="accent1"/>
+              </a:solidFill>
+              <a:effectLst>
+                <a:outerShdw blurRad="38100" dist="25400" dir="5400000" algn="ctr" rotWithShape="0">
+                  <a:srgbClr val="6E747A">
+                    <a:alpha val="43000"/>
+                  </a:srgbClr>
+                </a:outerShdw>
+              </a:effectLst>
+              <a:latin typeface="Times New Roman" panose="02020603050405020304" charset="0"/>
+              <a:ea typeface="+mn-ea"/>
+              <a:cs typeface="+mn-cs"/>
+            </a:endParaRPr>
           </a:p>
         </p:txBody>
       </p:sp>
@@ -7873,153 +8060,6 @@
               </a:rPr>
               <a:t> </a:t>
             </a:r>
-          </a:p>
-          <a:p>
-            <a:pPr>
-              <a:buNone/>
-            </a:pPr>
-            <a:r>
-              <a:rPr lang="ru-RU" sz="1600" dirty="0">
-                <a:solidFill>
-                  <a:srgbClr val="000000"/>
-                </a:solidFill>
-                <a:latin typeface="Courier New" panose="02070309020205020404" pitchFamily="49" charset="0"/>
-                <a:ea typeface="Courier New" panose="02070309020205020404" pitchFamily="49" charset="0"/>
-                <a:cs typeface="Courier New" panose="02070309020205020404" pitchFamily="49" charset="0"/>
-              </a:rPr>
-              <a:t>0 100 C </a:t>
-            </a:r>
-          </a:p>
-          <a:p>
-            <a:pPr>
-              <a:buNone/>
-            </a:pPr>
-            <a:r>
-              <a:rPr lang="ru-RU" sz="1600" dirty="0">
-                <a:solidFill>
-                  <a:srgbClr val="000000"/>
-                </a:solidFill>
-                <a:latin typeface="Courier New" panose="02070309020205020404" pitchFamily="49" charset="0"/>
-                <a:ea typeface="Courier New" panose="02070309020205020404" pitchFamily="49" charset="0"/>
-                <a:cs typeface="Courier New" panose="02070309020205020404" pitchFamily="49" charset="0"/>
-              </a:rPr>
-              <a:t>(  (</a:t>
-            </a:r>
-            <a:r>
-              <a:rPr lang="ru-RU" sz="1600" dirty="0" err="1">
-                <a:solidFill>
-                  <a:srgbClr val="000000"/>
-                </a:solidFill>
-                <a:latin typeface="Courier New" panose="02070309020205020404" pitchFamily="49" charset="0"/>
-                <a:ea typeface="Courier New" panose="02070309020205020404" pitchFamily="49" charset="0"/>
-                <a:cs typeface="Courier New" panose="02070309020205020404" pitchFamily="49" charset="0"/>
-              </a:rPr>
-              <a:t>cold</a:t>
-            </a:r>
-            <a:r>
-              <a:rPr lang="ru-RU" sz="1600" dirty="0">
-                <a:solidFill>
-                  <a:srgbClr val="000000"/>
-                </a:solidFill>
-                <a:latin typeface="Courier New" panose="02070309020205020404" pitchFamily="49" charset="0"/>
-                <a:ea typeface="Courier New" panose="02070309020205020404" pitchFamily="49" charset="0"/>
-                <a:cs typeface="Courier New" panose="02070309020205020404" pitchFamily="49" charset="0"/>
-              </a:rPr>
-              <a:t> (</a:t>
-            </a:r>
-            <a:r>
-              <a:rPr lang="ru-RU" sz="1600" dirty="0" err="1">
-                <a:solidFill>
-                  <a:srgbClr val="000000"/>
-                </a:solidFill>
-                <a:latin typeface="Courier New" panose="02070309020205020404" pitchFamily="49" charset="0"/>
-                <a:ea typeface="Courier New" panose="02070309020205020404" pitchFamily="49" charset="0"/>
-                <a:cs typeface="Courier New" panose="02070309020205020404" pitchFamily="49" charset="0"/>
-              </a:rPr>
-              <a:t>z</a:t>
-            </a:r>
-            <a:r>
-              <a:rPr lang="ru-RU" sz="1600" dirty="0">
-                <a:solidFill>
-                  <a:srgbClr val="000000"/>
-                </a:solidFill>
-                <a:latin typeface="Courier New" panose="02070309020205020404" pitchFamily="49" charset="0"/>
-                <a:ea typeface="Courier New" panose="02070309020205020404" pitchFamily="49" charset="0"/>
-                <a:cs typeface="Courier New" panose="02070309020205020404" pitchFamily="49" charset="0"/>
-              </a:rPr>
-              <a:t> 10 26))</a:t>
-            </a:r>
-          </a:p>
-          <a:p>
-            <a:pPr>
-              <a:buNone/>
-            </a:pPr>
-            <a:r>
-              <a:rPr lang="ru-RU" sz="1600" dirty="0">
-                <a:solidFill>
-                  <a:srgbClr val="000000"/>
-                </a:solidFill>
-                <a:latin typeface="Courier New" panose="02070309020205020404" pitchFamily="49" charset="0"/>
-                <a:ea typeface="Courier New" panose="02070309020205020404" pitchFamily="49" charset="0"/>
-                <a:cs typeface="Courier New" panose="02070309020205020404" pitchFamily="49" charset="0"/>
-              </a:rPr>
-              <a:t>;</a:t>
-            </a:r>
-            <a:r>
-              <a:rPr lang="ru-RU" sz="1600" dirty="0" err="1">
-                <a:solidFill>
-                  <a:srgbClr val="000000"/>
-                </a:solidFill>
-                <a:latin typeface="Courier New" panose="02070309020205020404" pitchFamily="49" charset="0"/>
-                <a:ea typeface="Courier New" panose="02070309020205020404" pitchFamily="49" charset="0"/>
-                <a:cs typeface="Courier New" panose="02070309020205020404" pitchFamily="49" charset="0"/>
-              </a:rPr>
-              <a:t>standard</a:t>
-            </a:r>
-            <a:r>
-              <a:rPr lang="ru-RU" sz="1600" dirty="0">
-                <a:solidFill>
-                  <a:srgbClr val="000000"/>
-                </a:solidFill>
-                <a:latin typeface="Courier New" panose="02070309020205020404" pitchFamily="49" charset="0"/>
-                <a:ea typeface="Courier New" panose="02070309020205020404" pitchFamily="49" charset="0"/>
-                <a:cs typeface="Courier New" panose="02070309020205020404" pitchFamily="49" charset="0"/>
-              </a:rPr>
-              <a:t> </a:t>
-            </a:r>
-            <a:r>
-              <a:rPr lang="ru-RU" sz="1600" dirty="0" err="1">
-                <a:solidFill>
-                  <a:srgbClr val="000000"/>
-                </a:solidFill>
-                <a:latin typeface="Courier New" panose="02070309020205020404" pitchFamily="49" charset="0"/>
-                <a:ea typeface="Courier New" panose="02070309020205020404" pitchFamily="49" charset="0"/>
-                <a:cs typeface="Courier New" panose="02070309020205020404" pitchFamily="49" charset="0"/>
-              </a:rPr>
-              <a:t>set</a:t>
-            </a:r>
-            <a:r>
-              <a:rPr lang="ru-RU" sz="1600" dirty="0">
-                <a:solidFill>
-                  <a:srgbClr val="000000"/>
-                </a:solidFill>
-                <a:latin typeface="Courier New" panose="02070309020205020404" pitchFamily="49" charset="0"/>
-                <a:ea typeface="Courier New" panose="02070309020205020404" pitchFamily="49" charset="0"/>
-                <a:cs typeface="Courier New" panose="02070309020205020404" pitchFamily="49" charset="0"/>
-              </a:rPr>
-              <a:t> </a:t>
-            </a:r>
-            <a:r>
-              <a:rPr lang="ru-RU" sz="1600" dirty="0" err="1">
-                <a:solidFill>
-                  <a:srgbClr val="000000"/>
-                </a:solidFill>
-                <a:latin typeface="Courier New" panose="02070309020205020404" pitchFamily="49" charset="0"/>
-                <a:ea typeface="Courier New" panose="02070309020205020404" pitchFamily="49" charset="0"/>
-                <a:cs typeface="Courier New" panose="02070309020205020404" pitchFamily="49" charset="0"/>
-              </a:rPr>
-              <a:t>representation</a:t>
-            </a:r>
             <a:endParaRPr lang="ru-RU" sz="1600" dirty="0">
               <a:solidFill>
                 <a:srgbClr val="000000"/>
@@ -8042,149 +8082,7 @@
                 <a:ea typeface="Courier New" panose="02070309020205020404" pitchFamily="49" charset="0"/>
                 <a:cs typeface="Courier New" panose="02070309020205020404" pitchFamily="49" charset="0"/>
               </a:rPr>
-              <a:t>(</a:t>
-            </a:r>
-            <a:r>
-              <a:rPr lang="ru-RU" sz="1600" dirty="0" err="1">
-                <a:solidFill>
-                  <a:srgbClr val="000000"/>
-                </a:solidFill>
-                <a:latin typeface="Courier New" panose="02070309020205020404" pitchFamily="49" charset="0"/>
-                <a:ea typeface="Courier New" panose="02070309020205020404" pitchFamily="49" charset="0"/>
-                <a:cs typeface="Courier New" panose="02070309020205020404" pitchFamily="49" charset="0"/>
-              </a:rPr>
-              <a:t>hot</a:t>
-            </a:r>
-            <a:r>
-              <a:rPr lang="ru-RU" sz="1600" dirty="0">
-                <a:solidFill>
-                  <a:srgbClr val="000000"/>
-                </a:solidFill>
-                <a:latin typeface="Courier New" panose="02070309020205020404" pitchFamily="49" charset="0"/>
-                <a:ea typeface="Courier New" panose="02070309020205020404" pitchFamily="49" charset="0"/>
-                <a:cs typeface="Courier New" panose="02070309020205020404" pitchFamily="49" charset="0"/>
-              </a:rPr>
-              <a:t> (</a:t>
-            </a:r>
-            <a:r>
-              <a:rPr lang="ru-RU" sz="1600" dirty="0" err="1">
-                <a:solidFill>
-                  <a:srgbClr val="000000"/>
-                </a:solidFill>
-                <a:latin typeface="Courier New" panose="02070309020205020404" pitchFamily="49" charset="0"/>
-                <a:ea typeface="Courier New" panose="02070309020205020404" pitchFamily="49" charset="0"/>
-                <a:cs typeface="Courier New" panose="02070309020205020404" pitchFamily="49" charset="0"/>
-              </a:rPr>
-              <a:t>s</a:t>
-            </a:r>
-            <a:r>
-              <a:rPr lang="ru-RU" sz="1600" dirty="0">
-                <a:solidFill>
-                  <a:srgbClr val="000000"/>
-                </a:solidFill>
-                <a:latin typeface="Courier New" panose="02070309020205020404" pitchFamily="49" charset="0"/>
-                <a:ea typeface="Courier New" panose="02070309020205020404" pitchFamily="49" charset="0"/>
-                <a:cs typeface="Courier New" panose="02070309020205020404" pitchFamily="49" charset="0"/>
-              </a:rPr>
-              <a:t> 37 60))</a:t>
-            </a:r>
-          </a:p>
-          <a:p>
-            <a:pPr>
-              <a:buNone/>
-            </a:pPr>
-            <a:r>
-              <a:rPr lang="ru-RU" sz="1600" dirty="0">
-                <a:solidFill>
-                  <a:srgbClr val="000000"/>
-                </a:solidFill>
-                <a:latin typeface="Courier New" panose="02070309020205020404" pitchFamily="49" charset="0"/>
-                <a:ea typeface="Courier New" panose="02070309020205020404" pitchFamily="49" charset="0"/>
-                <a:cs typeface="Courier New" panose="02070309020205020404" pitchFamily="49" charset="0"/>
-              </a:rPr>
-              <a:t>;</a:t>
-            </a:r>
-            <a:r>
-              <a:rPr lang="ru-RU" sz="1600" dirty="0" err="1">
-                <a:solidFill>
-                  <a:srgbClr val="000000"/>
-                </a:solidFill>
-                <a:latin typeface="Courier New" panose="02070309020205020404" pitchFamily="49" charset="0"/>
-                <a:ea typeface="Courier New" panose="02070309020205020404" pitchFamily="49" charset="0"/>
-                <a:cs typeface="Courier New" panose="02070309020205020404" pitchFamily="49" charset="0"/>
-              </a:rPr>
-              <a:t>standard</a:t>
-            </a:r>
-            <a:r>
-              <a:rPr lang="ru-RU" sz="1600" dirty="0">
-                <a:solidFill>
-                  <a:srgbClr val="000000"/>
-                </a:solidFill>
-                <a:latin typeface="Courier New" panose="02070309020205020404" pitchFamily="49" charset="0"/>
-                <a:ea typeface="Courier New" panose="02070309020205020404" pitchFamily="49" charset="0"/>
-                <a:cs typeface="Courier New" panose="02070309020205020404" pitchFamily="49" charset="0"/>
-              </a:rPr>
-              <a:t> </a:t>
-            </a:r>
-            <a:r>
-              <a:rPr lang="ru-RU" sz="1600" dirty="0" err="1">
-                <a:solidFill>
-                  <a:srgbClr val="000000"/>
-                </a:solidFill>
-                <a:latin typeface="Courier New" panose="02070309020205020404" pitchFamily="49" charset="0"/>
-                <a:ea typeface="Courier New" panose="02070309020205020404" pitchFamily="49" charset="0"/>
-                <a:cs typeface="Courier New" panose="02070309020205020404" pitchFamily="49" charset="0"/>
-              </a:rPr>
-              <a:t>set</a:t>
-            </a:r>
-            <a:r>
-              <a:rPr lang="ru-RU" sz="1600" dirty="0">
-                <a:solidFill>
-                  <a:srgbClr val="000000"/>
-                </a:solidFill>
-                <a:latin typeface="Courier New" panose="02070309020205020404" pitchFamily="49" charset="0"/>
-                <a:ea typeface="Courier New" panose="02070309020205020404" pitchFamily="49" charset="0"/>
-                <a:cs typeface="Courier New" panose="02070309020205020404" pitchFamily="49" charset="0"/>
-              </a:rPr>
-              <a:t> </a:t>
-            </a:r>
-            <a:r>
-              <a:rPr lang="ru-RU" sz="1600" dirty="0" err="1">
-                <a:solidFill>
-                  <a:srgbClr val="000000"/>
-                </a:solidFill>
-                <a:latin typeface="Courier New" panose="02070309020205020404" pitchFamily="49" charset="0"/>
-                <a:ea typeface="Courier New" panose="02070309020205020404" pitchFamily="49" charset="0"/>
-                <a:cs typeface="Courier New" panose="02070309020205020404" pitchFamily="49" charset="0"/>
-              </a:rPr>
-              <a:t>representation</a:t>
-            </a:r>
-            <a:r>
-              <a:rPr lang="ru-RU" sz="1600" dirty="0">
-                <a:solidFill>
-                  <a:srgbClr val="000000"/>
-                </a:solidFill>
-                <a:latin typeface="Courier New" panose="02070309020205020404" pitchFamily="49" charset="0"/>
-                <a:ea typeface="Courier New" panose="02070309020205020404" pitchFamily="49" charset="0"/>
-                <a:cs typeface="Courier New" panose="02070309020205020404" pitchFamily="49" charset="0"/>
-              </a:rPr>
-              <a:t> </a:t>
-            </a:r>
-          </a:p>
-          <a:p>
-            <a:pPr>
-              <a:buNone/>
-            </a:pPr>
-            <a:r>
-              <a:rPr lang="en-US" sz="1600" dirty="0">
-                <a:solidFill>
-                  <a:srgbClr val="000000"/>
-                </a:solidFill>
-                <a:latin typeface="Courier New" panose="02070309020205020404" pitchFamily="49" charset="0"/>
-                <a:ea typeface="Courier New" panose="02070309020205020404" pitchFamily="49" charset="0"/>
-                <a:cs typeface="Courier New" panose="02070309020205020404" pitchFamily="49" charset="0"/>
-              </a:rPr>
-              <a:t>(warm not [ hot or cold ]) ; linguistic expression </a:t>
+              <a:t>0 100 C </a:t>
             </a:r>
             <a:endParaRPr lang="ru-RU" sz="1600" dirty="0">
               <a:solidFill>
@@ -8200,15 +8098,59 @@
               <a:buNone/>
             </a:pPr>
             <a:r>
-              <a:rPr lang="en-US" sz="1600" dirty="0">
-                <a:solidFill>
-                  <a:srgbClr val="000000"/>
-                </a:solidFill>
-                <a:latin typeface="Courier New" panose="02070309020205020404" pitchFamily="49" charset="0"/>
-                <a:ea typeface="Courier New" panose="02070309020205020404" pitchFamily="49" charset="0"/>
-                <a:cs typeface="Courier New" panose="02070309020205020404" pitchFamily="49" charset="0"/>
-              </a:rPr>
-              <a:t>) </a:t>
+              <a:rPr lang="ru-RU" sz="1600" dirty="0">
+                <a:solidFill>
+                  <a:srgbClr val="000000"/>
+                </a:solidFill>
+                <a:latin typeface="Courier New" panose="02070309020205020404" pitchFamily="49" charset="0"/>
+                <a:ea typeface="Courier New" panose="02070309020205020404" pitchFamily="49" charset="0"/>
+                <a:cs typeface="Courier New" panose="02070309020205020404" pitchFamily="49" charset="0"/>
+              </a:rPr>
+              <a:t>(  (</a:t>
+            </a:r>
+            <a:r>
+              <a:rPr lang="ru-RU" sz="1600" dirty="0" err="1">
+                <a:solidFill>
+                  <a:srgbClr val="000000"/>
+                </a:solidFill>
+                <a:latin typeface="Courier New" panose="02070309020205020404" pitchFamily="49" charset="0"/>
+                <a:ea typeface="Courier New" panose="02070309020205020404" pitchFamily="49" charset="0"/>
+                <a:cs typeface="Courier New" panose="02070309020205020404" pitchFamily="49" charset="0"/>
+              </a:rPr>
+              <a:t>cold</a:t>
+            </a:r>
+            <a:r>
+              <a:rPr lang="ru-RU" sz="1600" dirty="0">
+                <a:solidFill>
+                  <a:srgbClr val="000000"/>
+                </a:solidFill>
+                <a:latin typeface="Courier New" panose="02070309020205020404" pitchFamily="49" charset="0"/>
+                <a:ea typeface="Courier New" panose="02070309020205020404" pitchFamily="49" charset="0"/>
+                <a:cs typeface="Courier New" panose="02070309020205020404" pitchFamily="49" charset="0"/>
+              </a:rPr>
+              <a:t> (</a:t>
+            </a:r>
+            <a:r>
+              <a:rPr lang="ru-RU" sz="1600" dirty="0" err="1">
+                <a:solidFill>
+                  <a:srgbClr val="000000"/>
+                </a:solidFill>
+                <a:latin typeface="Courier New" panose="02070309020205020404" pitchFamily="49" charset="0"/>
+                <a:ea typeface="Courier New" panose="02070309020205020404" pitchFamily="49" charset="0"/>
+                <a:cs typeface="Courier New" panose="02070309020205020404" pitchFamily="49" charset="0"/>
+              </a:rPr>
+              <a:t>z</a:t>
+            </a:r>
+            <a:r>
+              <a:rPr lang="ru-RU" sz="1600" dirty="0">
+                <a:solidFill>
+                  <a:srgbClr val="000000"/>
+                </a:solidFill>
+                <a:latin typeface="Courier New" panose="02070309020205020404" pitchFamily="49" charset="0"/>
+                <a:ea typeface="Courier New" panose="02070309020205020404" pitchFamily="49" charset="0"/>
+                <a:cs typeface="Courier New" panose="02070309020205020404" pitchFamily="49" charset="0"/>
+              </a:rPr>
+              <a:t> 10 26))</a:t>
             </a:r>
             <a:endParaRPr lang="ru-RU" sz="1600" dirty="0">
               <a:solidFill>
@@ -8224,15 +8166,70 @@
               <a:buNone/>
             </a:pPr>
             <a:r>
-              <a:rPr lang="en-US" sz="1600" dirty="0">
-                <a:solidFill>
-                  <a:srgbClr val="000000"/>
-                </a:solidFill>
-                <a:latin typeface="Courier New" panose="02070309020205020404" pitchFamily="49" charset="0"/>
-                <a:ea typeface="Courier New" panose="02070309020205020404" pitchFamily="49" charset="0"/>
-                <a:cs typeface="Courier New" panose="02070309020205020404" pitchFamily="49" charset="0"/>
-              </a:rPr>
-              <a:t>)</a:t>
+              <a:rPr lang="ru-RU" sz="1600" dirty="0">
+                <a:solidFill>
+                  <a:srgbClr val="000000"/>
+                </a:solidFill>
+                <a:latin typeface="Courier New" panose="02070309020205020404" pitchFamily="49" charset="0"/>
+                <a:ea typeface="Courier New" panose="02070309020205020404" pitchFamily="49" charset="0"/>
+                <a:cs typeface="Courier New" panose="02070309020205020404" pitchFamily="49" charset="0"/>
+              </a:rPr>
+              <a:t>;</a:t>
+            </a:r>
+            <a:r>
+              <a:rPr lang="ru-RU" sz="1600" dirty="0" err="1">
+                <a:solidFill>
+                  <a:srgbClr val="000000"/>
+                </a:solidFill>
+                <a:latin typeface="Courier New" panose="02070309020205020404" pitchFamily="49" charset="0"/>
+                <a:ea typeface="Courier New" panose="02070309020205020404" pitchFamily="49" charset="0"/>
+                <a:cs typeface="Courier New" panose="02070309020205020404" pitchFamily="49" charset="0"/>
+              </a:rPr>
+              <a:t>standard</a:t>
+            </a:r>
+            <a:r>
+              <a:rPr lang="ru-RU" sz="1600" dirty="0">
+                <a:solidFill>
+                  <a:srgbClr val="000000"/>
+                </a:solidFill>
+                <a:latin typeface="Courier New" panose="02070309020205020404" pitchFamily="49" charset="0"/>
+                <a:ea typeface="Courier New" panose="02070309020205020404" pitchFamily="49" charset="0"/>
+                <a:cs typeface="Courier New" panose="02070309020205020404" pitchFamily="49" charset="0"/>
+              </a:rPr>
+              <a:t> </a:t>
+            </a:r>
+            <a:r>
+              <a:rPr lang="ru-RU" sz="1600" dirty="0" err="1">
+                <a:solidFill>
+                  <a:srgbClr val="000000"/>
+                </a:solidFill>
+                <a:latin typeface="Courier New" panose="02070309020205020404" pitchFamily="49" charset="0"/>
+                <a:ea typeface="Courier New" panose="02070309020205020404" pitchFamily="49" charset="0"/>
+                <a:cs typeface="Courier New" panose="02070309020205020404" pitchFamily="49" charset="0"/>
+              </a:rPr>
+              <a:t>set</a:t>
+            </a:r>
+            <a:r>
+              <a:rPr lang="ru-RU" sz="1600" dirty="0">
+                <a:solidFill>
+                  <a:srgbClr val="000000"/>
+                </a:solidFill>
+                <a:latin typeface="Courier New" panose="02070309020205020404" pitchFamily="49" charset="0"/>
+                <a:ea typeface="Courier New" panose="02070309020205020404" pitchFamily="49" charset="0"/>
+                <a:cs typeface="Courier New" panose="02070309020205020404" pitchFamily="49" charset="0"/>
+              </a:rPr>
+              <a:t> </a:t>
+            </a:r>
+            <a:r>
+              <a:rPr lang="ru-RU" sz="1600" dirty="0" err="1">
+                <a:solidFill>
+                  <a:srgbClr val="000000"/>
+                </a:solidFill>
+                <a:latin typeface="Courier New" panose="02070309020205020404" pitchFamily="49" charset="0"/>
+                <a:ea typeface="Courier New" panose="02070309020205020404" pitchFamily="49" charset="0"/>
+                <a:cs typeface="Courier New" panose="02070309020205020404" pitchFamily="49" charset="0"/>
+              </a:rPr>
+              <a:t>representation</a:t>
             </a:r>
             <a:endParaRPr lang="ru-RU" sz="1600" dirty="0">
               <a:solidFill>
@@ -8256,8 +8253,246 @@
                 <a:ea typeface="Courier New" panose="02070309020205020404" pitchFamily="49" charset="0"/>
                 <a:cs typeface="Courier New" panose="02070309020205020404" pitchFamily="49" charset="0"/>
               </a:rPr>
+              <a:t>(</a:t>
+            </a:r>
+            <a:r>
+              <a:rPr lang="ru-RU" sz="1600" dirty="0" err="1">
+                <a:solidFill>
+                  <a:srgbClr val="000000"/>
+                </a:solidFill>
+                <a:latin typeface="Courier New" panose="02070309020205020404" pitchFamily="49" charset="0"/>
+                <a:ea typeface="Courier New" panose="02070309020205020404" pitchFamily="49" charset="0"/>
+                <a:cs typeface="Courier New" panose="02070309020205020404" pitchFamily="49" charset="0"/>
+              </a:rPr>
+              <a:t>hot</a:t>
+            </a:r>
+            <a:r>
+              <a:rPr lang="ru-RU" sz="1600" dirty="0">
+                <a:solidFill>
+                  <a:srgbClr val="000000"/>
+                </a:solidFill>
+                <a:latin typeface="Courier New" panose="02070309020205020404" pitchFamily="49" charset="0"/>
+                <a:ea typeface="Courier New" panose="02070309020205020404" pitchFamily="49" charset="0"/>
+                <a:cs typeface="Courier New" panose="02070309020205020404" pitchFamily="49" charset="0"/>
+              </a:rPr>
+              <a:t> (</a:t>
+            </a:r>
+            <a:r>
+              <a:rPr lang="ru-RU" sz="1600" dirty="0" err="1">
+                <a:solidFill>
+                  <a:srgbClr val="000000"/>
+                </a:solidFill>
+                <a:latin typeface="Courier New" panose="02070309020205020404" pitchFamily="49" charset="0"/>
+                <a:ea typeface="Courier New" panose="02070309020205020404" pitchFamily="49" charset="0"/>
+                <a:cs typeface="Courier New" panose="02070309020205020404" pitchFamily="49" charset="0"/>
+              </a:rPr>
+              <a:t>s</a:t>
+            </a:r>
+            <a:r>
+              <a:rPr lang="ru-RU" sz="1600" dirty="0">
+                <a:solidFill>
+                  <a:srgbClr val="000000"/>
+                </a:solidFill>
+                <a:latin typeface="Courier New" panose="02070309020205020404" pitchFamily="49" charset="0"/>
+                <a:ea typeface="Courier New" panose="02070309020205020404" pitchFamily="49" charset="0"/>
+                <a:cs typeface="Courier New" panose="02070309020205020404" pitchFamily="49" charset="0"/>
+              </a:rPr>
+              <a:t> 37 60))</a:t>
+            </a:r>
+            <a:endParaRPr lang="ru-RU" sz="1600" dirty="0">
+              <a:solidFill>
+                <a:srgbClr val="000000"/>
+              </a:solidFill>
+              <a:latin typeface="Courier New" panose="02070309020205020404" pitchFamily="49" charset="0"/>
+              <a:ea typeface="Courier New" panose="02070309020205020404" pitchFamily="49" charset="0"/>
+              <a:cs typeface="Courier New" panose="02070309020205020404" pitchFamily="49" charset="0"/>
+            </a:endParaRPr>
+          </a:p>
+          <a:p>
+            <a:pPr>
+              <a:buNone/>
+            </a:pPr>
+            <a:r>
+              <a:rPr lang="ru-RU" sz="1600" dirty="0">
+                <a:solidFill>
+                  <a:srgbClr val="000000"/>
+                </a:solidFill>
+                <a:latin typeface="Courier New" panose="02070309020205020404" pitchFamily="49" charset="0"/>
+                <a:ea typeface="Courier New" panose="02070309020205020404" pitchFamily="49" charset="0"/>
+                <a:cs typeface="Courier New" panose="02070309020205020404" pitchFamily="49" charset="0"/>
+              </a:rPr>
+              <a:t>;</a:t>
+            </a:r>
+            <a:r>
+              <a:rPr lang="ru-RU" sz="1600" dirty="0" err="1">
+                <a:solidFill>
+                  <a:srgbClr val="000000"/>
+                </a:solidFill>
+                <a:latin typeface="Courier New" panose="02070309020205020404" pitchFamily="49" charset="0"/>
+                <a:ea typeface="Courier New" panose="02070309020205020404" pitchFamily="49" charset="0"/>
+                <a:cs typeface="Courier New" panose="02070309020205020404" pitchFamily="49" charset="0"/>
+              </a:rPr>
+              <a:t>standard</a:t>
+            </a:r>
+            <a:r>
+              <a:rPr lang="ru-RU" sz="1600" dirty="0">
+                <a:solidFill>
+                  <a:srgbClr val="000000"/>
+                </a:solidFill>
+                <a:latin typeface="Courier New" panose="02070309020205020404" pitchFamily="49" charset="0"/>
+                <a:ea typeface="Courier New" panose="02070309020205020404" pitchFamily="49" charset="0"/>
+                <a:cs typeface="Courier New" panose="02070309020205020404" pitchFamily="49" charset="0"/>
+              </a:rPr>
+              <a:t> </a:t>
+            </a:r>
+            <a:r>
+              <a:rPr lang="ru-RU" sz="1600" dirty="0" err="1">
+                <a:solidFill>
+                  <a:srgbClr val="000000"/>
+                </a:solidFill>
+                <a:latin typeface="Courier New" panose="02070309020205020404" pitchFamily="49" charset="0"/>
+                <a:ea typeface="Courier New" panose="02070309020205020404" pitchFamily="49" charset="0"/>
+                <a:cs typeface="Courier New" panose="02070309020205020404" pitchFamily="49" charset="0"/>
+              </a:rPr>
+              <a:t>set</a:t>
+            </a:r>
+            <a:r>
+              <a:rPr lang="ru-RU" sz="1600" dirty="0">
+                <a:solidFill>
+                  <a:srgbClr val="000000"/>
+                </a:solidFill>
+                <a:latin typeface="Courier New" panose="02070309020205020404" pitchFamily="49" charset="0"/>
+                <a:ea typeface="Courier New" panose="02070309020205020404" pitchFamily="49" charset="0"/>
+                <a:cs typeface="Courier New" panose="02070309020205020404" pitchFamily="49" charset="0"/>
+              </a:rPr>
+              <a:t> </a:t>
+            </a:r>
+            <a:r>
+              <a:rPr lang="ru-RU" sz="1600" dirty="0" err="1">
+                <a:solidFill>
+                  <a:srgbClr val="000000"/>
+                </a:solidFill>
+                <a:latin typeface="Courier New" panose="02070309020205020404" pitchFamily="49" charset="0"/>
+                <a:ea typeface="Courier New" panose="02070309020205020404" pitchFamily="49" charset="0"/>
+                <a:cs typeface="Courier New" panose="02070309020205020404" pitchFamily="49" charset="0"/>
+              </a:rPr>
+              <a:t>representation</a:t>
+            </a:r>
+            <a:r>
+              <a:rPr lang="ru-RU" sz="1600" dirty="0">
+                <a:solidFill>
+                  <a:srgbClr val="000000"/>
+                </a:solidFill>
+                <a:latin typeface="Courier New" panose="02070309020205020404" pitchFamily="49" charset="0"/>
+                <a:ea typeface="Courier New" panose="02070309020205020404" pitchFamily="49" charset="0"/>
+                <a:cs typeface="Courier New" panose="02070309020205020404" pitchFamily="49" charset="0"/>
+              </a:rPr>
+              <a:t> </a:t>
+            </a:r>
+            <a:endParaRPr lang="ru-RU" sz="1600" dirty="0">
+              <a:solidFill>
+                <a:srgbClr val="000000"/>
+              </a:solidFill>
+              <a:latin typeface="Courier New" panose="02070309020205020404" pitchFamily="49" charset="0"/>
+              <a:ea typeface="Courier New" panose="02070309020205020404" pitchFamily="49" charset="0"/>
+              <a:cs typeface="Courier New" panose="02070309020205020404" pitchFamily="49" charset="0"/>
+            </a:endParaRPr>
+          </a:p>
+          <a:p>
+            <a:pPr>
+              <a:buNone/>
+            </a:pPr>
+            <a:r>
+              <a:rPr lang="en-US" sz="1600" dirty="0">
+                <a:solidFill>
+                  <a:srgbClr val="000000"/>
+                </a:solidFill>
+                <a:latin typeface="Courier New" panose="02070309020205020404" pitchFamily="49" charset="0"/>
+                <a:ea typeface="Courier New" panose="02070309020205020404" pitchFamily="49" charset="0"/>
+                <a:cs typeface="Courier New" panose="02070309020205020404" pitchFamily="49" charset="0"/>
+              </a:rPr>
+              <a:t>(warm not [ hot or cold ]) ; linguistic expression </a:t>
+            </a:r>
+            <a:endParaRPr lang="ru-RU" sz="1600" dirty="0">
+              <a:solidFill>
+                <a:srgbClr val="000000"/>
+              </a:solidFill>
+              <a:latin typeface="Courier New" panose="02070309020205020404" pitchFamily="49" charset="0"/>
+              <a:ea typeface="Courier New" panose="02070309020205020404" pitchFamily="49" charset="0"/>
+              <a:cs typeface="Courier New" panose="02070309020205020404" pitchFamily="49" charset="0"/>
+            </a:endParaRPr>
+          </a:p>
+          <a:p>
+            <a:pPr>
+              <a:buNone/>
+            </a:pPr>
+            <a:r>
+              <a:rPr lang="en-US" sz="1600" dirty="0">
+                <a:solidFill>
+                  <a:srgbClr val="000000"/>
+                </a:solidFill>
+                <a:latin typeface="Courier New" panose="02070309020205020404" pitchFamily="49" charset="0"/>
+                <a:ea typeface="Courier New" panose="02070309020205020404" pitchFamily="49" charset="0"/>
+                <a:cs typeface="Courier New" panose="02070309020205020404" pitchFamily="49" charset="0"/>
+              </a:rPr>
+              <a:t>) </a:t>
+            </a:r>
+            <a:endParaRPr lang="ru-RU" sz="1600" dirty="0">
+              <a:solidFill>
+                <a:srgbClr val="000000"/>
+              </a:solidFill>
+              <a:latin typeface="Courier New" panose="02070309020205020404" pitchFamily="49" charset="0"/>
+              <a:ea typeface="Courier New" panose="02070309020205020404" pitchFamily="49" charset="0"/>
+              <a:cs typeface="Courier New" panose="02070309020205020404" pitchFamily="49" charset="0"/>
+            </a:endParaRPr>
+          </a:p>
+          <a:p>
+            <a:pPr>
+              <a:buNone/>
+            </a:pPr>
+            <a:r>
+              <a:rPr lang="en-US" sz="1600" dirty="0">
+                <a:solidFill>
+                  <a:srgbClr val="000000"/>
+                </a:solidFill>
+                <a:latin typeface="Courier New" panose="02070309020205020404" pitchFamily="49" charset="0"/>
+                <a:ea typeface="Courier New" panose="02070309020205020404" pitchFamily="49" charset="0"/>
+                <a:cs typeface="Courier New" panose="02070309020205020404" pitchFamily="49" charset="0"/>
+              </a:rPr>
+              <a:t>)</a:t>
+            </a:r>
+            <a:endParaRPr lang="ru-RU" sz="1600" dirty="0">
+              <a:solidFill>
+                <a:srgbClr val="000000"/>
+              </a:solidFill>
+              <a:latin typeface="Courier New" panose="02070309020205020404" pitchFamily="49" charset="0"/>
+              <a:ea typeface="Courier New" panose="02070309020205020404" pitchFamily="49" charset="0"/>
+              <a:cs typeface="Courier New" panose="02070309020205020404" pitchFamily="49" charset="0"/>
+            </a:endParaRPr>
+          </a:p>
+          <a:p>
+            <a:pPr>
+              <a:buNone/>
+            </a:pPr>
+            <a:r>
+              <a:rPr lang="ru-RU" sz="1600" dirty="0">
+                <a:solidFill>
+                  <a:srgbClr val="000000"/>
+                </a:solidFill>
+                <a:latin typeface="Courier New" panose="02070309020205020404" pitchFamily="49" charset="0"/>
+                <a:ea typeface="Courier New" panose="02070309020205020404" pitchFamily="49" charset="0"/>
+                <a:cs typeface="Courier New" panose="02070309020205020404" pitchFamily="49" charset="0"/>
+              </a:rPr>
               <a:t>		Термин «теплый» описывается как не горячий или не холодный. В нем используются термины «горячий» и «холодный», которые ранее были определены в этой модели. </a:t>
             </a:r>
+            <a:endParaRPr lang="ru-RU" sz="1600" dirty="0">
+              <a:solidFill>
+                <a:srgbClr val="000000"/>
+              </a:solidFill>
+              <a:latin typeface="Courier New" panose="02070309020205020404" pitchFamily="49" charset="0"/>
+              <a:ea typeface="Courier New" panose="02070309020205020404" pitchFamily="49" charset="0"/>
+              <a:cs typeface="Courier New" panose="02070309020205020404" pitchFamily="49" charset="0"/>
+            </a:endParaRPr>
           </a:p>
           <a:p>
             <a:pPr>
@@ -8284,8 +8519,6 @@
           <a:p>
             <a:fld id="{2D80A49E-0AE4-4F85-8EA4-F0781D345D2A}" type="slidenum">
               <a:rPr lang="ru-RU" smtClean="0"/>
-              <a:pPr/>
-              <a:t>15</a:t>
             </a:fld>
             <a:endParaRPr lang="ru-RU" dirty="0"/>
           </a:p>
@@ -8338,21 +8571,21 @@
           <a:p>
             <a:r>
               <a:rPr lang="ru-RU" sz="2800" b="1" dirty="0">
-                <a:latin typeface="Times New Roman" panose="02020603050405020304" pitchFamily="18" charset="0"/>
-                <a:cs typeface="Times New Roman" panose="02020603050405020304" pitchFamily="18" charset="0"/>
-              </a:rPr>
-              <a:t>15. Команды и функции </a:t>
+                <a:latin typeface="Times New Roman" panose="02020603050405020304" charset="0"/>
+                <a:cs typeface="Times New Roman" panose="02020603050405020304" charset="0"/>
+              </a:rPr>
+              <a:t>13. Команды и функции </a:t>
             </a:r>
             <a:r>
               <a:rPr lang="en-US" sz="2800" b="1" dirty="0" err="1">
-                <a:latin typeface="Times New Roman" panose="02020603050405020304" pitchFamily="18" charset="0"/>
-                <a:cs typeface="Times New Roman" panose="02020603050405020304" pitchFamily="18" charset="0"/>
+                <a:latin typeface="Times New Roman" panose="02020603050405020304" charset="0"/>
+                <a:cs typeface="Times New Roman" panose="02020603050405020304" charset="0"/>
               </a:rPr>
               <a:t>FuzzyCLIPS</a:t>
             </a:r>
             <a:endParaRPr lang="ru-RU" sz="2800" b="1" dirty="0">
-              <a:latin typeface="Times New Roman" panose="02020603050405020304" pitchFamily="18" charset="0"/>
-              <a:cs typeface="Times New Roman" panose="02020603050405020304" pitchFamily="18" charset="0"/>
+              <a:latin typeface="Times New Roman" panose="02020603050405020304" charset="0"/>
+              <a:cs typeface="Times New Roman" panose="02020603050405020304" charset="0"/>
             </a:endParaRPr>
           </a:p>
         </p:txBody>
@@ -8466,19 +8699,12 @@
           <a:p>
             <a:fld id="{2D80A49E-0AE4-4F85-8EA4-F0781D345D2A}" type="slidenum">
               <a:rPr lang="ru-RU" smtClean="0"/>
-              <a:pPr/>
-              <a:t>16</a:t>
             </a:fld>
             <a:endParaRPr lang="ru-RU" dirty="0"/>
           </a:p>
         </p:txBody>
       </p:sp>
     </p:spTree>
-    <p:extLst>
-      <p:ext uri="{BB962C8B-B14F-4D97-AF65-F5344CB8AC3E}">
-        <p14:creationId xmlns:p14="http://schemas.microsoft.com/office/powerpoint/2010/main" val="1963223259"/>
-      </p:ext>
-    </p:extLst>
   </p:cSld>
   <p:clrMapOvr>
     <a:masterClrMapping/>
@@ -8513,7 +8739,12 @@
             <p:ph idx="1"/>
           </p:nvPr>
         </p:nvSpPr>
-        <p:spPr/>
+        <p:spPr>
+          <a:xfrm>
+            <a:off x="457200" y="641350"/>
+            <a:ext cx="8229600" cy="4525963"/>
+          </a:xfrm>
+        </p:spPr>
         <p:txBody>
           <a:bodyPr/>
           <a:lstStyle/>
@@ -8545,6 +8776,7 @@
               <a:rPr lang="ru-RU" b="1" dirty="0"/>
               <a:t>)</a:t>
             </a:r>
+            <a:endParaRPr lang="ru-RU" b="1" dirty="0"/>
           </a:p>
           <a:p>
             <a:pPr marL="457200" indent="-457200">
@@ -8574,6 +8806,7 @@
               <a:rPr lang="ru-RU" b="1" dirty="0"/>
               <a:t>)</a:t>
             </a:r>
+            <a:endParaRPr lang="ru-RU" b="1" dirty="0"/>
           </a:p>
           <a:p>
             <a:pPr marL="457200" indent="-457200">
@@ -8647,88 +8880,12 @@
           <a:p>
             <a:fld id="{2D80A49E-0AE4-4F85-8EA4-F0781D345D2A}" type="slidenum">
               <a:rPr lang="ru-RU" smtClean="0"/>
-              <a:pPr/>
-              <a:t>17</a:t>
             </a:fld>
             <a:endParaRPr lang="ru-RU" dirty="0"/>
-          </a:p>
-        </p:txBody>
-      </p:sp>
-      <p:sp>
-        <p:nvSpPr>
-          <p:cNvPr id="8" name="Заголовок 1"/>
-          <p:cNvSpPr txBox="1">
-            <a:spLocks/>
-          </p:cNvSpPr>
-          <p:nvPr/>
-        </p:nvSpPr>
-        <p:spPr>
-          <a:xfrm>
-            <a:off x="457200" y="1"/>
-            <a:ext cx="8229600" cy="1124744"/>
-          </a:xfrm>
-          <a:prstGeom prst="rect">
-            <a:avLst/>
-          </a:prstGeom>
-        </p:spPr>
-        <p:txBody>
-          <a:bodyPr vert="horz" lIns="91440" tIns="45720" rIns="91440" bIns="45720" rtlCol="0" anchor="b">
-            <a:noAutofit/>
-          </a:bodyPr>
-          <a:lstStyle>
-            <a:lvl1pPr algn="ctr" defTabSz="914400" rtl="0" eaLnBrk="1" latinLnBrk="0" hangingPunct="1">
-              <a:lnSpc>
-                <a:spcPts val="5800"/>
-              </a:lnSpc>
-              <a:spcBef>
-                <a:spcPct val="0"/>
-              </a:spcBef>
-              <a:buNone/>
-              <a:defRPr sz="5400" kern="1200">
-                <a:solidFill>
-                  <a:schemeClr val="tx2"/>
-                </a:solidFill>
-                <a:effectLst>
-                  <a:outerShdw blurRad="63500" dist="38100" dir="5400000" algn="t" rotWithShape="0">
-                    <a:prstClr val="black">
-                      <a:alpha val="25000"/>
-                    </a:prstClr>
-                  </a:outerShdw>
-                </a:effectLst>
-                <a:latin typeface="+mn-lt"/>
-                <a:ea typeface="+mj-ea"/>
-                <a:cs typeface="+mj-cs"/>
-              </a:defRPr>
-            </a:lvl1pPr>
-          </a:lstStyle>
-          <a:p>
-            <a:r>
-              <a:rPr lang="ru-RU" sz="2800" b="1">
-                <a:latin typeface="Times New Roman" panose="02020603050405020304" pitchFamily="18" charset="0"/>
-                <a:cs typeface="Times New Roman" panose="02020603050405020304" pitchFamily="18" charset="0"/>
-              </a:rPr>
-              <a:t>15. Команды и функции </a:t>
-            </a:r>
-            <a:r>
-              <a:rPr lang="en-US" sz="2800" b="1">
-                <a:latin typeface="Times New Roman" panose="02020603050405020304" pitchFamily="18" charset="0"/>
-                <a:cs typeface="Times New Roman" panose="02020603050405020304" pitchFamily="18" charset="0"/>
-              </a:rPr>
-              <a:t>FuzzyCLIPS</a:t>
-            </a:r>
-            <a:endParaRPr lang="ru-RU" sz="2800" b="1" dirty="0">
-              <a:latin typeface="Times New Roman" panose="02020603050405020304" pitchFamily="18" charset="0"/>
-              <a:cs typeface="Times New Roman" panose="02020603050405020304" pitchFamily="18" charset="0"/>
-            </a:endParaRPr>
           </a:p>
         </p:txBody>
       </p:sp>
     </p:spTree>
-    <p:extLst>
-      <p:ext uri="{BB962C8B-B14F-4D97-AF65-F5344CB8AC3E}">
-        <p14:creationId xmlns:p14="http://schemas.microsoft.com/office/powerpoint/2010/main" val="710483116"/>
-      </p:ext>
-    </p:extLst>
   </p:cSld>
   <p:clrMapOvr>
     <a:masterClrMapping/>
@@ -8763,7 +8920,12 @@
             <p:ph idx="1"/>
           </p:nvPr>
         </p:nvSpPr>
-        <p:spPr/>
+        <p:spPr>
+          <a:xfrm>
+            <a:off x="457200" y="610235"/>
+            <a:ext cx="8229600" cy="4525963"/>
+          </a:xfrm>
+        </p:spPr>
         <p:txBody>
           <a:bodyPr/>
           <a:lstStyle/>
@@ -8795,6 +8957,7 @@
               <a:rPr lang="ru-RU" b="1" dirty="0"/>
               <a:t>)</a:t>
             </a:r>
+            <a:endParaRPr lang="ru-RU" b="1" dirty="0"/>
           </a:p>
           <a:p>
             <a:pPr marL="457200" indent="-457200">
@@ -8848,6 +9011,7 @@
               <a:rPr lang="ru-RU" b="1" dirty="0"/>
               <a:t>)</a:t>
             </a:r>
+            <a:endParaRPr lang="ru-RU" b="1" dirty="0"/>
           </a:p>
           <a:p>
             <a:pPr marL="457200" indent="-457200">
@@ -8912,60 +9076,12 @@
           <a:p>
             <a:fld id="{2D80A49E-0AE4-4F85-8EA4-F0781D345D2A}" type="slidenum">
               <a:rPr lang="ru-RU" smtClean="0"/>
-              <a:pPr/>
-              <a:t>18</a:t>
             </a:fld>
             <a:endParaRPr lang="ru-RU" dirty="0"/>
-          </a:p>
-        </p:txBody>
-      </p:sp>
-      <p:sp>
-        <p:nvSpPr>
-          <p:cNvPr id="8" name="Заголовок 1"/>
-          <p:cNvSpPr>
-            <a:spLocks noGrp="1"/>
-          </p:cNvSpPr>
-          <p:nvPr>
-            <p:ph type="title"/>
-          </p:nvPr>
-        </p:nvSpPr>
-        <p:spPr>
-          <a:xfrm>
-            <a:off x="457200" y="1"/>
-            <a:ext cx="8229600" cy="1124744"/>
-          </a:xfrm>
-        </p:spPr>
-        <p:txBody>
-          <a:bodyPr/>
-          <a:lstStyle/>
-          <a:p>
-            <a:r>
-              <a:rPr lang="ru-RU" sz="2800" b="1" dirty="0">
-                <a:latin typeface="Times New Roman" panose="02020603050405020304" pitchFamily="18" charset="0"/>
-                <a:cs typeface="Times New Roman" panose="02020603050405020304" pitchFamily="18" charset="0"/>
-              </a:rPr>
-              <a:t>15. Команды и функции </a:t>
-            </a:r>
-            <a:r>
-              <a:rPr lang="en-US" sz="2800" b="1" dirty="0" err="1">
-                <a:latin typeface="Times New Roman" panose="02020603050405020304" pitchFamily="18" charset="0"/>
-                <a:cs typeface="Times New Roman" panose="02020603050405020304" pitchFamily="18" charset="0"/>
-              </a:rPr>
-              <a:t>FuzzyCLIPS</a:t>
-            </a:r>
-            <a:endParaRPr lang="ru-RU" sz="2800" b="1" dirty="0">
-              <a:latin typeface="Times New Roman" panose="02020603050405020304" pitchFamily="18" charset="0"/>
-              <a:cs typeface="Times New Roman" panose="02020603050405020304" pitchFamily="18" charset="0"/>
-            </a:endParaRPr>
           </a:p>
         </p:txBody>
       </p:sp>
     </p:spTree>
-    <p:extLst>
-      <p:ext uri="{BB962C8B-B14F-4D97-AF65-F5344CB8AC3E}">
-        <p14:creationId xmlns:p14="http://schemas.microsoft.com/office/powerpoint/2010/main" val="441293800"/>
-      </p:ext>
-    </p:extLst>
   </p:cSld>
   <p:clrMapOvr>
     <a:masterClrMapping/>
@@ -9000,7 +9116,12 @@
             <p:ph idx="1"/>
           </p:nvPr>
         </p:nvSpPr>
-        <p:spPr/>
+        <p:spPr>
+          <a:xfrm>
+            <a:off x="457200" y="662305"/>
+            <a:ext cx="8229600" cy="4525963"/>
+          </a:xfrm>
+        </p:spPr>
         <p:txBody>
           <a:bodyPr/>
           <a:lstStyle/>
@@ -9028,6 +9149,7 @@
               <a:rPr lang="ru-RU" b="1" dirty="0"/>
               <a:t>)</a:t>
             </a:r>
+            <a:endParaRPr lang="ru-RU" b="1" dirty="0"/>
           </a:p>
           <a:p>
             <a:pPr marL="457200" indent="-457200">
@@ -9073,6 +9195,7 @@
               <a:rPr lang="ru-RU" b="1" dirty="0"/>
               <a:t>)</a:t>
             </a:r>
+            <a:endParaRPr lang="ru-RU" b="1" dirty="0"/>
           </a:p>
           <a:p>
             <a:pPr marL="457200" indent="-457200">
@@ -9115,60 +9238,12 @@
           <a:p>
             <a:fld id="{2D80A49E-0AE4-4F85-8EA4-F0781D345D2A}" type="slidenum">
               <a:rPr lang="ru-RU" smtClean="0"/>
-              <a:pPr/>
-              <a:t>19</a:t>
             </a:fld>
             <a:endParaRPr lang="ru-RU" dirty="0"/>
-          </a:p>
-        </p:txBody>
-      </p:sp>
-      <p:sp>
-        <p:nvSpPr>
-          <p:cNvPr id="8" name="Заголовок 1"/>
-          <p:cNvSpPr>
-            <a:spLocks noGrp="1"/>
-          </p:cNvSpPr>
-          <p:nvPr>
-            <p:ph type="title"/>
-          </p:nvPr>
-        </p:nvSpPr>
-        <p:spPr>
-          <a:xfrm>
-            <a:off x="457200" y="1"/>
-            <a:ext cx="8229600" cy="1124744"/>
-          </a:xfrm>
-        </p:spPr>
-        <p:txBody>
-          <a:bodyPr/>
-          <a:lstStyle/>
-          <a:p>
-            <a:r>
-              <a:rPr lang="ru-RU" sz="2800" b="1" dirty="0">
-                <a:latin typeface="Times New Roman" panose="02020603050405020304" pitchFamily="18" charset="0"/>
-                <a:cs typeface="Times New Roman" panose="02020603050405020304" pitchFamily="18" charset="0"/>
-              </a:rPr>
-              <a:t>15. Команды и функции </a:t>
-            </a:r>
-            <a:r>
-              <a:rPr lang="en-US" sz="2800" b="1" dirty="0" err="1">
-                <a:latin typeface="Times New Roman" panose="02020603050405020304" pitchFamily="18" charset="0"/>
-                <a:cs typeface="Times New Roman" panose="02020603050405020304" pitchFamily="18" charset="0"/>
-              </a:rPr>
-              <a:t>FuzzyCLIPS</a:t>
-            </a:r>
-            <a:endParaRPr lang="ru-RU" sz="2800" b="1" dirty="0">
-              <a:latin typeface="Times New Roman" panose="02020603050405020304" pitchFamily="18" charset="0"/>
-              <a:cs typeface="Times New Roman" panose="02020603050405020304" pitchFamily="18" charset="0"/>
-            </a:endParaRPr>
           </a:p>
         </p:txBody>
       </p:sp>
     </p:spTree>
-    <p:extLst>
-      <p:ext uri="{BB962C8B-B14F-4D97-AF65-F5344CB8AC3E}">
-        <p14:creationId xmlns:p14="http://schemas.microsoft.com/office/powerpoint/2010/main" val="2550445194"/>
-      </p:ext>
-    </p:extLst>
   </p:cSld>
   <p:clrMapOvr>
     <a:masterClrMapping/>
@@ -9210,8 +9285,6 @@
           <a:p>
             <a:fld id="{2D80A49E-0AE4-4F85-8EA4-F0781D345D2A}" type="slidenum">
               <a:rPr lang="ru-RU" smtClean="0"/>
-              <a:pPr/>
-              <a:t>2</a:t>
             </a:fld>
             <a:endParaRPr lang="ru-RU" dirty="0"/>
           </a:p>
@@ -9241,7 +9314,6 @@
           <a:p>
             <a:r>
               <a:rPr lang="en-US" altLang="ru-RU" sz="2800" b="1">
-                <a:ln/>
                 <a:solidFill>
                   <a:schemeClr val="accent1"/>
                 </a:solidFill>
@@ -9258,7 +9330,6 @@
             </a:r>
             <a:r>
               <a:rPr lang="ru-RU" altLang="ru-RU" sz="2800" b="1">
-                <a:ln/>
                 <a:solidFill>
                   <a:schemeClr val="accent1"/>
                 </a:solidFill>
@@ -9275,7 +9346,6 @@
             </a:r>
             <a:r>
               <a:rPr lang="en-US" altLang="ru-RU" sz="2800" b="1">
-                <a:ln/>
                 <a:solidFill>
                   <a:schemeClr val="accent1"/>
                 </a:solidFill>
@@ -9290,6 +9360,19 @@
               </a:rPr>
               <a:t>FuzzyCLIPS</a:t>
             </a:r>
+            <a:endParaRPr lang="en-US" altLang="ru-RU" sz="2800" b="1">
+              <a:solidFill>
+                <a:schemeClr val="accent1"/>
+              </a:solidFill>
+              <a:effectLst>
+                <a:outerShdw blurRad="38100" dist="25400" dir="5400000" algn="ctr" rotWithShape="0">
+                  <a:srgbClr val="6E747A">
+                    <a:alpha val="43000"/>
+                  </a:srgbClr>
+                </a:outerShdw>
+              </a:effectLst>
+              <a:latin typeface="Times New Roman" panose="02020603050405020304" charset="0"/>
+            </a:endParaRPr>
           </a:p>
         </p:txBody>
       </p:sp>
@@ -9304,7 +9387,7 @@
           </p:nvPr>
         </p:nvPicPr>
         <p:blipFill>
-          <a:blip r:embed="rId2" cstate="print"/>
+          <a:blip r:embed="rId1" cstate="print"/>
           <a:stretch>
             <a:fillRect/>
           </a:stretch>
@@ -9361,6 +9444,7 @@
               <a:rPr lang="ru-RU" altLang="en-US"/>
               <a:t>База знаний</a:t>
             </a:r>
+            <a:endParaRPr lang="ru-RU" altLang="en-US"/>
           </a:p>
         </p:txBody>
       </p:sp>
@@ -9474,6 +9558,7 @@
               <a:rPr lang="ru-RU" altLang="en-US"/>
               <a:t>Функция принадлежности</a:t>
             </a:r>
+            <a:endParaRPr lang="ru-RU" altLang="en-US"/>
           </a:p>
         </p:txBody>
       </p:sp>
@@ -9486,7 +9571,7 @@
           <p:nvPr/>
         </p:nvPicPr>
         <p:blipFill>
-          <a:blip r:embed="rId3" cstate="print"/>
+          <a:blip r:embed="rId2" cstate="print"/>
           <a:stretch>
             <a:fillRect/>
           </a:stretch>
@@ -9540,7 +9625,12 @@
             <p:ph idx="1"/>
           </p:nvPr>
         </p:nvSpPr>
-        <p:spPr/>
+        <p:spPr>
+          <a:xfrm>
+            <a:off x="457200" y="704215"/>
+            <a:ext cx="8229600" cy="4525963"/>
+          </a:xfrm>
+        </p:spPr>
         <p:txBody>
           <a:bodyPr/>
           <a:lstStyle/>
@@ -9590,6 +9680,7 @@
               <a:rPr lang="ru-RU" b="1" dirty="0"/>
               <a:t>)</a:t>
             </a:r>
+            <a:endParaRPr lang="ru-RU" b="1" dirty="0"/>
           </a:p>
           <a:p>
             <a:pPr marL="457200" indent="-457200">
@@ -9640,88 +9731,12 @@
           <a:p>
             <a:fld id="{2D80A49E-0AE4-4F85-8EA4-F0781D345D2A}" type="slidenum">
               <a:rPr lang="ru-RU" smtClean="0"/>
-              <a:pPr/>
-              <a:t>20</a:t>
             </a:fld>
             <a:endParaRPr lang="ru-RU" dirty="0"/>
-          </a:p>
-        </p:txBody>
-      </p:sp>
-      <p:sp>
-        <p:nvSpPr>
-          <p:cNvPr id="8" name="Заголовок 1"/>
-          <p:cNvSpPr txBox="1">
-            <a:spLocks/>
-          </p:cNvSpPr>
-          <p:nvPr/>
-        </p:nvSpPr>
-        <p:spPr>
-          <a:xfrm>
-            <a:off x="457200" y="1"/>
-            <a:ext cx="8229600" cy="1124744"/>
-          </a:xfrm>
-          <a:prstGeom prst="rect">
-            <a:avLst/>
-          </a:prstGeom>
-        </p:spPr>
-        <p:txBody>
-          <a:bodyPr vert="horz" lIns="91440" tIns="45720" rIns="91440" bIns="45720" rtlCol="0" anchor="b">
-            <a:noAutofit/>
-          </a:bodyPr>
-          <a:lstStyle>
-            <a:lvl1pPr algn="ctr" defTabSz="914400" rtl="0" eaLnBrk="1" latinLnBrk="0" hangingPunct="1">
-              <a:lnSpc>
-                <a:spcPts val="5800"/>
-              </a:lnSpc>
-              <a:spcBef>
-                <a:spcPct val="0"/>
-              </a:spcBef>
-              <a:buNone/>
-              <a:defRPr sz="5400" kern="1200">
-                <a:solidFill>
-                  <a:schemeClr val="tx2"/>
-                </a:solidFill>
-                <a:effectLst>
-                  <a:outerShdw blurRad="63500" dist="38100" dir="5400000" algn="t" rotWithShape="0">
-                    <a:prstClr val="black">
-                      <a:alpha val="25000"/>
-                    </a:prstClr>
-                  </a:outerShdw>
-                </a:effectLst>
-                <a:latin typeface="+mn-lt"/>
-                <a:ea typeface="+mj-ea"/>
-                <a:cs typeface="+mj-cs"/>
-              </a:defRPr>
-            </a:lvl1pPr>
-          </a:lstStyle>
-          <a:p>
-            <a:r>
-              <a:rPr lang="ru-RU" sz="2800" b="1">
-                <a:latin typeface="Times New Roman" panose="02020603050405020304" pitchFamily="18" charset="0"/>
-                <a:cs typeface="Times New Roman" panose="02020603050405020304" pitchFamily="18" charset="0"/>
-              </a:rPr>
-              <a:t>15. Команды и функции </a:t>
-            </a:r>
-            <a:r>
-              <a:rPr lang="en-US" sz="2800" b="1">
-                <a:latin typeface="Times New Roman" panose="02020603050405020304" pitchFamily="18" charset="0"/>
-                <a:cs typeface="Times New Roman" panose="02020603050405020304" pitchFamily="18" charset="0"/>
-              </a:rPr>
-              <a:t>FuzzyCLIPS</a:t>
-            </a:r>
-            <a:endParaRPr lang="ru-RU" sz="2800" b="1" dirty="0">
-              <a:latin typeface="Times New Roman" panose="02020603050405020304" pitchFamily="18" charset="0"/>
-              <a:cs typeface="Times New Roman" panose="02020603050405020304" pitchFamily="18" charset="0"/>
-            </a:endParaRPr>
           </a:p>
         </p:txBody>
       </p:sp>
     </p:spTree>
-    <p:extLst>
-      <p:ext uri="{BB962C8B-B14F-4D97-AF65-F5344CB8AC3E}">
-        <p14:creationId xmlns:p14="http://schemas.microsoft.com/office/powerpoint/2010/main" val="4198539225"/>
-      </p:ext>
-    </p:extLst>
   </p:cSld>
   <p:clrMapOvr>
     <a:masterClrMapping/>
@@ -9758,7 +9773,7 @@
         </p:nvSpPr>
         <p:spPr>
           <a:xfrm>
-            <a:off x="539552" y="2780928"/>
+            <a:off x="507802" y="1572523"/>
             <a:ext cx="8229600" cy="979512"/>
           </a:xfrm>
         </p:spPr>
@@ -9774,6 +9789,7 @@
               <a:rPr lang="en-US" altLang="ru-RU" sz="4000" b="1" dirty="0"/>
               <a:t>!</a:t>
             </a:r>
+            <a:endParaRPr lang="en-US" altLang="ru-RU" sz="4000" b="1" dirty="0"/>
           </a:p>
         </p:txBody>
       </p:sp>
@@ -9819,8 +9835,6 @@
           <a:p>
             <a:fld id="{2D80A49E-0AE4-4F85-8EA4-F0781D345D2A}" type="slidenum">
               <a:rPr lang="ru-RU" smtClean="0"/>
-              <a:pPr/>
-              <a:t>3</a:t>
             </a:fld>
             <a:endParaRPr lang="ru-RU" dirty="0"/>
           </a:p>
@@ -9896,6 +9910,19 @@
               </a:rPr>
               <a:t>Вывод четкого результата из нечеткого множества</a:t>
             </a:r>
+            <a:endParaRPr lang="ru-RU" sz="2800" b="1" dirty="0">
+              <a:solidFill>
+                <a:schemeClr val="accent1"/>
+              </a:solidFill>
+              <a:effectLst>
+                <a:outerShdw blurRad="38100" dist="25400" dir="5400000" algn="ctr" rotWithShape="0">
+                  <a:srgbClr val="6E747A">
+                    <a:alpha val="43000"/>
+                  </a:srgbClr>
+                </a:outerShdw>
+              </a:effectLst>
+              <a:latin typeface="Times New Roman" panose="02020603050405020304" charset="0"/>
+            </a:endParaRPr>
           </a:p>
         </p:txBody>
       </p:sp>
@@ -9936,6 +9963,14 @@
               </a:rPr>
               <a:t>(deftemplate Fever</a:t>
             </a:r>
+            <a:endParaRPr sz="1200" b="0" u="none">
+              <a:solidFill>
+                <a:srgbClr val="000000"/>
+              </a:solidFill>
+              <a:latin typeface="Courier New" panose="02070309020205020404" pitchFamily="49" charset="0"/>
+              <a:ea typeface="Courier New" panose="02070309020205020404" pitchFamily="49" charset="0"/>
+              <a:cs typeface="Courier New" panose="02070309020205020404" pitchFamily="49" charset="0"/>
+            </a:endParaRPr>
           </a:p>
           <a:p>
             <a:r>
@@ -9949,6 +9984,14 @@
               </a:rPr>
               <a:t>   96 104</a:t>
             </a:r>
+            <a:endParaRPr sz="1200" b="0" u="none">
+              <a:solidFill>
+                <a:srgbClr val="000000"/>
+              </a:solidFill>
+              <a:latin typeface="Courier New" panose="02070309020205020404" pitchFamily="49" charset="0"/>
+              <a:ea typeface="Courier New" panose="02070309020205020404" pitchFamily="49" charset="0"/>
+              <a:cs typeface="Courier New" panose="02070309020205020404" pitchFamily="49" charset="0"/>
+            </a:endParaRPr>
           </a:p>
           <a:p>
             <a:r>
@@ -9962,6 +10005,14 @@
               </a:rPr>
               <a:t>   ((fever (99 0) (103 1))))</a:t>
             </a:r>
+            <a:endParaRPr sz="1200" b="0" u="none">
+              <a:solidFill>
+                <a:srgbClr val="000000"/>
+              </a:solidFill>
+              <a:latin typeface="Courier New" panose="02070309020205020404" pitchFamily="49" charset="0"/>
+              <a:ea typeface="Courier New" panose="02070309020205020404" pitchFamily="49" charset="0"/>
+              <a:cs typeface="Courier New" panose="02070309020205020404" pitchFamily="49" charset="0"/>
+            </a:endParaRPr>
           </a:p>
           <a:p>
             <a:r>
@@ -9975,6 +10026,14 @@
               </a:rPr>
               <a:t> </a:t>
             </a:r>
+            <a:endParaRPr sz="1200" b="0" u="none">
+              <a:solidFill>
+                <a:srgbClr val="000000"/>
+              </a:solidFill>
+              <a:latin typeface="Courier New" panose="02070309020205020404" pitchFamily="49" charset="0"/>
+              <a:ea typeface="Courier New" panose="02070309020205020404" pitchFamily="49" charset="0"/>
+              <a:cs typeface="Courier New" panose="02070309020205020404" pitchFamily="49" charset="0"/>
+            </a:endParaRPr>
           </a:p>
           <a:p>
             <a:r>
@@ -9988,6 +10047,14 @@
               </a:rPr>
               <a:t>(defrule getTemperature</a:t>
             </a:r>
+            <a:endParaRPr sz="1200" b="0" u="none">
+              <a:solidFill>
+                <a:srgbClr val="000000"/>
+              </a:solidFill>
+              <a:latin typeface="Courier New" panose="02070309020205020404" pitchFamily="49" charset="0"/>
+              <a:ea typeface="Courier New" panose="02070309020205020404" pitchFamily="49" charset="0"/>
+              <a:cs typeface="Courier New" panose="02070309020205020404" pitchFamily="49" charset="0"/>
+            </a:endParaRPr>
           </a:p>
           <a:p>
             <a:r>
@@ -10001,6 +10068,14 @@
               </a:rPr>
               <a:t>   (declare (salience 100))</a:t>
             </a:r>
+            <a:endParaRPr sz="1200" b="0" u="none">
+              <a:solidFill>
+                <a:srgbClr val="000000"/>
+              </a:solidFill>
+              <a:latin typeface="Courier New" panose="02070309020205020404" pitchFamily="49" charset="0"/>
+              <a:ea typeface="Courier New" panose="02070309020205020404" pitchFamily="49" charset="0"/>
+              <a:cs typeface="Courier New" panose="02070309020205020404" pitchFamily="49" charset="0"/>
+            </a:endParaRPr>
           </a:p>
           <a:p>
             <a:r>
@@ -10014,6 +10089,14 @@
               </a:rPr>
               <a:t>   =&gt;</a:t>
             </a:r>
+            <a:endParaRPr sz="1200" b="0" u="none">
+              <a:solidFill>
+                <a:srgbClr val="000000"/>
+              </a:solidFill>
+              <a:latin typeface="Courier New" panose="02070309020205020404" pitchFamily="49" charset="0"/>
+              <a:ea typeface="Courier New" panose="02070309020205020404" pitchFamily="49" charset="0"/>
+              <a:cs typeface="Courier New" panose="02070309020205020404" pitchFamily="49" charset="0"/>
+            </a:endParaRPr>
           </a:p>
           <a:p>
             <a:r>
@@ -10027,6 +10110,14 @@
               </a:rPr>
               <a:t>   (printout t "Enter temperature: ")</a:t>
             </a:r>
+            <a:endParaRPr sz="1200" b="0" u="none">
+              <a:solidFill>
+                <a:srgbClr val="000000"/>
+              </a:solidFill>
+              <a:latin typeface="Courier New" panose="02070309020205020404" pitchFamily="49" charset="0"/>
+              <a:ea typeface="Courier New" panose="02070309020205020404" pitchFamily="49" charset="0"/>
+              <a:cs typeface="Courier New" panose="02070309020205020404" pitchFamily="49" charset="0"/>
+            </a:endParaRPr>
           </a:p>
           <a:p>
             <a:r>
@@ -10040,6 +10131,14 @@
               </a:rPr>
               <a:t>   (bind ?t (read))</a:t>
             </a:r>
+            <a:endParaRPr sz="1200" b="0" u="none">
+              <a:solidFill>
+                <a:srgbClr val="000000"/>
+              </a:solidFill>
+              <a:latin typeface="Courier New" panose="02070309020205020404" pitchFamily="49" charset="0"/>
+              <a:ea typeface="Courier New" panose="02070309020205020404" pitchFamily="49" charset="0"/>
+              <a:cs typeface="Courier New" panose="02070309020205020404" pitchFamily="49" charset="0"/>
+            </a:endParaRPr>
           </a:p>
           <a:p>
             <a:r>
@@ -10053,6 +10152,14 @@
               </a:rPr>
               <a:t>   (assert (temperature ?t)))</a:t>
             </a:r>
+            <a:endParaRPr sz="1200" b="0" u="none">
+              <a:solidFill>
+                <a:srgbClr val="000000"/>
+              </a:solidFill>
+              <a:latin typeface="Courier New" panose="02070309020205020404" pitchFamily="49" charset="0"/>
+              <a:ea typeface="Courier New" panose="02070309020205020404" pitchFamily="49" charset="0"/>
+              <a:cs typeface="Courier New" panose="02070309020205020404" pitchFamily="49" charset="0"/>
+            </a:endParaRPr>
           </a:p>
           <a:p>
             <a:r>
@@ -10066,6 +10173,14 @@
               </a:rPr>
               <a:t> </a:t>
             </a:r>
+            <a:endParaRPr sz="1200" b="0" u="none">
+              <a:solidFill>
+                <a:srgbClr val="000000"/>
+              </a:solidFill>
+              <a:latin typeface="Courier New" panose="02070309020205020404" pitchFamily="49" charset="0"/>
+              <a:ea typeface="Courier New" panose="02070309020205020404" pitchFamily="49" charset="0"/>
+              <a:cs typeface="Courier New" panose="02070309020205020404" pitchFamily="49" charset="0"/>
+            </a:endParaRPr>
           </a:p>
           <a:p>
             <a:r>
@@ -10090,6 +10205,14 @@
               </a:rPr>
               <a:t>FuzzifyTemperature</a:t>
             </a:r>
+            <a:endParaRPr sz="1400" b="1" u="none">
+              <a:solidFill>
+                <a:srgbClr val="000000"/>
+              </a:solidFill>
+              <a:latin typeface="Courier New" panose="02070309020205020404" pitchFamily="49" charset="0"/>
+              <a:ea typeface="Courier New" panose="02070309020205020404" pitchFamily="49" charset="0"/>
+              <a:cs typeface="Courier New" panose="02070309020205020404" pitchFamily="49" charset="0"/>
+            </a:endParaRPr>
           </a:p>
           <a:p>
             <a:r>
@@ -10103,6 +10226,14 @@
               </a:rPr>
               <a:t>   (temperature ?t)</a:t>
             </a:r>
+            <a:endParaRPr sz="1200" b="0" u="none">
+              <a:solidFill>
+                <a:srgbClr val="000000"/>
+              </a:solidFill>
+              <a:latin typeface="Courier New" panose="02070309020205020404" pitchFamily="49" charset="0"/>
+              <a:ea typeface="Courier New" panose="02070309020205020404" pitchFamily="49" charset="0"/>
+              <a:cs typeface="Courier New" panose="02070309020205020404" pitchFamily="49" charset="0"/>
+            </a:endParaRPr>
           </a:p>
           <a:p>
             <a:r>
@@ -10116,6 +10247,14 @@
               </a:rPr>
               <a:t>   =&gt;</a:t>
             </a:r>
+            <a:endParaRPr sz="1200" b="0" u="none">
+              <a:solidFill>
+                <a:srgbClr val="000000"/>
+              </a:solidFill>
+              <a:latin typeface="Courier New" panose="02070309020205020404" pitchFamily="49" charset="0"/>
+              <a:ea typeface="Courier New" panose="02070309020205020404" pitchFamily="49" charset="0"/>
+              <a:cs typeface="Courier New" panose="02070309020205020404" pitchFamily="49" charset="0"/>
+            </a:endParaRPr>
           </a:p>
           <a:p>
             <a:r>
@@ -10129,6 +10268,14 @@
               </a:rPr>
               <a:t>   (bind ?t1 (- ?t 2))</a:t>
             </a:r>
+            <a:endParaRPr sz="1200" b="0" u="none">
+              <a:solidFill>
+                <a:srgbClr val="000000"/>
+              </a:solidFill>
+              <a:latin typeface="Courier New" panose="02070309020205020404" pitchFamily="49" charset="0"/>
+              <a:ea typeface="Courier New" panose="02070309020205020404" pitchFamily="49" charset="0"/>
+              <a:cs typeface="Courier New" panose="02070309020205020404" pitchFamily="49" charset="0"/>
+            </a:endParaRPr>
           </a:p>
           <a:p>
             <a:r>
@@ -10142,6 +10289,14 @@
               </a:rPr>
               <a:t>   (bind ?t2 (+ ?t 2))</a:t>
             </a:r>
+            <a:endParaRPr sz="1200" b="0" u="none">
+              <a:solidFill>
+                <a:srgbClr val="000000"/>
+              </a:solidFill>
+              <a:latin typeface="Courier New" panose="02070309020205020404" pitchFamily="49" charset="0"/>
+              <a:ea typeface="Courier New" panose="02070309020205020404" pitchFamily="49" charset="0"/>
+              <a:cs typeface="Courier New" panose="02070309020205020404" pitchFamily="49" charset="0"/>
+            </a:endParaRPr>
           </a:p>
           <a:p>
             <a:r>
@@ -10155,6 +10310,14 @@
               </a:rPr>
               <a:t>   (assert (Fever (?t1 0) (?t 1) (?t2 0))))</a:t>
             </a:r>
+            <a:endParaRPr sz="1200" b="0" u="none">
+              <a:solidFill>
+                <a:srgbClr val="000000"/>
+              </a:solidFill>
+              <a:latin typeface="Courier New" panose="02070309020205020404" pitchFamily="49" charset="0"/>
+              <a:ea typeface="Courier New" panose="02070309020205020404" pitchFamily="49" charset="0"/>
+              <a:cs typeface="Courier New" panose="02070309020205020404" pitchFamily="49" charset="0"/>
+            </a:endParaRPr>
           </a:p>
           <a:p>
             <a:r>
@@ -10168,6 +10331,14 @@
               </a:rPr>
               <a:t> </a:t>
             </a:r>
+            <a:endParaRPr sz="1200" b="0" u="none">
+              <a:solidFill>
+                <a:srgbClr val="000000"/>
+              </a:solidFill>
+              <a:latin typeface="Courier New" panose="02070309020205020404" pitchFamily="49" charset="0"/>
+              <a:ea typeface="Courier New" panose="02070309020205020404" pitchFamily="49" charset="0"/>
+              <a:cs typeface="Courier New" panose="02070309020205020404" pitchFamily="49" charset="0"/>
+            </a:endParaRPr>
           </a:p>
           <a:p>
             <a:r>
@@ -10181,6 +10352,14 @@
               </a:rPr>
               <a:t>(defrule GetFlu</a:t>
             </a:r>
+            <a:endParaRPr sz="1200" b="0" u="none">
+              <a:solidFill>
+                <a:srgbClr val="000000"/>
+              </a:solidFill>
+              <a:latin typeface="Courier New" panose="02070309020205020404" pitchFamily="49" charset="0"/>
+              <a:ea typeface="Courier New" panose="02070309020205020404" pitchFamily="49" charset="0"/>
+              <a:cs typeface="Courier New" panose="02070309020205020404" pitchFamily="49" charset="0"/>
+            </a:endParaRPr>
           </a:p>
           <a:p>
             <a:r>
@@ -10194,6 +10373,14 @@
               </a:rPr>
               <a:t>   (Fever fever)</a:t>
             </a:r>
+            <a:endParaRPr sz="1200" b="0" u="none">
+              <a:solidFill>
+                <a:srgbClr val="000000"/>
+              </a:solidFill>
+              <a:latin typeface="Courier New" panose="02070309020205020404" pitchFamily="49" charset="0"/>
+              <a:ea typeface="Courier New" panose="02070309020205020404" pitchFamily="49" charset="0"/>
+              <a:cs typeface="Courier New" panose="02070309020205020404" pitchFamily="49" charset="0"/>
+            </a:endParaRPr>
           </a:p>
           <a:p>
             <a:r>
@@ -10207,6 +10394,14 @@
               </a:rPr>
               <a:t>   =&gt;</a:t>
             </a:r>
+            <a:endParaRPr sz="1200" b="0" u="none">
+              <a:solidFill>
+                <a:srgbClr val="000000"/>
+              </a:solidFill>
+              <a:latin typeface="Courier New" panose="02070309020205020404" pitchFamily="49" charset="0"/>
+              <a:ea typeface="Courier New" panose="02070309020205020404" pitchFamily="49" charset="0"/>
+              <a:cs typeface="Courier New" panose="02070309020205020404" pitchFamily="49" charset="0"/>
+            </a:endParaRPr>
           </a:p>
           <a:p>
             <a:r>
@@ -10220,6 +10415,14 @@
               </a:rPr>
               <a:t>   (assert (flu yes)))</a:t>
             </a:r>
+            <a:endParaRPr sz="1200" b="0" u="none">
+              <a:solidFill>
+                <a:srgbClr val="000000"/>
+              </a:solidFill>
+              <a:latin typeface="Courier New" panose="02070309020205020404" pitchFamily="49" charset="0"/>
+              <a:ea typeface="Courier New" panose="02070309020205020404" pitchFamily="49" charset="0"/>
+              <a:cs typeface="Courier New" panose="02070309020205020404" pitchFamily="49" charset="0"/>
+            </a:endParaRPr>
           </a:p>
           <a:p>
             <a:r>
@@ -10233,6 +10436,14 @@
               </a:rPr>
               <a:t> </a:t>
             </a:r>
+            <a:endParaRPr sz="1200" b="0" u="none">
+              <a:solidFill>
+                <a:srgbClr val="000000"/>
+              </a:solidFill>
+              <a:latin typeface="Courier New" panose="02070309020205020404" pitchFamily="49" charset="0"/>
+              <a:ea typeface="Courier New" panose="02070309020205020404" pitchFamily="49" charset="0"/>
+              <a:cs typeface="Courier New" panose="02070309020205020404" pitchFamily="49" charset="0"/>
+            </a:endParaRPr>
           </a:p>
           <a:p>
             <a:r>
@@ -10246,6 +10457,14 @@
               </a:rPr>
               <a:t>(defrule ShowFlu</a:t>
             </a:r>
+            <a:endParaRPr sz="1200" b="0" u="none">
+              <a:solidFill>
+                <a:srgbClr val="000000"/>
+              </a:solidFill>
+              <a:latin typeface="Courier New" panose="02070309020205020404" pitchFamily="49" charset="0"/>
+              <a:ea typeface="Courier New" panose="02070309020205020404" pitchFamily="49" charset="0"/>
+              <a:cs typeface="Courier New" panose="02070309020205020404" pitchFamily="49" charset="0"/>
+            </a:endParaRPr>
           </a:p>
           <a:p>
             <a:r>
@@ -10259,6 +10478,14 @@
               </a:rPr>
               <a:t>   ?f &lt;- (flu yes)</a:t>
             </a:r>
+            <a:endParaRPr sz="1200" b="0" u="none">
+              <a:solidFill>
+                <a:srgbClr val="000000"/>
+              </a:solidFill>
+              <a:latin typeface="Courier New" panose="02070309020205020404" pitchFamily="49" charset="0"/>
+              <a:ea typeface="Courier New" panose="02070309020205020404" pitchFamily="49" charset="0"/>
+              <a:cs typeface="Courier New" panose="02070309020205020404" pitchFamily="49" charset="0"/>
+            </a:endParaRPr>
           </a:p>
           <a:p>
             <a:r>
@@ -10272,6 +10499,14 @@
               </a:rPr>
               <a:t>   ?fev &lt;- (Fever ?)</a:t>
             </a:r>
+            <a:endParaRPr sz="1200" b="0" u="none">
+              <a:solidFill>
+                <a:srgbClr val="000000"/>
+              </a:solidFill>
+              <a:latin typeface="Courier New" panose="02070309020205020404" pitchFamily="49" charset="0"/>
+              <a:ea typeface="Courier New" panose="02070309020205020404" pitchFamily="49" charset="0"/>
+              <a:cs typeface="Courier New" panose="02070309020205020404" pitchFamily="49" charset="0"/>
+            </a:endParaRPr>
           </a:p>
           <a:p>
             <a:r>
@@ -10285,6 +10520,14 @@
               </a:rPr>
               <a:t>   =&gt;</a:t>
             </a:r>
+            <a:endParaRPr sz="1200" b="0" u="none">
+              <a:solidFill>
+                <a:srgbClr val="000000"/>
+              </a:solidFill>
+              <a:latin typeface="Courier New" panose="02070309020205020404" pitchFamily="49" charset="0"/>
+              <a:ea typeface="Courier New" panose="02070309020205020404" pitchFamily="49" charset="0"/>
+              <a:cs typeface="Courier New" panose="02070309020205020404" pitchFamily="49" charset="0"/>
+            </a:endParaRPr>
           </a:p>
           <a:p>
             <a:r>
@@ -10298,6 +10541,14 @@
               </a:rPr>
               <a:t>   (printout t "Confidence in flu: " (get-cf ?f) crlf)</a:t>
             </a:r>
+            <a:endParaRPr sz="1200" b="0" u="none">
+              <a:solidFill>
+                <a:srgbClr val="000000"/>
+              </a:solidFill>
+              <a:latin typeface="Courier New" panose="02070309020205020404" pitchFamily="49" charset="0"/>
+              <a:ea typeface="Courier New" panose="02070309020205020404" pitchFamily="49" charset="0"/>
+              <a:cs typeface="Courier New" panose="02070309020205020404" pitchFamily="49" charset="0"/>
+            </a:endParaRPr>
           </a:p>
           <a:p>
             <a:r>
@@ -10485,6 +10736,15 @@
               </a:rPr>
               <a:t>погрешности</a:t>
             </a:r>
+            <a:endParaRPr lang="ru-RU">
+              <a:solidFill>
+                <a:srgbClr val="000000"/>
+              </a:solidFill>
+              <a:latin typeface="Times New Roman" panose="02020603050405020304" charset="0"/>
+              <a:ea typeface="Times New Roman" panose="02020603050405020304" charset="0"/>
+              <a:cs typeface="Times New Roman" panose="02020603050405020304" charset="0"/>
+              <a:sym typeface="+mn-ea"/>
+            </a:endParaRPr>
           </a:p>
         </p:txBody>
       </p:sp>
@@ -10562,6 +10822,7 @@
               <a:rPr lang="en-US" altLang="ru-RU" sz="1400"/>
               <a:t>CRISP input value</a:t>
             </a:r>
+            <a:endParaRPr lang="en-US" altLang="ru-RU" sz="1400"/>
           </a:p>
         </p:txBody>
       </p:sp>
@@ -10611,6 +10872,15 @@
               </a:rPr>
               <a:t>нечеткое треугольное число</a:t>
             </a:r>
+            <a:endParaRPr lang="ru-RU">
+              <a:solidFill>
+                <a:srgbClr val="000000"/>
+              </a:solidFill>
+              <a:latin typeface="Times New Roman" panose="02020603050405020304" charset="0"/>
+              <a:ea typeface="Times New Roman" panose="02020603050405020304" charset="0"/>
+              <a:cs typeface="Times New Roman" panose="02020603050405020304" charset="0"/>
+              <a:sym typeface="+mn-ea"/>
+            </a:endParaRPr>
           </a:p>
         </p:txBody>
       </p:sp>
@@ -10692,8 +10962,6 @@
           <a:p>
             <a:fld id="{2D80A49E-0AE4-4F85-8EA4-F0781D345D2A}" type="slidenum">
               <a:rPr lang="ru-RU" smtClean="0"/>
-              <a:pPr/>
-              <a:t>4</a:t>
             </a:fld>
             <a:endParaRPr lang="ru-RU" dirty="0"/>
           </a:p>
@@ -10708,7 +10976,7 @@
         <p:spPr>
           <a:xfrm>
             <a:off x="451485" y="209550"/>
-            <a:ext cx="8488045" cy="518160"/>
+            <a:ext cx="8592185" cy="518160"/>
           </a:xfrm>
           <a:prstGeom prst="rect">
             <a:avLst/>
@@ -10751,8 +11019,53 @@
                 </a:effectLst>
                 <a:latin typeface="Times New Roman" panose="02020603050405020304" charset="0"/>
               </a:rPr>
-              <a:t>. Реализация факторов уверенности в FuzzyClips </a:t>
-            </a:r>
+              <a:t>. Реализация факторов </a:t>
+            </a:r>
+            <a:r>
+              <a:rPr lang="ru-RU" altLang="en-US" sz="2800" b="1">
+                <a:solidFill>
+                  <a:schemeClr val="accent1"/>
+                </a:solidFill>
+                <a:effectLst>
+                  <a:outerShdw blurRad="38100" dist="25400" dir="5400000" algn="ctr" rotWithShape="0">
+                    <a:srgbClr val="6E747A">
+                      <a:alpha val="43000"/>
+                    </a:srgbClr>
+                  </a:outerShdw>
+                </a:effectLst>
+                <a:latin typeface="Times New Roman" panose="02020603050405020304" charset="0"/>
+              </a:rPr>
+              <a:t>достоверности</a:t>
+            </a:r>
+            <a:r>
+              <a:rPr lang="en-US" altLang="ru-RU" sz="2800" b="1">
+                <a:solidFill>
+                  <a:schemeClr val="accent1"/>
+                </a:solidFill>
+                <a:effectLst>
+                  <a:outerShdw blurRad="38100" dist="25400" dir="5400000" algn="ctr" rotWithShape="0">
+                    <a:srgbClr val="6E747A">
+                      <a:alpha val="43000"/>
+                    </a:srgbClr>
+                  </a:outerShdw>
+                </a:effectLst>
+                <a:latin typeface="Times New Roman" panose="02020603050405020304" charset="0"/>
+              </a:rPr>
+              <a:t> в FuzzyClips </a:t>
+            </a:r>
+            <a:endParaRPr lang="en-US" altLang="ru-RU" sz="2800" b="1">
+              <a:solidFill>
+                <a:schemeClr val="accent1"/>
+              </a:solidFill>
+              <a:effectLst>
+                <a:outerShdw blurRad="38100" dist="25400" dir="5400000" algn="ctr" rotWithShape="0">
+                  <a:srgbClr val="6E747A">
+                    <a:alpha val="43000"/>
+                  </a:srgbClr>
+                </a:outerShdw>
+              </a:effectLst>
+              <a:latin typeface="Times New Roman" panose="02020603050405020304" charset="0"/>
+            </a:endParaRPr>
           </a:p>
         </p:txBody>
       </p:sp>
@@ -10935,6 +11248,14 @@
               </a:rPr>
               <a:t>   (declare (salience 100))</a:t>
             </a:r>
+            <a:endParaRPr sz="1600" b="0" u="none" dirty="0">
+              <a:solidFill>
+                <a:srgbClr val="000000"/>
+              </a:solidFill>
+              <a:latin typeface="Courier New" panose="02070309020205020404" pitchFamily="49" charset="0"/>
+              <a:ea typeface="Courier New" panose="02070309020205020404" pitchFamily="49" charset="0"/>
+              <a:cs typeface="Courier New" panose="02070309020205020404" pitchFamily="49" charset="0"/>
+            </a:endParaRPr>
           </a:p>
           <a:p>
             <a:r>
@@ -10948,6 +11269,14 @@
               </a:rPr>
               <a:t>   =&gt;</a:t>
             </a:r>
+            <a:endParaRPr sz="1600" b="0" u="none" dirty="0">
+              <a:solidFill>
+                <a:srgbClr val="000000"/>
+              </a:solidFill>
+              <a:latin typeface="Courier New" panose="02070309020205020404" pitchFamily="49" charset="0"/>
+              <a:ea typeface="Courier New" panose="02070309020205020404" pitchFamily="49" charset="0"/>
+              <a:cs typeface="Courier New" panose="02070309020205020404" pitchFamily="49" charset="0"/>
+            </a:endParaRPr>
           </a:p>
           <a:p>
             <a:r>
@@ -10961,6 +11290,14 @@
               </a:rPr>
               <a:t>   (printout t "Enter confidence that patient has a fever (0 to 1): ")</a:t>
             </a:r>
+            <a:endParaRPr sz="1600" b="0" u="none" dirty="0">
+              <a:solidFill>
+                <a:srgbClr val="000000"/>
+              </a:solidFill>
+              <a:latin typeface="Courier New" panose="02070309020205020404" pitchFamily="49" charset="0"/>
+              <a:ea typeface="Courier New" panose="02070309020205020404" pitchFamily="49" charset="0"/>
+              <a:cs typeface="Courier New" panose="02070309020205020404" pitchFamily="49" charset="0"/>
+            </a:endParaRPr>
           </a:p>
           <a:p>
             <a:r>
@@ -10996,6 +11333,14 @@
               </a:rPr>
               <a:t> (read))</a:t>
             </a:r>
+            <a:endParaRPr sz="1600" b="0" u="none" dirty="0">
+              <a:solidFill>
+                <a:srgbClr val="000000"/>
+              </a:solidFill>
+              <a:latin typeface="Courier New" panose="02070309020205020404" pitchFamily="49" charset="0"/>
+              <a:ea typeface="Courier New" panose="02070309020205020404" pitchFamily="49" charset="0"/>
+              <a:cs typeface="Courier New" panose="02070309020205020404" pitchFamily="49" charset="0"/>
+            </a:endParaRPr>
           </a:p>
           <a:p>
             <a:r>
@@ -11080,6 +11425,7 @@
               <a:rPr lang="ru-RU" altLang="en-US"/>
               <a:t>Нечеткость</a:t>
             </a:r>
+            <a:endParaRPr lang="ru-RU" altLang="en-US"/>
           </a:p>
         </p:txBody>
       </p:sp>
@@ -11121,6 +11467,7 @@
               <a:rPr lang="ru-RU" altLang="en-US"/>
               <a:t>Неопределенность</a:t>
             </a:r>
+            <a:endParaRPr lang="ru-RU" altLang="en-US"/>
           </a:p>
         </p:txBody>
       </p:sp>
@@ -11158,6 +11505,11 @@
               </a:rPr>
               <a:t>Certainty factor</a:t>
             </a:r>
+            <a:endParaRPr lang="en-US" b="1" u="none" dirty="0">
+              <a:latin typeface="Times New Roman" panose="02020603050405020304" charset="0"/>
+              <a:ea typeface="Times New Roman" panose="02020603050405020304" charset="0"/>
+              <a:cs typeface="Times New Roman" panose="02020603050405020304" charset="0"/>
+            </a:endParaRPr>
           </a:p>
         </p:txBody>
       </p:sp>
@@ -11272,6 +11624,11 @@
               </a:rPr>
               <a:t>CRISP value (0..1)</a:t>
             </a:r>
+            <a:endParaRPr lang="en-US" b="1" u="none">
+              <a:latin typeface="Times New Roman" panose="02020603050405020304" charset="0"/>
+              <a:ea typeface="Times New Roman" panose="02020603050405020304" charset="0"/>
+              <a:cs typeface="Times New Roman" panose="02020603050405020304" charset="0"/>
+            </a:endParaRPr>
           </a:p>
         </p:txBody>
       </p:sp>
@@ -11396,8 +11753,6 @@
           <a:p>
             <a:fld id="{2D80A49E-0AE4-4F85-8EA4-F0781D345D2A}" type="slidenum">
               <a:rPr lang="ru-RU" smtClean="0"/>
-              <a:pPr/>
-              <a:t>5</a:t>
             </a:fld>
             <a:endParaRPr lang="ru-RU" dirty="0"/>
           </a:p>
@@ -11439,7 +11794,7 @@
                 </a:effectLst>
                 <a:latin typeface="Times New Roman" panose="02020603050405020304" charset="0"/>
               </a:rPr>
-              <a:t>5</a:t>
+              <a:t>4</a:t>
             </a:r>
             <a:r>
               <a:rPr lang="en-US" altLang="ru-RU" sz="2800" b="1">
@@ -11521,6 +11876,19 @@
               </a:rPr>
               <a:t> </a:t>
             </a:r>
+            <a:endParaRPr lang="en-US" altLang="ru-RU" sz="2800" b="1">
+              <a:solidFill>
+                <a:schemeClr val="accent1"/>
+              </a:solidFill>
+              <a:effectLst>
+                <a:outerShdw blurRad="38100" dist="25400" dir="5400000" algn="ctr" rotWithShape="0">
+                  <a:srgbClr val="6E747A">
+                    <a:alpha val="43000"/>
+                  </a:srgbClr>
+                </a:outerShdw>
+              </a:effectLst>
+              <a:latin typeface="Times New Roman" panose="02020603050405020304" charset="0"/>
+            </a:endParaRPr>
           </a:p>
         </p:txBody>
       </p:sp>
@@ -11574,6 +11942,11 @@
               </a:rPr>
               <a:t> age</a:t>
             </a:r>
+            <a:endParaRPr sz="1200" b="0" u="none" dirty="0">
+              <a:latin typeface="Courier New" panose="02070309020205020404" pitchFamily="49" charset="0"/>
+              <a:ea typeface="Courier New" panose="02070309020205020404" pitchFamily="49" charset="0"/>
+              <a:cs typeface="Courier New" panose="02070309020205020404" pitchFamily="49" charset="0"/>
+            </a:endParaRPr>
           </a:p>
           <a:p>
             <a:r>
@@ -11584,6 +11957,11 @@
               </a:rPr>
               <a:t>0 100 ; universe</a:t>
             </a:r>
+            <a:endParaRPr sz="1200" b="0" u="none" dirty="0">
+              <a:latin typeface="Courier New" panose="02070309020205020404" pitchFamily="49" charset="0"/>
+              <a:ea typeface="Courier New" panose="02070309020205020404" pitchFamily="49" charset="0"/>
+              <a:cs typeface="Courier New" panose="02070309020205020404" pitchFamily="49" charset="0"/>
+            </a:endParaRPr>
           </a:p>
           <a:p>
             <a:r>
@@ -11594,6 +11972,11 @@
               </a:rPr>
               <a:t>( (young (0 1) (25 1) (40 0.5) (55 0))</a:t>
             </a:r>
+            <a:endParaRPr sz="1200" b="0" u="none" dirty="0">
+              <a:latin typeface="Courier New" panose="02070309020205020404" pitchFamily="49" charset="0"/>
+              <a:ea typeface="Courier New" panose="02070309020205020404" pitchFamily="49" charset="0"/>
+              <a:cs typeface="Courier New" panose="02070309020205020404" pitchFamily="49" charset="0"/>
+            </a:endParaRPr>
           </a:p>
           <a:p>
             <a:r>
@@ -11604,6 +11987,11 @@
               </a:rPr>
               <a:t>  (middle(0 0) (25 0.5) (40 1.0) (55 0.5) (70 0))</a:t>
             </a:r>
+            <a:endParaRPr sz="1200" b="0" u="none" dirty="0">
+              <a:latin typeface="Courier New" panose="02070309020205020404" pitchFamily="49" charset="0"/>
+              <a:ea typeface="Courier New" panose="02070309020205020404" pitchFamily="49" charset="0"/>
+              <a:cs typeface="Courier New" panose="02070309020205020404" pitchFamily="49" charset="0"/>
+            </a:endParaRPr>
           </a:p>
           <a:p>
             <a:r>
@@ -11614,6 +12002,11 @@
               </a:rPr>
               <a:t>  (old    (0 0) (40 0) (55 0.5) (70 1) (80 1))</a:t>
             </a:r>
+            <a:endParaRPr sz="1200" b="0" u="none" dirty="0">
+              <a:latin typeface="Courier New" panose="02070309020205020404" pitchFamily="49" charset="0"/>
+              <a:ea typeface="Courier New" panose="02070309020205020404" pitchFamily="49" charset="0"/>
+              <a:cs typeface="Courier New" panose="02070309020205020404" pitchFamily="49" charset="0"/>
+            </a:endParaRPr>
           </a:p>
           <a:p>
             <a:r>
@@ -11624,6 +12017,11 @@
               </a:rPr>
               <a:t>)</a:t>
             </a:r>
+            <a:endParaRPr sz="1200" b="0" u="none" dirty="0">
+              <a:latin typeface="Courier New" panose="02070309020205020404" pitchFamily="49" charset="0"/>
+              <a:ea typeface="Courier New" panose="02070309020205020404" pitchFamily="49" charset="0"/>
+              <a:cs typeface="Courier New" panose="02070309020205020404" pitchFamily="49" charset="0"/>
+            </a:endParaRPr>
           </a:p>
           <a:p>
             <a:r>
@@ -11634,6 +12032,11 @@
               </a:rPr>
               <a:t> </a:t>
             </a:r>
+            <a:endParaRPr sz="1200" b="0" u="none" dirty="0">
+              <a:latin typeface="Courier New" panose="02070309020205020404" pitchFamily="49" charset="0"/>
+              <a:ea typeface="Courier New" panose="02070309020205020404" pitchFamily="49" charset="0"/>
+              <a:cs typeface="Courier New" panose="02070309020205020404" pitchFamily="49" charset="0"/>
+            </a:endParaRPr>
           </a:p>
           <a:p>
             <a:r>
@@ -11676,6 +12079,11 @@
               </a:rPr>
               <a:t>	   0 100 ; universe</a:t>
             </a:r>
+            <a:endParaRPr sz="1200" b="0" u="none" dirty="0">
+              <a:latin typeface="Courier New" panose="02070309020205020404" pitchFamily="49" charset="0"/>
+              <a:ea typeface="Courier New" panose="02070309020205020404" pitchFamily="49" charset="0"/>
+              <a:cs typeface="Courier New" panose="02070309020205020404" pitchFamily="49" charset="0"/>
+            </a:endParaRPr>
           </a:p>
           <a:p>
             <a:r>
@@ -11686,6 +12094,11 @@
               </a:rPr>
               <a:t>( (young (z 30 55))</a:t>
             </a:r>
+            <a:endParaRPr sz="1200" b="0" u="none" dirty="0">
+              <a:latin typeface="Courier New" panose="02070309020205020404" pitchFamily="49" charset="0"/>
+              <a:ea typeface="Courier New" panose="02070309020205020404" pitchFamily="49" charset="0"/>
+              <a:cs typeface="Courier New" panose="02070309020205020404" pitchFamily="49" charset="0"/>
+            </a:endParaRPr>
           </a:p>
           <a:p>
             <a:r>
@@ -11696,6 +12109,11 @@
               </a:rPr>
               <a:t>  (middle(pi 15 40)</a:t>
             </a:r>
+            <a:endParaRPr sz="1200" b="0" u="none" dirty="0">
+              <a:latin typeface="Courier New" panose="02070309020205020404" pitchFamily="49" charset="0"/>
+              <a:ea typeface="Courier New" panose="02070309020205020404" pitchFamily="49" charset="0"/>
+              <a:cs typeface="Courier New" panose="02070309020205020404" pitchFamily="49" charset="0"/>
+            </a:endParaRPr>
           </a:p>
           <a:p>
             <a:r>
@@ -11706,6 +12124,11 @@
               </a:rPr>
               <a:t>  (old    (s 40 70))</a:t>
             </a:r>
+            <a:endParaRPr sz="1200" b="0" u="none" dirty="0">
+              <a:latin typeface="Courier New" panose="02070309020205020404" pitchFamily="49" charset="0"/>
+              <a:ea typeface="Courier New" panose="02070309020205020404" pitchFamily="49" charset="0"/>
+              <a:cs typeface="Courier New" panose="02070309020205020404" pitchFamily="49" charset="0"/>
+            </a:endParaRPr>
           </a:p>
           <a:p>
             <a:r>
@@ -11716,6 +12139,11 @@
               </a:rPr>
               <a:t>)</a:t>
             </a:r>
+            <a:endParaRPr sz="1200" b="0" u="none" dirty="0">
+              <a:latin typeface="Courier New" panose="02070309020205020404" pitchFamily="49" charset="0"/>
+              <a:ea typeface="Courier New" panose="02070309020205020404" pitchFamily="49" charset="0"/>
+              <a:cs typeface="Courier New" panose="02070309020205020404" pitchFamily="49" charset="0"/>
+            </a:endParaRPr>
           </a:p>
           <a:p>
             <a:r>
@@ -11726,6 +12154,11 @@
               </a:rPr>
               <a:t> </a:t>
             </a:r>
+            <a:endParaRPr sz="1200" b="0" u="none" dirty="0">
+              <a:latin typeface="Courier New" panose="02070309020205020404" pitchFamily="49" charset="0"/>
+              <a:ea typeface="Courier New" panose="02070309020205020404" pitchFamily="49" charset="0"/>
+              <a:cs typeface="Courier New" panose="02070309020205020404" pitchFamily="49" charset="0"/>
+            </a:endParaRPr>
           </a:p>
           <a:p>
             <a:r>
@@ -11752,6 +12185,11 @@
               </a:rPr>
               <a:t> person	  (slot name)(slot age (type FUZZY-VALUE age))</a:t>
             </a:r>
+            <a:endParaRPr sz="1200" b="0" u="none" dirty="0">
+              <a:latin typeface="Courier New" panose="02070309020205020404" pitchFamily="49" charset="0"/>
+              <a:ea typeface="Courier New" panose="02070309020205020404" pitchFamily="49" charset="0"/>
+              <a:cs typeface="Courier New" panose="02070309020205020404" pitchFamily="49" charset="0"/>
+            </a:endParaRPr>
           </a:p>
           <a:p>
             <a:r>
@@ -11762,6 +12200,11 @@
               </a:rPr>
               <a:t>)</a:t>
             </a:r>
+            <a:endParaRPr sz="1200" b="0" u="none" dirty="0">
+              <a:latin typeface="Courier New" panose="02070309020205020404" pitchFamily="49" charset="0"/>
+              <a:ea typeface="Courier New" panose="02070309020205020404" pitchFamily="49" charset="0"/>
+              <a:cs typeface="Courier New" panose="02070309020205020404" pitchFamily="49" charset="0"/>
+            </a:endParaRPr>
           </a:p>
           <a:p>
             <a:r>
@@ -11772,6 +12215,11 @@
               </a:rPr>
               <a:t> </a:t>
             </a:r>
+            <a:endParaRPr sz="1200" b="0" u="none" dirty="0">
+              <a:latin typeface="Courier New" panose="02070309020205020404" pitchFamily="49" charset="0"/>
+              <a:ea typeface="Courier New" panose="02070309020205020404" pitchFamily="49" charset="0"/>
+              <a:cs typeface="Courier New" panose="02070309020205020404" pitchFamily="49" charset="0"/>
+            </a:endParaRPr>
           </a:p>
           <a:p>
             <a:r>
@@ -11798,6 +12246,11 @@
               </a:rPr>
               <a:t> startup</a:t>
             </a:r>
+            <a:endParaRPr sz="1200" b="0" u="none" dirty="0">
+              <a:latin typeface="Courier New" panose="02070309020205020404" pitchFamily="49" charset="0"/>
+              <a:ea typeface="Courier New" panose="02070309020205020404" pitchFamily="49" charset="0"/>
+              <a:cs typeface="Courier New" panose="02070309020205020404" pitchFamily="49" charset="0"/>
+            </a:endParaRPr>
           </a:p>
           <a:p>
             <a:r>
@@ -11808,6 +12261,11 @@
               </a:rPr>
               <a:t>  (person (name bob) (age middle))</a:t>
             </a:r>
+            <a:endParaRPr sz="1200" b="0" u="none" dirty="0">
+              <a:latin typeface="Courier New" panose="02070309020205020404" pitchFamily="49" charset="0"/>
+              <a:ea typeface="Courier New" panose="02070309020205020404" pitchFamily="49" charset="0"/>
+              <a:cs typeface="Courier New" panose="02070309020205020404" pitchFamily="49" charset="0"/>
+            </a:endParaRPr>
           </a:p>
           <a:p>
             <a:r>
@@ -11834,6 +12292,11 @@
               </a:rPr>
               <a:t>) (age young))</a:t>
             </a:r>
+            <a:endParaRPr sz="1200" b="0" u="none" dirty="0">
+              <a:latin typeface="Courier New" panose="02070309020205020404" pitchFamily="49" charset="0"/>
+              <a:ea typeface="Courier New" panose="02070309020205020404" pitchFamily="49" charset="0"/>
+              <a:cs typeface="Courier New" panose="02070309020205020404" pitchFamily="49" charset="0"/>
+            </a:endParaRPr>
           </a:p>
           <a:p>
             <a:r>
@@ -11890,6 +12353,11 @@
               </a:rPr>
               <a:t> (get -u age)</a:t>
             </a:r>
+            <a:endParaRPr sz="1400" b="0" u="none">
+              <a:latin typeface="Courier New" panose="02070309020205020404" pitchFamily="49" charset="0"/>
+              <a:ea typeface="Courier New" panose="02070309020205020404" pitchFamily="49" charset="0"/>
+              <a:cs typeface="Courier New" panose="02070309020205020404" pitchFamily="49" charset="0"/>
+            </a:endParaRPr>
           </a:p>
           <a:p>
             <a:r>
@@ -11900,6 +12368,11 @@
               </a:rPr>
               <a:t>0.00 - 100.00</a:t>
             </a:r>
+            <a:endParaRPr sz="1400" b="0" u="none">
+              <a:latin typeface="Courier New" panose="02070309020205020404" pitchFamily="49" charset="0"/>
+              <a:ea typeface="Courier New" panose="02070309020205020404" pitchFamily="49" charset="0"/>
+              <a:cs typeface="Courier New" panose="02070309020205020404" pitchFamily="49" charset="0"/>
+            </a:endParaRPr>
           </a:p>
           <a:p>
             <a:r>
@@ -11918,6 +12391,11 @@
               </a:rPr>
               <a:t> (get-fuzzy-inference-type)</a:t>
             </a:r>
+            <a:endParaRPr sz="1400" b="0" u="none">
+              <a:latin typeface="Courier New" panose="02070309020205020404" pitchFamily="49" charset="0"/>
+              <a:ea typeface="Courier New" panose="02070309020205020404" pitchFamily="49" charset="0"/>
+              <a:cs typeface="Courier New" panose="02070309020205020404" pitchFamily="49" charset="0"/>
+            </a:endParaRPr>
           </a:p>
           <a:p>
             <a:r>
@@ -11928,6 +12406,11 @@
               </a:rPr>
               <a:t>max-min</a:t>
             </a:r>
+            <a:endParaRPr sz="1400" b="0" u="none">
+              <a:latin typeface="Courier New" panose="02070309020205020404" pitchFamily="49" charset="0"/>
+              <a:ea typeface="Courier New" panose="02070309020205020404" pitchFamily="49" charset="0"/>
+              <a:cs typeface="Courier New" panose="02070309020205020404" pitchFamily="49" charset="0"/>
+            </a:endParaRPr>
           </a:p>
           <a:p>
             <a:r>
@@ -11946,6 +12429,11 @@
               </a:rPr>
               <a:t> (plot-fuzzy-value t + nil nil (create-fuzzy-value age middle))</a:t>
             </a:r>
+            <a:endParaRPr sz="1400" b="0" u="none">
+              <a:latin typeface="Courier New" panose="02070309020205020404" pitchFamily="49" charset="0"/>
+              <a:ea typeface="Courier New" panose="02070309020205020404" pitchFamily="49" charset="0"/>
+              <a:cs typeface="Courier New" panose="02070309020205020404" pitchFamily="49" charset="0"/>
+            </a:endParaRPr>
           </a:p>
           <a:p>
             <a:r>
@@ -12002,6 +12490,7 @@
               <a:rPr lang="ru-RU" altLang="en-US"/>
               <a:t>Запросы к базе знаний</a:t>
             </a:r>
+            <a:endParaRPr lang="ru-RU" altLang="en-US"/>
           </a:p>
         </p:txBody>
       </p:sp>
@@ -12076,6 +12565,7 @@
               <a:rPr lang="ru-RU" altLang="en-US"/>
               <a:t>Определения нечетких переменных</a:t>
             </a:r>
+            <a:endParaRPr lang="ru-RU" altLang="en-US"/>
           </a:p>
         </p:txBody>
       </p:sp>
@@ -12121,8 +12611,6 @@
           <a:p>
             <a:fld id="{2D80A49E-0AE4-4F85-8EA4-F0781D345D2A}" type="slidenum">
               <a:rPr lang="ru-RU" smtClean="0"/>
-              <a:pPr/>
-              <a:t>6</a:t>
             </a:fld>
             <a:endParaRPr lang="ru-RU" dirty="0"/>
           </a:p>
@@ -12139,7 +12627,7 @@
           </p:nvPr>
         </p:nvPicPr>
         <p:blipFill>
-          <a:blip r:embed="rId2" cstate="print"/>
+          <a:blip r:embed="rId1" cstate="print"/>
           <a:stretch>
             <a:fillRect/>
           </a:stretch>
@@ -12212,6 +12700,19 @@
               </a:rPr>
               <a:t> </a:t>
             </a:r>
+            <a:endParaRPr lang="en-US" altLang="ru-RU" sz="2800" b="1" dirty="0">
+              <a:solidFill>
+                <a:schemeClr val="accent1"/>
+              </a:solidFill>
+              <a:effectLst>
+                <a:outerShdw blurRad="38100" dist="25400" dir="5400000" algn="ctr" rotWithShape="0">
+                  <a:srgbClr val="6E747A">
+                    <a:alpha val="43000"/>
+                  </a:srgbClr>
+                </a:outerShdw>
+              </a:effectLst>
+              <a:latin typeface="Times New Roman" panose="02020603050405020304" charset="0"/>
+            </a:endParaRPr>
           </a:p>
         </p:txBody>
       </p:sp>
@@ -12257,8 +12758,6 @@
           <a:p>
             <a:fld id="{2D80A49E-0AE4-4F85-8EA4-F0781D345D2A}" type="slidenum">
               <a:rPr lang="ru-RU" smtClean="0"/>
-              <a:pPr/>
-              <a:t>7</a:t>
             </a:fld>
             <a:endParaRPr lang="ru-RU" dirty="0"/>
           </a:p>
@@ -12300,7 +12799,7 @@
                 </a:effectLst>
                 <a:latin typeface="Times New Roman" panose="02020603050405020304" charset="0"/>
               </a:rPr>
-              <a:t>6</a:t>
+              <a:t>5</a:t>
             </a:r>
             <a:r>
               <a:rPr lang="en-US" altLang="ru-RU" sz="2800" b="1">
@@ -12382,6 +12881,19 @@
               </a:rPr>
               <a:t> </a:t>
             </a:r>
+            <a:endParaRPr lang="en-US" altLang="ru-RU" sz="2800" b="1">
+              <a:solidFill>
+                <a:schemeClr val="accent1"/>
+              </a:solidFill>
+              <a:effectLst>
+                <a:outerShdw blurRad="38100" dist="25400" dir="5400000" algn="ctr" rotWithShape="0">
+                  <a:srgbClr val="6E747A">
+                    <a:alpha val="43000"/>
+                  </a:srgbClr>
+                </a:outerShdw>
+              </a:effectLst>
+              <a:latin typeface="Times New Roman" panose="02020603050405020304" charset="0"/>
+            </a:endParaRPr>
           </a:p>
         </p:txBody>
       </p:sp>
@@ -12396,7 +12908,7 @@
           </p:nvPr>
         </p:nvPicPr>
         <p:blipFill>
-          <a:blip r:embed="rId2" cstate="print"/>
+          <a:blip r:embed="rId1" cstate="print"/>
           <a:stretch>
             <a:fillRect/>
           </a:stretch>
@@ -12457,8 +12969,6 @@
           <a:p>
             <a:fld id="{2D80A49E-0AE4-4F85-8EA4-F0781D345D2A}" type="slidenum">
               <a:rPr lang="ru-RU" smtClean="0"/>
-              <a:pPr/>
-              <a:t>8</a:t>
             </a:fld>
             <a:endParaRPr lang="ru-RU" dirty="0"/>
           </a:p>
@@ -12523,376 +13033,6 @@
               </a:rPr>
               <a:t> Fever</a:t>
             </a:r>
-          </a:p>
-          <a:p>
-            <a:r>
-              <a:rPr sz="1200" b="0" u="none" dirty="0">
-                <a:solidFill>
-                  <a:srgbClr val="000000"/>
-                </a:solidFill>
-                <a:latin typeface="Courier New" panose="02070309020205020404" pitchFamily="49" charset="0"/>
-                <a:ea typeface="Courier New" panose="02070309020205020404" pitchFamily="49" charset="0"/>
-                <a:cs typeface="Courier New" panose="02070309020205020404" pitchFamily="49" charset="0"/>
-              </a:rPr>
-              <a:t>   98.6 104</a:t>
-            </a:r>
-          </a:p>
-          <a:p>
-            <a:r>
-              <a:rPr sz="1200" b="0" u="none" dirty="0">
-                <a:solidFill>
-                  <a:srgbClr val="000000"/>
-                </a:solidFill>
-                <a:latin typeface="Courier New" panose="02070309020205020404" pitchFamily="49" charset="0"/>
-                <a:ea typeface="Courier New" panose="02070309020205020404" pitchFamily="49" charset="0"/>
-                <a:cs typeface="Courier New" panose="02070309020205020404" pitchFamily="49" charset="0"/>
-              </a:rPr>
-              <a:t>  ((fever (S 98.6 103))</a:t>
-            </a:r>
-          </a:p>
-          <a:p>
-            <a:r>
-              <a:rPr sz="1200" b="0" u="none" dirty="0">
-                <a:solidFill>
-                  <a:srgbClr val="000000"/>
-                </a:solidFill>
-                <a:latin typeface="Courier New" panose="02070309020205020404" pitchFamily="49" charset="0"/>
-                <a:ea typeface="Courier New" panose="02070309020205020404" pitchFamily="49" charset="0"/>
-                <a:cs typeface="Courier New" panose="02070309020205020404" pitchFamily="49" charset="0"/>
-              </a:rPr>
-              <a:t>   (</a:t>
-            </a:r>
-            <a:r>
-              <a:rPr sz="1200" b="0" u="none" dirty="0" err="1">
-                <a:solidFill>
-                  <a:srgbClr val="000000"/>
-                </a:solidFill>
-                <a:latin typeface="Courier New" panose="02070309020205020404" pitchFamily="49" charset="0"/>
-                <a:ea typeface="Courier New" panose="02070309020205020404" pitchFamily="49" charset="0"/>
-                <a:cs typeface="Courier New" panose="02070309020205020404" pitchFamily="49" charset="0"/>
-              </a:rPr>
-              <a:t>very_mild_fever</a:t>
-            </a:r>
-            <a:r>
-              <a:rPr sz="1200" b="0" u="none" dirty="0">
-                <a:solidFill>
-                  <a:srgbClr val="000000"/>
-                </a:solidFill>
-                <a:latin typeface="Courier New" panose="02070309020205020404" pitchFamily="49" charset="0"/>
-                <a:ea typeface="Courier New" panose="02070309020205020404" pitchFamily="49" charset="0"/>
-                <a:cs typeface="Courier New" panose="02070309020205020404" pitchFamily="49" charset="0"/>
-              </a:rPr>
-              <a:t> </a:t>
-            </a:r>
-            <a:r>
-              <a:rPr sz="1400" b="1" u="none" dirty="0">
-                <a:solidFill>
-                  <a:srgbClr val="000000"/>
-                </a:solidFill>
-                <a:latin typeface="Courier New" panose="02070309020205020404" pitchFamily="49" charset="0"/>
-                <a:ea typeface="Courier New" panose="02070309020205020404" pitchFamily="49" charset="0"/>
-                <a:cs typeface="Courier New" panose="02070309020205020404" pitchFamily="49" charset="0"/>
-              </a:rPr>
-              <a:t>somewhat</a:t>
-            </a:r>
-            <a:r>
-              <a:rPr sz="1200" b="0" u="none" dirty="0">
-                <a:solidFill>
-                  <a:srgbClr val="000000"/>
-                </a:solidFill>
-                <a:latin typeface="Courier New" panose="02070309020205020404" pitchFamily="49" charset="0"/>
-                <a:ea typeface="Courier New" panose="02070309020205020404" pitchFamily="49" charset="0"/>
-                <a:cs typeface="Courier New" panose="02070309020205020404" pitchFamily="49" charset="0"/>
-              </a:rPr>
-              <a:t> fever)</a:t>
-            </a:r>
-          </a:p>
-          <a:p>
-            <a:r>
-              <a:rPr sz="1200" b="0" u="none" dirty="0">
-                <a:solidFill>
-                  <a:srgbClr val="000000"/>
-                </a:solidFill>
-                <a:latin typeface="Courier New" panose="02070309020205020404" pitchFamily="49" charset="0"/>
-                <a:ea typeface="Courier New" panose="02070309020205020404" pitchFamily="49" charset="0"/>
-                <a:cs typeface="Courier New" panose="02070309020205020404" pitchFamily="49" charset="0"/>
-              </a:rPr>
-              <a:t>   (</a:t>
-            </a:r>
-            <a:r>
-              <a:rPr sz="1200" b="0" u="none" dirty="0" err="1">
-                <a:solidFill>
-                  <a:srgbClr val="000000"/>
-                </a:solidFill>
-                <a:latin typeface="Courier New" panose="02070309020205020404" pitchFamily="49" charset="0"/>
-                <a:ea typeface="Courier New" panose="02070309020205020404" pitchFamily="49" charset="0"/>
-                <a:cs typeface="Courier New" panose="02070309020205020404" pitchFamily="49" charset="0"/>
-              </a:rPr>
-              <a:t>mild_fever</a:t>
-            </a:r>
-            <a:r>
-              <a:rPr sz="1200" b="0" u="none" dirty="0">
-                <a:solidFill>
-                  <a:srgbClr val="000000"/>
-                </a:solidFill>
-                <a:latin typeface="Courier New" panose="02070309020205020404" pitchFamily="49" charset="0"/>
-                <a:ea typeface="Courier New" panose="02070309020205020404" pitchFamily="49" charset="0"/>
-                <a:cs typeface="Courier New" panose="02070309020205020404" pitchFamily="49" charset="0"/>
-              </a:rPr>
-              <a:t> </a:t>
-            </a:r>
-            <a:r>
-              <a:rPr sz="1400" b="1" u="none" dirty="0">
-                <a:solidFill>
-                  <a:srgbClr val="000000"/>
-                </a:solidFill>
-                <a:latin typeface="Courier New" panose="02070309020205020404" pitchFamily="49" charset="0"/>
-                <a:ea typeface="Courier New" panose="02070309020205020404" pitchFamily="49" charset="0"/>
-                <a:cs typeface="Courier New" panose="02070309020205020404" pitchFamily="49" charset="0"/>
-              </a:rPr>
-              <a:t>more-or-less</a:t>
-            </a:r>
-            <a:r>
-              <a:rPr sz="1200" b="0" u="none" dirty="0">
-                <a:solidFill>
-                  <a:srgbClr val="000000"/>
-                </a:solidFill>
-                <a:latin typeface="Courier New" panose="02070309020205020404" pitchFamily="49" charset="0"/>
-                <a:ea typeface="Courier New" panose="02070309020205020404" pitchFamily="49" charset="0"/>
-                <a:cs typeface="Courier New" panose="02070309020205020404" pitchFamily="49" charset="0"/>
-              </a:rPr>
-              <a:t> fever)</a:t>
-            </a:r>
-          </a:p>
-          <a:p>
-            <a:r>
-              <a:rPr sz="1200" b="0" u="none" dirty="0">
-                <a:solidFill>
-                  <a:srgbClr val="000000"/>
-                </a:solidFill>
-                <a:latin typeface="Courier New" panose="02070309020205020404" pitchFamily="49" charset="0"/>
-                <a:ea typeface="Courier New" panose="02070309020205020404" pitchFamily="49" charset="0"/>
-                <a:cs typeface="Courier New" panose="02070309020205020404" pitchFamily="49" charset="0"/>
-              </a:rPr>
-              <a:t>   (</a:t>
-            </a:r>
-            <a:r>
-              <a:rPr sz="1200" b="0" u="none" dirty="0" err="1">
-                <a:solidFill>
-                  <a:srgbClr val="000000"/>
-                </a:solidFill>
-                <a:latin typeface="Courier New" panose="02070309020205020404" pitchFamily="49" charset="0"/>
-                <a:ea typeface="Courier New" panose="02070309020205020404" pitchFamily="49" charset="0"/>
-                <a:cs typeface="Courier New" panose="02070309020205020404" pitchFamily="49" charset="0"/>
-              </a:rPr>
-              <a:t>high_fever</a:t>
-            </a:r>
-            <a:r>
-              <a:rPr sz="1200" b="0" u="none" dirty="0">
-                <a:solidFill>
-                  <a:srgbClr val="000000"/>
-                </a:solidFill>
-                <a:latin typeface="Courier New" panose="02070309020205020404" pitchFamily="49" charset="0"/>
-                <a:ea typeface="Courier New" panose="02070309020205020404" pitchFamily="49" charset="0"/>
-                <a:cs typeface="Courier New" panose="02070309020205020404" pitchFamily="49" charset="0"/>
-              </a:rPr>
-              <a:t> </a:t>
-            </a:r>
-            <a:r>
-              <a:rPr sz="1400" b="1" u="none" dirty="0">
-                <a:solidFill>
-                  <a:srgbClr val="000000"/>
-                </a:solidFill>
-                <a:latin typeface="Courier New" panose="02070309020205020404" pitchFamily="49" charset="0"/>
-                <a:ea typeface="Courier New" panose="02070309020205020404" pitchFamily="49" charset="0"/>
-                <a:cs typeface="Courier New" panose="02070309020205020404" pitchFamily="49" charset="0"/>
-              </a:rPr>
-              <a:t>very</a:t>
-            </a:r>
-            <a:r>
-              <a:rPr sz="1200" b="0" u="none" dirty="0">
-                <a:solidFill>
-                  <a:srgbClr val="000000"/>
-                </a:solidFill>
-                <a:latin typeface="Courier New" panose="02070309020205020404" pitchFamily="49" charset="0"/>
-                <a:ea typeface="Courier New" panose="02070309020205020404" pitchFamily="49" charset="0"/>
-                <a:cs typeface="Courier New" panose="02070309020205020404" pitchFamily="49" charset="0"/>
-              </a:rPr>
-              <a:t> fever)</a:t>
-            </a:r>
-          </a:p>
-          <a:p>
-            <a:r>
-              <a:rPr sz="1200" b="0" u="none" dirty="0">
-                <a:solidFill>
-                  <a:srgbClr val="000000"/>
-                </a:solidFill>
-                <a:latin typeface="Courier New" panose="02070309020205020404" pitchFamily="49" charset="0"/>
-                <a:ea typeface="Courier New" panose="02070309020205020404" pitchFamily="49" charset="0"/>
-                <a:cs typeface="Courier New" panose="02070309020205020404" pitchFamily="49" charset="0"/>
-              </a:rPr>
-              <a:t>   (</a:t>
-            </a:r>
-            <a:r>
-              <a:rPr sz="1200" b="0" u="none" dirty="0" err="1">
-                <a:solidFill>
-                  <a:srgbClr val="000000"/>
-                </a:solidFill>
-                <a:latin typeface="Courier New" panose="02070309020205020404" pitchFamily="49" charset="0"/>
-                <a:ea typeface="Courier New" panose="02070309020205020404" pitchFamily="49" charset="0"/>
-                <a:cs typeface="Courier New" panose="02070309020205020404" pitchFamily="49" charset="0"/>
-              </a:rPr>
-              <a:t>very_high_fever</a:t>
-            </a:r>
-            <a:r>
-              <a:rPr sz="1200" b="0" u="none" dirty="0">
-                <a:solidFill>
-                  <a:srgbClr val="000000"/>
-                </a:solidFill>
-                <a:latin typeface="Courier New" panose="02070309020205020404" pitchFamily="49" charset="0"/>
-                <a:ea typeface="Courier New" panose="02070309020205020404" pitchFamily="49" charset="0"/>
-                <a:cs typeface="Courier New" panose="02070309020205020404" pitchFamily="49" charset="0"/>
-              </a:rPr>
-              <a:t> </a:t>
-            </a:r>
-            <a:r>
-              <a:rPr sz="1400" b="1" u="none" dirty="0">
-                <a:solidFill>
-                  <a:srgbClr val="000000"/>
-                </a:solidFill>
-                <a:latin typeface="Courier New" panose="02070309020205020404" pitchFamily="49" charset="0"/>
-                <a:ea typeface="Courier New" panose="02070309020205020404" pitchFamily="49" charset="0"/>
-                <a:cs typeface="Courier New" panose="02070309020205020404" pitchFamily="49" charset="0"/>
-              </a:rPr>
-              <a:t>extremely</a:t>
-            </a:r>
-            <a:r>
-              <a:rPr sz="1200" b="0" u="none" dirty="0">
-                <a:solidFill>
-                  <a:srgbClr val="000000"/>
-                </a:solidFill>
-                <a:latin typeface="Courier New" panose="02070309020205020404" pitchFamily="49" charset="0"/>
-                <a:ea typeface="Courier New" panose="02070309020205020404" pitchFamily="49" charset="0"/>
-                <a:cs typeface="Courier New" panose="02070309020205020404" pitchFamily="49" charset="0"/>
-              </a:rPr>
-              <a:t> fever)</a:t>
-            </a:r>
-          </a:p>
-          <a:p>
-            <a:r>
-              <a:rPr sz="1200" b="0" u="none" dirty="0">
-                <a:solidFill>
-                  <a:srgbClr val="000000"/>
-                </a:solidFill>
-                <a:latin typeface="Courier New" panose="02070309020205020404" pitchFamily="49" charset="0"/>
-                <a:ea typeface="Courier New" panose="02070309020205020404" pitchFamily="49" charset="0"/>
-                <a:cs typeface="Courier New" panose="02070309020205020404" pitchFamily="49" charset="0"/>
-              </a:rPr>
-              <a:t>   (</a:t>
-            </a:r>
-            <a:r>
-              <a:rPr sz="1200" b="0" u="none" dirty="0" err="1">
-                <a:solidFill>
-                  <a:srgbClr val="000000"/>
-                </a:solidFill>
-                <a:latin typeface="Courier New" panose="02070309020205020404" pitchFamily="49" charset="0"/>
-                <a:ea typeface="Courier New" panose="02070309020205020404" pitchFamily="49" charset="0"/>
-                <a:cs typeface="Courier New" panose="02070309020205020404" pitchFamily="49" charset="0"/>
-              </a:rPr>
-              <a:t>not_fever</a:t>
-            </a:r>
-            <a:r>
-              <a:rPr sz="1200" b="0" u="none" dirty="0">
-                <a:solidFill>
-                  <a:srgbClr val="000000"/>
-                </a:solidFill>
-                <a:latin typeface="Courier New" panose="02070309020205020404" pitchFamily="49" charset="0"/>
-                <a:ea typeface="Courier New" panose="02070309020205020404" pitchFamily="49" charset="0"/>
-                <a:cs typeface="Courier New" panose="02070309020205020404" pitchFamily="49" charset="0"/>
-              </a:rPr>
-              <a:t> </a:t>
-            </a:r>
-            <a:r>
-              <a:rPr sz="1400" b="1" u="none" dirty="0">
-                <a:solidFill>
-                  <a:srgbClr val="000000"/>
-                </a:solidFill>
-                <a:latin typeface="Courier New" panose="02070309020205020404" pitchFamily="49" charset="0"/>
-                <a:ea typeface="Courier New" panose="02070309020205020404" pitchFamily="49" charset="0"/>
-                <a:cs typeface="Courier New" panose="02070309020205020404" pitchFamily="49" charset="0"/>
-              </a:rPr>
-              <a:t>not</a:t>
-            </a:r>
-            <a:r>
-              <a:rPr sz="1200" b="0" u="none" dirty="0">
-                <a:solidFill>
-                  <a:srgbClr val="000000"/>
-                </a:solidFill>
-                <a:latin typeface="Courier New" panose="02070309020205020404" pitchFamily="49" charset="0"/>
-                <a:ea typeface="Courier New" panose="02070309020205020404" pitchFamily="49" charset="0"/>
-                <a:cs typeface="Courier New" panose="02070309020205020404" pitchFamily="49" charset="0"/>
-              </a:rPr>
-              <a:t> fever)))</a:t>
-            </a:r>
-          </a:p>
-          <a:p>
-            <a:r>
-              <a:rPr sz="1200" b="0" u="none" dirty="0">
-                <a:solidFill>
-                  <a:srgbClr val="000000"/>
-                </a:solidFill>
-                <a:latin typeface="Courier New" panose="02070309020205020404" pitchFamily="49" charset="0"/>
-                <a:ea typeface="Courier New" panose="02070309020205020404" pitchFamily="49" charset="0"/>
-                <a:cs typeface="Courier New" panose="02070309020205020404" pitchFamily="49" charset="0"/>
-              </a:rPr>
-              <a:t> </a:t>
-            </a:r>
-          </a:p>
-          <a:p>
-            <a:r>
-              <a:rPr sz="1200" b="0" u="none" dirty="0">
-                <a:solidFill>
-                  <a:srgbClr val="000000"/>
-                </a:solidFill>
-                <a:latin typeface="Courier New" panose="02070309020205020404" pitchFamily="49" charset="0"/>
-                <a:ea typeface="Courier New" panose="02070309020205020404" pitchFamily="49" charset="0"/>
-                <a:cs typeface="Courier New" panose="02070309020205020404" pitchFamily="49" charset="0"/>
-              </a:rPr>
-              <a:t>(</a:t>
-            </a:r>
-            <a:r>
-              <a:rPr sz="1200" b="0" u="none" dirty="0" err="1">
-                <a:solidFill>
-                  <a:srgbClr val="000000"/>
-                </a:solidFill>
-                <a:latin typeface="Courier New" panose="02070309020205020404" pitchFamily="49" charset="0"/>
-                <a:ea typeface="Courier New" panose="02070309020205020404" pitchFamily="49" charset="0"/>
-                <a:cs typeface="Courier New" panose="02070309020205020404" pitchFamily="49" charset="0"/>
-              </a:rPr>
-              <a:t>defrule</a:t>
-            </a:r>
-            <a:r>
-              <a:rPr sz="1200" b="0" u="none" dirty="0">
-                <a:solidFill>
-                  <a:srgbClr val="000000"/>
-                </a:solidFill>
-                <a:latin typeface="Courier New" panose="02070309020205020404" pitchFamily="49" charset="0"/>
-                <a:ea typeface="Courier New" panose="02070309020205020404" pitchFamily="49" charset="0"/>
-                <a:cs typeface="Courier New" panose="02070309020205020404" pitchFamily="49" charset="0"/>
-              </a:rPr>
-              <a:t> </a:t>
-            </a:r>
-            <a:r>
-              <a:rPr sz="1200" b="0" u="none" dirty="0" err="1">
-                <a:solidFill>
-                  <a:srgbClr val="000000"/>
-                </a:solidFill>
-                <a:latin typeface="Courier New" panose="02070309020205020404" pitchFamily="49" charset="0"/>
-                <a:ea typeface="Courier New" panose="02070309020205020404" pitchFamily="49" charset="0"/>
-                <a:cs typeface="Courier New" panose="02070309020205020404" pitchFamily="49" charset="0"/>
-              </a:rPr>
-              <a:t>GetValue</a:t>
-            </a:r>
             <a:endParaRPr sz="1200" b="0" u="none" dirty="0">
               <a:solidFill>
                 <a:srgbClr val="000000"/>
@@ -12912,324 +13052,7 @@
                 <a:ea typeface="Courier New" panose="02070309020205020404" pitchFamily="49" charset="0"/>
                 <a:cs typeface="Courier New" panose="02070309020205020404" pitchFamily="49" charset="0"/>
               </a:rPr>
-              <a:t>   (declare (salience 100))</a:t>
-            </a:r>
-          </a:p>
-          <a:p>
-            <a:r>
-              <a:rPr sz="1200" b="0" u="none" dirty="0">
-                <a:solidFill>
-                  <a:srgbClr val="000000"/>
-                </a:solidFill>
-                <a:latin typeface="Courier New" panose="02070309020205020404" pitchFamily="49" charset="0"/>
-                <a:ea typeface="Courier New" panose="02070309020205020404" pitchFamily="49" charset="0"/>
-                <a:cs typeface="Courier New" panose="02070309020205020404" pitchFamily="49" charset="0"/>
-              </a:rPr>
-              <a:t>   =&gt;</a:t>
-            </a:r>
-          </a:p>
-          <a:p>
-            <a:r>
-              <a:rPr sz="1200" b="0" u="none" dirty="0">
-                <a:solidFill>
-                  <a:srgbClr val="000000"/>
-                </a:solidFill>
-                <a:latin typeface="Courier New" panose="02070309020205020404" pitchFamily="49" charset="0"/>
-                <a:ea typeface="Courier New" panose="02070309020205020404" pitchFamily="49" charset="0"/>
-                <a:cs typeface="Courier New" panose="02070309020205020404" pitchFamily="49" charset="0"/>
-              </a:rPr>
-              <a:t>   (printout t "Enter one of the following:" </a:t>
-            </a:r>
-            <a:r>
-              <a:rPr sz="1200" b="0" u="none" dirty="0" err="1">
-                <a:solidFill>
-                  <a:srgbClr val="000000"/>
-                </a:solidFill>
-                <a:latin typeface="Courier New" panose="02070309020205020404" pitchFamily="49" charset="0"/>
-                <a:ea typeface="Courier New" panose="02070309020205020404" pitchFamily="49" charset="0"/>
-                <a:cs typeface="Courier New" panose="02070309020205020404" pitchFamily="49" charset="0"/>
-              </a:rPr>
-              <a:t>crlf</a:t>
-            </a:r>
-            <a:r>
-              <a:rPr sz="1200" b="0" u="none" dirty="0">
-                <a:solidFill>
-                  <a:srgbClr val="000000"/>
-                </a:solidFill>
-                <a:latin typeface="Courier New" panose="02070309020205020404" pitchFamily="49" charset="0"/>
-                <a:ea typeface="Courier New" panose="02070309020205020404" pitchFamily="49" charset="0"/>
-                <a:cs typeface="Courier New" panose="02070309020205020404" pitchFamily="49" charset="0"/>
-              </a:rPr>
-              <a:t>)</a:t>
-            </a:r>
-          </a:p>
-          <a:p>
-            <a:r>
-              <a:rPr sz="1200" b="0" u="none" dirty="0">
-                <a:solidFill>
-                  <a:srgbClr val="000000"/>
-                </a:solidFill>
-                <a:latin typeface="Courier New" panose="02070309020205020404" pitchFamily="49" charset="0"/>
-                <a:ea typeface="Courier New" panose="02070309020205020404" pitchFamily="49" charset="0"/>
-                <a:cs typeface="Courier New" panose="02070309020205020404" pitchFamily="49" charset="0"/>
-              </a:rPr>
-              <a:t>   (printout t "fever, </a:t>
-            </a:r>
-            <a:r>
-              <a:rPr sz="1200" b="0" u="none" dirty="0" err="1">
-                <a:solidFill>
-                  <a:srgbClr val="000000"/>
-                </a:solidFill>
-                <a:latin typeface="Courier New" panose="02070309020205020404" pitchFamily="49" charset="0"/>
-                <a:ea typeface="Courier New" panose="02070309020205020404" pitchFamily="49" charset="0"/>
-                <a:cs typeface="Courier New" panose="02070309020205020404" pitchFamily="49" charset="0"/>
-              </a:rPr>
-              <a:t>mild_fever</a:t>
-            </a:r>
-            <a:r>
-              <a:rPr sz="1200" b="0" u="none" dirty="0">
-                <a:solidFill>
-                  <a:srgbClr val="000000"/>
-                </a:solidFill>
-                <a:latin typeface="Courier New" panose="02070309020205020404" pitchFamily="49" charset="0"/>
-                <a:ea typeface="Courier New" panose="02070309020205020404" pitchFamily="49" charset="0"/>
-                <a:cs typeface="Courier New" panose="02070309020205020404" pitchFamily="49" charset="0"/>
-              </a:rPr>
-              <a:t>, </a:t>
-            </a:r>
-            <a:r>
-              <a:rPr sz="1200" b="0" u="none" dirty="0" err="1">
-                <a:solidFill>
-                  <a:srgbClr val="000000"/>
-                </a:solidFill>
-                <a:latin typeface="Courier New" panose="02070309020205020404" pitchFamily="49" charset="0"/>
-                <a:ea typeface="Courier New" panose="02070309020205020404" pitchFamily="49" charset="0"/>
-                <a:cs typeface="Courier New" panose="02070309020205020404" pitchFamily="49" charset="0"/>
-              </a:rPr>
-              <a:t>very_mild_fever</a:t>
-            </a:r>
-            <a:r>
-              <a:rPr sz="1200" b="0" u="none" dirty="0">
-                <a:solidFill>
-                  <a:srgbClr val="000000"/>
-                </a:solidFill>
-                <a:latin typeface="Courier New" panose="02070309020205020404" pitchFamily="49" charset="0"/>
-                <a:ea typeface="Courier New" panose="02070309020205020404" pitchFamily="49" charset="0"/>
-                <a:cs typeface="Courier New" panose="02070309020205020404" pitchFamily="49" charset="0"/>
-              </a:rPr>
-              <a:t>, </a:t>
-            </a:r>
-            <a:r>
-              <a:rPr sz="1200" b="0" u="none" dirty="0" err="1">
-                <a:solidFill>
-                  <a:srgbClr val="000000"/>
-                </a:solidFill>
-                <a:latin typeface="Courier New" panose="02070309020205020404" pitchFamily="49" charset="0"/>
-                <a:ea typeface="Courier New" panose="02070309020205020404" pitchFamily="49" charset="0"/>
-                <a:cs typeface="Courier New" panose="02070309020205020404" pitchFamily="49" charset="0"/>
-              </a:rPr>
-              <a:t>high_fever</a:t>
-            </a:r>
-            <a:r>
-              <a:rPr sz="1200" b="0" u="none" dirty="0">
-                <a:solidFill>
-                  <a:srgbClr val="000000"/>
-                </a:solidFill>
-                <a:latin typeface="Courier New" panose="02070309020205020404" pitchFamily="49" charset="0"/>
-                <a:ea typeface="Courier New" panose="02070309020205020404" pitchFamily="49" charset="0"/>
-                <a:cs typeface="Courier New" panose="02070309020205020404" pitchFamily="49" charset="0"/>
-              </a:rPr>
-              <a:t>, </a:t>
-            </a:r>
-            <a:r>
-              <a:rPr sz="1200" b="0" u="none" dirty="0" err="1">
-                <a:solidFill>
-                  <a:srgbClr val="000000"/>
-                </a:solidFill>
-                <a:latin typeface="Courier New" panose="02070309020205020404" pitchFamily="49" charset="0"/>
-                <a:ea typeface="Courier New" panose="02070309020205020404" pitchFamily="49" charset="0"/>
-                <a:cs typeface="Courier New" panose="02070309020205020404" pitchFamily="49" charset="0"/>
-              </a:rPr>
-              <a:t>very_high_fever</a:t>
-            </a:r>
-            <a:r>
-              <a:rPr sz="1200" b="0" u="none" dirty="0">
-                <a:solidFill>
-                  <a:srgbClr val="000000"/>
-                </a:solidFill>
-                <a:latin typeface="Courier New" panose="02070309020205020404" pitchFamily="49" charset="0"/>
-                <a:ea typeface="Courier New" panose="02070309020205020404" pitchFamily="49" charset="0"/>
-                <a:cs typeface="Courier New" panose="02070309020205020404" pitchFamily="49" charset="0"/>
-              </a:rPr>
-              <a:t>, or </a:t>
-            </a:r>
-            <a:r>
-              <a:rPr sz="1200" b="0" u="none" dirty="0" err="1">
-                <a:solidFill>
-                  <a:srgbClr val="000000"/>
-                </a:solidFill>
-                <a:latin typeface="Courier New" panose="02070309020205020404" pitchFamily="49" charset="0"/>
-                <a:ea typeface="Courier New" panose="02070309020205020404" pitchFamily="49" charset="0"/>
-                <a:cs typeface="Courier New" panose="02070309020205020404" pitchFamily="49" charset="0"/>
-              </a:rPr>
-              <a:t>not_fever</a:t>
-            </a:r>
-            <a:r>
-              <a:rPr sz="1200" b="0" u="none" dirty="0">
-                <a:solidFill>
-                  <a:srgbClr val="000000"/>
-                </a:solidFill>
-                <a:latin typeface="Courier New" panose="02070309020205020404" pitchFamily="49" charset="0"/>
-                <a:ea typeface="Courier New" panose="02070309020205020404" pitchFamily="49" charset="0"/>
-                <a:cs typeface="Courier New" panose="02070309020205020404" pitchFamily="49" charset="0"/>
-              </a:rPr>
-              <a:t>? ")</a:t>
-            </a:r>
-          </a:p>
-          <a:p>
-            <a:r>
-              <a:rPr sz="1200" b="0" u="none" dirty="0">
-                <a:solidFill>
-                  <a:srgbClr val="000000"/>
-                </a:solidFill>
-                <a:latin typeface="Courier New" panose="02070309020205020404" pitchFamily="49" charset="0"/>
-                <a:ea typeface="Courier New" panose="02070309020205020404" pitchFamily="49" charset="0"/>
-                <a:cs typeface="Courier New" panose="02070309020205020404" pitchFamily="49" charset="0"/>
-              </a:rPr>
-              <a:t>   (bind ?m (read))</a:t>
-            </a:r>
-          </a:p>
-          <a:p>
-            <a:r>
-              <a:rPr sz="1200" b="0" u="none" dirty="0">
-                <a:solidFill>
-                  <a:srgbClr val="000000"/>
-                </a:solidFill>
-                <a:latin typeface="Courier New" panose="02070309020205020404" pitchFamily="49" charset="0"/>
-                <a:ea typeface="Courier New" panose="02070309020205020404" pitchFamily="49" charset="0"/>
-                <a:cs typeface="Courier New" panose="02070309020205020404" pitchFamily="49" charset="0"/>
-              </a:rPr>
-              <a:t>   (assert-string (format nil "(Fever %s)" ?m)))</a:t>
-            </a:r>
-          </a:p>
-          <a:p>
-            <a:r>
-              <a:rPr sz="1200" b="0" u="none" dirty="0">
-                <a:solidFill>
-                  <a:srgbClr val="000000"/>
-                </a:solidFill>
-                <a:latin typeface="Courier New" panose="02070309020205020404" pitchFamily="49" charset="0"/>
-                <a:ea typeface="Courier New" panose="02070309020205020404" pitchFamily="49" charset="0"/>
-                <a:cs typeface="Courier New" panose="02070309020205020404" pitchFamily="49" charset="0"/>
-              </a:rPr>
-              <a:t> </a:t>
-            </a:r>
-          </a:p>
-          <a:p>
-            <a:r>
-              <a:rPr sz="1200" b="1" u="none" dirty="0">
-                <a:solidFill>
-                  <a:srgbClr val="000000"/>
-                </a:solidFill>
-                <a:latin typeface="Courier New" panose="02070309020205020404" pitchFamily="49" charset="0"/>
-                <a:ea typeface="Courier New" panose="02070309020205020404" pitchFamily="49" charset="0"/>
-                <a:cs typeface="Courier New" panose="02070309020205020404" pitchFamily="49" charset="0"/>
-              </a:rPr>
-              <a:t>; </a:t>
-            </a:r>
-            <a:r>
-              <a:rPr lang="ru-RU" sz="1200" b="1" u="none" dirty="0">
-                <a:solidFill>
-                  <a:srgbClr val="000000"/>
-                </a:solidFill>
-                <a:latin typeface="Courier New" panose="02070309020205020404" pitchFamily="49" charset="0"/>
-                <a:ea typeface="Courier New" panose="02070309020205020404" pitchFamily="49" charset="0"/>
-                <a:cs typeface="Courier New" panose="02070309020205020404" pitchFamily="49" charset="0"/>
-              </a:rPr>
-              <a:t>Правило построение графика</a:t>
-            </a:r>
-          </a:p>
-          <a:p>
-            <a:r>
-              <a:rPr sz="1200" b="1" u="none" dirty="0">
-                <a:solidFill>
-                  <a:srgbClr val="000000"/>
-                </a:solidFill>
-                <a:latin typeface="Courier New" panose="02070309020205020404" pitchFamily="49" charset="0"/>
-                <a:ea typeface="Courier New" panose="02070309020205020404" pitchFamily="49" charset="0"/>
-                <a:cs typeface="Courier New" panose="02070309020205020404" pitchFamily="49" charset="0"/>
-              </a:rPr>
-              <a:t>; </a:t>
-            </a:r>
-            <a:r>
-              <a:rPr lang="ru-RU" sz="1200" b="1" u="none" dirty="0">
-                <a:solidFill>
-                  <a:srgbClr val="000000"/>
-                </a:solidFill>
-                <a:latin typeface="Courier New" panose="02070309020205020404" pitchFamily="49" charset="0"/>
-                <a:ea typeface="Courier New" panose="02070309020205020404" pitchFamily="49" charset="0"/>
-                <a:cs typeface="Courier New" panose="02070309020205020404" pitchFamily="49" charset="0"/>
-              </a:rPr>
-              <a:t>Нечеткое множество выбирает пользователь</a:t>
-            </a:r>
-          </a:p>
-          <a:p>
-            <a:r>
-              <a:rPr sz="1200" b="0" u="none" dirty="0">
-                <a:solidFill>
-                  <a:srgbClr val="000000"/>
-                </a:solidFill>
-                <a:latin typeface="Courier New" panose="02070309020205020404" pitchFamily="49" charset="0"/>
-                <a:ea typeface="Courier New" panose="02070309020205020404" pitchFamily="49" charset="0"/>
-                <a:cs typeface="Courier New" panose="02070309020205020404" pitchFamily="49" charset="0"/>
-              </a:rPr>
-              <a:t> </a:t>
-            </a:r>
-          </a:p>
-          <a:p>
-            <a:r>
-              <a:rPr sz="1200" b="0" u="none" dirty="0">
-                <a:solidFill>
-                  <a:srgbClr val="000000"/>
-                </a:solidFill>
-                <a:latin typeface="Courier New" panose="02070309020205020404" pitchFamily="49" charset="0"/>
-                <a:ea typeface="Courier New" panose="02070309020205020404" pitchFamily="49" charset="0"/>
-                <a:cs typeface="Courier New" panose="02070309020205020404" pitchFamily="49" charset="0"/>
-              </a:rPr>
-              <a:t>(</a:t>
-            </a:r>
-            <a:r>
-              <a:rPr sz="1200" b="0" u="none" dirty="0" err="1">
-                <a:solidFill>
-                  <a:srgbClr val="000000"/>
-                </a:solidFill>
-                <a:latin typeface="Courier New" panose="02070309020205020404" pitchFamily="49" charset="0"/>
-                <a:ea typeface="Courier New" panose="02070309020205020404" pitchFamily="49" charset="0"/>
-                <a:cs typeface="Courier New" panose="02070309020205020404" pitchFamily="49" charset="0"/>
-              </a:rPr>
-              <a:t>defrule</a:t>
-            </a:r>
-            <a:r>
-              <a:rPr sz="1200" b="0" u="none" dirty="0">
-                <a:solidFill>
-                  <a:srgbClr val="000000"/>
-                </a:solidFill>
-                <a:latin typeface="Courier New" panose="02070309020205020404" pitchFamily="49" charset="0"/>
-                <a:ea typeface="Courier New" panose="02070309020205020404" pitchFamily="49" charset="0"/>
-                <a:cs typeface="Courier New" panose="02070309020205020404" pitchFamily="49" charset="0"/>
-              </a:rPr>
-              <a:t> </a:t>
-            </a:r>
-            <a:r>
-              <a:rPr sz="1200" b="0" u="none" dirty="0" err="1">
-                <a:solidFill>
-                  <a:srgbClr val="000000"/>
-                </a:solidFill>
-                <a:latin typeface="Courier New" panose="02070309020205020404" pitchFamily="49" charset="0"/>
-                <a:ea typeface="Courier New" panose="02070309020205020404" pitchFamily="49" charset="0"/>
-                <a:cs typeface="Courier New" panose="02070309020205020404" pitchFamily="49" charset="0"/>
-              </a:rPr>
-              <a:t>ShowLevel</a:t>
+              <a:t>   98.6 104</a:t>
             </a:r>
             <a:endParaRPr sz="1200" b="0" u="none" dirty="0">
               <a:solidFill>
@@ -13250,8 +13073,855 @@
                 <a:ea typeface="Courier New" panose="02070309020205020404" pitchFamily="49" charset="0"/>
                 <a:cs typeface="Courier New" panose="02070309020205020404" pitchFamily="49" charset="0"/>
               </a:rPr>
+              <a:t>  ((fever (S 98.6 103))</a:t>
+            </a:r>
+            <a:endParaRPr sz="1200" b="0" u="none" dirty="0">
+              <a:solidFill>
+                <a:srgbClr val="000000"/>
+              </a:solidFill>
+              <a:latin typeface="Courier New" panose="02070309020205020404" pitchFamily="49" charset="0"/>
+              <a:ea typeface="Courier New" panose="02070309020205020404" pitchFamily="49" charset="0"/>
+              <a:cs typeface="Courier New" panose="02070309020205020404" pitchFamily="49" charset="0"/>
+            </a:endParaRPr>
+          </a:p>
+          <a:p>
+            <a:r>
+              <a:rPr sz="1200" b="0" u="none" dirty="0">
+                <a:solidFill>
+                  <a:srgbClr val="000000"/>
+                </a:solidFill>
+                <a:latin typeface="Courier New" panose="02070309020205020404" pitchFamily="49" charset="0"/>
+                <a:ea typeface="Courier New" panose="02070309020205020404" pitchFamily="49" charset="0"/>
+                <a:cs typeface="Courier New" panose="02070309020205020404" pitchFamily="49" charset="0"/>
+              </a:rPr>
+              <a:t>   (</a:t>
+            </a:r>
+            <a:r>
+              <a:rPr sz="1200" b="0" u="none" dirty="0" err="1">
+                <a:solidFill>
+                  <a:srgbClr val="000000"/>
+                </a:solidFill>
+                <a:latin typeface="Courier New" panose="02070309020205020404" pitchFamily="49" charset="0"/>
+                <a:ea typeface="Courier New" panose="02070309020205020404" pitchFamily="49" charset="0"/>
+                <a:cs typeface="Courier New" panose="02070309020205020404" pitchFamily="49" charset="0"/>
+              </a:rPr>
+              <a:t>very_mild_fever</a:t>
+            </a:r>
+            <a:r>
+              <a:rPr sz="1200" b="0" u="none" dirty="0">
+                <a:solidFill>
+                  <a:srgbClr val="000000"/>
+                </a:solidFill>
+                <a:latin typeface="Courier New" panose="02070309020205020404" pitchFamily="49" charset="0"/>
+                <a:ea typeface="Courier New" panose="02070309020205020404" pitchFamily="49" charset="0"/>
+                <a:cs typeface="Courier New" panose="02070309020205020404" pitchFamily="49" charset="0"/>
+              </a:rPr>
+              <a:t> </a:t>
+            </a:r>
+            <a:r>
+              <a:rPr sz="1400" b="1" u="none" dirty="0">
+                <a:solidFill>
+                  <a:srgbClr val="000000"/>
+                </a:solidFill>
+                <a:latin typeface="Courier New" panose="02070309020205020404" pitchFamily="49" charset="0"/>
+                <a:ea typeface="Courier New" panose="02070309020205020404" pitchFamily="49" charset="0"/>
+                <a:cs typeface="Courier New" panose="02070309020205020404" pitchFamily="49" charset="0"/>
+              </a:rPr>
+              <a:t>somewhat</a:t>
+            </a:r>
+            <a:r>
+              <a:rPr sz="1200" b="0" u="none" dirty="0">
+                <a:solidFill>
+                  <a:srgbClr val="000000"/>
+                </a:solidFill>
+                <a:latin typeface="Courier New" panose="02070309020205020404" pitchFamily="49" charset="0"/>
+                <a:ea typeface="Courier New" panose="02070309020205020404" pitchFamily="49" charset="0"/>
+                <a:cs typeface="Courier New" panose="02070309020205020404" pitchFamily="49" charset="0"/>
+              </a:rPr>
+              <a:t> fever)</a:t>
+            </a:r>
+            <a:endParaRPr sz="1200" b="0" u="none" dirty="0">
+              <a:solidFill>
+                <a:srgbClr val="000000"/>
+              </a:solidFill>
+              <a:latin typeface="Courier New" panose="02070309020205020404" pitchFamily="49" charset="0"/>
+              <a:ea typeface="Courier New" panose="02070309020205020404" pitchFamily="49" charset="0"/>
+              <a:cs typeface="Courier New" panose="02070309020205020404" pitchFamily="49" charset="0"/>
+            </a:endParaRPr>
+          </a:p>
+          <a:p>
+            <a:r>
+              <a:rPr sz="1200" b="0" u="none" dirty="0">
+                <a:solidFill>
+                  <a:srgbClr val="000000"/>
+                </a:solidFill>
+                <a:latin typeface="Courier New" panose="02070309020205020404" pitchFamily="49" charset="0"/>
+                <a:ea typeface="Courier New" panose="02070309020205020404" pitchFamily="49" charset="0"/>
+                <a:cs typeface="Courier New" panose="02070309020205020404" pitchFamily="49" charset="0"/>
+              </a:rPr>
+              <a:t>   (</a:t>
+            </a:r>
+            <a:r>
+              <a:rPr sz="1200" b="0" u="none" dirty="0" err="1">
+                <a:solidFill>
+                  <a:srgbClr val="000000"/>
+                </a:solidFill>
+                <a:latin typeface="Courier New" panose="02070309020205020404" pitchFamily="49" charset="0"/>
+                <a:ea typeface="Courier New" panose="02070309020205020404" pitchFamily="49" charset="0"/>
+                <a:cs typeface="Courier New" panose="02070309020205020404" pitchFamily="49" charset="0"/>
+              </a:rPr>
+              <a:t>mild_fever</a:t>
+            </a:r>
+            <a:r>
+              <a:rPr sz="1200" b="0" u="none" dirty="0">
+                <a:solidFill>
+                  <a:srgbClr val="000000"/>
+                </a:solidFill>
+                <a:latin typeface="Courier New" panose="02070309020205020404" pitchFamily="49" charset="0"/>
+                <a:ea typeface="Courier New" panose="02070309020205020404" pitchFamily="49" charset="0"/>
+                <a:cs typeface="Courier New" panose="02070309020205020404" pitchFamily="49" charset="0"/>
+              </a:rPr>
+              <a:t> </a:t>
+            </a:r>
+            <a:r>
+              <a:rPr sz="1400" b="1" u="none" dirty="0">
+                <a:solidFill>
+                  <a:srgbClr val="000000"/>
+                </a:solidFill>
+                <a:latin typeface="Courier New" panose="02070309020205020404" pitchFamily="49" charset="0"/>
+                <a:ea typeface="Courier New" panose="02070309020205020404" pitchFamily="49" charset="0"/>
+                <a:cs typeface="Courier New" panose="02070309020205020404" pitchFamily="49" charset="0"/>
+              </a:rPr>
+              <a:t>more-or-less</a:t>
+            </a:r>
+            <a:r>
+              <a:rPr sz="1200" b="0" u="none" dirty="0">
+                <a:solidFill>
+                  <a:srgbClr val="000000"/>
+                </a:solidFill>
+                <a:latin typeface="Courier New" panose="02070309020205020404" pitchFamily="49" charset="0"/>
+                <a:ea typeface="Courier New" panose="02070309020205020404" pitchFamily="49" charset="0"/>
+                <a:cs typeface="Courier New" panose="02070309020205020404" pitchFamily="49" charset="0"/>
+              </a:rPr>
+              <a:t> fever)</a:t>
+            </a:r>
+            <a:endParaRPr sz="1200" b="0" u="none" dirty="0">
+              <a:solidFill>
+                <a:srgbClr val="000000"/>
+              </a:solidFill>
+              <a:latin typeface="Courier New" panose="02070309020205020404" pitchFamily="49" charset="0"/>
+              <a:ea typeface="Courier New" panose="02070309020205020404" pitchFamily="49" charset="0"/>
+              <a:cs typeface="Courier New" panose="02070309020205020404" pitchFamily="49" charset="0"/>
+            </a:endParaRPr>
+          </a:p>
+          <a:p>
+            <a:r>
+              <a:rPr sz="1200" b="0" u="none" dirty="0">
+                <a:solidFill>
+                  <a:srgbClr val="000000"/>
+                </a:solidFill>
+                <a:latin typeface="Courier New" panose="02070309020205020404" pitchFamily="49" charset="0"/>
+                <a:ea typeface="Courier New" panose="02070309020205020404" pitchFamily="49" charset="0"/>
+                <a:cs typeface="Courier New" panose="02070309020205020404" pitchFamily="49" charset="0"/>
+              </a:rPr>
+              <a:t>   (</a:t>
+            </a:r>
+            <a:r>
+              <a:rPr sz="1200" b="0" u="none" dirty="0" err="1">
+                <a:solidFill>
+                  <a:srgbClr val="000000"/>
+                </a:solidFill>
+                <a:latin typeface="Courier New" panose="02070309020205020404" pitchFamily="49" charset="0"/>
+                <a:ea typeface="Courier New" panose="02070309020205020404" pitchFamily="49" charset="0"/>
+                <a:cs typeface="Courier New" panose="02070309020205020404" pitchFamily="49" charset="0"/>
+              </a:rPr>
+              <a:t>high_fever</a:t>
+            </a:r>
+            <a:r>
+              <a:rPr sz="1200" b="0" u="none" dirty="0">
+                <a:solidFill>
+                  <a:srgbClr val="000000"/>
+                </a:solidFill>
+                <a:latin typeface="Courier New" panose="02070309020205020404" pitchFamily="49" charset="0"/>
+                <a:ea typeface="Courier New" panose="02070309020205020404" pitchFamily="49" charset="0"/>
+                <a:cs typeface="Courier New" panose="02070309020205020404" pitchFamily="49" charset="0"/>
+              </a:rPr>
+              <a:t> </a:t>
+            </a:r>
+            <a:r>
+              <a:rPr sz="1400" b="1" u="none" dirty="0">
+                <a:solidFill>
+                  <a:srgbClr val="000000"/>
+                </a:solidFill>
+                <a:latin typeface="Courier New" panose="02070309020205020404" pitchFamily="49" charset="0"/>
+                <a:ea typeface="Courier New" panose="02070309020205020404" pitchFamily="49" charset="0"/>
+                <a:cs typeface="Courier New" panose="02070309020205020404" pitchFamily="49" charset="0"/>
+              </a:rPr>
+              <a:t>very</a:t>
+            </a:r>
+            <a:r>
+              <a:rPr sz="1200" b="0" u="none" dirty="0">
+                <a:solidFill>
+                  <a:srgbClr val="000000"/>
+                </a:solidFill>
+                <a:latin typeface="Courier New" panose="02070309020205020404" pitchFamily="49" charset="0"/>
+                <a:ea typeface="Courier New" panose="02070309020205020404" pitchFamily="49" charset="0"/>
+                <a:cs typeface="Courier New" panose="02070309020205020404" pitchFamily="49" charset="0"/>
+              </a:rPr>
+              <a:t> fever)</a:t>
+            </a:r>
+            <a:endParaRPr sz="1200" b="0" u="none" dirty="0">
+              <a:solidFill>
+                <a:srgbClr val="000000"/>
+              </a:solidFill>
+              <a:latin typeface="Courier New" panose="02070309020205020404" pitchFamily="49" charset="0"/>
+              <a:ea typeface="Courier New" panose="02070309020205020404" pitchFamily="49" charset="0"/>
+              <a:cs typeface="Courier New" panose="02070309020205020404" pitchFamily="49" charset="0"/>
+            </a:endParaRPr>
+          </a:p>
+          <a:p>
+            <a:r>
+              <a:rPr sz="1200" b="0" u="none" dirty="0">
+                <a:solidFill>
+                  <a:srgbClr val="000000"/>
+                </a:solidFill>
+                <a:latin typeface="Courier New" panose="02070309020205020404" pitchFamily="49" charset="0"/>
+                <a:ea typeface="Courier New" panose="02070309020205020404" pitchFamily="49" charset="0"/>
+                <a:cs typeface="Courier New" panose="02070309020205020404" pitchFamily="49" charset="0"/>
+              </a:rPr>
+              <a:t>   (</a:t>
+            </a:r>
+            <a:r>
+              <a:rPr sz="1200" b="0" u="none" dirty="0" err="1">
+                <a:solidFill>
+                  <a:srgbClr val="000000"/>
+                </a:solidFill>
+                <a:latin typeface="Courier New" panose="02070309020205020404" pitchFamily="49" charset="0"/>
+                <a:ea typeface="Courier New" panose="02070309020205020404" pitchFamily="49" charset="0"/>
+                <a:cs typeface="Courier New" panose="02070309020205020404" pitchFamily="49" charset="0"/>
+              </a:rPr>
+              <a:t>very_high_fever</a:t>
+            </a:r>
+            <a:r>
+              <a:rPr sz="1200" b="0" u="none" dirty="0">
+                <a:solidFill>
+                  <a:srgbClr val="000000"/>
+                </a:solidFill>
+                <a:latin typeface="Courier New" panose="02070309020205020404" pitchFamily="49" charset="0"/>
+                <a:ea typeface="Courier New" panose="02070309020205020404" pitchFamily="49" charset="0"/>
+                <a:cs typeface="Courier New" panose="02070309020205020404" pitchFamily="49" charset="0"/>
+              </a:rPr>
+              <a:t> </a:t>
+            </a:r>
+            <a:r>
+              <a:rPr sz="1400" b="1" u="none" dirty="0">
+                <a:solidFill>
+                  <a:srgbClr val="000000"/>
+                </a:solidFill>
+                <a:latin typeface="Courier New" panose="02070309020205020404" pitchFamily="49" charset="0"/>
+                <a:ea typeface="Courier New" panose="02070309020205020404" pitchFamily="49" charset="0"/>
+                <a:cs typeface="Courier New" panose="02070309020205020404" pitchFamily="49" charset="0"/>
+              </a:rPr>
+              <a:t>extremely</a:t>
+            </a:r>
+            <a:r>
+              <a:rPr sz="1200" b="0" u="none" dirty="0">
+                <a:solidFill>
+                  <a:srgbClr val="000000"/>
+                </a:solidFill>
+                <a:latin typeface="Courier New" panose="02070309020205020404" pitchFamily="49" charset="0"/>
+                <a:ea typeface="Courier New" panose="02070309020205020404" pitchFamily="49" charset="0"/>
+                <a:cs typeface="Courier New" panose="02070309020205020404" pitchFamily="49" charset="0"/>
+              </a:rPr>
+              <a:t> fever)</a:t>
+            </a:r>
+            <a:endParaRPr sz="1200" b="0" u="none" dirty="0">
+              <a:solidFill>
+                <a:srgbClr val="000000"/>
+              </a:solidFill>
+              <a:latin typeface="Courier New" panose="02070309020205020404" pitchFamily="49" charset="0"/>
+              <a:ea typeface="Courier New" panose="02070309020205020404" pitchFamily="49" charset="0"/>
+              <a:cs typeface="Courier New" panose="02070309020205020404" pitchFamily="49" charset="0"/>
+            </a:endParaRPr>
+          </a:p>
+          <a:p>
+            <a:r>
+              <a:rPr sz="1200" b="0" u="none" dirty="0">
+                <a:solidFill>
+                  <a:srgbClr val="000000"/>
+                </a:solidFill>
+                <a:latin typeface="Courier New" panose="02070309020205020404" pitchFamily="49" charset="0"/>
+                <a:ea typeface="Courier New" panose="02070309020205020404" pitchFamily="49" charset="0"/>
+                <a:cs typeface="Courier New" panose="02070309020205020404" pitchFamily="49" charset="0"/>
+              </a:rPr>
+              <a:t>   (</a:t>
+            </a:r>
+            <a:r>
+              <a:rPr sz="1200" b="0" u="none" dirty="0" err="1">
+                <a:solidFill>
+                  <a:srgbClr val="000000"/>
+                </a:solidFill>
+                <a:latin typeface="Courier New" panose="02070309020205020404" pitchFamily="49" charset="0"/>
+                <a:ea typeface="Courier New" panose="02070309020205020404" pitchFamily="49" charset="0"/>
+                <a:cs typeface="Courier New" panose="02070309020205020404" pitchFamily="49" charset="0"/>
+              </a:rPr>
+              <a:t>not_fever</a:t>
+            </a:r>
+            <a:r>
+              <a:rPr sz="1200" b="0" u="none" dirty="0">
+                <a:solidFill>
+                  <a:srgbClr val="000000"/>
+                </a:solidFill>
+                <a:latin typeface="Courier New" panose="02070309020205020404" pitchFamily="49" charset="0"/>
+                <a:ea typeface="Courier New" panose="02070309020205020404" pitchFamily="49" charset="0"/>
+                <a:cs typeface="Courier New" panose="02070309020205020404" pitchFamily="49" charset="0"/>
+              </a:rPr>
+              <a:t> </a:t>
+            </a:r>
+            <a:r>
+              <a:rPr sz="1400" b="1" u="none" dirty="0">
+                <a:solidFill>
+                  <a:srgbClr val="000000"/>
+                </a:solidFill>
+                <a:latin typeface="Courier New" panose="02070309020205020404" pitchFamily="49" charset="0"/>
+                <a:ea typeface="Courier New" panose="02070309020205020404" pitchFamily="49" charset="0"/>
+                <a:cs typeface="Courier New" panose="02070309020205020404" pitchFamily="49" charset="0"/>
+              </a:rPr>
+              <a:t>not</a:t>
+            </a:r>
+            <a:r>
+              <a:rPr sz="1200" b="0" u="none" dirty="0">
+                <a:solidFill>
+                  <a:srgbClr val="000000"/>
+                </a:solidFill>
+                <a:latin typeface="Courier New" panose="02070309020205020404" pitchFamily="49" charset="0"/>
+                <a:ea typeface="Courier New" panose="02070309020205020404" pitchFamily="49" charset="0"/>
+                <a:cs typeface="Courier New" panose="02070309020205020404" pitchFamily="49" charset="0"/>
+              </a:rPr>
+              <a:t> fever)))</a:t>
+            </a:r>
+            <a:endParaRPr sz="1200" b="0" u="none" dirty="0">
+              <a:solidFill>
+                <a:srgbClr val="000000"/>
+              </a:solidFill>
+              <a:latin typeface="Courier New" panose="02070309020205020404" pitchFamily="49" charset="0"/>
+              <a:ea typeface="Courier New" panose="02070309020205020404" pitchFamily="49" charset="0"/>
+              <a:cs typeface="Courier New" panose="02070309020205020404" pitchFamily="49" charset="0"/>
+            </a:endParaRPr>
+          </a:p>
+          <a:p>
+            <a:r>
+              <a:rPr sz="1200" b="0" u="none" dirty="0">
+                <a:solidFill>
+                  <a:srgbClr val="000000"/>
+                </a:solidFill>
+                <a:latin typeface="Courier New" panose="02070309020205020404" pitchFamily="49" charset="0"/>
+                <a:ea typeface="Courier New" panose="02070309020205020404" pitchFamily="49" charset="0"/>
+                <a:cs typeface="Courier New" panose="02070309020205020404" pitchFamily="49" charset="0"/>
+              </a:rPr>
+              <a:t> </a:t>
+            </a:r>
+            <a:endParaRPr sz="1200" b="0" u="none" dirty="0">
+              <a:solidFill>
+                <a:srgbClr val="000000"/>
+              </a:solidFill>
+              <a:latin typeface="Courier New" panose="02070309020205020404" pitchFamily="49" charset="0"/>
+              <a:ea typeface="Courier New" panose="02070309020205020404" pitchFamily="49" charset="0"/>
+              <a:cs typeface="Courier New" panose="02070309020205020404" pitchFamily="49" charset="0"/>
+            </a:endParaRPr>
+          </a:p>
+          <a:p>
+            <a:r>
+              <a:rPr sz="1200" b="0" u="none" dirty="0">
+                <a:solidFill>
+                  <a:srgbClr val="000000"/>
+                </a:solidFill>
+                <a:latin typeface="Courier New" panose="02070309020205020404" pitchFamily="49" charset="0"/>
+                <a:ea typeface="Courier New" panose="02070309020205020404" pitchFamily="49" charset="0"/>
+                <a:cs typeface="Courier New" panose="02070309020205020404" pitchFamily="49" charset="0"/>
+              </a:rPr>
+              <a:t>(</a:t>
+            </a:r>
+            <a:r>
+              <a:rPr sz="1200" b="0" u="none" dirty="0" err="1">
+                <a:solidFill>
+                  <a:srgbClr val="000000"/>
+                </a:solidFill>
+                <a:latin typeface="Courier New" panose="02070309020205020404" pitchFamily="49" charset="0"/>
+                <a:ea typeface="Courier New" panose="02070309020205020404" pitchFamily="49" charset="0"/>
+                <a:cs typeface="Courier New" panose="02070309020205020404" pitchFamily="49" charset="0"/>
+              </a:rPr>
+              <a:t>defrule</a:t>
+            </a:r>
+            <a:r>
+              <a:rPr sz="1200" b="0" u="none" dirty="0">
+                <a:solidFill>
+                  <a:srgbClr val="000000"/>
+                </a:solidFill>
+                <a:latin typeface="Courier New" panose="02070309020205020404" pitchFamily="49" charset="0"/>
+                <a:ea typeface="Courier New" panose="02070309020205020404" pitchFamily="49" charset="0"/>
+                <a:cs typeface="Courier New" panose="02070309020205020404" pitchFamily="49" charset="0"/>
+              </a:rPr>
+              <a:t> </a:t>
+            </a:r>
+            <a:r>
+              <a:rPr sz="1200" b="0" u="none" dirty="0" err="1">
+                <a:solidFill>
+                  <a:srgbClr val="000000"/>
+                </a:solidFill>
+                <a:latin typeface="Courier New" panose="02070309020205020404" pitchFamily="49" charset="0"/>
+                <a:ea typeface="Courier New" panose="02070309020205020404" pitchFamily="49" charset="0"/>
+                <a:cs typeface="Courier New" panose="02070309020205020404" pitchFamily="49" charset="0"/>
+              </a:rPr>
+              <a:t>GetValue</a:t>
+            </a:r>
+            <a:endParaRPr sz="1200" b="0" u="none" dirty="0">
+              <a:solidFill>
+                <a:srgbClr val="000000"/>
+              </a:solidFill>
+              <a:latin typeface="Courier New" panose="02070309020205020404" pitchFamily="49" charset="0"/>
+              <a:ea typeface="Courier New" panose="02070309020205020404" pitchFamily="49" charset="0"/>
+              <a:cs typeface="Courier New" panose="02070309020205020404" pitchFamily="49" charset="0"/>
+            </a:endParaRPr>
+          </a:p>
+          <a:p>
+            <a:r>
+              <a:rPr sz="1200" b="0" u="none" dirty="0">
+                <a:solidFill>
+                  <a:srgbClr val="000000"/>
+                </a:solidFill>
+                <a:latin typeface="Courier New" panose="02070309020205020404" pitchFamily="49" charset="0"/>
+                <a:ea typeface="Courier New" panose="02070309020205020404" pitchFamily="49" charset="0"/>
+                <a:cs typeface="Courier New" panose="02070309020205020404" pitchFamily="49" charset="0"/>
+              </a:rPr>
+              <a:t>   (declare (salience 100))</a:t>
+            </a:r>
+            <a:endParaRPr sz="1200" b="0" u="none" dirty="0">
+              <a:solidFill>
+                <a:srgbClr val="000000"/>
+              </a:solidFill>
+              <a:latin typeface="Courier New" panose="02070309020205020404" pitchFamily="49" charset="0"/>
+              <a:ea typeface="Courier New" panose="02070309020205020404" pitchFamily="49" charset="0"/>
+              <a:cs typeface="Courier New" panose="02070309020205020404" pitchFamily="49" charset="0"/>
+            </a:endParaRPr>
+          </a:p>
+          <a:p>
+            <a:r>
+              <a:rPr sz="1200" b="0" u="none" dirty="0">
+                <a:solidFill>
+                  <a:srgbClr val="000000"/>
+                </a:solidFill>
+                <a:latin typeface="Courier New" panose="02070309020205020404" pitchFamily="49" charset="0"/>
+                <a:ea typeface="Courier New" panose="02070309020205020404" pitchFamily="49" charset="0"/>
+                <a:cs typeface="Courier New" panose="02070309020205020404" pitchFamily="49" charset="0"/>
+              </a:rPr>
+              <a:t>   =&gt;</a:t>
+            </a:r>
+            <a:endParaRPr sz="1200" b="0" u="none" dirty="0">
+              <a:solidFill>
+                <a:srgbClr val="000000"/>
+              </a:solidFill>
+              <a:latin typeface="Courier New" panose="02070309020205020404" pitchFamily="49" charset="0"/>
+              <a:ea typeface="Courier New" panose="02070309020205020404" pitchFamily="49" charset="0"/>
+              <a:cs typeface="Courier New" panose="02070309020205020404" pitchFamily="49" charset="0"/>
+            </a:endParaRPr>
+          </a:p>
+          <a:p>
+            <a:r>
+              <a:rPr sz="1200" b="0" u="none" dirty="0">
+                <a:solidFill>
+                  <a:srgbClr val="000000"/>
+                </a:solidFill>
+                <a:latin typeface="Courier New" panose="02070309020205020404" pitchFamily="49" charset="0"/>
+                <a:ea typeface="Courier New" panose="02070309020205020404" pitchFamily="49" charset="0"/>
+                <a:cs typeface="Courier New" panose="02070309020205020404" pitchFamily="49" charset="0"/>
+              </a:rPr>
+              <a:t>   (printout t "Enter one of the following:" </a:t>
+            </a:r>
+            <a:r>
+              <a:rPr sz="1200" b="0" u="none" dirty="0" err="1">
+                <a:solidFill>
+                  <a:srgbClr val="000000"/>
+                </a:solidFill>
+                <a:latin typeface="Courier New" panose="02070309020205020404" pitchFamily="49" charset="0"/>
+                <a:ea typeface="Courier New" panose="02070309020205020404" pitchFamily="49" charset="0"/>
+                <a:cs typeface="Courier New" panose="02070309020205020404" pitchFamily="49" charset="0"/>
+              </a:rPr>
+              <a:t>crlf</a:t>
+            </a:r>
+            <a:r>
+              <a:rPr sz="1200" b="0" u="none" dirty="0">
+                <a:solidFill>
+                  <a:srgbClr val="000000"/>
+                </a:solidFill>
+                <a:latin typeface="Courier New" panose="02070309020205020404" pitchFamily="49" charset="0"/>
+                <a:ea typeface="Courier New" panose="02070309020205020404" pitchFamily="49" charset="0"/>
+                <a:cs typeface="Courier New" panose="02070309020205020404" pitchFamily="49" charset="0"/>
+              </a:rPr>
+              <a:t>)</a:t>
+            </a:r>
+            <a:endParaRPr sz="1200" b="0" u="none" dirty="0">
+              <a:solidFill>
+                <a:srgbClr val="000000"/>
+              </a:solidFill>
+              <a:latin typeface="Courier New" panose="02070309020205020404" pitchFamily="49" charset="0"/>
+              <a:ea typeface="Courier New" panose="02070309020205020404" pitchFamily="49" charset="0"/>
+              <a:cs typeface="Courier New" panose="02070309020205020404" pitchFamily="49" charset="0"/>
+            </a:endParaRPr>
+          </a:p>
+          <a:p>
+            <a:r>
+              <a:rPr sz="1200" b="0" u="none" dirty="0">
+                <a:solidFill>
+                  <a:srgbClr val="000000"/>
+                </a:solidFill>
+                <a:latin typeface="Courier New" panose="02070309020205020404" pitchFamily="49" charset="0"/>
+                <a:ea typeface="Courier New" panose="02070309020205020404" pitchFamily="49" charset="0"/>
+                <a:cs typeface="Courier New" panose="02070309020205020404" pitchFamily="49" charset="0"/>
+              </a:rPr>
+              <a:t>   (printout t "fever, </a:t>
+            </a:r>
+            <a:r>
+              <a:rPr sz="1200" b="0" u="none" dirty="0" err="1">
+                <a:solidFill>
+                  <a:srgbClr val="000000"/>
+                </a:solidFill>
+                <a:latin typeface="Courier New" panose="02070309020205020404" pitchFamily="49" charset="0"/>
+                <a:ea typeface="Courier New" panose="02070309020205020404" pitchFamily="49" charset="0"/>
+                <a:cs typeface="Courier New" panose="02070309020205020404" pitchFamily="49" charset="0"/>
+              </a:rPr>
+              <a:t>mild_fever</a:t>
+            </a:r>
+            <a:r>
+              <a:rPr sz="1200" b="0" u="none" dirty="0">
+                <a:solidFill>
+                  <a:srgbClr val="000000"/>
+                </a:solidFill>
+                <a:latin typeface="Courier New" panose="02070309020205020404" pitchFamily="49" charset="0"/>
+                <a:ea typeface="Courier New" panose="02070309020205020404" pitchFamily="49" charset="0"/>
+                <a:cs typeface="Courier New" panose="02070309020205020404" pitchFamily="49" charset="0"/>
+              </a:rPr>
+              <a:t>, </a:t>
+            </a:r>
+            <a:r>
+              <a:rPr sz="1200" b="0" u="none" dirty="0" err="1">
+                <a:solidFill>
+                  <a:srgbClr val="000000"/>
+                </a:solidFill>
+                <a:latin typeface="Courier New" panose="02070309020205020404" pitchFamily="49" charset="0"/>
+                <a:ea typeface="Courier New" panose="02070309020205020404" pitchFamily="49" charset="0"/>
+                <a:cs typeface="Courier New" panose="02070309020205020404" pitchFamily="49" charset="0"/>
+              </a:rPr>
+              <a:t>very_mild_fever</a:t>
+            </a:r>
+            <a:r>
+              <a:rPr sz="1200" b="0" u="none" dirty="0">
+                <a:solidFill>
+                  <a:srgbClr val="000000"/>
+                </a:solidFill>
+                <a:latin typeface="Courier New" panose="02070309020205020404" pitchFamily="49" charset="0"/>
+                <a:ea typeface="Courier New" panose="02070309020205020404" pitchFamily="49" charset="0"/>
+                <a:cs typeface="Courier New" panose="02070309020205020404" pitchFamily="49" charset="0"/>
+              </a:rPr>
+              <a:t>, </a:t>
+            </a:r>
+            <a:r>
+              <a:rPr sz="1200" b="0" u="none" dirty="0" err="1">
+                <a:solidFill>
+                  <a:srgbClr val="000000"/>
+                </a:solidFill>
+                <a:latin typeface="Courier New" panose="02070309020205020404" pitchFamily="49" charset="0"/>
+                <a:ea typeface="Courier New" panose="02070309020205020404" pitchFamily="49" charset="0"/>
+                <a:cs typeface="Courier New" panose="02070309020205020404" pitchFamily="49" charset="0"/>
+              </a:rPr>
+              <a:t>high_fever</a:t>
+            </a:r>
+            <a:r>
+              <a:rPr sz="1200" b="0" u="none" dirty="0">
+                <a:solidFill>
+                  <a:srgbClr val="000000"/>
+                </a:solidFill>
+                <a:latin typeface="Courier New" panose="02070309020205020404" pitchFamily="49" charset="0"/>
+                <a:ea typeface="Courier New" panose="02070309020205020404" pitchFamily="49" charset="0"/>
+                <a:cs typeface="Courier New" panose="02070309020205020404" pitchFamily="49" charset="0"/>
+              </a:rPr>
+              <a:t>, </a:t>
+            </a:r>
+            <a:r>
+              <a:rPr sz="1200" b="0" u="none" dirty="0" err="1">
+                <a:solidFill>
+                  <a:srgbClr val="000000"/>
+                </a:solidFill>
+                <a:latin typeface="Courier New" panose="02070309020205020404" pitchFamily="49" charset="0"/>
+                <a:ea typeface="Courier New" panose="02070309020205020404" pitchFamily="49" charset="0"/>
+                <a:cs typeface="Courier New" panose="02070309020205020404" pitchFamily="49" charset="0"/>
+              </a:rPr>
+              <a:t>very_high_fever</a:t>
+            </a:r>
+            <a:r>
+              <a:rPr sz="1200" b="0" u="none" dirty="0">
+                <a:solidFill>
+                  <a:srgbClr val="000000"/>
+                </a:solidFill>
+                <a:latin typeface="Courier New" panose="02070309020205020404" pitchFamily="49" charset="0"/>
+                <a:ea typeface="Courier New" panose="02070309020205020404" pitchFamily="49" charset="0"/>
+                <a:cs typeface="Courier New" panose="02070309020205020404" pitchFamily="49" charset="0"/>
+              </a:rPr>
+              <a:t>, or </a:t>
+            </a:r>
+            <a:r>
+              <a:rPr sz="1200" b="0" u="none" dirty="0" err="1">
+                <a:solidFill>
+                  <a:srgbClr val="000000"/>
+                </a:solidFill>
+                <a:latin typeface="Courier New" panose="02070309020205020404" pitchFamily="49" charset="0"/>
+                <a:ea typeface="Courier New" panose="02070309020205020404" pitchFamily="49" charset="0"/>
+                <a:cs typeface="Courier New" panose="02070309020205020404" pitchFamily="49" charset="0"/>
+              </a:rPr>
+              <a:t>not_fever</a:t>
+            </a:r>
+            <a:r>
+              <a:rPr sz="1200" b="0" u="none" dirty="0">
+                <a:solidFill>
+                  <a:srgbClr val="000000"/>
+                </a:solidFill>
+                <a:latin typeface="Courier New" panose="02070309020205020404" pitchFamily="49" charset="0"/>
+                <a:ea typeface="Courier New" panose="02070309020205020404" pitchFamily="49" charset="0"/>
+                <a:cs typeface="Courier New" panose="02070309020205020404" pitchFamily="49" charset="0"/>
+              </a:rPr>
+              <a:t>? ")</a:t>
+            </a:r>
+            <a:endParaRPr sz="1200" b="0" u="none" dirty="0">
+              <a:solidFill>
+                <a:srgbClr val="000000"/>
+              </a:solidFill>
+              <a:latin typeface="Courier New" panose="02070309020205020404" pitchFamily="49" charset="0"/>
+              <a:ea typeface="Courier New" panose="02070309020205020404" pitchFamily="49" charset="0"/>
+              <a:cs typeface="Courier New" panose="02070309020205020404" pitchFamily="49" charset="0"/>
+            </a:endParaRPr>
+          </a:p>
+          <a:p>
+            <a:r>
+              <a:rPr sz="1200" b="0" u="none" dirty="0">
+                <a:solidFill>
+                  <a:srgbClr val="000000"/>
+                </a:solidFill>
+                <a:latin typeface="Courier New" panose="02070309020205020404" pitchFamily="49" charset="0"/>
+                <a:ea typeface="Courier New" panose="02070309020205020404" pitchFamily="49" charset="0"/>
+                <a:cs typeface="Courier New" panose="02070309020205020404" pitchFamily="49" charset="0"/>
+              </a:rPr>
+              <a:t>   (bind ?m (read))</a:t>
+            </a:r>
+            <a:endParaRPr sz="1200" b="0" u="none" dirty="0">
+              <a:solidFill>
+                <a:srgbClr val="000000"/>
+              </a:solidFill>
+              <a:latin typeface="Courier New" panose="02070309020205020404" pitchFamily="49" charset="0"/>
+              <a:ea typeface="Courier New" panose="02070309020205020404" pitchFamily="49" charset="0"/>
+              <a:cs typeface="Courier New" panose="02070309020205020404" pitchFamily="49" charset="0"/>
+            </a:endParaRPr>
+          </a:p>
+          <a:p>
+            <a:r>
+              <a:rPr sz="1200" b="0" u="none" dirty="0">
+                <a:solidFill>
+                  <a:srgbClr val="000000"/>
+                </a:solidFill>
+                <a:latin typeface="Courier New" panose="02070309020205020404" pitchFamily="49" charset="0"/>
+                <a:ea typeface="Courier New" panose="02070309020205020404" pitchFamily="49" charset="0"/>
+                <a:cs typeface="Courier New" panose="02070309020205020404" pitchFamily="49" charset="0"/>
+              </a:rPr>
+              <a:t>   (assert-string (format nil "(Fever %s)" ?m)))</a:t>
+            </a:r>
+            <a:endParaRPr sz="1200" b="0" u="none" dirty="0">
+              <a:solidFill>
+                <a:srgbClr val="000000"/>
+              </a:solidFill>
+              <a:latin typeface="Courier New" panose="02070309020205020404" pitchFamily="49" charset="0"/>
+              <a:ea typeface="Courier New" panose="02070309020205020404" pitchFamily="49" charset="0"/>
+              <a:cs typeface="Courier New" panose="02070309020205020404" pitchFamily="49" charset="0"/>
+            </a:endParaRPr>
+          </a:p>
+          <a:p>
+            <a:r>
+              <a:rPr sz="1200" b="0" u="none" dirty="0">
+                <a:solidFill>
+                  <a:srgbClr val="000000"/>
+                </a:solidFill>
+                <a:latin typeface="Courier New" panose="02070309020205020404" pitchFamily="49" charset="0"/>
+                <a:ea typeface="Courier New" panose="02070309020205020404" pitchFamily="49" charset="0"/>
+                <a:cs typeface="Courier New" panose="02070309020205020404" pitchFamily="49" charset="0"/>
+              </a:rPr>
+              <a:t> </a:t>
+            </a:r>
+            <a:endParaRPr sz="1200" b="0" u="none" dirty="0">
+              <a:solidFill>
+                <a:srgbClr val="000000"/>
+              </a:solidFill>
+              <a:latin typeface="Courier New" panose="02070309020205020404" pitchFamily="49" charset="0"/>
+              <a:ea typeface="Courier New" panose="02070309020205020404" pitchFamily="49" charset="0"/>
+              <a:cs typeface="Courier New" panose="02070309020205020404" pitchFamily="49" charset="0"/>
+            </a:endParaRPr>
+          </a:p>
+          <a:p>
+            <a:r>
+              <a:rPr sz="1200" b="1" u="none" dirty="0">
+                <a:solidFill>
+                  <a:srgbClr val="000000"/>
+                </a:solidFill>
+                <a:latin typeface="Courier New" panose="02070309020205020404" pitchFamily="49" charset="0"/>
+                <a:ea typeface="Courier New" panose="02070309020205020404" pitchFamily="49" charset="0"/>
+                <a:cs typeface="Courier New" panose="02070309020205020404" pitchFamily="49" charset="0"/>
+              </a:rPr>
+              <a:t>; </a:t>
+            </a:r>
+            <a:r>
+              <a:rPr lang="ru-RU" sz="1200" b="1" u="none" dirty="0">
+                <a:solidFill>
+                  <a:srgbClr val="000000"/>
+                </a:solidFill>
+                <a:latin typeface="Courier New" panose="02070309020205020404" pitchFamily="49" charset="0"/>
+                <a:ea typeface="Courier New" panose="02070309020205020404" pitchFamily="49" charset="0"/>
+                <a:cs typeface="Courier New" panose="02070309020205020404" pitchFamily="49" charset="0"/>
+              </a:rPr>
+              <a:t>Правило построение графика</a:t>
+            </a:r>
+            <a:endParaRPr lang="ru-RU" sz="1200" b="1" u="none" dirty="0">
+              <a:solidFill>
+                <a:srgbClr val="000000"/>
+              </a:solidFill>
+              <a:latin typeface="Courier New" panose="02070309020205020404" pitchFamily="49" charset="0"/>
+              <a:ea typeface="Courier New" panose="02070309020205020404" pitchFamily="49" charset="0"/>
+              <a:cs typeface="Courier New" panose="02070309020205020404" pitchFamily="49" charset="0"/>
+            </a:endParaRPr>
+          </a:p>
+          <a:p>
+            <a:r>
+              <a:rPr sz="1200" b="1" u="none" dirty="0">
+                <a:solidFill>
+                  <a:srgbClr val="000000"/>
+                </a:solidFill>
+                <a:latin typeface="Courier New" panose="02070309020205020404" pitchFamily="49" charset="0"/>
+                <a:ea typeface="Courier New" panose="02070309020205020404" pitchFamily="49" charset="0"/>
+                <a:cs typeface="Courier New" panose="02070309020205020404" pitchFamily="49" charset="0"/>
+              </a:rPr>
+              <a:t>; </a:t>
+            </a:r>
+            <a:r>
+              <a:rPr lang="ru-RU" sz="1200" b="1" u="none" dirty="0">
+                <a:solidFill>
+                  <a:srgbClr val="000000"/>
+                </a:solidFill>
+                <a:latin typeface="Courier New" panose="02070309020205020404" pitchFamily="49" charset="0"/>
+                <a:ea typeface="Courier New" panose="02070309020205020404" pitchFamily="49" charset="0"/>
+                <a:cs typeface="Courier New" panose="02070309020205020404" pitchFamily="49" charset="0"/>
+              </a:rPr>
+              <a:t>Нечеткое множество выбирает пользователь</a:t>
+            </a:r>
+            <a:endParaRPr lang="ru-RU" sz="1200" b="1" u="none" dirty="0">
+              <a:solidFill>
+                <a:srgbClr val="000000"/>
+              </a:solidFill>
+              <a:latin typeface="Courier New" panose="02070309020205020404" pitchFamily="49" charset="0"/>
+              <a:ea typeface="Courier New" panose="02070309020205020404" pitchFamily="49" charset="0"/>
+              <a:cs typeface="Courier New" panose="02070309020205020404" pitchFamily="49" charset="0"/>
+            </a:endParaRPr>
+          </a:p>
+          <a:p>
+            <a:r>
+              <a:rPr sz="1200" b="0" u="none" dirty="0">
+                <a:solidFill>
+                  <a:srgbClr val="000000"/>
+                </a:solidFill>
+                <a:latin typeface="Courier New" panose="02070309020205020404" pitchFamily="49" charset="0"/>
+                <a:ea typeface="Courier New" panose="02070309020205020404" pitchFamily="49" charset="0"/>
+                <a:cs typeface="Courier New" panose="02070309020205020404" pitchFamily="49" charset="0"/>
+              </a:rPr>
+              <a:t> </a:t>
+            </a:r>
+            <a:endParaRPr sz="1200" b="0" u="none" dirty="0">
+              <a:solidFill>
+                <a:srgbClr val="000000"/>
+              </a:solidFill>
+              <a:latin typeface="Courier New" panose="02070309020205020404" pitchFamily="49" charset="0"/>
+              <a:ea typeface="Courier New" panose="02070309020205020404" pitchFamily="49" charset="0"/>
+              <a:cs typeface="Courier New" panose="02070309020205020404" pitchFamily="49" charset="0"/>
+            </a:endParaRPr>
+          </a:p>
+          <a:p>
+            <a:r>
+              <a:rPr sz="1200" b="0" u="none" dirty="0">
+                <a:solidFill>
+                  <a:srgbClr val="000000"/>
+                </a:solidFill>
+                <a:latin typeface="Courier New" panose="02070309020205020404" pitchFamily="49" charset="0"/>
+                <a:ea typeface="Courier New" panose="02070309020205020404" pitchFamily="49" charset="0"/>
+                <a:cs typeface="Courier New" panose="02070309020205020404" pitchFamily="49" charset="0"/>
+              </a:rPr>
+              <a:t>(</a:t>
+            </a:r>
+            <a:r>
+              <a:rPr sz="1200" b="0" u="none" dirty="0" err="1">
+                <a:solidFill>
+                  <a:srgbClr val="000000"/>
+                </a:solidFill>
+                <a:latin typeface="Courier New" panose="02070309020205020404" pitchFamily="49" charset="0"/>
+                <a:ea typeface="Courier New" panose="02070309020205020404" pitchFamily="49" charset="0"/>
+                <a:cs typeface="Courier New" panose="02070309020205020404" pitchFamily="49" charset="0"/>
+              </a:rPr>
+              <a:t>defrule</a:t>
+            </a:r>
+            <a:r>
+              <a:rPr sz="1200" b="0" u="none" dirty="0">
+                <a:solidFill>
+                  <a:srgbClr val="000000"/>
+                </a:solidFill>
+                <a:latin typeface="Courier New" panose="02070309020205020404" pitchFamily="49" charset="0"/>
+                <a:ea typeface="Courier New" panose="02070309020205020404" pitchFamily="49" charset="0"/>
+                <a:cs typeface="Courier New" panose="02070309020205020404" pitchFamily="49" charset="0"/>
+              </a:rPr>
+              <a:t> </a:t>
+            </a:r>
+            <a:r>
+              <a:rPr sz="1200" b="0" u="none" dirty="0" err="1">
+                <a:solidFill>
+                  <a:srgbClr val="000000"/>
+                </a:solidFill>
+                <a:latin typeface="Courier New" panose="02070309020205020404" pitchFamily="49" charset="0"/>
+                <a:ea typeface="Courier New" panose="02070309020205020404" pitchFamily="49" charset="0"/>
+                <a:cs typeface="Courier New" panose="02070309020205020404" pitchFamily="49" charset="0"/>
+              </a:rPr>
+              <a:t>ShowLevel</a:t>
+            </a:r>
+            <a:endParaRPr sz="1200" b="0" u="none" dirty="0">
+              <a:solidFill>
+                <a:srgbClr val="000000"/>
+              </a:solidFill>
+              <a:latin typeface="Courier New" panose="02070309020205020404" pitchFamily="49" charset="0"/>
+              <a:ea typeface="Courier New" panose="02070309020205020404" pitchFamily="49" charset="0"/>
+              <a:cs typeface="Courier New" panose="02070309020205020404" pitchFamily="49" charset="0"/>
+            </a:endParaRPr>
+          </a:p>
+          <a:p>
+            <a:r>
+              <a:rPr sz="1200" b="0" u="none" dirty="0">
+                <a:solidFill>
+                  <a:srgbClr val="000000"/>
+                </a:solidFill>
+                <a:latin typeface="Courier New" panose="02070309020205020404" pitchFamily="49" charset="0"/>
+                <a:ea typeface="Courier New" panose="02070309020205020404" pitchFamily="49" charset="0"/>
+                <a:cs typeface="Courier New" panose="02070309020205020404" pitchFamily="49" charset="0"/>
+              </a:rPr>
               <a:t>   ?f &lt;- (Fever ?l)</a:t>
             </a:r>
+            <a:endParaRPr sz="1200" b="0" u="none" dirty="0">
+              <a:solidFill>
+                <a:srgbClr val="000000"/>
+              </a:solidFill>
+              <a:latin typeface="Courier New" panose="02070309020205020404" pitchFamily="49" charset="0"/>
+              <a:ea typeface="Courier New" panose="02070309020205020404" pitchFamily="49" charset="0"/>
+              <a:cs typeface="Courier New" panose="02070309020205020404" pitchFamily="49" charset="0"/>
+            </a:endParaRPr>
           </a:p>
           <a:p>
             <a:r>
@@ -13265,6 +13935,14 @@
               </a:rPr>
               <a:t>   =&gt;</a:t>
             </a:r>
+            <a:endParaRPr sz="1200" b="0" u="none" dirty="0">
+              <a:solidFill>
+                <a:srgbClr val="000000"/>
+              </a:solidFill>
+              <a:latin typeface="Courier New" panose="02070309020205020404" pitchFamily="49" charset="0"/>
+              <a:ea typeface="Courier New" panose="02070309020205020404" pitchFamily="49" charset="0"/>
+              <a:cs typeface="Courier New" panose="02070309020205020404" pitchFamily="49" charset="0"/>
+            </a:endParaRPr>
           </a:p>
           <a:p>
             <a:r>
@@ -13341,7 +14019,7 @@
                 </a:effectLst>
                 <a:latin typeface="Times New Roman" panose="02020603050405020304" charset="0"/>
               </a:rPr>
-              <a:t>7</a:t>
+              <a:t>6</a:t>
             </a:r>
             <a:r>
               <a:rPr lang="en-US" altLang="ru-RU" sz="2800" b="1" dirty="0">
@@ -13391,6 +14069,19 @@
               </a:rPr>
               <a:t> </a:t>
             </a:r>
+            <a:endParaRPr lang="en-US" altLang="ru-RU" sz="2800" b="1" dirty="0">
+              <a:solidFill>
+                <a:schemeClr val="accent1"/>
+              </a:solidFill>
+              <a:effectLst>
+                <a:outerShdw blurRad="38100" dist="25400" dir="5400000" algn="ctr" rotWithShape="0">
+                  <a:srgbClr val="6E747A">
+                    <a:alpha val="43000"/>
+                  </a:srgbClr>
+                </a:outerShdw>
+              </a:effectLst>
+              <a:latin typeface="Times New Roman" panose="02020603050405020304" charset="0"/>
+            </a:endParaRPr>
           </a:p>
         </p:txBody>
       </p:sp>
@@ -13440,7 +14131,7 @@
           <a:lstStyle/>
           <a:p>
             <a:r>
-              <a:rPr lang="en-US" sz="2800" b="1" dirty="0">
+              <a:rPr lang="ru-RU" altLang="en-US" sz="2800" b="1" dirty="0">
                 <a:solidFill>
                   <a:schemeClr val="accent1"/>
                 </a:solidFill>
@@ -13455,7 +14146,25 @@
                 <a:ea typeface="+mn-ea"/>
                 <a:cs typeface="+mn-cs"/>
               </a:rPr>
-              <a:t>8. </a:t>
+              <a:t>7</a:t>
+            </a:r>
+            <a:r>
+              <a:rPr lang="en-US" sz="2800" b="1" dirty="0">
+                <a:solidFill>
+                  <a:schemeClr val="accent1"/>
+                </a:solidFill>
+                <a:effectLst>
+                  <a:outerShdw blurRad="38100" dist="25400" dir="5400000" algn="ctr" rotWithShape="0">
+                    <a:srgbClr val="6E747A">
+                      <a:alpha val="43000"/>
+                    </a:srgbClr>
+                  </a:outerShdw>
+                </a:effectLst>
+                <a:latin typeface="Times New Roman" panose="02020603050405020304" charset="0"/>
+                <a:ea typeface="+mn-ea"/>
+                <a:cs typeface="+mn-cs"/>
+              </a:rPr>
+              <a:t>. </a:t>
             </a:r>
             <a:r>
               <a:rPr lang="ru-RU" sz="2800" b="1" dirty="0">
@@ -13620,292 +14329,6 @@
               </a:rPr>
               <a:t>. Расширенный синтаксис приведен ниже:</a:t>
             </a:r>
-          </a:p>
-          <a:p>
-            <a:pPr>
-              <a:buNone/>
-            </a:pPr>
-            <a:endParaRPr lang="ru-RU" dirty="0"/>
-          </a:p>
-          <a:p>
-            <a:pPr>
-              <a:buNone/>
-            </a:pPr>
-            <a:r>
-              <a:rPr lang="ru-RU" dirty="0"/>
-              <a:t> </a:t>
-            </a:r>
-          </a:p>
-          <a:p>
-            <a:pPr marL="0">
-              <a:buNone/>
-            </a:pPr>
-            <a:r>
-              <a:rPr lang="ru-RU" sz="2200" dirty="0">
-                <a:solidFill>
-                  <a:srgbClr val="000000"/>
-                </a:solidFill>
-                <a:latin typeface="Courier New" panose="02070309020205020404" pitchFamily="49" charset="0"/>
-                <a:ea typeface="Courier New" panose="02070309020205020404" pitchFamily="49" charset="0"/>
-                <a:cs typeface="Courier New" panose="02070309020205020404" pitchFamily="49" charset="0"/>
-              </a:rPr>
-              <a:t>(</a:t>
-            </a:r>
-            <a:r>
-              <a:rPr lang="en-US" sz="2200" dirty="0" err="1">
-                <a:solidFill>
-                  <a:srgbClr val="000000"/>
-                </a:solidFill>
-                <a:latin typeface="Courier New" panose="02070309020205020404" pitchFamily="49" charset="0"/>
-                <a:ea typeface="Courier New" panose="02070309020205020404" pitchFamily="49" charset="0"/>
-                <a:cs typeface="Courier New" panose="02070309020205020404" pitchFamily="49" charset="0"/>
-              </a:rPr>
-              <a:t>deftemplate</a:t>
-            </a:r>
-            <a:r>
-              <a:rPr lang="ru-RU" sz="2200" dirty="0">
-                <a:solidFill>
-                  <a:srgbClr val="000000"/>
-                </a:solidFill>
-                <a:latin typeface="Courier New" panose="02070309020205020404" pitchFamily="49" charset="0"/>
-                <a:ea typeface="Courier New" panose="02070309020205020404" pitchFamily="49" charset="0"/>
-                <a:cs typeface="Courier New" panose="02070309020205020404" pitchFamily="49" charset="0"/>
-              </a:rPr>
-              <a:t> &lt;</a:t>
-            </a:r>
-            <a:r>
-              <a:rPr lang="en-US" sz="2200" dirty="0">
-                <a:solidFill>
-                  <a:srgbClr val="000000"/>
-                </a:solidFill>
-                <a:latin typeface="Courier New" panose="02070309020205020404" pitchFamily="49" charset="0"/>
-                <a:ea typeface="Courier New" panose="02070309020205020404" pitchFamily="49" charset="0"/>
-                <a:cs typeface="Courier New" panose="02070309020205020404" pitchFamily="49" charset="0"/>
-              </a:rPr>
-              <a:t>name</a:t>
-            </a:r>
-            <a:r>
-              <a:rPr lang="ru-RU" sz="2200" dirty="0">
-                <a:solidFill>
-                  <a:srgbClr val="000000"/>
-                </a:solidFill>
-                <a:latin typeface="Courier New" panose="02070309020205020404" pitchFamily="49" charset="0"/>
-                <a:ea typeface="Courier New" panose="02070309020205020404" pitchFamily="49" charset="0"/>
-                <a:cs typeface="Courier New" panose="02070309020205020404" pitchFamily="49" charset="0"/>
-              </a:rPr>
-              <a:t>&gt; [“&lt;</a:t>
-            </a:r>
-            <a:r>
-              <a:rPr lang="en-US" sz="2200" dirty="0">
-                <a:solidFill>
-                  <a:srgbClr val="000000"/>
-                </a:solidFill>
-                <a:latin typeface="Courier New" panose="02070309020205020404" pitchFamily="49" charset="0"/>
-                <a:ea typeface="Courier New" panose="02070309020205020404" pitchFamily="49" charset="0"/>
-                <a:cs typeface="Courier New" panose="02070309020205020404" pitchFamily="49" charset="0"/>
-              </a:rPr>
-              <a:t>Comments</a:t>
-            </a:r>
-            <a:r>
-              <a:rPr lang="ru-RU" sz="2200" dirty="0">
-                <a:solidFill>
-                  <a:srgbClr val="000000"/>
-                </a:solidFill>
-                <a:latin typeface="Courier New" panose="02070309020205020404" pitchFamily="49" charset="0"/>
-                <a:ea typeface="Courier New" panose="02070309020205020404" pitchFamily="49" charset="0"/>
-                <a:cs typeface="Courier New" panose="02070309020205020404" pitchFamily="49" charset="0"/>
-              </a:rPr>
-              <a:t>&gt;”]</a:t>
-            </a:r>
-          </a:p>
-          <a:p>
-            <a:pPr marL="0">
-              <a:buNone/>
-            </a:pPr>
-            <a:r>
-              <a:rPr lang="ru-RU" sz="2200" dirty="0">
-                <a:solidFill>
-                  <a:srgbClr val="000000"/>
-                </a:solidFill>
-                <a:latin typeface="Courier New" panose="02070309020205020404" pitchFamily="49" charset="0"/>
-                <a:ea typeface="Courier New" panose="02070309020205020404" pitchFamily="49" charset="0"/>
-                <a:cs typeface="Courier New" panose="02070309020205020404" pitchFamily="49" charset="0"/>
-              </a:rPr>
-              <a:t>&lt;</a:t>
-            </a:r>
-            <a:r>
-              <a:rPr lang="en-US" sz="2200" dirty="0">
-                <a:solidFill>
-                  <a:srgbClr val="000000"/>
-                </a:solidFill>
-                <a:latin typeface="Courier New" panose="02070309020205020404" pitchFamily="49" charset="0"/>
-                <a:ea typeface="Courier New" panose="02070309020205020404" pitchFamily="49" charset="0"/>
-                <a:cs typeface="Courier New" panose="02070309020205020404" pitchFamily="49" charset="0"/>
-              </a:rPr>
-              <a:t>from</a:t>
-            </a:r>
-            <a:r>
-              <a:rPr lang="ru-RU" sz="2200" dirty="0">
-                <a:solidFill>
-                  <a:srgbClr val="000000"/>
-                </a:solidFill>
-                <a:latin typeface="Courier New" panose="02070309020205020404" pitchFamily="49" charset="0"/>
-                <a:ea typeface="Courier New" panose="02070309020205020404" pitchFamily="49" charset="0"/>
-                <a:cs typeface="Courier New" panose="02070309020205020404" pitchFamily="49" charset="0"/>
-              </a:rPr>
-              <a:t>&gt; &lt;</a:t>
-            </a:r>
-            <a:r>
-              <a:rPr lang="en-US" sz="2200" dirty="0">
-                <a:solidFill>
-                  <a:srgbClr val="000000"/>
-                </a:solidFill>
-                <a:latin typeface="Courier New" panose="02070309020205020404" pitchFamily="49" charset="0"/>
-                <a:ea typeface="Courier New" panose="02070309020205020404" pitchFamily="49" charset="0"/>
-                <a:cs typeface="Courier New" panose="02070309020205020404" pitchFamily="49" charset="0"/>
-              </a:rPr>
-              <a:t>to</a:t>
-            </a:r>
-            <a:r>
-              <a:rPr lang="ru-RU" sz="2200" dirty="0">
-                <a:solidFill>
-                  <a:srgbClr val="000000"/>
-                </a:solidFill>
-                <a:latin typeface="Courier New" panose="02070309020205020404" pitchFamily="49" charset="0"/>
-                <a:ea typeface="Courier New" panose="02070309020205020404" pitchFamily="49" charset="0"/>
-                <a:cs typeface="Courier New" panose="02070309020205020404" pitchFamily="49" charset="0"/>
-              </a:rPr>
-              <a:t>&gt; [&lt;</a:t>
-            </a:r>
-            <a:r>
-              <a:rPr lang="en-US" sz="2200" dirty="0">
-                <a:solidFill>
-                  <a:srgbClr val="000000"/>
-                </a:solidFill>
-                <a:latin typeface="Courier New" panose="02070309020205020404" pitchFamily="49" charset="0"/>
-                <a:ea typeface="Courier New" panose="02070309020205020404" pitchFamily="49" charset="0"/>
-                <a:cs typeface="Courier New" panose="02070309020205020404" pitchFamily="49" charset="0"/>
-              </a:rPr>
-              <a:t>unit</a:t>
-            </a:r>
-            <a:r>
-              <a:rPr lang="ru-RU" sz="2200" dirty="0">
-                <a:solidFill>
-                  <a:srgbClr val="000000"/>
-                </a:solidFill>
-                <a:latin typeface="Courier New" panose="02070309020205020404" pitchFamily="49" charset="0"/>
-                <a:ea typeface="Courier New" panose="02070309020205020404" pitchFamily="49" charset="0"/>
-                <a:cs typeface="Courier New" panose="02070309020205020404" pitchFamily="49" charset="0"/>
-              </a:rPr>
-              <a:t>&gt;] ; Предметная область</a:t>
-            </a:r>
-          </a:p>
-          <a:p>
-            <a:pPr marL="0">
-              <a:buNone/>
-            </a:pPr>
-            <a:r>
-              <a:rPr lang="ru-RU" sz="2200" dirty="0">
-                <a:solidFill>
-                  <a:srgbClr val="000000"/>
-                </a:solidFill>
-                <a:latin typeface="Courier New" panose="02070309020205020404" pitchFamily="49" charset="0"/>
-                <a:ea typeface="Courier New" panose="02070309020205020404" pitchFamily="49" charset="0"/>
-                <a:cs typeface="Courier New" panose="02070309020205020404" pitchFamily="49" charset="0"/>
-              </a:rPr>
-              <a:t>(</a:t>
-            </a:r>
-          </a:p>
-          <a:p>
-            <a:pPr marL="0">
-              <a:buNone/>
-            </a:pPr>
-            <a:r>
-              <a:rPr lang="en-US" sz="2200" dirty="0">
-                <a:solidFill>
-                  <a:srgbClr val="000000"/>
-                </a:solidFill>
-                <a:latin typeface="Courier New" panose="02070309020205020404" pitchFamily="49" charset="0"/>
-                <a:ea typeface="Courier New" panose="02070309020205020404" pitchFamily="49" charset="0"/>
-                <a:cs typeface="Courier New" panose="02070309020205020404" pitchFamily="49" charset="0"/>
-              </a:rPr>
-              <a:t>t</a:t>
-            </a:r>
-            <a:r>
-              <a:rPr lang="ru-RU" sz="2200" dirty="0">
-                <a:solidFill>
-                  <a:srgbClr val="000000"/>
-                </a:solidFill>
-                <a:latin typeface="Courier New" panose="02070309020205020404" pitchFamily="49" charset="0"/>
-                <a:ea typeface="Courier New" panose="02070309020205020404" pitchFamily="49" charset="0"/>
-                <a:cs typeface="Courier New" panose="02070309020205020404" pitchFamily="49" charset="0"/>
-              </a:rPr>
-              <a:t>1</a:t>
-            </a:r>
-          </a:p>
-          <a:p>
-            <a:pPr marL="0">
-              <a:buNone/>
-            </a:pPr>
-            <a:r>
-              <a:rPr lang="ru-RU" sz="2200" dirty="0">
-                <a:solidFill>
-                  <a:srgbClr val="000000"/>
-                </a:solidFill>
-                <a:latin typeface="Courier New" panose="02070309020205020404" pitchFamily="49" charset="0"/>
-                <a:ea typeface="Courier New" panose="02070309020205020404" pitchFamily="49" charset="0"/>
-                <a:cs typeface="Courier New" panose="02070309020205020404" pitchFamily="49" charset="0"/>
-              </a:rPr>
-              <a:t>.</a:t>
-            </a:r>
-          </a:p>
-          <a:p>
-            <a:pPr marL="0">
-              <a:buNone/>
-            </a:pPr>
-            <a:r>
-              <a:rPr lang="ru-RU" sz="2200" dirty="0">
-                <a:solidFill>
-                  <a:srgbClr val="000000"/>
-                </a:solidFill>
-                <a:latin typeface="Courier New" panose="02070309020205020404" pitchFamily="49" charset="0"/>
-                <a:ea typeface="Courier New" panose="02070309020205020404" pitchFamily="49" charset="0"/>
-                <a:cs typeface="Courier New" panose="02070309020205020404" pitchFamily="49" charset="0"/>
-              </a:rPr>
-              <a:t>. ; Список первичных термов</a:t>
-            </a:r>
-          </a:p>
-          <a:p>
-            <a:pPr marL="0">
-              <a:buNone/>
-            </a:pPr>
-            <a:r>
-              <a:rPr lang="ru-RU" sz="2200" dirty="0">
-                <a:solidFill>
-                  <a:srgbClr val="000000"/>
-                </a:solidFill>
-                <a:latin typeface="Courier New" panose="02070309020205020404" pitchFamily="49" charset="0"/>
-                <a:ea typeface="Courier New" panose="02070309020205020404" pitchFamily="49" charset="0"/>
-                <a:cs typeface="Courier New" panose="02070309020205020404" pitchFamily="49" charset="0"/>
-              </a:rPr>
-              <a:t>.</a:t>
-            </a:r>
-          </a:p>
-          <a:p>
-            <a:pPr marL="0">
-              <a:buNone/>
-            </a:pPr>
-            <a:r>
-              <a:rPr lang="en-US" sz="2200" dirty="0" err="1">
-                <a:solidFill>
-                  <a:srgbClr val="000000"/>
-                </a:solidFill>
-                <a:latin typeface="Courier New" panose="02070309020205020404" pitchFamily="49" charset="0"/>
-                <a:ea typeface="Courier New" panose="02070309020205020404" pitchFamily="49" charset="0"/>
-                <a:cs typeface="Courier New" panose="02070309020205020404" pitchFamily="49" charset="0"/>
-              </a:rPr>
-              <a:t>tn</a:t>
-            </a:r>
             <a:endParaRPr lang="ru-RU" sz="2200" dirty="0">
               <a:solidFill>
                 <a:srgbClr val="000000"/>
@@ -13916,6 +14339,22 @@
             </a:endParaRPr>
           </a:p>
           <a:p>
+            <a:pPr>
+              <a:buNone/>
+            </a:pPr>
+            <a:endParaRPr lang="ru-RU" dirty="0"/>
+          </a:p>
+          <a:p>
+            <a:pPr>
+              <a:buNone/>
+            </a:pPr>
+            <a:r>
+              <a:rPr lang="ru-RU" dirty="0"/>
+              <a:t> </a:t>
+            </a:r>
+            <a:endParaRPr lang="ru-RU" dirty="0"/>
+          </a:p>
+          <a:p>
             <a:pPr marL="0">
               <a:buNone/>
             </a:pPr>
@@ -13928,8 +14367,82 @@
                 <a:ea typeface="Courier New" panose="02070309020205020404" pitchFamily="49" charset="0"/>
                 <a:cs typeface="Courier New" panose="02070309020205020404" pitchFamily="49" charset="0"/>
               </a:rPr>
-              <a:t>)</a:t>
-            </a:r>
+              <a:t>(</a:t>
+            </a:r>
+            <a:r>
+              <a:rPr lang="en-US" sz="2200" dirty="0" err="1">
+                <a:solidFill>
+                  <a:srgbClr val="000000"/>
+                </a:solidFill>
+                <a:latin typeface="Courier New" panose="02070309020205020404" pitchFamily="49" charset="0"/>
+                <a:ea typeface="Courier New" panose="02070309020205020404" pitchFamily="49" charset="0"/>
+                <a:cs typeface="Courier New" panose="02070309020205020404" pitchFamily="49" charset="0"/>
+              </a:rPr>
+              <a:t>deftemplate</a:t>
+            </a:r>
+            <a:r>
+              <a:rPr lang="ru-RU" sz="2200" dirty="0">
+                <a:solidFill>
+                  <a:srgbClr val="000000"/>
+                </a:solidFill>
+                <a:latin typeface="Courier New" panose="02070309020205020404" pitchFamily="49" charset="0"/>
+                <a:ea typeface="Courier New" panose="02070309020205020404" pitchFamily="49" charset="0"/>
+                <a:cs typeface="Courier New" panose="02070309020205020404" pitchFamily="49" charset="0"/>
+              </a:rPr>
+              <a:t> &lt;</a:t>
+            </a:r>
+            <a:r>
+              <a:rPr lang="en-US" sz="2200" dirty="0">
+                <a:solidFill>
+                  <a:srgbClr val="000000"/>
+                </a:solidFill>
+                <a:latin typeface="Courier New" panose="02070309020205020404" pitchFamily="49" charset="0"/>
+                <a:ea typeface="Courier New" panose="02070309020205020404" pitchFamily="49" charset="0"/>
+                <a:cs typeface="Courier New" panose="02070309020205020404" pitchFamily="49" charset="0"/>
+              </a:rPr>
+              <a:t>name</a:t>
+            </a:r>
+            <a:r>
+              <a:rPr lang="ru-RU" sz="2200" dirty="0">
+                <a:solidFill>
+                  <a:srgbClr val="000000"/>
+                </a:solidFill>
+                <a:latin typeface="Courier New" panose="02070309020205020404" pitchFamily="49" charset="0"/>
+                <a:ea typeface="Courier New" panose="02070309020205020404" pitchFamily="49" charset="0"/>
+                <a:cs typeface="Courier New" panose="02070309020205020404" pitchFamily="49" charset="0"/>
+              </a:rPr>
+              <a:t>&gt; [“&lt;</a:t>
+            </a:r>
+            <a:r>
+              <a:rPr lang="en-US" sz="2200" dirty="0">
+                <a:solidFill>
+                  <a:srgbClr val="000000"/>
+                </a:solidFill>
+                <a:latin typeface="Courier New" panose="02070309020205020404" pitchFamily="49" charset="0"/>
+                <a:ea typeface="Courier New" panose="02070309020205020404" pitchFamily="49" charset="0"/>
+                <a:cs typeface="Courier New" panose="02070309020205020404" pitchFamily="49" charset="0"/>
+              </a:rPr>
+              <a:t>Comments</a:t>
+            </a:r>
+            <a:r>
+              <a:rPr lang="ru-RU" sz="2200" dirty="0">
+                <a:solidFill>
+                  <a:srgbClr val="000000"/>
+                </a:solidFill>
+                <a:latin typeface="Courier New" panose="02070309020205020404" pitchFamily="49" charset="0"/>
+                <a:ea typeface="Courier New" panose="02070309020205020404" pitchFamily="49" charset="0"/>
+                <a:cs typeface="Courier New" panose="02070309020205020404" pitchFamily="49" charset="0"/>
+              </a:rPr>
+              <a:t>&gt;”]</a:t>
+            </a:r>
+            <a:endParaRPr lang="ru-RU" sz="2200" dirty="0">
+              <a:solidFill>
+                <a:srgbClr val="000000"/>
+              </a:solidFill>
+              <a:latin typeface="Courier New" panose="02070309020205020404" pitchFamily="49" charset="0"/>
+              <a:ea typeface="Courier New" panose="02070309020205020404" pitchFamily="49" charset="0"/>
+              <a:cs typeface="Courier New" panose="02070309020205020404" pitchFamily="49" charset="0"/>
+            </a:endParaRPr>
           </a:p>
           <a:p>
             <a:pPr marL="0">
@@ -13944,8 +14457,285 @@
                 <a:ea typeface="Courier New" panose="02070309020205020404" pitchFamily="49" charset="0"/>
                 <a:cs typeface="Courier New" panose="02070309020205020404" pitchFamily="49" charset="0"/>
               </a:rPr>
+              <a:t>&lt;</a:t>
+            </a:r>
+            <a:r>
+              <a:rPr lang="en-US" sz="2200" dirty="0">
+                <a:solidFill>
+                  <a:srgbClr val="000000"/>
+                </a:solidFill>
+                <a:latin typeface="Courier New" panose="02070309020205020404" pitchFamily="49" charset="0"/>
+                <a:ea typeface="Courier New" panose="02070309020205020404" pitchFamily="49" charset="0"/>
+                <a:cs typeface="Courier New" panose="02070309020205020404" pitchFamily="49" charset="0"/>
+              </a:rPr>
+              <a:t>from</a:t>
+            </a:r>
+            <a:r>
+              <a:rPr lang="ru-RU" sz="2200" dirty="0">
+                <a:solidFill>
+                  <a:srgbClr val="000000"/>
+                </a:solidFill>
+                <a:latin typeface="Courier New" panose="02070309020205020404" pitchFamily="49" charset="0"/>
+                <a:ea typeface="Courier New" panose="02070309020205020404" pitchFamily="49" charset="0"/>
+                <a:cs typeface="Courier New" panose="02070309020205020404" pitchFamily="49" charset="0"/>
+              </a:rPr>
+              <a:t>&gt; &lt;</a:t>
+            </a:r>
+            <a:r>
+              <a:rPr lang="en-US" sz="2200" dirty="0">
+                <a:solidFill>
+                  <a:srgbClr val="000000"/>
+                </a:solidFill>
+                <a:latin typeface="Courier New" panose="02070309020205020404" pitchFamily="49" charset="0"/>
+                <a:ea typeface="Courier New" panose="02070309020205020404" pitchFamily="49" charset="0"/>
+                <a:cs typeface="Courier New" panose="02070309020205020404" pitchFamily="49" charset="0"/>
+              </a:rPr>
+              <a:t>to</a:t>
+            </a:r>
+            <a:r>
+              <a:rPr lang="ru-RU" sz="2200" dirty="0">
+                <a:solidFill>
+                  <a:srgbClr val="000000"/>
+                </a:solidFill>
+                <a:latin typeface="Courier New" panose="02070309020205020404" pitchFamily="49" charset="0"/>
+                <a:ea typeface="Courier New" panose="02070309020205020404" pitchFamily="49" charset="0"/>
+                <a:cs typeface="Courier New" panose="02070309020205020404" pitchFamily="49" charset="0"/>
+              </a:rPr>
+              <a:t>&gt; [&lt;</a:t>
+            </a:r>
+            <a:r>
+              <a:rPr lang="en-US" sz="2200" dirty="0">
+                <a:solidFill>
+                  <a:srgbClr val="000000"/>
+                </a:solidFill>
+                <a:latin typeface="Courier New" panose="02070309020205020404" pitchFamily="49" charset="0"/>
+                <a:ea typeface="Courier New" panose="02070309020205020404" pitchFamily="49" charset="0"/>
+                <a:cs typeface="Courier New" panose="02070309020205020404" pitchFamily="49" charset="0"/>
+              </a:rPr>
+              <a:t>unit</a:t>
+            </a:r>
+            <a:r>
+              <a:rPr lang="ru-RU" sz="2200" dirty="0">
+                <a:solidFill>
+                  <a:srgbClr val="000000"/>
+                </a:solidFill>
+                <a:latin typeface="Courier New" panose="02070309020205020404" pitchFamily="49" charset="0"/>
+                <a:ea typeface="Courier New" panose="02070309020205020404" pitchFamily="49" charset="0"/>
+                <a:cs typeface="Courier New" panose="02070309020205020404" pitchFamily="49" charset="0"/>
+              </a:rPr>
+              <a:t>&gt;] ; Предметная область</a:t>
+            </a:r>
+            <a:endParaRPr lang="ru-RU" sz="2200" dirty="0">
+              <a:solidFill>
+                <a:srgbClr val="000000"/>
+              </a:solidFill>
+              <a:latin typeface="Courier New" panose="02070309020205020404" pitchFamily="49" charset="0"/>
+              <a:ea typeface="Courier New" panose="02070309020205020404" pitchFamily="49" charset="0"/>
+              <a:cs typeface="Courier New" panose="02070309020205020404" pitchFamily="49" charset="0"/>
+            </a:endParaRPr>
+          </a:p>
+          <a:p>
+            <a:pPr marL="0">
+              <a:buNone/>
+            </a:pPr>
+            <a:r>
+              <a:rPr lang="ru-RU" sz="2200" dirty="0">
+                <a:solidFill>
+                  <a:srgbClr val="000000"/>
+                </a:solidFill>
+                <a:latin typeface="Courier New" panose="02070309020205020404" pitchFamily="49" charset="0"/>
+                <a:ea typeface="Courier New" panose="02070309020205020404" pitchFamily="49" charset="0"/>
+                <a:cs typeface="Courier New" panose="02070309020205020404" pitchFamily="49" charset="0"/>
+              </a:rPr>
+              <a:t>(</a:t>
+            </a:r>
+            <a:endParaRPr lang="ru-RU" sz="2200" dirty="0">
+              <a:solidFill>
+                <a:srgbClr val="000000"/>
+              </a:solidFill>
+              <a:latin typeface="Courier New" panose="02070309020205020404" pitchFamily="49" charset="0"/>
+              <a:ea typeface="Courier New" panose="02070309020205020404" pitchFamily="49" charset="0"/>
+              <a:cs typeface="Courier New" panose="02070309020205020404" pitchFamily="49" charset="0"/>
+            </a:endParaRPr>
+          </a:p>
+          <a:p>
+            <a:pPr marL="0">
+              <a:buNone/>
+            </a:pPr>
+            <a:r>
+              <a:rPr lang="en-US" sz="2200" dirty="0">
+                <a:solidFill>
+                  <a:srgbClr val="000000"/>
+                </a:solidFill>
+                <a:latin typeface="Courier New" panose="02070309020205020404" pitchFamily="49" charset="0"/>
+                <a:ea typeface="Courier New" panose="02070309020205020404" pitchFamily="49" charset="0"/>
+                <a:cs typeface="Courier New" panose="02070309020205020404" pitchFamily="49" charset="0"/>
+              </a:rPr>
+              <a:t>t</a:t>
+            </a:r>
+            <a:r>
+              <a:rPr lang="ru-RU" sz="2200" dirty="0">
+                <a:solidFill>
+                  <a:srgbClr val="000000"/>
+                </a:solidFill>
+                <a:latin typeface="Courier New" panose="02070309020205020404" pitchFamily="49" charset="0"/>
+                <a:ea typeface="Courier New" panose="02070309020205020404" pitchFamily="49" charset="0"/>
+                <a:cs typeface="Courier New" panose="02070309020205020404" pitchFamily="49" charset="0"/>
+              </a:rPr>
+              <a:t>1</a:t>
+            </a:r>
+            <a:endParaRPr lang="ru-RU" sz="2200" dirty="0">
+              <a:solidFill>
+                <a:srgbClr val="000000"/>
+              </a:solidFill>
+              <a:latin typeface="Courier New" panose="02070309020205020404" pitchFamily="49" charset="0"/>
+              <a:ea typeface="Courier New" panose="02070309020205020404" pitchFamily="49" charset="0"/>
+              <a:cs typeface="Courier New" panose="02070309020205020404" pitchFamily="49" charset="0"/>
+            </a:endParaRPr>
+          </a:p>
+          <a:p>
+            <a:pPr marL="0">
+              <a:buNone/>
+            </a:pPr>
+            <a:r>
+              <a:rPr lang="ru-RU" sz="2200" dirty="0">
+                <a:solidFill>
+                  <a:srgbClr val="000000"/>
+                </a:solidFill>
+                <a:latin typeface="Courier New" panose="02070309020205020404" pitchFamily="49" charset="0"/>
+                <a:ea typeface="Courier New" panose="02070309020205020404" pitchFamily="49" charset="0"/>
+                <a:cs typeface="Courier New" panose="02070309020205020404" pitchFamily="49" charset="0"/>
+              </a:rPr>
+              <a:t>.</a:t>
+            </a:r>
+            <a:endParaRPr lang="ru-RU" sz="2200" dirty="0">
+              <a:solidFill>
+                <a:srgbClr val="000000"/>
+              </a:solidFill>
+              <a:latin typeface="Courier New" panose="02070309020205020404" pitchFamily="49" charset="0"/>
+              <a:ea typeface="Courier New" panose="02070309020205020404" pitchFamily="49" charset="0"/>
+              <a:cs typeface="Courier New" panose="02070309020205020404" pitchFamily="49" charset="0"/>
+            </a:endParaRPr>
+          </a:p>
+          <a:p>
+            <a:pPr marL="0">
+              <a:buNone/>
+            </a:pPr>
+            <a:r>
+              <a:rPr lang="ru-RU" sz="2200" dirty="0">
+                <a:solidFill>
+                  <a:srgbClr val="000000"/>
+                </a:solidFill>
+                <a:latin typeface="Courier New" panose="02070309020205020404" pitchFamily="49" charset="0"/>
+                <a:ea typeface="Courier New" panose="02070309020205020404" pitchFamily="49" charset="0"/>
+                <a:cs typeface="Courier New" panose="02070309020205020404" pitchFamily="49" charset="0"/>
+              </a:rPr>
+              <a:t>. ; Список первичных термов</a:t>
+            </a:r>
+            <a:endParaRPr lang="ru-RU" sz="2200" dirty="0">
+              <a:solidFill>
+                <a:srgbClr val="000000"/>
+              </a:solidFill>
+              <a:latin typeface="Courier New" panose="02070309020205020404" pitchFamily="49" charset="0"/>
+              <a:ea typeface="Courier New" panose="02070309020205020404" pitchFamily="49" charset="0"/>
+              <a:cs typeface="Courier New" panose="02070309020205020404" pitchFamily="49" charset="0"/>
+            </a:endParaRPr>
+          </a:p>
+          <a:p>
+            <a:pPr marL="0">
+              <a:buNone/>
+            </a:pPr>
+            <a:r>
+              <a:rPr lang="ru-RU" sz="2200" dirty="0">
+                <a:solidFill>
+                  <a:srgbClr val="000000"/>
+                </a:solidFill>
+                <a:latin typeface="Courier New" panose="02070309020205020404" pitchFamily="49" charset="0"/>
+                <a:ea typeface="Courier New" panose="02070309020205020404" pitchFamily="49" charset="0"/>
+                <a:cs typeface="Courier New" panose="02070309020205020404" pitchFamily="49" charset="0"/>
+              </a:rPr>
+              <a:t>.</a:t>
+            </a:r>
+            <a:endParaRPr lang="ru-RU" sz="2200" dirty="0">
+              <a:solidFill>
+                <a:srgbClr val="000000"/>
+              </a:solidFill>
+              <a:latin typeface="Courier New" panose="02070309020205020404" pitchFamily="49" charset="0"/>
+              <a:ea typeface="Courier New" panose="02070309020205020404" pitchFamily="49" charset="0"/>
+              <a:cs typeface="Courier New" panose="02070309020205020404" pitchFamily="49" charset="0"/>
+            </a:endParaRPr>
+          </a:p>
+          <a:p>
+            <a:pPr marL="0">
+              <a:buNone/>
+            </a:pPr>
+            <a:r>
+              <a:rPr lang="en-US" sz="2200" dirty="0" err="1">
+                <a:solidFill>
+                  <a:srgbClr val="000000"/>
+                </a:solidFill>
+                <a:latin typeface="Courier New" panose="02070309020205020404" pitchFamily="49" charset="0"/>
+                <a:ea typeface="Courier New" panose="02070309020205020404" pitchFamily="49" charset="0"/>
+                <a:cs typeface="Courier New" panose="02070309020205020404" pitchFamily="49" charset="0"/>
+              </a:rPr>
+              <a:t>tn</a:t>
+            </a:r>
+            <a:endParaRPr lang="ru-RU" sz="2200" dirty="0">
+              <a:solidFill>
+                <a:srgbClr val="000000"/>
+              </a:solidFill>
+              <a:latin typeface="Courier New" panose="02070309020205020404" pitchFamily="49" charset="0"/>
+              <a:ea typeface="Courier New" panose="02070309020205020404" pitchFamily="49" charset="0"/>
+              <a:cs typeface="Courier New" panose="02070309020205020404" pitchFamily="49" charset="0"/>
+            </a:endParaRPr>
+          </a:p>
+          <a:p>
+            <a:pPr marL="0">
+              <a:buNone/>
+            </a:pPr>
+            <a:r>
+              <a:rPr lang="ru-RU" sz="2200" dirty="0">
+                <a:solidFill>
+                  <a:srgbClr val="000000"/>
+                </a:solidFill>
+                <a:latin typeface="Courier New" panose="02070309020205020404" pitchFamily="49" charset="0"/>
+                <a:ea typeface="Courier New" panose="02070309020205020404" pitchFamily="49" charset="0"/>
+                <a:cs typeface="Courier New" panose="02070309020205020404" pitchFamily="49" charset="0"/>
+              </a:rPr>
               <a:t>)</a:t>
             </a:r>
+            <a:endParaRPr lang="ru-RU" sz="2200" dirty="0">
+              <a:solidFill>
+                <a:srgbClr val="000000"/>
+              </a:solidFill>
+              <a:latin typeface="Courier New" panose="02070309020205020404" pitchFamily="49" charset="0"/>
+              <a:ea typeface="Courier New" panose="02070309020205020404" pitchFamily="49" charset="0"/>
+              <a:cs typeface="Courier New" panose="02070309020205020404" pitchFamily="49" charset="0"/>
+            </a:endParaRPr>
+          </a:p>
+          <a:p>
+            <a:pPr marL="0">
+              <a:buNone/>
+            </a:pPr>
+            <a:r>
+              <a:rPr lang="ru-RU" sz="2200" dirty="0">
+                <a:solidFill>
+                  <a:srgbClr val="000000"/>
+                </a:solidFill>
+                <a:latin typeface="Courier New" panose="02070309020205020404" pitchFamily="49" charset="0"/>
+                <a:ea typeface="Courier New" panose="02070309020205020404" pitchFamily="49" charset="0"/>
+                <a:cs typeface="Courier New" panose="02070309020205020404" pitchFamily="49" charset="0"/>
+              </a:rPr>
+              <a:t>)</a:t>
+            </a:r>
+            <a:endParaRPr lang="ru-RU" sz="2200" dirty="0">
+              <a:solidFill>
+                <a:srgbClr val="000000"/>
+              </a:solidFill>
+              <a:latin typeface="Courier New" panose="02070309020205020404" pitchFamily="49" charset="0"/>
+              <a:ea typeface="Courier New" panose="02070309020205020404" pitchFamily="49" charset="0"/>
+              <a:cs typeface="Courier New" panose="02070309020205020404" pitchFamily="49" charset="0"/>
+            </a:endParaRPr>
           </a:p>
           <a:p>
             <a:pPr>
@@ -13955,6 +14745,7 @@
               <a:rPr lang="ru-RU" dirty="0"/>
               <a:t> </a:t>
             </a:r>
+            <a:endParaRPr lang="ru-RU" dirty="0"/>
           </a:p>
           <a:p>
             <a:pPr>
@@ -14213,6 +15004,14 @@
               </a:rPr>
               <a:t>определяет имя нечеткого множества а описание - соответствующую функцию принадлежности.</a:t>
             </a:r>
+            <a:endParaRPr lang="ru-RU" sz="2200" dirty="0">
+              <a:solidFill>
+                <a:srgbClr val="000000"/>
+              </a:solidFill>
+              <a:latin typeface="Courier New" panose="02070309020205020404" pitchFamily="49" charset="0"/>
+              <a:ea typeface="Courier New" panose="02070309020205020404" pitchFamily="49" charset="0"/>
+              <a:cs typeface="Courier New" panose="02070309020205020404" pitchFamily="49" charset="0"/>
+            </a:endParaRPr>
           </a:p>
           <a:p>
             <a:endParaRPr lang="ru-RU" dirty="0"/>
@@ -14236,8 +15035,6 @@
           <a:p>
             <a:fld id="{2D80A49E-0AE4-4F85-8EA4-F0781D345D2A}" type="slidenum">
               <a:rPr lang="ru-RU" smtClean="0"/>
-              <a:pPr/>
-              <a:t>9</a:t>
             </a:fld>
             <a:endParaRPr lang="ru-RU" dirty="0"/>
           </a:p>
@@ -14526,8 +15323,6 @@
       </a:bgFillStyleLst>
     </a:fmtScheme>
   </a:themeElements>
-  <a:objectDefaults/>
-  <a:extraClrSchemeLst/>
   <a:extLst>
     <a:ext uri="{05A4C25C-085E-4340-85A3-A5531E510DB2}">
       <thm15:themeFamily xmlns:thm15="http://schemas.microsoft.com/office/thememl/2012/main" name="Office Theme" id="{62F939B6-93AF-4DB8-9C6B-D6C7DFDC589F}" vid="{4A3C46E8-61CC-4603-A589-7422A47A8E4A}"/>
@@ -14816,8 +15611,6 @@
       </a:bgFillStyleLst>
     </a:fmtScheme>
   </a:themeElements>
-  <a:objectDefaults/>
-  <a:extraClrSchemeLst/>
   <a:extLst>
     <a:ext uri="{05A4C25C-085E-4340-85A3-A5531E510DB2}">
       <thm15:themeFamily xmlns:thm15="http://schemas.microsoft.com/office/thememl/2012/main" name="Office Theme" id="{62F939B6-93AF-4DB8-9C6B-D6C7DFDC589F}" vid="{4A3C46E8-61CC-4603-A589-7422A47A8E4A}"/>

--- a/FuzzyCLIPS_End_release.pptx
+++ b/FuzzyCLIPS_End_release.pptx
@@ -5,30 +5,32 @@
     <p:sldMasterId id="2147483648" r:id="rId1"/>
   </p:sldMasterIdLst>
   <p:notesMasterIdLst>
-    <p:notesMasterId r:id="rId24"/>
+    <p:notesMasterId r:id="rId26"/>
   </p:notesMasterIdLst>
   <p:sldIdLst>
     <p:sldId id="256" r:id="rId3"/>
-    <p:sldId id="389" r:id="rId4"/>
-    <p:sldId id="395" r:id="rId5"/>
-    <p:sldId id="390" r:id="rId6"/>
-    <p:sldId id="391" r:id="rId7"/>
-    <p:sldId id="392" r:id="rId8"/>
-    <p:sldId id="393" r:id="rId9"/>
-    <p:sldId id="394" r:id="rId10"/>
-    <p:sldId id="397" r:id="rId11"/>
-    <p:sldId id="398" r:id="rId12"/>
-    <p:sldId id="399" r:id="rId13"/>
-    <p:sldId id="400" r:id="rId14"/>
-    <p:sldId id="401" r:id="rId15"/>
-    <p:sldId id="402" r:id="rId16"/>
-    <p:sldId id="403" r:id="rId17"/>
-    <p:sldId id="404" r:id="rId18"/>
-    <p:sldId id="405" r:id="rId19"/>
-    <p:sldId id="406" r:id="rId20"/>
-    <p:sldId id="407" r:id="rId21"/>
-    <p:sldId id="408" r:id="rId22"/>
-    <p:sldId id="271" r:id="rId23"/>
+    <p:sldId id="414" r:id="rId4"/>
+    <p:sldId id="389" r:id="rId5"/>
+    <p:sldId id="395" r:id="rId6"/>
+    <p:sldId id="390" r:id="rId7"/>
+    <p:sldId id="391" r:id="rId8"/>
+    <p:sldId id="392" r:id="rId9"/>
+    <p:sldId id="393" r:id="rId10"/>
+    <p:sldId id="394" r:id="rId11"/>
+    <p:sldId id="397" r:id="rId12"/>
+    <p:sldId id="398" r:id="rId13"/>
+    <p:sldId id="399" r:id="rId14"/>
+    <p:sldId id="400" r:id="rId15"/>
+    <p:sldId id="401" r:id="rId16"/>
+    <p:sldId id="402" r:id="rId17"/>
+    <p:sldId id="403" r:id="rId18"/>
+    <p:sldId id="404" r:id="rId19"/>
+    <p:sldId id="405" r:id="rId20"/>
+    <p:sldId id="406" r:id="rId21"/>
+    <p:sldId id="407" r:id="rId22"/>
+    <p:sldId id="408" r:id="rId23"/>
+    <p:sldId id="416" r:id="rId24"/>
+    <p:sldId id="271" r:id="rId25"/>
   </p:sldIdLst>
   <p:sldSz cx="9144000" cy="6858000" type="screen4x3"/>
   <p:notesSz cx="6858000" cy="9144000"/>
@@ -152,7 +154,9 @@
             <p14:sldId id="406"/>
             <p14:sldId id="407"/>
             <p14:sldId id="408"/>
+            <p14:sldId id="416"/>
             <p14:sldId id="271"/>
+            <p14:sldId id="414"/>
           </p14:sldIdLst>
         </p14:section>
       </p14:sectionLst>
@@ -4670,7 +4674,7 @@
         </p:nvSpPr>
         <p:spPr>
           <a:xfrm>
-            <a:off x="467544" y="0"/>
+            <a:off x="539552" y="0"/>
             <a:ext cx="8229600" cy="835496"/>
           </a:xfrm>
         </p:spPr>
@@ -4679,7 +4683,7 @@
           <a:lstStyle/>
           <a:p>
             <a:r>
-              <a:rPr lang="ru-RU" sz="2800" b="1" dirty="0">
+              <a:rPr lang="ru-RU" altLang="en-US" sz="2800" b="1" dirty="0">
                 <a:solidFill>
                   <a:schemeClr val="accent1"/>
                 </a:solidFill>
@@ -4694,7 +4698,43 @@
                 <a:ea typeface="+mn-ea"/>
                 <a:cs typeface="+mn-cs"/>
               </a:rPr>
-              <a:t>8. Функции принадлежности в </a:t>
+              <a:t>7</a:t>
+            </a:r>
+            <a:r>
+              <a:rPr lang="en-US" sz="2800" b="1" dirty="0">
+                <a:solidFill>
+                  <a:schemeClr val="accent1"/>
+                </a:solidFill>
+                <a:effectLst>
+                  <a:outerShdw blurRad="38100" dist="25400" dir="5400000" algn="ctr" rotWithShape="0">
+                    <a:srgbClr val="6E747A">
+                      <a:alpha val="43000"/>
+                    </a:srgbClr>
+                  </a:outerShdw>
+                </a:effectLst>
+                <a:latin typeface="Times New Roman" panose="02020603050405020304" charset="0"/>
+                <a:ea typeface="+mn-ea"/>
+                <a:cs typeface="+mn-cs"/>
+              </a:rPr>
+              <a:t>. </a:t>
+            </a:r>
+            <a:r>
+              <a:rPr lang="ru-RU" sz="2800" b="1" dirty="0">
+                <a:solidFill>
+                  <a:schemeClr val="accent1"/>
+                </a:solidFill>
+                <a:effectLst>
+                  <a:outerShdw blurRad="38100" dist="25400" dir="5400000" algn="ctr" rotWithShape="0">
+                    <a:srgbClr val="6E747A">
+                      <a:alpha val="43000"/>
+                    </a:srgbClr>
+                  </a:outerShdw>
+                </a:effectLst>
+                <a:latin typeface="Times New Roman" panose="02020603050405020304" charset="0"/>
+                <a:ea typeface="+mn-ea"/>
+                <a:cs typeface="+mn-cs"/>
+              </a:rPr>
+              <a:t>Нечеткие переменные в </a:t>
             </a:r>
             <a:r>
               <a:rPr lang="en-US" sz="2800" b="1" dirty="0" err="1">
@@ -4760,27 +4800,34 @@
             <p:ph idx="1"/>
           </p:nvPr>
         </p:nvSpPr>
-        <p:spPr/>
+        <p:spPr>
+          <a:xfrm>
+            <a:off x="467544" y="1556792"/>
+            <a:ext cx="8229600" cy="4525963"/>
+          </a:xfrm>
+        </p:spPr>
         <p:txBody>
-          <a:bodyPr/>
+          <a:bodyPr>
+            <a:normAutofit fontScale="62500" lnSpcReduction="20000"/>
+          </a:bodyPr>
           <a:lstStyle/>
           <a:p>
             <a:pPr>
               <a:buNone/>
             </a:pPr>
             <a:r>
-              <a:rPr lang="ru-RU" sz="1400" dirty="0">
-                <a:solidFill>
-                  <a:srgbClr val="000000"/>
-                </a:solidFill>
-                <a:latin typeface="Courier New" panose="02070309020205020404" pitchFamily="49" charset="0"/>
-                <a:ea typeface="Courier New" panose="02070309020205020404" pitchFamily="49" charset="0"/>
-                <a:cs typeface="Courier New" panose="02070309020205020404" pitchFamily="49" charset="0"/>
-              </a:rPr>
-              <a:t>		</a:t>
-            </a:r>
-            <a:r>
-              <a:rPr lang="en-US" sz="1400" dirty="0" err="1">
+              <a:rPr lang="ru-RU" sz="2200" dirty="0">
+                <a:solidFill>
+                  <a:srgbClr val="000000"/>
+                </a:solidFill>
+                <a:latin typeface="Courier New" panose="02070309020205020404" pitchFamily="49" charset="0"/>
+                <a:ea typeface="Courier New" panose="02070309020205020404" pitchFamily="49" charset="0"/>
+                <a:cs typeface="Courier New" panose="02070309020205020404" pitchFamily="49" charset="0"/>
+              </a:rPr>
+              <a:t>		В </a:t>
+            </a:r>
+            <a:r>
+              <a:rPr lang="en-US" sz="2200" dirty="0" err="1">
                 <a:solidFill>
                   <a:srgbClr val="000000"/>
                 </a:solidFill>
@@ -4791,7 +4838,7 @@
               <a:t>FuzzyClips</a:t>
             </a:r>
             <a:r>
-              <a:rPr lang="en-US" sz="1400" dirty="0">
+              <a:rPr lang="en-US" sz="2200" dirty="0">
                 <a:solidFill>
                   <a:srgbClr val="000000"/>
                 </a:solidFill>
@@ -4802,83 +4849,39 @@
               <a:t> </a:t>
             </a:r>
             <a:r>
-              <a:rPr lang="ru-RU" sz="1400" dirty="0">
-                <a:solidFill>
-                  <a:srgbClr val="000000"/>
-                </a:solidFill>
-                <a:latin typeface="Courier New" panose="02070309020205020404" pitchFamily="49" charset="0"/>
-                <a:ea typeface="Courier New" panose="02070309020205020404" pitchFamily="49" charset="0"/>
-                <a:cs typeface="Courier New" panose="02070309020205020404" pitchFamily="49" charset="0"/>
-              </a:rPr>
-              <a:t>предоставляет несколько встроенных функций принадлежности, которые могут применятся при решении различных задач. А именно</a:t>
-            </a:r>
-            <a:r>
-              <a:rPr lang="en-US" sz="1400" dirty="0">
-                <a:solidFill>
-                  <a:srgbClr val="000000"/>
-                </a:solidFill>
-                <a:latin typeface="Courier New" panose="02070309020205020404" pitchFamily="49" charset="0"/>
-                <a:ea typeface="Courier New" panose="02070309020205020404" pitchFamily="49" charset="0"/>
-                <a:cs typeface="Courier New" panose="02070309020205020404" pitchFamily="49" charset="0"/>
-              </a:rPr>
-              <a:t>, S- </a:t>
-            </a:r>
-            <a:r>
-              <a:rPr lang="ru-RU" sz="1400" dirty="0">
-                <a:solidFill>
-                  <a:srgbClr val="000000"/>
-                </a:solidFill>
-                <a:latin typeface="Courier New" panose="02070309020205020404" pitchFamily="49" charset="0"/>
-                <a:ea typeface="Courier New" panose="02070309020205020404" pitchFamily="49" charset="0"/>
-                <a:cs typeface="Courier New" panose="02070309020205020404" pitchFamily="49" charset="0"/>
-              </a:rPr>
-              <a:t>Функция</a:t>
-            </a:r>
-            <a:r>
-              <a:rPr lang="en-US" sz="1400" dirty="0">
-                <a:solidFill>
-                  <a:srgbClr val="000000"/>
-                </a:solidFill>
-                <a:latin typeface="Courier New" panose="02070309020205020404" pitchFamily="49" charset="0"/>
-                <a:ea typeface="Courier New" panose="02070309020205020404" pitchFamily="49" charset="0"/>
-                <a:cs typeface="Courier New" panose="02070309020205020404" pitchFamily="49" charset="0"/>
-              </a:rPr>
-              <a:t>, Z-</a:t>
-            </a:r>
-            <a:r>
-              <a:rPr lang="ru-RU" sz="1400" dirty="0">
-                <a:solidFill>
-                  <a:srgbClr val="000000"/>
-                </a:solidFill>
-                <a:latin typeface="Courier New" panose="02070309020205020404" pitchFamily="49" charset="0"/>
-                <a:ea typeface="Courier New" panose="02070309020205020404" pitchFamily="49" charset="0"/>
-                <a:cs typeface="Courier New" panose="02070309020205020404" pitchFamily="49" charset="0"/>
-              </a:rPr>
-              <a:t> Функция и </a:t>
-            </a:r>
-            <a:r>
-              <a:rPr lang="ru-RU" sz="1400" dirty="0" err="1">
-                <a:solidFill>
-                  <a:srgbClr val="000000"/>
-                </a:solidFill>
-                <a:latin typeface="Courier New" panose="02070309020205020404" pitchFamily="49" charset="0"/>
-                <a:ea typeface="Courier New" panose="02070309020205020404" pitchFamily="49" charset="0"/>
-                <a:cs typeface="Courier New" panose="02070309020205020404" pitchFamily="49" charset="0"/>
-              </a:rPr>
-              <a:t>П-Функция</a:t>
-            </a:r>
-            <a:r>
-              <a:rPr lang="ru-RU" sz="1400" dirty="0">
-                <a:solidFill>
-                  <a:srgbClr val="000000"/>
-                </a:solidFill>
-                <a:latin typeface="Courier New" panose="02070309020205020404" pitchFamily="49" charset="0"/>
-                <a:ea typeface="Courier New" panose="02070309020205020404" pitchFamily="49" charset="0"/>
-                <a:cs typeface="Courier New" panose="02070309020205020404" pitchFamily="49" charset="0"/>
-              </a:rPr>
-              <a:t>.</a:t>
-            </a:r>
-            <a:endParaRPr lang="ru-RU" sz="1400" dirty="0">
+              <a:rPr lang="ru-RU" sz="2200" dirty="0">
+                <a:solidFill>
+                  <a:srgbClr val="000000"/>
+                </a:solidFill>
+                <a:latin typeface="Courier New" panose="02070309020205020404" pitchFamily="49" charset="0"/>
+                <a:ea typeface="Courier New" panose="02070309020205020404" pitchFamily="49" charset="0"/>
+                <a:cs typeface="Courier New" panose="02070309020205020404" pitchFamily="49" charset="0"/>
+              </a:rPr>
+              <a:t>все нечеткие переменные должны быть определены до использования конструктора </a:t>
+            </a:r>
+            <a:r>
+              <a:rPr lang="en-US" sz="2200" dirty="0" err="1">
+                <a:solidFill>
+                  <a:srgbClr val="000000"/>
+                </a:solidFill>
+                <a:latin typeface="Courier New" panose="02070309020205020404" pitchFamily="49" charset="0"/>
+                <a:ea typeface="Courier New" panose="02070309020205020404" pitchFamily="49" charset="0"/>
+                <a:cs typeface="Courier New" panose="02070309020205020404" pitchFamily="49" charset="0"/>
+              </a:rPr>
+              <a:t>deftemplate</a:t>
+            </a:r>
+            <a:r>
+              <a:rPr lang="ru-RU" sz="2200" dirty="0">
+                <a:solidFill>
+                  <a:srgbClr val="000000"/>
+                </a:solidFill>
+                <a:latin typeface="Courier New" panose="02070309020205020404" pitchFamily="49" charset="0"/>
+                <a:ea typeface="Courier New" panose="02070309020205020404" pitchFamily="49" charset="0"/>
+                <a:cs typeface="Courier New" panose="02070309020205020404" pitchFamily="49" charset="0"/>
+              </a:rPr>
+              <a:t>. Расширенный синтаксис приведен ниже:</a:t>
+            </a:r>
+            <a:endParaRPr lang="ru-RU" sz="2200" dirty="0">
               <a:solidFill>
                 <a:srgbClr val="000000"/>
               </a:solidFill>
@@ -4891,7 +4894,669 @@
             <a:pPr>
               <a:buNone/>
             </a:pPr>
-            <a:endParaRPr lang="ru-RU" sz="1400" dirty="0">
+            <a:endParaRPr lang="ru-RU" dirty="0"/>
+          </a:p>
+          <a:p>
+            <a:pPr>
+              <a:buNone/>
+            </a:pPr>
+            <a:r>
+              <a:rPr lang="ru-RU" dirty="0"/>
+              <a:t> </a:t>
+            </a:r>
+            <a:endParaRPr lang="ru-RU" dirty="0"/>
+          </a:p>
+          <a:p>
+            <a:pPr marL="0">
+              <a:buNone/>
+            </a:pPr>
+            <a:r>
+              <a:rPr lang="ru-RU" sz="2200" dirty="0">
+                <a:solidFill>
+                  <a:srgbClr val="000000"/>
+                </a:solidFill>
+                <a:latin typeface="Courier New" panose="02070309020205020404" pitchFamily="49" charset="0"/>
+                <a:ea typeface="Courier New" panose="02070309020205020404" pitchFamily="49" charset="0"/>
+                <a:cs typeface="Courier New" panose="02070309020205020404" pitchFamily="49" charset="0"/>
+              </a:rPr>
+              <a:t>(</a:t>
+            </a:r>
+            <a:r>
+              <a:rPr lang="en-US" sz="2200" dirty="0" err="1">
+                <a:solidFill>
+                  <a:srgbClr val="000000"/>
+                </a:solidFill>
+                <a:latin typeface="Courier New" panose="02070309020205020404" pitchFamily="49" charset="0"/>
+                <a:ea typeface="Courier New" panose="02070309020205020404" pitchFamily="49" charset="0"/>
+                <a:cs typeface="Courier New" panose="02070309020205020404" pitchFamily="49" charset="0"/>
+              </a:rPr>
+              <a:t>deftemplate</a:t>
+            </a:r>
+            <a:r>
+              <a:rPr lang="ru-RU" sz="2200" dirty="0">
+                <a:solidFill>
+                  <a:srgbClr val="000000"/>
+                </a:solidFill>
+                <a:latin typeface="Courier New" panose="02070309020205020404" pitchFamily="49" charset="0"/>
+                <a:ea typeface="Courier New" panose="02070309020205020404" pitchFamily="49" charset="0"/>
+                <a:cs typeface="Courier New" panose="02070309020205020404" pitchFamily="49" charset="0"/>
+              </a:rPr>
+              <a:t> &lt;</a:t>
+            </a:r>
+            <a:r>
+              <a:rPr lang="en-US" sz="2200" dirty="0">
+                <a:solidFill>
+                  <a:srgbClr val="000000"/>
+                </a:solidFill>
+                <a:latin typeface="Courier New" panose="02070309020205020404" pitchFamily="49" charset="0"/>
+                <a:ea typeface="Courier New" panose="02070309020205020404" pitchFamily="49" charset="0"/>
+                <a:cs typeface="Courier New" panose="02070309020205020404" pitchFamily="49" charset="0"/>
+              </a:rPr>
+              <a:t>name</a:t>
+            </a:r>
+            <a:r>
+              <a:rPr lang="ru-RU" sz="2200" dirty="0">
+                <a:solidFill>
+                  <a:srgbClr val="000000"/>
+                </a:solidFill>
+                <a:latin typeface="Courier New" panose="02070309020205020404" pitchFamily="49" charset="0"/>
+                <a:ea typeface="Courier New" panose="02070309020205020404" pitchFamily="49" charset="0"/>
+                <a:cs typeface="Courier New" panose="02070309020205020404" pitchFamily="49" charset="0"/>
+              </a:rPr>
+              <a:t>&gt; [“&lt;</a:t>
+            </a:r>
+            <a:r>
+              <a:rPr lang="en-US" sz="2200" dirty="0">
+                <a:solidFill>
+                  <a:srgbClr val="000000"/>
+                </a:solidFill>
+                <a:latin typeface="Courier New" panose="02070309020205020404" pitchFamily="49" charset="0"/>
+                <a:ea typeface="Courier New" panose="02070309020205020404" pitchFamily="49" charset="0"/>
+                <a:cs typeface="Courier New" panose="02070309020205020404" pitchFamily="49" charset="0"/>
+              </a:rPr>
+              <a:t>Comments</a:t>
+            </a:r>
+            <a:r>
+              <a:rPr lang="ru-RU" sz="2200" dirty="0">
+                <a:solidFill>
+                  <a:srgbClr val="000000"/>
+                </a:solidFill>
+                <a:latin typeface="Courier New" panose="02070309020205020404" pitchFamily="49" charset="0"/>
+                <a:ea typeface="Courier New" panose="02070309020205020404" pitchFamily="49" charset="0"/>
+                <a:cs typeface="Courier New" panose="02070309020205020404" pitchFamily="49" charset="0"/>
+              </a:rPr>
+              <a:t>&gt;”]</a:t>
+            </a:r>
+            <a:endParaRPr lang="ru-RU" sz="2200" dirty="0">
+              <a:solidFill>
+                <a:srgbClr val="000000"/>
+              </a:solidFill>
+              <a:latin typeface="Courier New" panose="02070309020205020404" pitchFamily="49" charset="0"/>
+              <a:ea typeface="Courier New" panose="02070309020205020404" pitchFamily="49" charset="0"/>
+              <a:cs typeface="Courier New" panose="02070309020205020404" pitchFamily="49" charset="0"/>
+            </a:endParaRPr>
+          </a:p>
+          <a:p>
+            <a:pPr marL="0">
+              <a:buNone/>
+            </a:pPr>
+            <a:r>
+              <a:rPr lang="ru-RU" sz="2200" dirty="0">
+                <a:solidFill>
+                  <a:srgbClr val="000000"/>
+                </a:solidFill>
+                <a:latin typeface="Courier New" panose="02070309020205020404" pitchFamily="49" charset="0"/>
+                <a:ea typeface="Courier New" panose="02070309020205020404" pitchFamily="49" charset="0"/>
+                <a:cs typeface="Courier New" panose="02070309020205020404" pitchFamily="49" charset="0"/>
+              </a:rPr>
+              <a:t>&lt;</a:t>
+            </a:r>
+            <a:r>
+              <a:rPr lang="en-US" sz="2200" dirty="0">
+                <a:solidFill>
+                  <a:srgbClr val="000000"/>
+                </a:solidFill>
+                <a:latin typeface="Courier New" panose="02070309020205020404" pitchFamily="49" charset="0"/>
+                <a:ea typeface="Courier New" panose="02070309020205020404" pitchFamily="49" charset="0"/>
+                <a:cs typeface="Courier New" panose="02070309020205020404" pitchFamily="49" charset="0"/>
+              </a:rPr>
+              <a:t>from</a:t>
+            </a:r>
+            <a:r>
+              <a:rPr lang="ru-RU" sz="2200" dirty="0">
+                <a:solidFill>
+                  <a:srgbClr val="000000"/>
+                </a:solidFill>
+                <a:latin typeface="Courier New" panose="02070309020205020404" pitchFamily="49" charset="0"/>
+                <a:ea typeface="Courier New" panose="02070309020205020404" pitchFamily="49" charset="0"/>
+                <a:cs typeface="Courier New" panose="02070309020205020404" pitchFamily="49" charset="0"/>
+              </a:rPr>
+              <a:t>&gt; &lt;</a:t>
+            </a:r>
+            <a:r>
+              <a:rPr lang="en-US" sz="2200" dirty="0">
+                <a:solidFill>
+                  <a:srgbClr val="000000"/>
+                </a:solidFill>
+                <a:latin typeface="Courier New" panose="02070309020205020404" pitchFamily="49" charset="0"/>
+                <a:ea typeface="Courier New" panose="02070309020205020404" pitchFamily="49" charset="0"/>
+                <a:cs typeface="Courier New" panose="02070309020205020404" pitchFamily="49" charset="0"/>
+              </a:rPr>
+              <a:t>to</a:t>
+            </a:r>
+            <a:r>
+              <a:rPr lang="ru-RU" sz="2200" dirty="0">
+                <a:solidFill>
+                  <a:srgbClr val="000000"/>
+                </a:solidFill>
+                <a:latin typeface="Courier New" panose="02070309020205020404" pitchFamily="49" charset="0"/>
+                <a:ea typeface="Courier New" panose="02070309020205020404" pitchFamily="49" charset="0"/>
+                <a:cs typeface="Courier New" panose="02070309020205020404" pitchFamily="49" charset="0"/>
+              </a:rPr>
+              <a:t>&gt; [&lt;</a:t>
+            </a:r>
+            <a:r>
+              <a:rPr lang="en-US" sz="2200" dirty="0">
+                <a:solidFill>
+                  <a:srgbClr val="000000"/>
+                </a:solidFill>
+                <a:latin typeface="Courier New" panose="02070309020205020404" pitchFamily="49" charset="0"/>
+                <a:ea typeface="Courier New" panose="02070309020205020404" pitchFamily="49" charset="0"/>
+                <a:cs typeface="Courier New" panose="02070309020205020404" pitchFamily="49" charset="0"/>
+              </a:rPr>
+              <a:t>unit</a:t>
+            </a:r>
+            <a:r>
+              <a:rPr lang="ru-RU" sz="2200" dirty="0">
+                <a:solidFill>
+                  <a:srgbClr val="000000"/>
+                </a:solidFill>
+                <a:latin typeface="Courier New" panose="02070309020205020404" pitchFamily="49" charset="0"/>
+                <a:ea typeface="Courier New" panose="02070309020205020404" pitchFamily="49" charset="0"/>
+                <a:cs typeface="Courier New" panose="02070309020205020404" pitchFamily="49" charset="0"/>
+              </a:rPr>
+              <a:t>&gt;] ; Предметная область</a:t>
+            </a:r>
+            <a:endParaRPr lang="ru-RU" sz="2200" dirty="0">
+              <a:solidFill>
+                <a:srgbClr val="000000"/>
+              </a:solidFill>
+              <a:latin typeface="Courier New" panose="02070309020205020404" pitchFamily="49" charset="0"/>
+              <a:ea typeface="Courier New" panose="02070309020205020404" pitchFamily="49" charset="0"/>
+              <a:cs typeface="Courier New" panose="02070309020205020404" pitchFamily="49" charset="0"/>
+            </a:endParaRPr>
+          </a:p>
+          <a:p>
+            <a:pPr marL="0">
+              <a:buNone/>
+            </a:pPr>
+            <a:r>
+              <a:rPr lang="ru-RU" sz="2200" dirty="0">
+                <a:solidFill>
+                  <a:srgbClr val="000000"/>
+                </a:solidFill>
+                <a:latin typeface="Courier New" panose="02070309020205020404" pitchFamily="49" charset="0"/>
+                <a:ea typeface="Courier New" panose="02070309020205020404" pitchFamily="49" charset="0"/>
+                <a:cs typeface="Courier New" panose="02070309020205020404" pitchFamily="49" charset="0"/>
+              </a:rPr>
+              <a:t>(</a:t>
+            </a:r>
+            <a:endParaRPr lang="ru-RU" sz="2200" dirty="0">
+              <a:solidFill>
+                <a:srgbClr val="000000"/>
+              </a:solidFill>
+              <a:latin typeface="Courier New" panose="02070309020205020404" pitchFamily="49" charset="0"/>
+              <a:ea typeface="Courier New" panose="02070309020205020404" pitchFamily="49" charset="0"/>
+              <a:cs typeface="Courier New" panose="02070309020205020404" pitchFamily="49" charset="0"/>
+            </a:endParaRPr>
+          </a:p>
+          <a:p>
+            <a:pPr marL="0">
+              <a:buNone/>
+            </a:pPr>
+            <a:r>
+              <a:rPr lang="en-US" sz="2200" dirty="0">
+                <a:solidFill>
+                  <a:srgbClr val="000000"/>
+                </a:solidFill>
+                <a:latin typeface="Courier New" panose="02070309020205020404" pitchFamily="49" charset="0"/>
+                <a:ea typeface="Courier New" panose="02070309020205020404" pitchFamily="49" charset="0"/>
+                <a:cs typeface="Courier New" panose="02070309020205020404" pitchFamily="49" charset="0"/>
+              </a:rPr>
+              <a:t>t</a:t>
+            </a:r>
+            <a:r>
+              <a:rPr lang="ru-RU" sz="2200" dirty="0">
+                <a:solidFill>
+                  <a:srgbClr val="000000"/>
+                </a:solidFill>
+                <a:latin typeface="Courier New" panose="02070309020205020404" pitchFamily="49" charset="0"/>
+                <a:ea typeface="Courier New" panose="02070309020205020404" pitchFamily="49" charset="0"/>
+                <a:cs typeface="Courier New" panose="02070309020205020404" pitchFamily="49" charset="0"/>
+              </a:rPr>
+              <a:t>1</a:t>
+            </a:r>
+            <a:endParaRPr lang="ru-RU" sz="2200" dirty="0">
+              <a:solidFill>
+                <a:srgbClr val="000000"/>
+              </a:solidFill>
+              <a:latin typeface="Courier New" panose="02070309020205020404" pitchFamily="49" charset="0"/>
+              <a:ea typeface="Courier New" panose="02070309020205020404" pitchFamily="49" charset="0"/>
+              <a:cs typeface="Courier New" panose="02070309020205020404" pitchFamily="49" charset="0"/>
+            </a:endParaRPr>
+          </a:p>
+          <a:p>
+            <a:pPr marL="0">
+              <a:buNone/>
+            </a:pPr>
+            <a:r>
+              <a:rPr lang="ru-RU" sz="2200" dirty="0">
+                <a:solidFill>
+                  <a:srgbClr val="000000"/>
+                </a:solidFill>
+                <a:latin typeface="Courier New" panose="02070309020205020404" pitchFamily="49" charset="0"/>
+                <a:ea typeface="Courier New" panose="02070309020205020404" pitchFamily="49" charset="0"/>
+                <a:cs typeface="Courier New" panose="02070309020205020404" pitchFamily="49" charset="0"/>
+              </a:rPr>
+              <a:t>.</a:t>
+            </a:r>
+            <a:endParaRPr lang="ru-RU" sz="2200" dirty="0">
+              <a:solidFill>
+                <a:srgbClr val="000000"/>
+              </a:solidFill>
+              <a:latin typeface="Courier New" panose="02070309020205020404" pitchFamily="49" charset="0"/>
+              <a:ea typeface="Courier New" panose="02070309020205020404" pitchFamily="49" charset="0"/>
+              <a:cs typeface="Courier New" panose="02070309020205020404" pitchFamily="49" charset="0"/>
+            </a:endParaRPr>
+          </a:p>
+          <a:p>
+            <a:pPr marL="0">
+              <a:buNone/>
+            </a:pPr>
+            <a:r>
+              <a:rPr lang="ru-RU" sz="2200" dirty="0">
+                <a:solidFill>
+                  <a:srgbClr val="000000"/>
+                </a:solidFill>
+                <a:latin typeface="Courier New" panose="02070309020205020404" pitchFamily="49" charset="0"/>
+                <a:ea typeface="Courier New" panose="02070309020205020404" pitchFamily="49" charset="0"/>
+                <a:cs typeface="Courier New" panose="02070309020205020404" pitchFamily="49" charset="0"/>
+              </a:rPr>
+              <a:t>. ; Список первичных термов</a:t>
+            </a:r>
+            <a:endParaRPr lang="ru-RU" sz="2200" dirty="0">
+              <a:solidFill>
+                <a:srgbClr val="000000"/>
+              </a:solidFill>
+              <a:latin typeface="Courier New" panose="02070309020205020404" pitchFamily="49" charset="0"/>
+              <a:ea typeface="Courier New" panose="02070309020205020404" pitchFamily="49" charset="0"/>
+              <a:cs typeface="Courier New" panose="02070309020205020404" pitchFamily="49" charset="0"/>
+            </a:endParaRPr>
+          </a:p>
+          <a:p>
+            <a:pPr marL="0">
+              <a:buNone/>
+            </a:pPr>
+            <a:r>
+              <a:rPr lang="ru-RU" sz="2200" dirty="0">
+                <a:solidFill>
+                  <a:srgbClr val="000000"/>
+                </a:solidFill>
+                <a:latin typeface="Courier New" panose="02070309020205020404" pitchFamily="49" charset="0"/>
+                <a:ea typeface="Courier New" panose="02070309020205020404" pitchFamily="49" charset="0"/>
+                <a:cs typeface="Courier New" panose="02070309020205020404" pitchFamily="49" charset="0"/>
+              </a:rPr>
+              <a:t>.</a:t>
+            </a:r>
+            <a:endParaRPr lang="ru-RU" sz="2200" dirty="0">
+              <a:solidFill>
+                <a:srgbClr val="000000"/>
+              </a:solidFill>
+              <a:latin typeface="Courier New" panose="02070309020205020404" pitchFamily="49" charset="0"/>
+              <a:ea typeface="Courier New" panose="02070309020205020404" pitchFamily="49" charset="0"/>
+              <a:cs typeface="Courier New" panose="02070309020205020404" pitchFamily="49" charset="0"/>
+            </a:endParaRPr>
+          </a:p>
+          <a:p>
+            <a:pPr marL="0">
+              <a:buNone/>
+            </a:pPr>
+            <a:r>
+              <a:rPr lang="en-US" sz="2200" dirty="0" err="1">
+                <a:solidFill>
+                  <a:srgbClr val="000000"/>
+                </a:solidFill>
+                <a:latin typeface="Courier New" panose="02070309020205020404" pitchFamily="49" charset="0"/>
+                <a:ea typeface="Courier New" panose="02070309020205020404" pitchFamily="49" charset="0"/>
+                <a:cs typeface="Courier New" panose="02070309020205020404" pitchFamily="49" charset="0"/>
+              </a:rPr>
+              <a:t>tn</a:t>
+            </a:r>
+            <a:endParaRPr lang="ru-RU" sz="2200" dirty="0">
+              <a:solidFill>
+                <a:srgbClr val="000000"/>
+              </a:solidFill>
+              <a:latin typeface="Courier New" panose="02070309020205020404" pitchFamily="49" charset="0"/>
+              <a:ea typeface="Courier New" panose="02070309020205020404" pitchFamily="49" charset="0"/>
+              <a:cs typeface="Courier New" panose="02070309020205020404" pitchFamily="49" charset="0"/>
+            </a:endParaRPr>
+          </a:p>
+          <a:p>
+            <a:pPr marL="0">
+              <a:buNone/>
+            </a:pPr>
+            <a:r>
+              <a:rPr lang="ru-RU" sz="2200" dirty="0">
+                <a:solidFill>
+                  <a:srgbClr val="000000"/>
+                </a:solidFill>
+                <a:latin typeface="Courier New" panose="02070309020205020404" pitchFamily="49" charset="0"/>
+                <a:ea typeface="Courier New" panose="02070309020205020404" pitchFamily="49" charset="0"/>
+                <a:cs typeface="Courier New" panose="02070309020205020404" pitchFamily="49" charset="0"/>
+              </a:rPr>
+              <a:t>)</a:t>
+            </a:r>
+            <a:endParaRPr lang="ru-RU" sz="2200" dirty="0">
+              <a:solidFill>
+                <a:srgbClr val="000000"/>
+              </a:solidFill>
+              <a:latin typeface="Courier New" panose="02070309020205020404" pitchFamily="49" charset="0"/>
+              <a:ea typeface="Courier New" panose="02070309020205020404" pitchFamily="49" charset="0"/>
+              <a:cs typeface="Courier New" panose="02070309020205020404" pitchFamily="49" charset="0"/>
+            </a:endParaRPr>
+          </a:p>
+          <a:p>
+            <a:pPr marL="0">
+              <a:buNone/>
+            </a:pPr>
+            <a:r>
+              <a:rPr lang="ru-RU" sz="2200" dirty="0">
+                <a:solidFill>
+                  <a:srgbClr val="000000"/>
+                </a:solidFill>
+                <a:latin typeface="Courier New" panose="02070309020205020404" pitchFamily="49" charset="0"/>
+                <a:ea typeface="Courier New" panose="02070309020205020404" pitchFamily="49" charset="0"/>
+                <a:cs typeface="Courier New" panose="02070309020205020404" pitchFamily="49" charset="0"/>
+              </a:rPr>
+              <a:t>)</a:t>
+            </a:r>
+            <a:endParaRPr lang="ru-RU" sz="2200" dirty="0">
+              <a:solidFill>
+                <a:srgbClr val="000000"/>
+              </a:solidFill>
+              <a:latin typeface="Courier New" panose="02070309020205020404" pitchFamily="49" charset="0"/>
+              <a:ea typeface="Courier New" panose="02070309020205020404" pitchFamily="49" charset="0"/>
+              <a:cs typeface="Courier New" panose="02070309020205020404" pitchFamily="49" charset="0"/>
+            </a:endParaRPr>
+          </a:p>
+          <a:p>
+            <a:pPr>
+              <a:buNone/>
+            </a:pPr>
+            <a:r>
+              <a:rPr lang="ru-RU" dirty="0"/>
+              <a:t> </a:t>
+            </a:r>
+            <a:endParaRPr lang="ru-RU" dirty="0"/>
+          </a:p>
+          <a:p>
+            <a:pPr>
+              <a:buNone/>
+            </a:pPr>
+            <a:r>
+              <a:rPr lang="ru-RU" sz="2200" dirty="0">
+                <a:solidFill>
+                  <a:srgbClr val="000000"/>
+                </a:solidFill>
+                <a:latin typeface="Courier New" panose="02070309020205020404" pitchFamily="49" charset="0"/>
+                <a:ea typeface="Courier New" panose="02070309020205020404" pitchFamily="49" charset="0"/>
+                <a:cs typeface="Courier New" panose="02070309020205020404" pitchFamily="49" charset="0"/>
+              </a:rPr>
+              <a:t>		где &lt;</a:t>
+            </a:r>
+            <a:r>
+              <a:rPr lang="en-US" sz="2200" dirty="0">
+                <a:solidFill>
+                  <a:srgbClr val="000000"/>
+                </a:solidFill>
+                <a:latin typeface="Courier New" panose="02070309020205020404" pitchFamily="49" charset="0"/>
+                <a:ea typeface="Courier New" panose="02070309020205020404" pitchFamily="49" charset="0"/>
+                <a:cs typeface="Courier New" panose="02070309020205020404" pitchFamily="49" charset="0"/>
+              </a:rPr>
+              <a:t>name</a:t>
+            </a:r>
+            <a:r>
+              <a:rPr lang="ru-RU" sz="2200" dirty="0">
+                <a:solidFill>
+                  <a:srgbClr val="000000"/>
+                </a:solidFill>
+                <a:latin typeface="Courier New" panose="02070309020205020404" pitchFamily="49" charset="0"/>
+                <a:ea typeface="Courier New" panose="02070309020205020404" pitchFamily="49" charset="0"/>
+                <a:cs typeface="Courier New" panose="02070309020205020404" pitchFamily="49" charset="0"/>
+              </a:rPr>
+              <a:t>&gt; - идентификатор, который используется для нечеткой переменной. </a:t>
+            </a:r>
+            <a:r>
+              <a:rPr lang="en-US" sz="2200" dirty="0">
+                <a:solidFill>
+                  <a:srgbClr val="000000"/>
+                </a:solidFill>
+                <a:latin typeface="Courier New" panose="02070309020205020404" pitchFamily="49" charset="0"/>
+                <a:ea typeface="Courier New" panose="02070309020205020404" pitchFamily="49" charset="0"/>
+                <a:cs typeface="Courier New" panose="02070309020205020404" pitchFamily="49" charset="0"/>
+              </a:rPr>
+              <a:t>&lt;from&gt; </a:t>
+            </a:r>
+            <a:r>
+              <a:rPr lang="ru-RU" sz="2200" dirty="0">
+                <a:solidFill>
+                  <a:srgbClr val="000000"/>
+                </a:solidFill>
+                <a:latin typeface="Courier New" panose="02070309020205020404" pitchFamily="49" charset="0"/>
+                <a:ea typeface="Courier New" panose="02070309020205020404" pitchFamily="49" charset="0"/>
+                <a:cs typeface="Courier New" panose="02070309020205020404" pitchFamily="49" charset="0"/>
+              </a:rPr>
+              <a:t>и </a:t>
+            </a:r>
+            <a:r>
+              <a:rPr lang="en-US" sz="2200" dirty="0">
+                <a:solidFill>
+                  <a:srgbClr val="000000"/>
+                </a:solidFill>
+                <a:latin typeface="Courier New" panose="02070309020205020404" pitchFamily="49" charset="0"/>
+                <a:ea typeface="Courier New" panose="02070309020205020404" pitchFamily="49" charset="0"/>
+                <a:cs typeface="Courier New" panose="02070309020205020404" pitchFamily="49" charset="0"/>
+              </a:rPr>
+              <a:t>&lt;to&gt; </a:t>
+            </a:r>
+            <a:r>
+              <a:rPr lang="ru-RU" sz="2200" dirty="0">
+                <a:solidFill>
+                  <a:srgbClr val="000000"/>
+                </a:solidFill>
+                <a:latin typeface="Courier New" panose="02070309020205020404" pitchFamily="49" charset="0"/>
+                <a:ea typeface="Courier New" panose="02070309020205020404" pitchFamily="49" charset="0"/>
+                <a:cs typeface="Courier New" panose="02070309020205020404" pitchFamily="49" charset="0"/>
+              </a:rPr>
+              <a:t>- числа с плавающей запятой</a:t>
+            </a:r>
+            <a:r>
+              <a:rPr lang="en-US" sz="2200" dirty="0">
+                <a:solidFill>
+                  <a:srgbClr val="000000"/>
+                </a:solidFill>
+                <a:latin typeface="Courier New" panose="02070309020205020404" pitchFamily="49" charset="0"/>
+                <a:ea typeface="Courier New" panose="02070309020205020404" pitchFamily="49" charset="0"/>
+                <a:cs typeface="Courier New" panose="02070309020205020404" pitchFamily="49" charset="0"/>
+              </a:rPr>
+              <a:t>, </a:t>
+            </a:r>
+            <a:r>
+              <a:rPr lang="ru-RU" sz="2200" dirty="0">
+                <a:solidFill>
+                  <a:srgbClr val="000000"/>
+                </a:solidFill>
+                <a:latin typeface="Courier New" panose="02070309020205020404" pitchFamily="49" charset="0"/>
+                <a:ea typeface="Courier New" panose="02070309020205020404" pitchFamily="49" charset="0"/>
+                <a:cs typeface="Courier New" panose="02070309020205020404" pitchFamily="49" charset="0"/>
+              </a:rPr>
+              <a:t>а первичный терм </a:t>
+            </a:r>
+            <a:r>
+              <a:rPr lang="en-US" sz="2200" dirty="0" err="1">
+                <a:solidFill>
+                  <a:srgbClr val="000000"/>
+                </a:solidFill>
+                <a:latin typeface="Courier New" panose="02070309020205020404" pitchFamily="49" charset="0"/>
+                <a:ea typeface="Courier New" panose="02070309020205020404" pitchFamily="49" charset="0"/>
+                <a:cs typeface="Courier New" panose="02070309020205020404" pitchFamily="49" charset="0"/>
+              </a:rPr>
+              <a:t>ti</a:t>
+            </a:r>
+            <a:r>
+              <a:rPr lang="en-US" sz="2200" dirty="0">
+                <a:solidFill>
+                  <a:srgbClr val="000000"/>
+                </a:solidFill>
+                <a:latin typeface="Courier New" panose="02070309020205020404" pitchFamily="49" charset="0"/>
+                <a:ea typeface="Courier New" panose="02070309020205020404" pitchFamily="49" charset="0"/>
+                <a:cs typeface="Courier New" panose="02070309020205020404" pitchFamily="49" charset="0"/>
+              </a:rPr>
+              <a:t> (</a:t>
+            </a:r>
+            <a:r>
+              <a:rPr lang="en-US" sz="2200" dirty="0" err="1">
+                <a:solidFill>
+                  <a:srgbClr val="000000"/>
+                </a:solidFill>
+                <a:latin typeface="Courier New" panose="02070309020205020404" pitchFamily="49" charset="0"/>
+                <a:ea typeface="Courier New" panose="02070309020205020404" pitchFamily="49" charset="0"/>
+                <a:cs typeface="Courier New" panose="02070309020205020404" pitchFamily="49" charset="0"/>
+              </a:rPr>
+              <a:t>i</a:t>
+            </a:r>
+            <a:r>
+              <a:rPr lang="en-US" sz="2200" dirty="0">
+                <a:solidFill>
+                  <a:srgbClr val="000000"/>
+                </a:solidFill>
+                <a:latin typeface="Courier New" panose="02070309020205020404" pitchFamily="49" charset="0"/>
+                <a:ea typeface="Courier New" panose="02070309020205020404" pitchFamily="49" charset="0"/>
+                <a:cs typeface="Courier New" panose="02070309020205020404" pitchFamily="49" charset="0"/>
+              </a:rPr>
+              <a:t> = 1..n) </a:t>
+            </a:r>
+            <a:r>
+              <a:rPr lang="ru-RU" sz="2200" dirty="0">
+                <a:solidFill>
+                  <a:srgbClr val="000000"/>
+                </a:solidFill>
+                <a:latin typeface="Courier New" panose="02070309020205020404" pitchFamily="49" charset="0"/>
+                <a:ea typeface="Courier New" panose="02070309020205020404" pitchFamily="49" charset="0"/>
+                <a:cs typeface="Courier New" panose="02070309020205020404" pitchFamily="49" charset="0"/>
+              </a:rPr>
+              <a:t>имеет следующий вид</a:t>
+            </a:r>
+            <a:r>
+              <a:rPr lang="en-US" sz="2200" dirty="0">
+                <a:solidFill>
+                  <a:srgbClr val="000000"/>
+                </a:solidFill>
+                <a:latin typeface="Courier New" panose="02070309020205020404" pitchFamily="49" charset="0"/>
+                <a:ea typeface="Courier New" panose="02070309020205020404" pitchFamily="49" charset="0"/>
+                <a:cs typeface="Courier New" panose="02070309020205020404" pitchFamily="49" charset="0"/>
+              </a:rPr>
+              <a:t>:(&lt;</a:t>
+            </a:r>
+            <a:r>
+              <a:rPr lang="en-US" sz="2200" dirty="0" err="1">
+                <a:solidFill>
+                  <a:srgbClr val="000000"/>
+                </a:solidFill>
+                <a:latin typeface="Courier New" panose="02070309020205020404" pitchFamily="49" charset="0"/>
+                <a:ea typeface="Courier New" panose="02070309020205020404" pitchFamily="49" charset="0"/>
+                <a:cs typeface="Courier New" panose="02070309020205020404" pitchFamily="49" charset="0"/>
+              </a:rPr>
+              <a:t>pname</a:t>
+            </a:r>
+            <a:r>
+              <a:rPr lang="en-US" sz="2200" dirty="0">
+                <a:solidFill>
+                  <a:srgbClr val="000000"/>
+                </a:solidFill>
+                <a:latin typeface="Courier New" panose="02070309020205020404" pitchFamily="49" charset="0"/>
+                <a:ea typeface="Courier New" panose="02070309020205020404" pitchFamily="49" charset="0"/>
+                <a:cs typeface="Courier New" panose="02070309020205020404" pitchFamily="49" charset="0"/>
+              </a:rPr>
+              <a:t>&gt;  &lt;</a:t>
+            </a:r>
+            <a:r>
+              <a:rPr lang="ru-RU" sz="2200" dirty="0">
+                <a:solidFill>
+                  <a:srgbClr val="000000"/>
+                </a:solidFill>
+                <a:latin typeface="Courier New" panose="02070309020205020404" pitchFamily="49" charset="0"/>
+                <a:ea typeface="Courier New" panose="02070309020205020404" pitchFamily="49" charset="0"/>
+                <a:cs typeface="Courier New" panose="02070309020205020404" pitchFamily="49" charset="0"/>
+              </a:rPr>
+              <a:t>описание нечеткого множества</a:t>
+            </a:r>
+            <a:r>
+              <a:rPr lang="en-US" sz="2200" dirty="0">
+                <a:solidFill>
+                  <a:srgbClr val="000000"/>
+                </a:solidFill>
+                <a:latin typeface="Courier New" panose="02070309020205020404" pitchFamily="49" charset="0"/>
+                <a:ea typeface="Courier New" panose="02070309020205020404" pitchFamily="49" charset="0"/>
+                <a:cs typeface="Courier New" panose="02070309020205020404" pitchFamily="49" charset="0"/>
+              </a:rPr>
+              <a:t>&gt;). </a:t>
+            </a:r>
+            <a:r>
+              <a:rPr lang="ru-RU" sz="2200" dirty="0">
+                <a:solidFill>
+                  <a:srgbClr val="000000"/>
+                </a:solidFill>
+                <a:latin typeface="Courier New" panose="02070309020205020404" pitchFamily="49" charset="0"/>
+                <a:ea typeface="Courier New" panose="02070309020205020404" pitchFamily="49" charset="0"/>
+                <a:cs typeface="Courier New" panose="02070309020205020404" pitchFamily="49" charset="0"/>
+              </a:rPr>
+              <a:t>Параметр </a:t>
+            </a:r>
+            <a:r>
+              <a:rPr lang="en-US" sz="2200" dirty="0" err="1">
+                <a:solidFill>
+                  <a:srgbClr val="000000"/>
+                </a:solidFill>
+                <a:latin typeface="Courier New" panose="02070309020205020404" pitchFamily="49" charset="0"/>
+                <a:ea typeface="Courier New" panose="02070309020205020404" pitchFamily="49" charset="0"/>
+                <a:cs typeface="Courier New" panose="02070309020205020404" pitchFamily="49" charset="0"/>
+              </a:rPr>
+              <a:t>pname</a:t>
+            </a:r>
+            <a:r>
+              <a:rPr lang="en-US" sz="2200" dirty="0">
+                <a:solidFill>
+                  <a:srgbClr val="000000"/>
+                </a:solidFill>
+                <a:latin typeface="Courier New" panose="02070309020205020404" pitchFamily="49" charset="0"/>
+                <a:ea typeface="Courier New" panose="02070309020205020404" pitchFamily="49" charset="0"/>
+                <a:cs typeface="Courier New" panose="02070309020205020404" pitchFamily="49" charset="0"/>
+              </a:rPr>
+              <a:t> </a:t>
+            </a:r>
+            <a:r>
+              <a:rPr lang="ru-RU" sz="2200" dirty="0">
+                <a:solidFill>
+                  <a:srgbClr val="000000"/>
+                </a:solidFill>
+                <a:latin typeface="Courier New" panose="02070309020205020404" pitchFamily="49" charset="0"/>
+                <a:ea typeface="Courier New" panose="02070309020205020404" pitchFamily="49" charset="0"/>
+                <a:cs typeface="Courier New" panose="02070309020205020404" pitchFamily="49" charset="0"/>
+              </a:rPr>
+              <a:t>определяет имя нечеткого множества а описание - соответствующую функцию принадлежности.</a:t>
+            </a:r>
+            <a:endParaRPr lang="ru-RU" sz="2200" dirty="0">
               <a:solidFill>
                 <a:srgbClr val="000000"/>
               </a:solidFill>
@@ -4927,32 +5592,6 @@
           </a:p>
         </p:txBody>
       </p:sp>
-      <p:pic>
-        <p:nvPicPr>
-          <p:cNvPr id="5" name="Изображение 4"/>
-          <p:cNvPicPr/>
-          <p:nvPr/>
-        </p:nvPicPr>
-        <p:blipFill>
-          <a:blip r:embed="rId1" cstate="print"/>
-          <a:stretch>
-            <a:fillRect/>
-          </a:stretch>
-        </p:blipFill>
-        <p:spPr>
-          <a:xfrm>
-            <a:off x="2699792" y="2492896"/>
-            <a:ext cx="3744416" cy="3744416"/>
-          </a:xfrm>
-          <a:prstGeom prst="rect">
-            <a:avLst/>
-          </a:prstGeom>
-          <a:noFill/>
-          <a:ln w="9525">
-            <a:noFill/>
-          </a:ln>
-        </p:spPr>
-      </p:pic>
     </p:spTree>
   </p:cSld>
   <p:clrMapOvr>
@@ -4990,8 +5629,8 @@
         </p:nvSpPr>
         <p:spPr>
           <a:xfrm>
-            <a:off x="0" y="0"/>
-            <a:ext cx="9144000" cy="1600200"/>
+            <a:off x="467544" y="0"/>
+            <a:ext cx="8229600" cy="835496"/>
           </a:xfrm>
         </p:spPr>
         <p:txBody>
@@ -5014,7 +5653,7 @@
                 <a:ea typeface="+mn-ea"/>
                 <a:cs typeface="+mn-cs"/>
               </a:rPr>
-              <a:t>9. Способы представления функций принадлежности в </a:t>
+              <a:t>8. Функции принадлежности в </a:t>
             </a:r>
             <a:r>
               <a:rPr lang="en-US" sz="2800" b="1" dirty="0" err="1">
@@ -5033,6 +5672,24 @@
                 <a:cs typeface="+mn-cs"/>
               </a:rPr>
               <a:t>FuzzyClips</a:t>
+            </a:r>
+            <a:r>
+              <a:rPr lang="en-US" sz="2800" b="1" dirty="0">
+                <a:solidFill>
+                  <a:schemeClr val="accent1"/>
+                </a:solidFill>
+                <a:effectLst>
+                  <a:outerShdw blurRad="38100" dist="25400" dir="5400000" algn="ctr" rotWithShape="0">
+                    <a:srgbClr val="6E747A">
+                      <a:alpha val="43000"/>
+                    </a:srgbClr>
+                  </a:outerShdw>
+                </a:effectLst>
+                <a:latin typeface="Times New Roman" panose="02020603050405020304" charset="0"/>
+                <a:ea typeface="+mn-ea"/>
+                <a:cs typeface="+mn-cs"/>
+              </a:rPr>
+              <a:t> </a:t>
             </a:r>
             <a:endParaRPr lang="ru-RU" sz="2800" b="1" dirty="0">
               <a:solidFill>
@@ -5071,15 +5728,38 @@
               <a:buNone/>
             </a:pPr>
             <a:r>
-              <a:rPr lang="ru-RU" dirty="0"/>
+              <a:rPr lang="ru-RU" sz="1400" dirty="0">
+                <a:solidFill>
+                  <a:srgbClr val="000000"/>
+                </a:solidFill>
+                <a:latin typeface="Courier New" panose="02070309020205020404" pitchFamily="49" charset="0"/>
+                <a:ea typeface="Courier New" panose="02070309020205020404" pitchFamily="49" charset="0"/>
+                <a:cs typeface="Courier New" panose="02070309020205020404" pitchFamily="49" charset="0"/>
+              </a:rPr>
               <a:t>		</a:t>
             </a:r>
-            <a:endParaRPr lang="ru-RU" dirty="0"/>
-          </a:p>
-          <a:p>
-            <a:pPr>
-              <a:buNone/>
-            </a:pPr>
+            <a:r>
+              <a:rPr lang="en-US" sz="1400" dirty="0" err="1">
+                <a:solidFill>
+                  <a:srgbClr val="000000"/>
+                </a:solidFill>
+                <a:latin typeface="Courier New" panose="02070309020205020404" pitchFamily="49" charset="0"/>
+                <a:ea typeface="Courier New" panose="02070309020205020404" pitchFamily="49" charset="0"/>
+                <a:cs typeface="Courier New" panose="02070309020205020404" pitchFamily="49" charset="0"/>
+              </a:rPr>
+              <a:t>FuzzyClips</a:t>
+            </a:r>
+            <a:r>
+              <a:rPr lang="en-US" sz="1400" dirty="0">
+                <a:solidFill>
+                  <a:srgbClr val="000000"/>
+                </a:solidFill>
+                <a:latin typeface="Courier New" panose="02070309020205020404" pitchFamily="49" charset="0"/>
+                <a:ea typeface="Courier New" panose="02070309020205020404" pitchFamily="49" charset="0"/>
+                <a:cs typeface="Courier New" panose="02070309020205020404" pitchFamily="49" charset="0"/>
+              </a:rPr>
+              <a:t> </a:t>
+            </a:r>
             <a:r>
               <a:rPr lang="ru-RU" sz="1400" dirty="0">
                 <a:solidFill>
@@ -5089,18 +5769,7 @@
                 <a:ea typeface="Courier New" panose="02070309020205020404" pitchFamily="49" charset="0"/>
                 <a:cs typeface="Courier New" panose="02070309020205020404" pitchFamily="49" charset="0"/>
               </a:rPr>
-              <a:t>		Функция принадлежности в библиотеке </a:t>
-            </a:r>
-            <a:r>
-              <a:rPr lang="en-US" sz="1400" dirty="0" err="1">
-                <a:solidFill>
-                  <a:srgbClr val="000000"/>
-                </a:solidFill>
-                <a:latin typeface="Courier New" panose="02070309020205020404" pitchFamily="49" charset="0"/>
-                <a:ea typeface="Courier New" panose="02070309020205020404" pitchFamily="49" charset="0"/>
-                <a:cs typeface="Courier New" panose="02070309020205020404" pitchFamily="49" charset="0"/>
-              </a:rPr>
-              <a:t>FuzzyClips</a:t>
+              <a:t>предоставляет несколько встроенных функций принадлежности, которые могут применятся при решении различных задач. А именно</a:t>
             </a:r>
             <a:r>
               <a:rPr lang="en-US" sz="1400" dirty="0">
@@ -5111,7 +5780,7 @@
                 <a:ea typeface="Courier New" panose="02070309020205020404" pitchFamily="49" charset="0"/>
                 <a:cs typeface="Courier New" panose="02070309020205020404" pitchFamily="49" charset="0"/>
               </a:rPr>
-              <a:t> </a:t>
+              <a:t>, S- </a:t>
             </a:r>
             <a:r>
               <a:rPr lang="ru-RU" sz="1400" dirty="0">
@@ -5122,7 +5791,29 @@
                 <a:ea typeface="Courier New" panose="02070309020205020404" pitchFamily="49" charset="0"/>
                 <a:cs typeface="Courier New" panose="02070309020205020404" pitchFamily="49" charset="0"/>
               </a:rPr>
-              <a:t>может </a:t>
+              <a:t>Функция</a:t>
+            </a:r>
+            <a:r>
+              <a:rPr lang="en-US" sz="1400" dirty="0">
+                <a:solidFill>
+                  <a:srgbClr val="000000"/>
+                </a:solidFill>
+                <a:latin typeface="Courier New" panose="02070309020205020404" pitchFamily="49" charset="0"/>
+                <a:ea typeface="Courier New" panose="02070309020205020404" pitchFamily="49" charset="0"/>
+                <a:cs typeface="Courier New" panose="02070309020205020404" pitchFamily="49" charset="0"/>
+              </a:rPr>
+              <a:t>, Z-</a:t>
+            </a:r>
+            <a:r>
+              <a:rPr lang="ru-RU" sz="1400" dirty="0">
+                <a:solidFill>
+                  <a:srgbClr val="000000"/>
+                </a:solidFill>
+                <a:latin typeface="Courier New" panose="02070309020205020404" pitchFamily="49" charset="0"/>
+                <a:ea typeface="Courier New" panose="02070309020205020404" pitchFamily="49" charset="0"/>
+                <a:cs typeface="Courier New" panose="02070309020205020404" pitchFamily="49" charset="0"/>
+              </a:rPr>
+              <a:t> Функция и </a:t>
             </a:r>
             <a:r>
               <a:rPr lang="ru-RU" sz="1400" dirty="0" err="1">
@@ -5133,7 +5824,7 @@
                 <a:ea typeface="Courier New" panose="02070309020205020404" pitchFamily="49" charset="0"/>
                 <a:cs typeface="Courier New" panose="02070309020205020404" pitchFamily="49" charset="0"/>
               </a:rPr>
-              <a:t>представлятся</a:t>
+              <a:t>П-Функция</a:t>
             </a:r>
             <a:r>
               <a:rPr lang="ru-RU" sz="1400" dirty="0">
@@ -5144,7 +5835,7 @@
                 <a:ea typeface="Courier New" panose="02070309020205020404" pitchFamily="49" charset="0"/>
                 <a:cs typeface="Courier New" panose="02070309020205020404" pitchFamily="49" charset="0"/>
               </a:rPr>
-              <a:t> 3 разными способами:</a:t>
+              <a:t>.</a:t>
             </a:r>
             <a:endParaRPr lang="ru-RU" sz="1400" dirty="0">
               <a:solidFill>
@@ -5169,78 +5860,7 @@
             </a:endParaRPr>
           </a:p>
           <a:p>
-            <a:r>
-              <a:rPr lang="ru-RU" sz="1400" dirty="0">
-                <a:solidFill>
-                  <a:srgbClr val="000000"/>
-                </a:solidFill>
-                <a:latin typeface="Courier New" panose="02070309020205020404" pitchFamily="49" charset="0"/>
-                <a:ea typeface="Courier New" panose="02070309020205020404" pitchFamily="49" charset="0"/>
-                <a:cs typeface="Courier New" panose="02070309020205020404" pitchFamily="49" charset="0"/>
-              </a:rPr>
-              <a:t>Представление в виде </a:t>
-            </a:r>
-            <a:r>
-              <a:rPr lang="ru-RU" sz="1400" dirty="0" err="1">
-                <a:solidFill>
-                  <a:srgbClr val="000000"/>
-                </a:solidFill>
-                <a:latin typeface="Courier New" panose="02070309020205020404" pitchFamily="49" charset="0"/>
-                <a:ea typeface="Courier New" panose="02070309020205020404" pitchFamily="49" charset="0"/>
-                <a:cs typeface="Courier New" panose="02070309020205020404" pitchFamily="49" charset="0"/>
-              </a:rPr>
-              <a:t>синглтона</a:t>
-            </a:r>
-            <a:endParaRPr lang="ru-RU" sz="1400" dirty="0">
-              <a:solidFill>
-                <a:srgbClr val="000000"/>
-              </a:solidFill>
-              <a:latin typeface="Courier New" panose="02070309020205020404" pitchFamily="49" charset="0"/>
-              <a:ea typeface="Courier New" panose="02070309020205020404" pitchFamily="49" charset="0"/>
-              <a:cs typeface="Courier New" panose="02070309020205020404" pitchFamily="49" charset="0"/>
-            </a:endParaRPr>
-          </a:p>
-          <a:p>
-            <a:r>
-              <a:rPr lang="ru-RU" sz="1400" dirty="0">
-                <a:solidFill>
-                  <a:srgbClr val="000000"/>
-                </a:solidFill>
-                <a:latin typeface="Courier New" panose="02070309020205020404" pitchFamily="49" charset="0"/>
-                <a:ea typeface="Courier New" panose="02070309020205020404" pitchFamily="49" charset="0"/>
-                <a:cs typeface="Courier New" panose="02070309020205020404" pitchFamily="49" charset="0"/>
-              </a:rPr>
-              <a:t>Представление в виде стандартной функции</a:t>
-            </a:r>
-            <a:endParaRPr lang="ru-RU" sz="1400" dirty="0">
-              <a:solidFill>
-                <a:srgbClr val="000000"/>
-              </a:solidFill>
-              <a:latin typeface="Courier New" panose="02070309020205020404" pitchFamily="49" charset="0"/>
-              <a:ea typeface="Courier New" panose="02070309020205020404" pitchFamily="49" charset="0"/>
-              <a:cs typeface="Courier New" panose="02070309020205020404" pitchFamily="49" charset="0"/>
-            </a:endParaRPr>
-          </a:p>
-          <a:p>
-            <a:r>
-              <a:rPr lang="ru-RU" sz="1400" dirty="0">
-                <a:solidFill>
-                  <a:srgbClr val="000000"/>
-                </a:solidFill>
-                <a:latin typeface="Courier New" panose="02070309020205020404" pitchFamily="49" charset="0"/>
-                <a:ea typeface="Courier New" panose="02070309020205020404" pitchFamily="49" charset="0"/>
-                <a:cs typeface="Courier New" panose="02070309020205020404" pitchFamily="49" charset="0"/>
-              </a:rPr>
-              <a:t>Представление в виде языковых выражений</a:t>
-            </a:r>
-            <a:endParaRPr lang="ru-RU" sz="1400" dirty="0">
-              <a:solidFill>
-                <a:srgbClr val="000000"/>
-              </a:solidFill>
-              <a:latin typeface="Courier New" panose="02070309020205020404" pitchFamily="49" charset="0"/>
-              <a:ea typeface="Courier New" panose="02070309020205020404" pitchFamily="49" charset="0"/>
-              <a:cs typeface="Courier New" panose="02070309020205020404" pitchFamily="49" charset="0"/>
-            </a:endParaRPr>
+            <a:endParaRPr lang="ru-RU" dirty="0"/>
           </a:p>
         </p:txBody>
       </p:sp>
@@ -5266,6 +5886,32 @@
           </a:p>
         </p:txBody>
       </p:sp>
+      <p:pic>
+        <p:nvPicPr>
+          <p:cNvPr id="5" name="Изображение 4"/>
+          <p:cNvPicPr/>
+          <p:nvPr/>
+        </p:nvPicPr>
+        <p:blipFill>
+          <a:blip r:embed="rId1" cstate="print"/>
+          <a:stretch>
+            <a:fillRect/>
+          </a:stretch>
+        </p:blipFill>
+        <p:spPr>
+          <a:xfrm>
+            <a:off x="2699792" y="2492896"/>
+            <a:ext cx="3744416" cy="3744416"/>
+          </a:xfrm>
+          <a:prstGeom prst="rect">
+            <a:avLst/>
+          </a:prstGeom>
+          <a:noFill/>
+          <a:ln w="9525">
+            <a:noFill/>
+          </a:ln>
+        </p:spPr>
+      </p:pic>
     </p:spTree>
   </p:cSld>
   <p:clrMapOvr>
@@ -5303,8 +5949,8 @@
         </p:nvSpPr>
         <p:spPr>
           <a:xfrm>
-            <a:off x="457200" y="0"/>
-            <a:ext cx="8229600" cy="836712"/>
+            <a:off x="0" y="0"/>
+            <a:ext cx="9144000" cy="1600200"/>
           </a:xfrm>
         </p:spPr>
         <p:txBody>
@@ -5327,10 +5973,10 @@
                 <a:ea typeface="+mn-ea"/>
                 <a:cs typeface="+mn-cs"/>
               </a:rPr>
-              <a:t>10. Представление в виде </a:t>
-            </a:r>
-            <a:r>
-              <a:rPr lang="ru-RU" sz="2800" b="1" dirty="0" err="1">
+              <a:t>9. Способы представления функций принадлежности в </a:t>
+            </a:r>
+            <a:r>
+              <a:rPr lang="en-US" sz="2800" b="1" dirty="0" err="1">
                 <a:solidFill>
                   <a:schemeClr val="accent1"/>
                 </a:solidFill>
@@ -5345,7 +5991,7 @@
                 <a:ea typeface="+mn-ea"/>
                 <a:cs typeface="+mn-cs"/>
               </a:rPr>
-              <a:t>синглтона</a:t>
+              <a:t>FuzzyClips</a:t>
             </a:r>
             <a:endParaRPr lang="ru-RU" sz="2800" b="1" dirty="0">
               <a:solidFill>
@@ -5377,379 +6023,46 @@
         </p:nvSpPr>
         <p:spPr/>
         <p:txBody>
-          <a:bodyPr>
-            <a:normAutofit fontScale="55000" lnSpcReduction="20000"/>
-          </a:bodyPr>
+          <a:bodyPr/>
           <a:lstStyle/>
           <a:p>
             <a:pPr>
               <a:buNone/>
             </a:pPr>
             <a:r>
-              <a:rPr lang="ru-RU" sz="2500" dirty="0">
-                <a:solidFill>
-                  <a:srgbClr val="000000"/>
-                </a:solidFill>
-                <a:latin typeface="Courier New" panose="02070309020205020404" pitchFamily="49" charset="0"/>
-                <a:ea typeface="Courier New" panose="02070309020205020404" pitchFamily="49" charset="0"/>
-                <a:cs typeface="Courier New" panose="02070309020205020404" pitchFamily="49" charset="0"/>
-              </a:rPr>
-              <a:t>		Степень принадлежности </a:t>
-            </a:r>
-            <a:r>
-              <a:rPr lang="ru-RU" sz="2500" dirty="0" err="1">
-                <a:solidFill>
-                  <a:srgbClr val="000000"/>
-                </a:solidFill>
-                <a:latin typeface="Courier New" panose="02070309020205020404" pitchFamily="49" charset="0"/>
-                <a:ea typeface="Courier New" panose="02070309020205020404" pitchFamily="49" charset="0"/>
-                <a:cs typeface="Courier New" panose="02070309020205020404" pitchFamily="49" charset="0"/>
-              </a:rPr>
-              <a:t>m</a:t>
-            </a:r>
-            <a:r>
-              <a:rPr lang="en-US" sz="2500" dirty="0">
-                <a:solidFill>
-                  <a:srgbClr val="000000"/>
-                </a:solidFill>
-                <a:latin typeface="Courier New" panose="02070309020205020404" pitchFamily="49" charset="0"/>
-                <a:ea typeface="Courier New" panose="02070309020205020404" pitchFamily="49" charset="0"/>
-                <a:cs typeface="Courier New" panose="02070309020205020404" pitchFamily="49" charset="0"/>
-              </a:rPr>
-              <a:t>A</a:t>
-            </a:r>
-            <a:r>
-              <a:rPr lang="ru-RU" sz="2500" dirty="0">
-                <a:solidFill>
-                  <a:srgbClr val="000000"/>
-                </a:solidFill>
-                <a:latin typeface="Courier New" panose="02070309020205020404" pitchFamily="49" charset="0"/>
-                <a:ea typeface="Courier New" panose="02070309020205020404" pitchFamily="49" charset="0"/>
-                <a:cs typeface="Courier New" panose="02070309020205020404" pitchFamily="49" charset="0"/>
-              </a:rPr>
-              <a:t>(</a:t>
-            </a:r>
-            <a:r>
-              <a:rPr lang="en-US" sz="2500" dirty="0">
-                <a:solidFill>
-                  <a:srgbClr val="000000"/>
-                </a:solidFill>
-                <a:latin typeface="Courier New" panose="02070309020205020404" pitchFamily="49" charset="0"/>
-                <a:ea typeface="Courier New" panose="02070309020205020404" pitchFamily="49" charset="0"/>
-                <a:cs typeface="Courier New" panose="02070309020205020404" pitchFamily="49" charset="0"/>
-              </a:rPr>
-              <a:t>x</a:t>
-            </a:r>
-            <a:r>
-              <a:rPr lang="ru-RU" sz="2500" dirty="0">
-                <a:solidFill>
-                  <a:srgbClr val="000000"/>
-                </a:solidFill>
-                <a:latin typeface="Courier New" panose="02070309020205020404" pitchFamily="49" charset="0"/>
-                <a:ea typeface="Courier New" panose="02070309020205020404" pitchFamily="49" charset="0"/>
-                <a:cs typeface="Courier New" panose="02070309020205020404" pitchFamily="49" charset="0"/>
-              </a:rPr>
-              <a:t>) в нечетком множестве </a:t>
-            </a:r>
-            <a:r>
-              <a:rPr lang="en-US" sz="2500" dirty="0">
-                <a:solidFill>
-                  <a:srgbClr val="000000"/>
-                </a:solidFill>
-                <a:latin typeface="Courier New" panose="02070309020205020404" pitchFamily="49" charset="0"/>
-                <a:ea typeface="Courier New" panose="02070309020205020404" pitchFamily="49" charset="0"/>
-                <a:cs typeface="Courier New" panose="02070309020205020404" pitchFamily="49" charset="0"/>
-              </a:rPr>
-              <a:t>A</a:t>
-            </a:r>
-            <a:r>
-              <a:rPr lang="ru-RU" sz="2500" dirty="0">
-                <a:solidFill>
-                  <a:srgbClr val="000000"/>
-                </a:solidFill>
-                <a:latin typeface="Courier New" panose="02070309020205020404" pitchFamily="49" charset="0"/>
-                <a:ea typeface="Courier New" panose="02070309020205020404" pitchFamily="49" charset="0"/>
-                <a:cs typeface="Courier New" panose="02070309020205020404" pitchFamily="49" charset="0"/>
-              </a:rPr>
-              <a:t> является положительным числом, а пара (</a:t>
-            </a:r>
-            <a:r>
-              <a:rPr lang="ru-RU" sz="2500" dirty="0" err="1">
-                <a:solidFill>
-                  <a:srgbClr val="000000"/>
-                </a:solidFill>
-                <a:latin typeface="Courier New" panose="02070309020205020404" pitchFamily="49" charset="0"/>
-                <a:ea typeface="Courier New" panose="02070309020205020404" pitchFamily="49" charset="0"/>
-                <a:cs typeface="Courier New" panose="02070309020205020404" pitchFamily="49" charset="0"/>
-              </a:rPr>
-              <a:t>m</a:t>
-            </a:r>
-            <a:r>
-              <a:rPr lang="en-US" sz="2500" dirty="0">
-                <a:solidFill>
-                  <a:srgbClr val="000000"/>
-                </a:solidFill>
-                <a:latin typeface="Courier New" panose="02070309020205020404" pitchFamily="49" charset="0"/>
-                <a:ea typeface="Courier New" panose="02070309020205020404" pitchFamily="49" charset="0"/>
-                <a:cs typeface="Courier New" panose="02070309020205020404" pitchFamily="49" charset="0"/>
-              </a:rPr>
-              <a:t>A</a:t>
-            </a:r>
-            <a:r>
-              <a:rPr lang="ru-RU" sz="2500" dirty="0">
-                <a:solidFill>
-                  <a:srgbClr val="000000"/>
-                </a:solidFill>
-                <a:latin typeface="Courier New" panose="02070309020205020404" pitchFamily="49" charset="0"/>
-                <a:ea typeface="Courier New" panose="02070309020205020404" pitchFamily="49" charset="0"/>
-                <a:cs typeface="Courier New" panose="02070309020205020404" pitchFamily="49" charset="0"/>
-              </a:rPr>
-              <a:t>(</a:t>
-            </a:r>
-            <a:r>
-              <a:rPr lang="en-US" sz="2500" dirty="0">
-                <a:solidFill>
-                  <a:srgbClr val="000000"/>
-                </a:solidFill>
-                <a:latin typeface="Courier New" panose="02070309020205020404" pitchFamily="49" charset="0"/>
-                <a:ea typeface="Courier New" panose="02070309020205020404" pitchFamily="49" charset="0"/>
-                <a:cs typeface="Courier New" panose="02070309020205020404" pitchFamily="49" charset="0"/>
-              </a:rPr>
-              <a:t>x</a:t>
-            </a:r>
-            <a:r>
-              <a:rPr lang="ru-RU" sz="2500" dirty="0">
-                <a:solidFill>
-                  <a:srgbClr val="000000"/>
-                </a:solidFill>
-                <a:latin typeface="Courier New" panose="02070309020205020404" pitchFamily="49" charset="0"/>
-                <a:ea typeface="Courier New" panose="02070309020205020404" pitchFamily="49" charset="0"/>
-                <a:cs typeface="Courier New" panose="02070309020205020404" pitchFamily="49" charset="0"/>
-              </a:rPr>
-              <a:t>), </a:t>
-            </a:r>
-            <a:r>
-              <a:rPr lang="en-US" sz="2500" dirty="0">
-                <a:solidFill>
-                  <a:srgbClr val="000000"/>
-                </a:solidFill>
-                <a:latin typeface="Courier New" panose="02070309020205020404" pitchFamily="49" charset="0"/>
-                <a:ea typeface="Courier New" panose="02070309020205020404" pitchFamily="49" charset="0"/>
-                <a:cs typeface="Courier New" panose="02070309020205020404" pitchFamily="49" charset="0"/>
-              </a:rPr>
-              <a:t>x</a:t>
-            </a:r>
-            <a:r>
-              <a:rPr lang="ru-RU" sz="2500" dirty="0">
-                <a:solidFill>
-                  <a:srgbClr val="000000"/>
-                </a:solidFill>
-                <a:latin typeface="Courier New" panose="02070309020205020404" pitchFamily="49" charset="0"/>
-                <a:ea typeface="Courier New" panose="02070309020205020404" pitchFamily="49" charset="0"/>
-                <a:cs typeface="Courier New" panose="02070309020205020404" pitchFamily="49" charset="0"/>
-              </a:rPr>
-              <a:t>)  называется </a:t>
-            </a:r>
-            <a:r>
-              <a:rPr lang="ru-RU" sz="2500" dirty="0" err="1">
-                <a:solidFill>
-                  <a:srgbClr val="000000"/>
-                </a:solidFill>
-                <a:latin typeface="Courier New" panose="02070309020205020404" pitchFamily="49" charset="0"/>
-                <a:ea typeface="Courier New" panose="02070309020205020404" pitchFamily="49" charset="0"/>
-                <a:cs typeface="Courier New" panose="02070309020205020404" pitchFamily="49" charset="0"/>
-              </a:rPr>
-              <a:t>синглтоном</a:t>
-            </a:r>
-            <a:r>
-              <a:rPr lang="ru-RU" sz="2500" dirty="0">
-                <a:solidFill>
-                  <a:srgbClr val="000000"/>
-                </a:solidFill>
-                <a:latin typeface="Courier New" panose="02070309020205020404" pitchFamily="49" charset="0"/>
-                <a:ea typeface="Courier New" panose="02070309020205020404" pitchFamily="49" charset="0"/>
-                <a:cs typeface="Courier New" panose="02070309020205020404" pitchFamily="49" charset="0"/>
-              </a:rPr>
-              <a:t> (часто эти пары представлены </a:t>
-            </a:r>
-            <a:r>
-              <a:rPr lang="ru-RU" sz="2500" dirty="0" err="1">
-                <a:solidFill>
-                  <a:srgbClr val="000000"/>
-                </a:solidFill>
-                <a:latin typeface="Courier New" panose="02070309020205020404" pitchFamily="49" charset="0"/>
-                <a:ea typeface="Courier New" panose="02070309020205020404" pitchFamily="49" charset="0"/>
-                <a:cs typeface="Courier New" panose="02070309020205020404" pitchFamily="49" charset="0"/>
-              </a:rPr>
-              <a:t>m</a:t>
-            </a:r>
-            <a:r>
-              <a:rPr lang="en-US" sz="2500" dirty="0">
-                <a:solidFill>
-                  <a:srgbClr val="000000"/>
-                </a:solidFill>
-                <a:latin typeface="Courier New" panose="02070309020205020404" pitchFamily="49" charset="0"/>
-                <a:ea typeface="Courier New" panose="02070309020205020404" pitchFamily="49" charset="0"/>
-                <a:cs typeface="Courier New" panose="02070309020205020404" pitchFamily="49" charset="0"/>
-              </a:rPr>
-              <a:t>A</a:t>
-            </a:r>
-            <a:r>
-              <a:rPr lang="ru-RU" sz="2500" dirty="0">
-                <a:solidFill>
-                  <a:srgbClr val="000000"/>
-                </a:solidFill>
-                <a:latin typeface="Courier New" panose="02070309020205020404" pitchFamily="49" charset="0"/>
-                <a:ea typeface="Courier New" panose="02070309020205020404" pitchFamily="49" charset="0"/>
-                <a:cs typeface="Courier New" panose="02070309020205020404" pitchFamily="49" charset="0"/>
-              </a:rPr>
-              <a:t>(</a:t>
-            </a:r>
-            <a:r>
-              <a:rPr lang="en-US" sz="2500" dirty="0">
-                <a:solidFill>
-                  <a:srgbClr val="000000"/>
-                </a:solidFill>
-                <a:latin typeface="Courier New" panose="02070309020205020404" pitchFamily="49" charset="0"/>
-                <a:ea typeface="Courier New" panose="02070309020205020404" pitchFamily="49" charset="0"/>
-                <a:cs typeface="Courier New" panose="02070309020205020404" pitchFamily="49" charset="0"/>
-              </a:rPr>
-              <a:t>x</a:t>
-            </a:r>
-            <a:r>
-              <a:rPr lang="ru-RU" sz="2500" dirty="0">
-                <a:solidFill>
-                  <a:srgbClr val="000000"/>
-                </a:solidFill>
-                <a:latin typeface="Courier New" panose="02070309020205020404" pitchFamily="49" charset="0"/>
-                <a:ea typeface="Courier New" panose="02070309020205020404" pitchFamily="49" charset="0"/>
-                <a:cs typeface="Courier New" panose="02070309020205020404" pitchFamily="49" charset="0"/>
-              </a:rPr>
-              <a:t>)/</a:t>
-            </a:r>
-            <a:r>
-              <a:rPr lang="en-US" sz="2500" dirty="0">
-                <a:solidFill>
-                  <a:srgbClr val="000000"/>
-                </a:solidFill>
-                <a:latin typeface="Courier New" panose="02070309020205020404" pitchFamily="49" charset="0"/>
-                <a:ea typeface="Courier New" panose="02070309020205020404" pitchFamily="49" charset="0"/>
-                <a:cs typeface="Courier New" panose="02070309020205020404" pitchFamily="49" charset="0"/>
-              </a:rPr>
-              <a:t>x </a:t>
-            </a:r>
-            <a:r>
-              <a:rPr lang="ru-RU" sz="2500" dirty="0">
-                <a:solidFill>
-                  <a:srgbClr val="000000"/>
-                </a:solidFill>
-                <a:latin typeface="Courier New" panose="02070309020205020404" pitchFamily="49" charset="0"/>
-                <a:ea typeface="Courier New" panose="02070309020205020404" pitchFamily="49" charset="0"/>
-                <a:cs typeface="Courier New" panose="02070309020205020404" pitchFamily="49" charset="0"/>
-              </a:rPr>
-              <a:t>или </a:t>
-            </a:r>
-            <a:r>
-              <a:rPr lang="ru-RU" sz="2500" dirty="0" err="1">
-                <a:solidFill>
-                  <a:srgbClr val="000000"/>
-                </a:solidFill>
-                <a:latin typeface="Courier New" panose="02070309020205020404" pitchFamily="49" charset="0"/>
-                <a:ea typeface="Courier New" panose="02070309020205020404" pitchFamily="49" charset="0"/>
-                <a:cs typeface="Courier New" panose="02070309020205020404" pitchFamily="49" charset="0"/>
-              </a:rPr>
-              <a:t>m</a:t>
-            </a:r>
-            <a:r>
-              <a:rPr lang="ru-RU" sz="2500" dirty="0">
-                <a:solidFill>
-                  <a:srgbClr val="000000"/>
-                </a:solidFill>
-                <a:latin typeface="Courier New" panose="02070309020205020404" pitchFamily="49" charset="0"/>
-                <a:ea typeface="Courier New" panose="02070309020205020404" pitchFamily="49" charset="0"/>
-                <a:cs typeface="Courier New" panose="02070309020205020404" pitchFamily="49" charset="0"/>
-              </a:rPr>
-              <a:t>(</a:t>
-            </a:r>
-            <a:r>
-              <a:rPr lang="en-US" sz="2500" dirty="0">
-                <a:solidFill>
-                  <a:srgbClr val="000000"/>
-                </a:solidFill>
-                <a:latin typeface="Courier New" panose="02070309020205020404" pitchFamily="49" charset="0"/>
-                <a:ea typeface="Courier New" panose="02070309020205020404" pitchFamily="49" charset="0"/>
-                <a:cs typeface="Courier New" panose="02070309020205020404" pitchFamily="49" charset="0"/>
-              </a:rPr>
-              <a:t>x</a:t>
-            </a:r>
-            <a:r>
-              <a:rPr lang="ru-RU" sz="2500" dirty="0">
-                <a:solidFill>
-                  <a:srgbClr val="000000"/>
-                </a:solidFill>
-                <a:latin typeface="Courier New" panose="02070309020205020404" pitchFamily="49" charset="0"/>
-                <a:ea typeface="Courier New" panose="02070309020205020404" pitchFamily="49" charset="0"/>
-                <a:cs typeface="Courier New" panose="02070309020205020404" pitchFamily="49" charset="0"/>
-              </a:rPr>
-              <a:t>)/</a:t>
-            </a:r>
-            <a:r>
-              <a:rPr lang="en-US" sz="2500" dirty="0">
-                <a:solidFill>
-                  <a:srgbClr val="000000"/>
-                </a:solidFill>
-                <a:latin typeface="Courier New" panose="02070309020205020404" pitchFamily="49" charset="0"/>
-                <a:ea typeface="Courier New" panose="02070309020205020404" pitchFamily="49" charset="0"/>
-                <a:cs typeface="Courier New" panose="02070309020205020404" pitchFamily="49" charset="0"/>
-              </a:rPr>
-              <a:t>x</a:t>
-            </a:r>
-            <a:r>
-              <a:rPr lang="ru-RU" sz="2500" dirty="0">
-                <a:solidFill>
-                  <a:srgbClr val="000000"/>
-                </a:solidFill>
-                <a:latin typeface="Courier New" panose="02070309020205020404" pitchFamily="49" charset="0"/>
-                <a:ea typeface="Courier New" panose="02070309020205020404" pitchFamily="49" charset="0"/>
-                <a:cs typeface="Courier New" panose="02070309020205020404" pitchFamily="49" charset="0"/>
-              </a:rPr>
-              <a:t> для краткости). Нечеткое множество </a:t>
-            </a:r>
-            <a:r>
-              <a:rPr lang="en-US" sz="2500" dirty="0">
-                <a:solidFill>
-                  <a:srgbClr val="000000"/>
-                </a:solidFill>
-                <a:latin typeface="Courier New" panose="02070309020205020404" pitchFamily="49" charset="0"/>
-                <a:ea typeface="Courier New" panose="02070309020205020404" pitchFamily="49" charset="0"/>
-                <a:cs typeface="Courier New" panose="02070309020205020404" pitchFamily="49" charset="0"/>
-              </a:rPr>
-              <a:t>A</a:t>
-            </a:r>
-            <a:r>
-              <a:rPr lang="ru-RU" sz="2500" dirty="0">
-                <a:solidFill>
-                  <a:srgbClr val="000000"/>
-                </a:solidFill>
-                <a:latin typeface="Courier New" panose="02070309020205020404" pitchFamily="49" charset="0"/>
-                <a:ea typeface="Courier New" panose="02070309020205020404" pitchFamily="49" charset="0"/>
-                <a:cs typeface="Courier New" panose="02070309020205020404" pitchFamily="49" charset="0"/>
-              </a:rPr>
-              <a:t> в универсуме </a:t>
-            </a:r>
-            <a:r>
-              <a:rPr lang="ru-RU" sz="2500" dirty="0" err="1">
-                <a:solidFill>
-                  <a:srgbClr val="000000"/>
-                </a:solidFill>
-                <a:latin typeface="Courier New" panose="02070309020205020404" pitchFamily="49" charset="0"/>
-                <a:ea typeface="Courier New" panose="02070309020205020404" pitchFamily="49" charset="0"/>
-                <a:cs typeface="Courier New" panose="02070309020205020404" pitchFamily="49" charset="0"/>
-              </a:rPr>
-              <a:t>дискурса</a:t>
-            </a:r>
-            <a:r>
-              <a:rPr lang="ru-RU" sz="2500" dirty="0">
+              <a:rPr lang="ru-RU" dirty="0"/>
+              <a:t>		</a:t>
+            </a:r>
+            <a:endParaRPr lang="ru-RU" dirty="0"/>
+          </a:p>
+          <a:p>
+            <a:pPr>
+              <a:buNone/>
+            </a:pPr>
+            <a:r>
+              <a:rPr lang="ru-RU" sz="1400" dirty="0">
+                <a:solidFill>
+                  <a:srgbClr val="000000"/>
+                </a:solidFill>
+                <a:latin typeface="Courier New" panose="02070309020205020404" pitchFamily="49" charset="0"/>
+                <a:ea typeface="Courier New" panose="02070309020205020404" pitchFamily="49" charset="0"/>
+                <a:cs typeface="Courier New" panose="02070309020205020404" pitchFamily="49" charset="0"/>
+              </a:rPr>
+              <a:t>		Функция принадлежности в библиотеке </a:t>
+            </a:r>
+            <a:r>
+              <a:rPr lang="en-US" sz="1400" dirty="0" err="1">
+                <a:solidFill>
+                  <a:srgbClr val="000000"/>
+                </a:solidFill>
+                <a:latin typeface="Courier New" panose="02070309020205020404" pitchFamily="49" charset="0"/>
+                <a:ea typeface="Courier New" panose="02070309020205020404" pitchFamily="49" charset="0"/>
+                <a:cs typeface="Courier New" panose="02070309020205020404" pitchFamily="49" charset="0"/>
+              </a:rPr>
+              <a:t>FuzzyClips</a:t>
+            </a:r>
+            <a:r>
+              <a:rPr lang="en-US" sz="1400" dirty="0">
                 <a:solidFill>
                   <a:srgbClr val="000000"/>
                 </a:solidFill>
@@ -5760,28 +6073,39 @@
               <a:t> </a:t>
             </a:r>
             <a:r>
-              <a:rPr lang="en-US" sz="2500" dirty="0">
-                <a:solidFill>
-                  <a:srgbClr val="000000"/>
-                </a:solidFill>
-                <a:latin typeface="Courier New" panose="02070309020205020404" pitchFamily="49" charset="0"/>
-                <a:ea typeface="Courier New" panose="02070309020205020404" pitchFamily="49" charset="0"/>
-                <a:cs typeface="Courier New" panose="02070309020205020404" pitchFamily="49" charset="0"/>
-              </a:rPr>
-              <a:t>U</a:t>
-            </a:r>
-            <a:r>
-              <a:rPr lang="ru-RU" sz="2500" dirty="0">
-                <a:solidFill>
-                  <a:srgbClr val="000000"/>
-                </a:solidFill>
-                <a:latin typeface="Courier New" panose="02070309020205020404" pitchFamily="49" charset="0"/>
-                <a:ea typeface="Courier New" panose="02070309020205020404" pitchFamily="49" charset="0"/>
-                <a:cs typeface="Courier New" panose="02070309020205020404" pitchFamily="49" charset="0"/>
-              </a:rPr>
-              <a:t> можно описать следующим образом:</a:t>
-            </a:r>
-            <a:endParaRPr lang="ru-RU" sz="2500" dirty="0">
+              <a:rPr lang="ru-RU" sz="1400" dirty="0">
+                <a:solidFill>
+                  <a:srgbClr val="000000"/>
+                </a:solidFill>
+                <a:latin typeface="Courier New" panose="02070309020205020404" pitchFamily="49" charset="0"/>
+                <a:ea typeface="Courier New" panose="02070309020205020404" pitchFamily="49" charset="0"/>
+                <a:cs typeface="Courier New" panose="02070309020205020404" pitchFamily="49" charset="0"/>
+              </a:rPr>
+              <a:t>может </a:t>
+            </a:r>
+            <a:r>
+              <a:rPr lang="ru-RU" sz="1400" dirty="0" err="1">
+                <a:solidFill>
+                  <a:srgbClr val="000000"/>
+                </a:solidFill>
+                <a:latin typeface="Courier New" panose="02070309020205020404" pitchFamily="49" charset="0"/>
+                <a:ea typeface="Courier New" panose="02070309020205020404" pitchFamily="49" charset="0"/>
+                <a:cs typeface="Courier New" panose="02070309020205020404" pitchFamily="49" charset="0"/>
+              </a:rPr>
+              <a:t>представлятся</a:t>
+            </a:r>
+            <a:r>
+              <a:rPr lang="ru-RU" sz="1400" dirty="0">
+                <a:solidFill>
+                  <a:srgbClr val="000000"/>
+                </a:solidFill>
+                <a:latin typeface="Courier New" panose="02070309020205020404" pitchFamily="49" charset="0"/>
+                <a:ea typeface="Courier New" panose="02070309020205020404" pitchFamily="49" charset="0"/>
+                <a:cs typeface="Courier New" panose="02070309020205020404" pitchFamily="49" charset="0"/>
+              </a:rPr>
+              <a:t> 3 разными способами:</a:t>
+            </a:r>
+            <a:endParaRPr lang="ru-RU" sz="1400" dirty="0">
               <a:solidFill>
                 <a:srgbClr val="000000"/>
               </a:solidFill>
@@ -5794,7 +6118,7 @@
             <a:pPr>
               <a:buNone/>
             </a:pPr>
-            <a:endParaRPr lang="ru-RU" sz="2500" dirty="0">
+            <a:endParaRPr lang="ru-RU" sz="1400" dirty="0">
               <a:solidFill>
                 <a:srgbClr val="000000"/>
               </a:solidFill>
@@ -5804,98 +6128,29 @@
             </a:endParaRPr>
           </a:p>
           <a:p>
-            <a:pPr>
-              <a:buNone/>
-            </a:pPr>
-            <a:r>
-              <a:rPr lang="ru-RU" sz="2500" dirty="0">
-                <a:solidFill>
-                  <a:srgbClr val="000000"/>
-                </a:solidFill>
-                <a:latin typeface="Courier New" panose="02070309020205020404" pitchFamily="49" charset="0"/>
-                <a:ea typeface="Courier New" panose="02070309020205020404" pitchFamily="49" charset="0"/>
-                <a:cs typeface="Courier New" panose="02070309020205020404" pitchFamily="49" charset="0"/>
-              </a:rPr>
-              <a:t>		</a:t>
-            </a:r>
-            <a:r>
-              <a:rPr lang="en-US" sz="2500" dirty="0">
-                <a:solidFill>
-                  <a:srgbClr val="000000"/>
-                </a:solidFill>
-                <a:latin typeface="Courier New" panose="02070309020205020404" pitchFamily="49" charset="0"/>
-                <a:ea typeface="Courier New" panose="02070309020205020404" pitchFamily="49" charset="0"/>
-                <a:cs typeface="Courier New" panose="02070309020205020404" pitchFamily="49" charset="0"/>
-              </a:rPr>
-              <a:t>A</a:t>
-            </a:r>
-            <a:r>
-              <a:rPr lang="ru-RU" sz="2500" dirty="0" err="1">
-                <a:solidFill>
-                  <a:srgbClr val="000000"/>
-                </a:solidFill>
-                <a:latin typeface="Courier New" panose="02070309020205020404" pitchFamily="49" charset="0"/>
-                <a:ea typeface="Courier New" panose="02070309020205020404" pitchFamily="49" charset="0"/>
-                <a:cs typeface="Courier New" panose="02070309020205020404" pitchFamily="49" charset="0"/>
-              </a:rPr>
-              <a:t>=m</a:t>
-            </a:r>
-            <a:r>
-              <a:rPr lang="en-US" sz="2500" dirty="0">
-                <a:solidFill>
-                  <a:srgbClr val="000000"/>
-                </a:solidFill>
-                <a:latin typeface="Courier New" panose="02070309020205020404" pitchFamily="49" charset="0"/>
-                <a:ea typeface="Courier New" panose="02070309020205020404" pitchFamily="49" charset="0"/>
-                <a:cs typeface="Courier New" panose="02070309020205020404" pitchFamily="49" charset="0"/>
-              </a:rPr>
-              <a:t>A</a:t>
-            </a:r>
-            <a:r>
-              <a:rPr lang="ru-RU" sz="2500" dirty="0">
-                <a:solidFill>
-                  <a:srgbClr val="000000"/>
-                </a:solidFill>
-                <a:latin typeface="Courier New" panose="02070309020205020404" pitchFamily="49" charset="0"/>
-                <a:ea typeface="Courier New" panose="02070309020205020404" pitchFamily="49" charset="0"/>
-                <a:cs typeface="Courier New" panose="02070309020205020404" pitchFamily="49" charset="0"/>
-              </a:rPr>
-              <a:t> (</a:t>
-            </a:r>
-            <a:r>
-              <a:rPr lang="en-US" sz="2500" dirty="0">
-                <a:solidFill>
-                  <a:srgbClr val="000000"/>
-                </a:solidFill>
-                <a:latin typeface="Courier New" panose="02070309020205020404" pitchFamily="49" charset="0"/>
-                <a:ea typeface="Courier New" panose="02070309020205020404" pitchFamily="49" charset="0"/>
-                <a:cs typeface="Courier New" panose="02070309020205020404" pitchFamily="49" charset="0"/>
-              </a:rPr>
-              <a:t>x</a:t>
-            </a:r>
-            <a:r>
-              <a:rPr lang="ru-RU" sz="2500" dirty="0">
-                <a:solidFill>
-                  <a:srgbClr val="000000"/>
-                </a:solidFill>
-                <a:latin typeface="Courier New" panose="02070309020205020404" pitchFamily="49" charset="0"/>
-                <a:ea typeface="Courier New" panose="02070309020205020404" pitchFamily="49" charset="0"/>
-                <a:cs typeface="Courier New" panose="02070309020205020404" pitchFamily="49" charset="0"/>
-              </a:rPr>
-              <a:t>)/ </a:t>
-            </a:r>
-            <a:r>
-              <a:rPr lang="en-US" sz="2500" dirty="0">
-                <a:solidFill>
-                  <a:srgbClr val="000000"/>
-                </a:solidFill>
-                <a:latin typeface="Courier New" panose="02070309020205020404" pitchFamily="49" charset="0"/>
-                <a:ea typeface="Courier New" panose="02070309020205020404" pitchFamily="49" charset="0"/>
-                <a:cs typeface="Courier New" panose="02070309020205020404" pitchFamily="49" charset="0"/>
-              </a:rPr>
-              <a:t>x</a:t>
-            </a:r>
-            <a:endParaRPr lang="ru-RU" sz="2500" dirty="0">
+            <a:r>
+              <a:rPr lang="ru-RU" sz="1400" dirty="0">
+                <a:solidFill>
+                  <a:srgbClr val="000000"/>
+                </a:solidFill>
+                <a:latin typeface="Courier New" panose="02070309020205020404" pitchFamily="49" charset="0"/>
+                <a:ea typeface="Courier New" panose="02070309020205020404" pitchFamily="49" charset="0"/>
+                <a:cs typeface="Courier New" panose="02070309020205020404" pitchFamily="49" charset="0"/>
+              </a:rPr>
+              <a:t>Представление в виде </a:t>
+            </a:r>
+            <a:r>
+              <a:rPr lang="ru-RU" sz="1400" dirty="0" err="1">
+                <a:solidFill>
+                  <a:srgbClr val="000000"/>
+                </a:solidFill>
+                <a:latin typeface="Courier New" panose="02070309020205020404" pitchFamily="49" charset="0"/>
+                <a:ea typeface="Courier New" panose="02070309020205020404" pitchFamily="49" charset="0"/>
+                <a:cs typeface="Courier New" panose="02070309020205020404" pitchFamily="49" charset="0"/>
+              </a:rPr>
+              <a:t>синглтона</a:t>
+            </a:r>
+            <a:endParaRPr lang="ru-RU" sz="1400" dirty="0">
               <a:solidFill>
                 <a:srgbClr val="000000"/>
               </a:solidFill>
@@ -5905,54 +6160,18 @@
             </a:endParaRPr>
           </a:p>
           <a:p>
-            <a:pPr>
-              <a:buNone/>
-            </a:pPr>
-            <a:r>
-              <a:rPr lang="ru-RU" sz="2500" dirty="0">
-                <a:solidFill>
-                  <a:srgbClr val="000000"/>
-                </a:solidFill>
-                <a:latin typeface="Courier New" panose="02070309020205020404" pitchFamily="49" charset="0"/>
-                <a:ea typeface="Courier New" panose="02070309020205020404" pitchFamily="49" charset="0"/>
-                <a:cs typeface="Courier New" panose="02070309020205020404" pitchFamily="49" charset="0"/>
-              </a:rPr>
-              <a:t>		</a:t>
-            </a:r>
-            <a:r>
-              <a:rPr lang="en-US" sz="2500" dirty="0">
-                <a:solidFill>
-                  <a:srgbClr val="000000"/>
-                </a:solidFill>
-                <a:latin typeface="Courier New" panose="02070309020205020404" pitchFamily="49" charset="0"/>
-                <a:ea typeface="Courier New" panose="02070309020205020404" pitchFamily="49" charset="0"/>
-                <a:cs typeface="Courier New" panose="02070309020205020404" pitchFamily="49" charset="0"/>
-              </a:rPr>
-              <a:t>x</a:t>
-            </a:r>
-            <a:r>
-              <a:rPr lang="ru-RU" sz="2500" dirty="0">
-                <a:solidFill>
-                  <a:srgbClr val="000000"/>
-                </a:solidFill>
-                <a:latin typeface="Courier New" panose="02070309020205020404" pitchFamily="49" charset="0"/>
-                <a:ea typeface="Courier New" panose="02070309020205020404" pitchFamily="49" charset="0"/>
-                <a:cs typeface="Courier New" panose="02070309020205020404" pitchFamily="49" charset="0"/>
-              </a:rPr>
-              <a:t>Î</a:t>
-            </a:r>
-            <a:r>
-              <a:rPr lang="en-US" sz="2500" dirty="0">
-                <a:solidFill>
-                  <a:srgbClr val="000000"/>
-                </a:solidFill>
-                <a:latin typeface="Courier New" panose="02070309020205020404" pitchFamily="49" charset="0"/>
-                <a:ea typeface="Courier New" panose="02070309020205020404" pitchFamily="49" charset="0"/>
-                <a:cs typeface="Courier New" panose="02070309020205020404" pitchFamily="49" charset="0"/>
-              </a:rPr>
-              <a:t>U</a:t>
-            </a:r>
-            <a:endParaRPr lang="ru-RU" sz="2500" dirty="0">
+            <a:r>
+              <a:rPr lang="ru-RU" sz="1400" dirty="0">
+                <a:solidFill>
+                  <a:srgbClr val="000000"/>
+                </a:solidFill>
+                <a:latin typeface="Courier New" panose="02070309020205020404" pitchFamily="49" charset="0"/>
+                <a:ea typeface="Courier New" panose="02070309020205020404" pitchFamily="49" charset="0"/>
+                <a:cs typeface="Courier New" panose="02070309020205020404" pitchFamily="49" charset="0"/>
+              </a:rPr>
+              <a:t>Представление в виде стандартной функции</a:t>
+            </a:r>
+            <a:endParaRPr lang="ru-RU" sz="1400" dirty="0">
               <a:solidFill>
                 <a:srgbClr val="000000"/>
               </a:solidFill>
@@ -5962,43 +6181,18 @@
             </a:endParaRPr>
           </a:p>
           <a:p>
-            <a:pPr>
-              <a:buNone/>
-            </a:pPr>
-            <a:r>
-              <a:rPr lang="ru-RU" sz="2500" dirty="0">
-                <a:solidFill>
-                  <a:srgbClr val="000000"/>
-                </a:solidFill>
-                <a:latin typeface="Courier New" panose="02070309020205020404" pitchFamily="49" charset="0"/>
-                <a:ea typeface="Courier New" panose="02070309020205020404" pitchFamily="49" charset="0"/>
-                <a:cs typeface="Courier New" panose="02070309020205020404" pitchFamily="49" charset="0"/>
-              </a:rPr>
-              <a:t>			где интегральный символ обозначает объединение </a:t>
-            </a:r>
-            <a:r>
-              <a:rPr lang="ru-RU" sz="2500" dirty="0" err="1">
-                <a:solidFill>
-                  <a:srgbClr val="000000"/>
-                </a:solidFill>
-                <a:latin typeface="Courier New" panose="02070309020205020404" pitchFamily="49" charset="0"/>
-                <a:ea typeface="Courier New" panose="02070309020205020404" pitchFamily="49" charset="0"/>
-                <a:cs typeface="Courier New" panose="02070309020205020404" pitchFamily="49" charset="0"/>
-              </a:rPr>
-              <a:t>синглтонов</a:t>
-            </a:r>
-            <a:r>
-              <a:rPr lang="ru-RU" sz="2500" dirty="0">
-                <a:solidFill>
-                  <a:srgbClr val="000000"/>
-                </a:solidFill>
-                <a:latin typeface="Courier New" panose="02070309020205020404" pitchFamily="49" charset="0"/>
-                <a:ea typeface="Courier New" panose="02070309020205020404" pitchFamily="49" charset="0"/>
-                <a:cs typeface="Courier New" panose="02070309020205020404" pitchFamily="49" charset="0"/>
-              </a:rPr>
-              <a:t>.</a:t>
-            </a:r>
-            <a:endParaRPr lang="ru-RU" sz="2500" dirty="0">
+            <a:r>
+              <a:rPr lang="ru-RU" sz="1400" dirty="0">
+                <a:solidFill>
+                  <a:srgbClr val="000000"/>
+                </a:solidFill>
+                <a:latin typeface="Courier New" panose="02070309020205020404" pitchFamily="49" charset="0"/>
+                <a:ea typeface="Courier New" panose="02070309020205020404" pitchFamily="49" charset="0"/>
+                <a:cs typeface="Courier New" panose="02070309020205020404" pitchFamily="49" charset="0"/>
+              </a:rPr>
+              <a:t>Представление в виде языковых выражений</a:t>
+            </a:r>
+            <a:endParaRPr lang="ru-RU" sz="1400" dirty="0">
               <a:solidFill>
                 <a:srgbClr val="000000"/>
               </a:solidFill>
@@ -6006,805 +6200,6 @@
               <a:ea typeface="Courier New" panose="02070309020205020404" pitchFamily="49" charset="0"/>
               <a:cs typeface="Courier New" panose="02070309020205020404" pitchFamily="49" charset="0"/>
             </a:endParaRPr>
-          </a:p>
-          <a:p>
-            <a:pPr>
-              <a:buNone/>
-            </a:pPr>
-            <a:endParaRPr lang="ru-RU" sz="2500" dirty="0">
-              <a:solidFill>
-                <a:srgbClr val="000000"/>
-              </a:solidFill>
-              <a:latin typeface="Courier New" panose="02070309020205020404" pitchFamily="49" charset="0"/>
-              <a:ea typeface="Courier New" panose="02070309020205020404" pitchFamily="49" charset="0"/>
-              <a:cs typeface="Courier New" panose="02070309020205020404" pitchFamily="49" charset="0"/>
-            </a:endParaRPr>
-          </a:p>
-          <a:p>
-            <a:pPr>
-              <a:buNone/>
-            </a:pPr>
-            <a:r>
-              <a:rPr lang="ru-RU" sz="2500" dirty="0">
-                <a:solidFill>
-                  <a:srgbClr val="000000"/>
-                </a:solidFill>
-                <a:latin typeface="Courier New" panose="02070309020205020404" pitchFamily="49" charset="0"/>
-                <a:ea typeface="Courier New" panose="02070309020205020404" pitchFamily="49" charset="0"/>
-                <a:cs typeface="Courier New" panose="02070309020205020404" pitchFamily="49" charset="0"/>
-              </a:rPr>
-              <a:t>		Нечеткое множество представлено упорядоченным множеством точек, соединенных сегментами прямой линии. Степень принадлежности значения </a:t>
-            </a:r>
-            <a:r>
-              <a:rPr lang="ru-RU" sz="2500" dirty="0" err="1">
-                <a:solidFill>
-                  <a:srgbClr val="000000"/>
-                </a:solidFill>
-                <a:latin typeface="Courier New" panose="02070309020205020404" pitchFamily="49" charset="0"/>
-                <a:ea typeface="Courier New" panose="02070309020205020404" pitchFamily="49" charset="0"/>
-                <a:cs typeface="Courier New" panose="02070309020205020404" pitchFamily="49" charset="0"/>
-              </a:rPr>
-              <a:t>х</a:t>
-            </a:r>
-            <a:r>
-              <a:rPr lang="ru-RU" sz="2500" dirty="0">
-                <a:solidFill>
-                  <a:srgbClr val="000000"/>
-                </a:solidFill>
-                <a:latin typeface="Courier New" panose="02070309020205020404" pitchFamily="49" charset="0"/>
-                <a:ea typeface="Courier New" panose="02070309020205020404" pitchFamily="49" charset="0"/>
-                <a:cs typeface="Courier New" panose="02070309020205020404" pitchFamily="49" charset="0"/>
-              </a:rPr>
-              <a:t>, не указанного в списке </a:t>
-            </a:r>
-            <a:r>
-              <a:rPr lang="ru-RU" sz="2500" dirty="0" err="1">
-                <a:solidFill>
-                  <a:srgbClr val="000000"/>
-                </a:solidFill>
-                <a:latin typeface="Courier New" panose="02070309020205020404" pitchFamily="49" charset="0"/>
-                <a:ea typeface="Courier New" panose="02070309020205020404" pitchFamily="49" charset="0"/>
-                <a:cs typeface="Courier New" panose="02070309020205020404" pitchFamily="49" charset="0"/>
-              </a:rPr>
-              <a:t>синглтонов</a:t>
-            </a:r>
-            <a:r>
-              <a:rPr lang="ru-RU" sz="2500" dirty="0">
-                <a:solidFill>
-                  <a:srgbClr val="000000"/>
-                </a:solidFill>
-                <a:latin typeface="Courier New" panose="02070309020205020404" pitchFamily="49" charset="0"/>
-                <a:ea typeface="Courier New" panose="02070309020205020404" pitchFamily="49" charset="0"/>
-                <a:cs typeface="Courier New" panose="02070309020205020404" pitchFamily="49" charset="0"/>
-              </a:rPr>
-              <a:t>, будет рассчитываться на основе интерполяции по следующей формуле (для точек, которые не имеют нескольких значений принадлежности, в этих случаях значение принадлежности определяется как  максимальное для всех значений при одном и том же значении </a:t>
-            </a:r>
-            <a:r>
-              <a:rPr lang="ru-RU" sz="2500" dirty="0" err="1">
-                <a:solidFill>
-                  <a:srgbClr val="000000"/>
-                </a:solidFill>
-                <a:latin typeface="Courier New" panose="02070309020205020404" pitchFamily="49" charset="0"/>
-                <a:ea typeface="Courier New" panose="02070309020205020404" pitchFamily="49" charset="0"/>
-                <a:cs typeface="Courier New" panose="02070309020205020404" pitchFamily="49" charset="0"/>
-              </a:rPr>
-              <a:t>х</a:t>
-            </a:r>
-            <a:r>
-              <a:rPr lang="ru-RU" sz="2500" dirty="0">
-                <a:solidFill>
-                  <a:srgbClr val="000000"/>
-                </a:solidFill>
-                <a:latin typeface="Courier New" panose="02070309020205020404" pitchFamily="49" charset="0"/>
-                <a:ea typeface="Courier New" panose="02070309020205020404" pitchFamily="49" charset="0"/>
-                <a:cs typeface="Courier New" panose="02070309020205020404" pitchFamily="49" charset="0"/>
-              </a:rPr>
-              <a:t>):</a:t>
-            </a:r>
-            <a:endParaRPr lang="ru-RU" sz="2500" dirty="0">
-              <a:solidFill>
-                <a:srgbClr val="000000"/>
-              </a:solidFill>
-              <a:latin typeface="Courier New" panose="02070309020205020404" pitchFamily="49" charset="0"/>
-              <a:ea typeface="Courier New" panose="02070309020205020404" pitchFamily="49" charset="0"/>
-              <a:cs typeface="Courier New" panose="02070309020205020404" pitchFamily="49" charset="0"/>
-            </a:endParaRPr>
-          </a:p>
-          <a:p>
-            <a:pPr>
-              <a:buNone/>
-            </a:pPr>
-            <a:endParaRPr lang="ru-RU" sz="2500" dirty="0">
-              <a:solidFill>
-                <a:srgbClr val="000000"/>
-              </a:solidFill>
-              <a:latin typeface="Courier New" panose="02070309020205020404" pitchFamily="49" charset="0"/>
-              <a:ea typeface="Courier New" panose="02070309020205020404" pitchFamily="49" charset="0"/>
-              <a:cs typeface="Courier New" panose="02070309020205020404" pitchFamily="49" charset="0"/>
-            </a:endParaRPr>
-          </a:p>
-          <a:p>
-            <a:pPr>
-              <a:buNone/>
-            </a:pPr>
-            <a:r>
-              <a:rPr lang="ru-RU" sz="2500" dirty="0">
-                <a:solidFill>
-                  <a:srgbClr val="000000"/>
-                </a:solidFill>
-                <a:latin typeface="Courier New" panose="02070309020205020404" pitchFamily="49" charset="0"/>
-                <a:ea typeface="Courier New" panose="02070309020205020404" pitchFamily="49" charset="0"/>
-                <a:cs typeface="Courier New" panose="02070309020205020404" pitchFamily="49" charset="0"/>
-              </a:rPr>
-              <a:t>		</a:t>
-            </a:r>
-            <a:r>
-              <a:rPr lang="ru-RU" sz="2500" dirty="0" err="1">
-                <a:solidFill>
-                  <a:srgbClr val="000000"/>
-                </a:solidFill>
-                <a:latin typeface="Courier New" panose="02070309020205020404" pitchFamily="49" charset="0"/>
-                <a:ea typeface="Courier New" panose="02070309020205020404" pitchFamily="49" charset="0"/>
-                <a:cs typeface="Courier New" panose="02070309020205020404" pitchFamily="49" charset="0"/>
-              </a:rPr>
-              <a:t>m</a:t>
-            </a:r>
-            <a:r>
-              <a:rPr lang="ru-RU" sz="2500" dirty="0">
-                <a:solidFill>
-                  <a:srgbClr val="000000"/>
-                </a:solidFill>
-                <a:latin typeface="Courier New" panose="02070309020205020404" pitchFamily="49" charset="0"/>
-                <a:ea typeface="Courier New" panose="02070309020205020404" pitchFamily="49" charset="0"/>
-                <a:cs typeface="Courier New" panose="02070309020205020404" pitchFamily="49" charset="0"/>
-              </a:rPr>
-              <a:t>(</a:t>
-            </a:r>
-            <a:r>
-              <a:rPr lang="en-US" sz="2500" dirty="0">
-                <a:solidFill>
-                  <a:srgbClr val="000000"/>
-                </a:solidFill>
-                <a:latin typeface="Courier New" panose="02070309020205020404" pitchFamily="49" charset="0"/>
-                <a:ea typeface="Courier New" panose="02070309020205020404" pitchFamily="49" charset="0"/>
-                <a:cs typeface="Courier New" panose="02070309020205020404" pitchFamily="49" charset="0"/>
-              </a:rPr>
-              <a:t>x</a:t>
-            </a:r>
-            <a:r>
-              <a:rPr lang="ru-RU" sz="2500" dirty="0">
-                <a:solidFill>
-                  <a:srgbClr val="000000"/>
-                </a:solidFill>
-                <a:latin typeface="Courier New" panose="02070309020205020404" pitchFamily="49" charset="0"/>
-                <a:ea typeface="Courier New" panose="02070309020205020404" pitchFamily="49" charset="0"/>
-                <a:cs typeface="Courier New" panose="02070309020205020404" pitchFamily="49" charset="0"/>
-              </a:rPr>
-              <a:t>)= </a:t>
-            </a:r>
-            <a:r>
-              <a:rPr lang="ru-RU" sz="2500" dirty="0" err="1">
-                <a:solidFill>
-                  <a:srgbClr val="000000"/>
-                </a:solidFill>
-                <a:latin typeface="Courier New" panose="02070309020205020404" pitchFamily="49" charset="0"/>
-                <a:ea typeface="Courier New" panose="02070309020205020404" pitchFamily="49" charset="0"/>
-                <a:cs typeface="Courier New" panose="02070309020205020404" pitchFamily="49" charset="0"/>
-              </a:rPr>
-              <a:t>m</a:t>
-            </a:r>
-            <a:r>
-              <a:rPr lang="ru-RU" sz="2500" dirty="0">
-                <a:solidFill>
-                  <a:srgbClr val="000000"/>
-                </a:solidFill>
-                <a:latin typeface="Courier New" panose="02070309020205020404" pitchFamily="49" charset="0"/>
-                <a:ea typeface="Courier New" panose="02070309020205020404" pitchFamily="49" charset="0"/>
-                <a:cs typeface="Courier New" panose="02070309020205020404" pitchFamily="49" charset="0"/>
-              </a:rPr>
-              <a:t>(</a:t>
-            </a:r>
-            <a:r>
-              <a:rPr lang="en-US" sz="2500" dirty="0">
-                <a:solidFill>
-                  <a:srgbClr val="000000"/>
-                </a:solidFill>
-                <a:latin typeface="Courier New" panose="02070309020205020404" pitchFamily="49" charset="0"/>
-                <a:ea typeface="Courier New" panose="02070309020205020404" pitchFamily="49" charset="0"/>
-                <a:cs typeface="Courier New" panose="02070309020205020404" pitchFamily="49" charset="0"/>
-              </a:rPr>
-              <a:t>x</a:t>
-            </a:r>
-            <a:r>
-              <a:rPr lang="ru-RU" sz="2500" dirty="0">
-                <a:solidFill>
-                  <a:srgbClr val="000000"/>
-                </a:solidFill>
-                <a:latin typeface="Courier New" panose="02070309020205020404" pitchFamily="49" charset="0"/>
-                <a:ea typeface="Courier New" panose="02070309020205020404" pitchFamily="49" charset="0"/>
-                <a:cs typeface="Courier New" panose="02070309020205020404" pitchFamily="49" charset="0"/>
-              </a:rPr>
-              <a:t>1 ),  </a:t>
-            </a:r>
-            <a:r>
-              <a:rPr lang="en-US" sz="2500" dirty="0">
-                <a:solidFill>
-                  <a:srgbClr val="000000"/>
-                </a:solidFill>
-                <a:latin typeface="Courier New" panose="02070309020205020404" pitchFamily="49" charset="0"/>
-                <a:ea typeface="Courier New" panose="02070309020205020404" pitchFamily="49" charset="0"/>
-                <a:cs typeface="Courier New" panose="02070309020205020404" pitchFamily="49" charset="0"/>
-              </a:rPr>
-              <a:t>x </a:t>
-            </a:r>
-            <a:r>
-              <a:rPr lang="ru-RU" sz="2500" dirty="0">
-                <a:solidFill>
-                  <a:srgbClr val="000000"/>
-                </a:solidFill>
-                <a:latin typeface="Courier New" panose="02070309020205020404" pitchFamily="49" charset="0"/>
-                <a:ea typeface="Courier New" panose="02070309020205020404" pitchFamily="49" charset="0"/>
-                <a:cs typeface="Courier New" panose="02070309020205020404" pitchFamily="49" charset="0"/>
-              </a:rPr>
-              <a:t>£ </a:t>
-            </a:r>
-            <a:r>
-              <a:rPr lang="en-US" sz="2500" dirty="0">
-                <a:solidFill>
-                  <a:srgbClr val="000000"/>
-                </a:solidFill>
-                <a:latin typeface="Courier New" panose="02070309020205020404" pitchFamily="49" charset="0"/>
-                <a:ea typeface="Courier New" panose="02070309020205020404" pitchFamily="49" charset="0"/>
-                <a:cs typeface="Courier New" panose="02070309020205020404" pitchFamily="49" charset="0"/>
-              </a:rPr>
-              <a:t>x</a:t>
-            </a:r>
-            <a:r>
-              <a:rPr lang="ru-RU" sz="2500" dirty="0">
-                <a:solidFill>
-                  <a:srgbClr val="000000"/>
-                </a:solidFill>
-                <a:latin typeface="Courier New" panose="02070309020205020404" pitchFamily="49" charset="0"/>
-                <a:ea typeface="Courier New" panose="02070309020205020404" pitchFamily="49" charset="0"/>
-                <a:cs typeface="Courier New" panose="02070309020205020404" pitchFamily="49" charset="0"/>
-              </a:rPr>
-              <a:t>1</a:t>
-            </a:r>
-            <a:endParaRPr lang="ru-RU" sz="2500" dirty="0">
-              <a:solidFill>
-                <a:srgbClr val="000000"/>
-              </a:solidFill>
-              <a:latin typeface="Courier New" panose="02070309020205020404" pitchFamily="49" charset="0"/>
-              <a:ea typeface="Courier New" panose="02070309020205020404" pitchFamily="49" charset="0"/>
-              <a:cs typeface="Courier New" panose="02070309020205020404" pitchFamily="49" charset="0"/>
-            </a:endParaRPr>
-          </a:p>
-          <a:p>
-            <a:pPr>
-              <a:buNone/>
-            </a:pPr>
-            <a:r>
-              <a:rPr lang="ru-RU" sz="2500" dirty="0">
-                <a:solidFill>
-                  <a:srgbClr val="000000"/>
-                </a:solidFill>
-                <a:latin typeface="Courier New" panose="02070309020205020404" pitchFamily="49" charset="0"/>
-                <a:ea typeface="Courier New" panose="02070309020205020404" pitchFamily="49" charset="0"/>
-                <a:cs typeface="Courier New" panose="02070309020205020404" pitchFamily="49" charset="0"/>
-              </a:rPr>
-              <a:t>		</a:t>
-            </a:r>
-            <a:r>
-              <a:rPr lang="ru-RU" sz="2500" dirty="0" err="1">
-                <a:solidFill>
-                  <a:srgbClr val="000000"/>
-                </a:solidFill>
-                <a:latin typeface="Courier New" panose="02070309020205020404" pitchFamily="49" charset="0"/>
-                <a:ea typeface="Courier New" panose="02070309020205020404" pitchFamily="49" charset="0"/>
-                <a:cs typeface="Courier New" panose="02070309020205020404" pitchFamily="49" charset="0"/>
-              </a:rPr>
-              <a:t>m</a:t>
-            </a:r>
-            <a:r>
-              <a:rPr lang="ru-RU" sz="2500" dirty="0">
-                <a:solidFill>
-                  <a:srgbClr val="000000"/>
-                </a:solidFill>
-                <a:latin typeface="Courier New" panose="02070309020205020404" pitchFamily="49" charset="0"/>
-                <a:ea typeface="Courier New" panose="02070309020205020404" pitchFamily="49" charset="0"/>
-                <a:cs typeface="Courier New" panose="02070309020205020404" pitchFamily="49" charset="0"/>
-              </a:rPr>
-              <a:t>(</a:t>
-            </a:r>
-            <a:r>
-              <a:rPr lang="en-US" sz="2500" dirty="0">
-                <a:solidFill>
-                  <a:srgbClr val="000000"/>
-                </a:solidFill>
-                <a:latin typeface="Courier New" panose="02070309020205020404" pitchFamily="49" charset="0"/>
-                <a:ea typeface="Courier New" panose="02070309020205020404" pitchFamily="49" charset="0"/>
-                <a:cs typeface="Courier New" panose="02070309020205020404" pitchFamily="49" charset="0"/>
-              </a:rPr>
-              <a:t>x</a:t>
-            </a:r>
-            <a:r>
-              <a:rPr lang="ru-RU" sz="2500" dirty="0">
-                <a:solidFill>
-                  <a:srgbClr val="000000"/>
-                </a:solidFill>
-                <a:latin typeface="Courier New" panose="02070309020205020404" pitchFamily="49" charset="0"/>
-                <a:ea typeface="Courier New" panose="02070309020205020404" pitchFamily="49" charset="0"/>
-                <a:cs typeface="Courier New" panose="02070309020205020404" pitchFamily="49" charset="0"/>
-              </a:rPr>
-              <a:t>)= </a:t>
-            </a:r>
-            <a:r>
-              <a:rPr lang="ru-RU" sz="2500" dirty="0" err="1">
-                <a:solidFill>
-                  <a:srgbClr val="000000"/>
-                </a:solidFill>
-                <a:latin typeface="Courier New" panose="02070309020205020404" pitchFamily="49" charset="0"/>
-                <a:ea typeface="Courier New" panose="02070309020205020404" pitchFamily="49" charset="0"/>
-                <a:cs typeface="Courier New" panose="02070309020205020404" pitchFamily="49" charset="0"/>
-              </a:rPr>
-              <a:t>m</a:t>
-            </a:r>
-            <a:r>
-              <a:rPr lang="ru-RU" sz="2500" dirty="0">
-                <a:solidFill>
-                  <a:srgbClr val="000000"/>
-                </a:solidFill>
-                <a:latin typeface="Courier New" panose="02070309020205020404" pitchFamily="49" charset="0"/>
-                <a:ea typeface="Courier New" panose="02070309020205020404" pitchFamily="49" charset="0"/>
-                <a:cs typeface="Courier New" panose="02070309020205020404" pitchFamily="49" charset="0"/>
-              </a:rPr>
-              <a:t>(</a:t>
-            </a:r>
-            <a:r>
-              <a:rPr lang="en-US" sz="2500" dirty="0">
-                <a:solidFill>
-                  <a:srgbClr val="000000"/>
-                </a:solidFill>
-                <a:latin typeface="Courier New" panose="02070309020205020404" pitchFamily="49" charset="0"/>
-                <a:ea typeface="Courier New" panose="02070309020205020404" pitchFamily="49" charset="0"/>
-                <a:cs typeface="Courier New" panose="02070309020205020404" pitchFamily="49" charset="0"/>
-              </a:rPr>
-              <a:t>xi </a:t>
-            </a:r>
-            <a:r>
-              <a:rPr lang="ru-RU" sz="2500" dirty="0">
-                <a:solidFill>
-                  <a:srgbClr val="000000"/>
-                </a:solidFill>
-                <a:latin typeface="Courier New" panose="02070309020205020404" pitchFamily="49" charset="0"/>
-                <a:ea typeface="Courier New" panose="02070309020205020404" pitchFamily="49" charset="0"/>
-                <a:cs typeface="Courier New" panose="02070309020205020404" pitchFamily="49" charset="0"/>
-              </a:rPr>
-              <a:t>)+ </a:t>
-            </a:r>
-            <a:r>
-              <a:rPr lang="ru-RU" sz="2500" dirty="0" err="1">
-                <a:solidFill>
-                  <a:srgbClr val="000000"/>
-                </a:solidFill>
-                <a:latin typeface="Courier New" panose="02070309020205020404" pitchFamily="49" charset="0"/>
-                <a:ea typeface="Courier New" panose="02070309020205020404" pitchFamily="49" charset="0"/>
-                <a:cs typeface="Courier New" panose="02070309020205020404" pitchFamily="49" charset="0"/>
-              </a:rPr>
-              <a:t>m</a:t>
-            </a:r>
-            <a:r>
-              <a:rPr lang="ru-RU" sz="2500" dirty="0">
-                <a:solidFill>
-                  <a:srgbClr val="000000"/>
-                </a:solidFill>
-                <a:latin typeface="Courier New" panose="02070309020205020404" pitchFamily="49" charset="0"/>
-                <a:ea typeface="Courier New" panose="02070309020205020404" pitchFamily="49" charset="0"/>
-                <a:cs typeface="Courier New" panose="02070309020205020404" pitchFamily="49" charset="0"/>
-              </a:rPr>
-              <a:t>(</a:t>
-            </a:r>
-            <a:r>
-              <a:rPr lang="en-US" sz="2500" dirty="0">
-                <a:solidFill>
-                  <a:srgbClr val="000000"/>
-                </a:solidFill>
-                <a:latin typeface="Courier New" panose="02070309020205020404" pitchFamily="49" charset="0"/>
-                <a:ea typeface="Courier New" panose="02070309020205020404" pitchFamily="49" charset="0"/>
-                <a:cs typeface="Courier New" panose="02070309020205020404" pitchFamily="49" charset="0"/>
-              </a:rPr>
-              <a:t>xi </a:t>
-            </a:r>
-            <a:r>
-              <a:rPr lang="ru-RU" sz="2500" dirty="0">
-                <a:solidFill>
-                  <a:srgbClr val="000000"/>
-                </a:solidFill>
-                <a:latin typeface="Courier New" panose="02070309020205020404" pitchFamily="49" charset="0"/>
-                <a:ea typeface="Courier New" panose="02070309020205020404" pitchFamily="49" charset="0"/>
-                <a:cs typeface="Courier New" panose="02070309020205020404" pitchFamily="49" charset="0"/>
-              </a:rPr>
-              <a:t>+1 )- </a:t>
-            </a:r>
-            <a:r>
-              <a:rPr lang="ru-RU" sz="2500" dirty="0" err="1">
-                <a:solidFill>
-                  <a:srgbClr val="000000"/>
-                </a:solidFill>
-                <a:latin typeface="Courier New" panose="02070309020205020404" pitchFamily="49" charset="0"/>
-                <a:ea typeface="Courier New" panose="02070309020205020404" pitchFamily="49" charset="0"/>
-                <a:cs typeface="Courier New" panose="02070309020205020404" pitchFamily="49" charset="0"/>
-              </a:rPr>
-              <a:t>m</a:t>
-            </a:r>
-            <a:r>
-              <a:rPr lang="ru-RU" sz="2500" dirty="0">
-                <a:solidFill>
-                  <a:srgbClr val="000000"/>
-                </a:solidFill>
-                <a:latin typeface="Courier New" panose="02070309020205020404" pitchFamily="49" charset="0"/>
-                <a:ea typeface="Courier New" panose="02070309020205020404" pitchFamily="49" charset="0"/>
-                <a:cs typeface="Courier New" panose="02070309020205020404" pitchFamily="49" charset="0"/>
-              </a:rPr>
-              <a:t> (</a:t>
-            </a:r>
-            <a:r>
-              <a:rPr lang="en-US" sz="2500" dirty="0">
-                <a:solidFill>
-                  <a:srgbClr val="000000"/>
-                </a:solidFill>
-                <a:latin typeface="Courier New" panose="02070309020205020404" pitchFamily="49" charset="0"/>
-                <a:ea typeface="Courier New" panose="02070309020205020404" pitchFamily="49" charset="0"/>
-                <a:cs typeface="Courier New" panose="02070309020205020404" pitchFamily="49" charset="0"/>
-              </a:rPr>
-              <a:t>xi </a:t>
-            </a:r>
-            <a:r>
-              <a:rPr lang="ru-RU" sz="2500" dirty="0">
-                <a:solidFill>
-                  <a:srgbClr val="000000"/>
-                </a:solidFill>
-                <a:latin typeface="Courier New" panose="02070309020205020404" pitchFamily="49" charset="0"/>
-                <a:ea typeface="Courier New" panose="02070309020205020404" pitchFamily="49" charset="0"/>
-                <a:cs typeface="Courier New" panose="02070309020205020404" pitchFamily="49" charset="0"/>
-              </a:rPr>
-              <a:t>)(</a:t>
-            </a:r>
-            <a:r>
-              <a:rPr lang="en-US" sz="2500" dirty="0">
-                <a:solidFill>
-                  <a:srgbClr val="000000"/>
-                </a:solidFill>
-                <a:latin typeface="Courier New" panose="02070309020205020404" pitchFamily="49" charset="0"/>
-                <a:ea typeface="Courier New" panose="02070309020205020404" pitchFamily="49" charset="0"/>
-                <a:cs typeface="Courier New" panose="02070309020205020404" pitchFamily="49" charset="0"/>
-              </a:rPr>
-              <a:t>x </a:t>
-            </a:r>
-            <a:r>
-              <a:rPr lang="ru-RU" sz="2500" dirty="0">
-                <a:solidFill>
-                  <a:srgbClr val="000000"/>
-                </a:solidFill>
-                <a:latin typeface="Courier New" panose="02070309020205020404" pitchFamily="49" charset="0"/>
-                <a:ea typeface="Courier New" panose="02070309020205020404" pitchFamily="49" charset="0"/>
-                <a:cs typeface="Courier New" panose="02070309020205020404" pitchFamily="49" charset="0"/>
-              </a:rPr>
-              <a:t>- </a:t>
-            </a:r>
-            <a:r>
-              <a:rPr lang="en-US" sz="2500" dirty="0">
-                <a:solidFill>
-                  <a:srgbClr val="000000"/>
-                </a:solidFill>
-                <a:latin typeface="Courier New" panose="02070309020205020404" pitchFamily="49" charset="0"/>
-                <a:ea typeface="Courier New" panose="02070309020205020404" pitchFamily="49" charset="0"/>
-                <a:cs typeface="Courier New" panose="02070309020205020404" pitchFamily="49" charset="0"/>
-              </a:rPr>
-              <a:t>xi </a:t>
-            </a:r>
-            <a:r>
-              <a:rPr lang="ru-RU" sz="2500" dirty="0">
-                <a:solidFill>
-                  <a:srgbClr val="000000"/>
-                </a:solidFill>
-                <a:latin typeface="Courier New" panose="02070309020205020404" pitchFamily="49" charset="0"/>
-                <a:ea typeface="Courier New" panose="02070309020205020404" pitchFamily="49" charset="0"/>
-                <a:cs typeface="Courier New" panose="02070309020205020404" pitchFamily="49" charset="0"/>
-              </a:rPr>
-              <a:t>), </a:t>
-            </a:r>
-            <a:r>
-              <a:rPr lang="en-US" sz="2500" dirty="0">
-                <a:solidFill>
-                  <a:srgbClr val="000000"/>
-                </a:solidFill>
-                <a:latin typeface="Courier New" panose="02070309020205020404" pitchFamily="49" charset="0"/>
-                <a:ea typeface="Courier New" panose="02070309020205020404" pitchFamily="49" charset="0"/>
-                <a:cs typeface="Courier New" panose="02070309020205020404" pitchFamily="49" charset="0"/>
-              </a:rPr>
-              <a:t>xi </a:t>
-            </a:r>
-            <a:r>
-              <a:rPr lang="ru-RU" sz="2500" dirty="0">
-                <a:solidFill>
-                  <a:srgbClr val="000000"/>
-                </a:solidFill>
-                <a:latin typeface="Courier New" panose="02070309020205020404" pitchFamily="49" charset="0"/>
-                <a:ea typeface="Courier New" panose="02070309020205020404" pitchFamily="49" charset="0"/>
-                <a:cs typeface="Courier New" panose="02070309020205020404" pitchFamily="49" charset="0"/>
-              </a:rPr>
-              <a:t>&lt; </a:t>
-            </a:r>
-            <a:r>
-              <a:rPr lang="en-US" sz="2500" dirty="0">
-                <a:solidFill>
-                  <a:srgbClr val="000000"/>
-                </a:solidFill>
-                <a:latin typeface="Courier New" panose="02070309020205020404" pitchFamily="49" charset="0"/>
-                <a:ea typeface="Courier New" panose="02070309020205020404" pitchFamily="49" charset="0"/>
-                <a:cs typeface="Courier New" panose="02070309020205020404" pitchFamily="49" charset="0"/>
-              </a:rPr>
-              <a:t>x </a:t>
-            </a:r>
-            <a:r>
-              <a:rPr lang="ru-RU" sz="2500" dirty="0">
-                <a:solidFill>
-                  <a:srgbClr val="000000"/>
-                </a:solidFill>
-                <a:latin typeface="Courier New" panose="02070309020205020404" pitchFamily="49" charset="0"/>
-                <a:ea typeface="Courier New" panose="02070309020205020404" pitchFamily="49" charset="0"/>
-                <a:cs typeface="Courier New" panose="02070309020205020404" pitchFamily="49" charset="0"/>
-              </a:rPr>
-              <a:t>£ </a:t>
-            </a:r>
-            <a:r>
-              <a:rPr lang="en-US" sz="2500" dirty="0">
-                <a:solidFill>
-                  <a:srgbClr val="000000"/>
-                </a:solidFill>
-                <a:latin typeface="Courier New" panose="02070309020205020404" pitchFamily="49" charset="0"/>
-                <a:ea typeface="Courier New" panose="02070309020205020404" pitchFamily="49" charset="0"/>
-                <a:cs typeface="Courier New" panose="02070309020205020404" pitchFamily="49" charset="0"/>
-              </a:rPr>
-              <a:t>xi </a:t>
-            </a:r>
-            <a:r>
-              <a:rPr lang="ru-RU" sz="2500" dirty="0">
-                <a:solidFill>
-                  <a:srgbClr val="000000"/>
-                </a:solidFill>
-                <a:latin typeface="Courier New" panose="02070309020205020404" pitchFamily="49" charset="0"/>
-                <a:ea typeface="Courier New" panose="02070309020205020404" pitchFamily="49" charset="0"/>
-                <a:cs typeface="Courier New" panose="02070309020205020404" pitchFamily="49" charset="0"/>
-              </a:rPr>
-              <a:t>+1 </a:t>
-            </a:r>
-            <a:r>
-              <a:rPr lang="en-US" sz="2500" dirty="0">
-                <a:solidFill>
-                  <a:srgbClr val="000000"/>
-                </a:solidFill>
-                <a:latin typeface="Courier New" panose="02070309020205020404" pitchFamily="49" charset="0"/>
-                <a:ea typeface="Courier New" panose="02070309020205020404" pitchFamily="49" charset="0"/>
-                <a:cs typeface="Courier New" panose="02070309020205020404" pitchFamily="49" charset="0"/>
-              </a:rPr>
-              <a:t>xi </a:t>
-            </a:r>
-            <a:r>
-              <a:rPr lang="ru-RU" sz="2500" dirty="0">
-                <a:solidFill>
-                  <a:srgbClr val="000000"/>
-                </a:solidFill>
-                <a:latin typeface="Courier New" panose="02070309020205020404" pitchFamily="49" charset="0"/>
-                <a:ea typeface="Courier New" panose="02070309020205020404" pitchFamily="49" charset="0"/>
-                <a:cs typeface="Courier New" panose="02070309020205020404" pitchFamily="49" charset="0"/>
-              </a:rPr>
-              <a:t>+1 – </a:t>
-            </a:r>
-            <a:r>
-              <a:rPr lang="en-US" sz="2500" dirty="0">
-                <a:solidFill>
-                  <a:srgbClr val="000000"/>
-                </a:solidFill>
-                <a:latin typeface="Courier New" panose="02070309020205020404" pitchFamily="49" charset="0"/>
-                <a:ea typeface="Courier New" panose="02070309020205020404" pitchFamily="49" charset="0"/>
-                <a:cs typeface="Courier New" panose="02070309020205020404" pitchFamily="49" charset="0"/>
-              </a:rPr>
-              <a:t>xi</a:t>
-            </a:r>
-            <a:endParaRPr lang="ru-RU" sz="2500" dirty="0">
-              <a:solidFill>
-                <a:srgbClr val="000000"/>
-              </a:solidFill>
-              <a:latin typeface="Courier New" panose="02070309020205020404" pitchFamily="49" charset="0"/>
-              <a:ea typeface="Courier New" panose="02070309020205020404" pitchFamily="49" charset="0"/>
-              <a:cs typeface="Courier New" panose="02070309020205020404" pitchFamily="49" charset="0"/>
-            </a:endParaRPr>
-          </a:p>
-          <a:p>
-            <a:pPr>
-              <a:buNone/>
-            </a:pPr>
-            <a:r>
-              <a:rPr lang="ru-RU" sz="2500" dirty="0">
-                <a:solidFill>
-                  <a:srgbClr val="000000"/>
-                </a:solidFill>
-                <a:latin typeface="Courier New" panose="02070309020205020404" pitchFamily="49" charset="0"/>
-                <a:ea typeface="Courier New" panose="02070309020205020404" pitchFamily="49" charset="0"/>
-                <a:cs typeface="Courier New" panose="02070309020205020404" pitchFamily="49" charset="0"/>
-              </a:rPr>
-              <a:t>		</a:t>
-            </a:r>
-            <a:r>
-              <a:rPr lang="ru-RU" sz="2500" dirty="0" err="1">
-                <a:solidFill>
-                  <a:srgbClr val="000000"/>
-                </a:solidFill>
-                <a:latin typeface="Courier New" panose="02070309020205020404" pitchFamily="49" charset="0"/>
-                <a:ea typeface="Courier New" panose="02070309020205020404" pitchFamily="49" charset="0"/>
-                <a:cs typeface="Courier New" panose="02070309020205020404" pitchFamily="49" charset="0"/>
-              </a:rPr>
-              <a:t>m</a:t>
-            </a:r>
-            <a:r>
-              <a:rPr lang="ru-RU" sz="2500" dirty="0">
-                <a:solidFill>
-                  <a:srgbClr val="000000"/>
-                </a:solidFill>
-                <a:latin typeface="Courier New" panose="02070309020205020404" pitchFamily="49" charset="0"/>
-                <a:ea typeface="Courier New" panose="02070309020205020404" pitchFamily="49" charset="0"/>
-                <a:cs typeface="Courier New" panose="02070309020205020404" pitchFamily="49" charset="0"/>
-              </a:rPr>
-              <a:t>(</a:t>
-            </a:r>
-            <a:r>
-              <a:rPr lang="en-US" sz="2500" dirty="0">
-                <a:solidFill>
-                  <a:srgbClr val="000000"/>
-                </a:solidFill>
-                <a:latin typeface="Courier New" panose="02070309020205020404" pitchFamily="49" charset="0"/>
-                <a:ea typeface="Courier New" panose="02070309020205020404" pitchFamily="49" charset="0"/>
-                <a:cs typeface="Courier New" panose="02070309020205020404" pitchFamily="49" charset="0"/>
-              </a:rPr>
-              <a:t>x</a:t>
-            </a:r>
-            <a:r>
-              <a:rPr lang="ru-RU" sz="2500" dirty="0">
-                <a:solidFill>
-                  <a:srgbClr val="000000"/>
-                </a:solidFill>
-                <a:latin typeface="Courier New" panose="02070309020205020404" pitchFamily="49" charset="0"/>
-                <a:ea typeface="Courier New" panose="02070309020205020404" pitchFamily="49" charset="0"/>
-                <a:cs typeface="Courier New" panose="02070309020205020404" pitchFamily="49" charset="0"/>
-              </a:rPr>
-              <a:t>)= </a:t>
-            </a:r>
-            <a:r>
-              <a:rPr lang="ru-RU" sz="2500" dirty="0" err="1">
-                <a:solidFill>
-                  <a:srgbClr val="000000"/>
-                </a:solidFill>
-                <a:latin typeface="Courier New" panose="02070309020205020404" pitchFamily="49" charset="0"/>
-                <a:ea typeface="Courier New" panose="02070309020205020404" pitchFamily="49" charset="0"/>
-                <a:cs typeface="Courier New" panose="02070309020205020404" pitchFamily="49" charset="0"/>
-              </a:rPr>
-              <a:t>m</a:t>
-            </a:r>
-            <a:r>
-              <a:rPr lang="ru-RU" sz="2500" dirty="0">
-                <a:solidFill>
-                  <a:srgbClr val="000000"/>
-                </a:solidFill>
-                <a:latin typeface="Courier New" panose="02070309020205020404" pitchFamily="49" charset="0"/>
-                <a:ea typeface="Courier New" panose="02070309020205020404" pitchFamily="49" charset="0"/>
-                <a:cs typeface="Courier New" panose="02070309020205020404" pitchFamily="49" charset="0"/>
-              </a:rPr>
-              <a:t>(</a:t>
-            </a:r>
-            <a:r>
-              <a:rPr lang="en-US" sz="2500" dirty="0" err="1">
-                <a:solidFill>
-                  <a:srgbClr val="000000"/>
-                </a:solidFill>
-                <a:latin typeface="Courier New" panose="02070309020205020404" pitchFamily="49" charset="0"/>
-                <a:ea typeface="Courier New" panose="02070309020205020404" pitchFamily="49" charset="0"/>
-                <a:cs typeface="Courier New" panose="02070309020205020404" pitchFamily="49" charset="0"/>
-              </a:rPr>
-              <a:t>xn</a:t>
-            </a:r>
-            <a:r>
-              <a:rPr lang="en-US" sz="2500" dirty="0">
-                <a:solidFill>
-                  <a:srgbClr val="000000"/>
-                </a:solidFill>
-                <a:latin typeface="Courier New" panose="02070309020205020404" pitchFamily="49" charset="0"/>
-                <a:ea typeface="Courier New" panose="02070309020205020404" pitchFamily="49" charset="0"/>
-                <a:cs typeface="Courier New" panose="02070309020205020404" pitchFamily="49" charset="0"/>
-              </a:rPr>
-              <a:t> </a:t>
-            </a:r>
-            <a:r>
-              <a:rPr lang="ru-RU" sz="2500" dirty="0">
-                <a:solidFill>
-                  <a:srgbClr val="000000"/>
-                </a:solidFill>
-                <a:latin typeface="Courier New" panose="02070309020205020404" pitchFamily="49" charset="0"/>
-                <a:ea typeface="Courier New" panose="02070309020205020404" pitchFamily="49" charset="0"/>
-                <a:cs typeface="Courier New" panose="02070309020205020404" pitchFamily="49" charset="0"/>
-              </a:rPr>
-              <a:t>)</a:t>
-            </a:r>
-            <a:r>
-              <a:rPr lang="en-US" sz="2500" dirty="0">
-                <a:solidFill>
-                  <a:srgbClr val="000000"/>
-                </a:solidFill>
-                <a:latin typeface="Courier New" panose="02070309020205020404" pitchFamily="49" charset="0"/>
-                <a:ea typeface="Courier New" panose="02070309020205020404" pitchFamily="49" charset="0"/>
-                <a:cs typeface="Courier New" panose="02070309020205020404" pitchFamily="49" charset="0"/>
-              </a:rPr>
-              <a:t>,  </a:t>
-            </a:r>
-            <a:r>
-              <a:rPr lang="en-US" sz="2500" dirty="0" err="1">
-                <a:solidFill>
-                  <a:srgbClr val="000000"/>
-                </a:solidFill>
-                <a:latin typeface="Courier New" panose="02070309020205020404" pitchFamily="49" charset="0"/>
-                <a:ea typeface="Courier New" panose="02070309020205020404" pitchFamily="49" charset="0"/>
-                <a:cs typeface="Courier New" panose="02070309020205020404" pitchFamily="49" charset="0"/>
-              </a:rPr>
-              <a:t>xn</a:t>
-            </a:r>
-            <a:r>
-              <a:rPr lang="en-US" sz="2500" dirty="0">
-                <a:solidFill>
-                  <a:srgbClr val="000000"/>
-                </a:solidFill>
-                <a:latin typeface="Courier New" panose="02070309020205020404" pitchFamily="49" charset="0"/>
-                <a:ea typeface="Courier New" panose="02070309020205020404" pitchFamily="49" charset="0"/>
-                <a:cs typeface="Courier New" panose="02070309020205020404" pitchFamily="49" charset="0"/>
-              </a:rPr>
-              <a:t> </a:t>
-            </a:r>
-            <a:r>
-              <a:rPr lang="ru-RU" sz="2500" dirty="0">
-                <a:solidFill>
-                  <a:srgbClr val="000000"/>
-                </a:solidFill>
-                <a:latin typeface="Courier New" panose="02070309020205020404" pitchFamily="49" charset="0"/>
-                <a:ea typeface="Courier New" panose="02070309020205020404" pitchFamily="49" charset="0"/>
-                <a:cs typeface="Courier New" panose="02070309020205020404" pitchFamily="49" charset="0"/>
-              </a:rPr>
-              <a:t>&lt;</a:t>
-            </a:r>
-            <a:r>
-              <a:rPr lang="en-US" sz="2500" dirty="0">
-                <a:solidFill>
-                  <a:srgbClr val="000000"/>
-                </a:solidFill>
-                <a:latin typeface="Courier New" panose="02070309020205020404" pitchFamily="49" charset="0"/>
-                <a:ea typeface="Courier New" panose="02070309020205020404" pitchFamily="49" charset="0"/>
-                <a:cs typeface="Courier New" panose="02070309020205020404" pitchFamily="49" charset="0"/>
-              </a:rPr>
-              <a:t> x</a:t>
-            </a:r>
-            <a:endParaRPr lang="ru-RU" sz="2500" dirty="0">
-              <a:solidFill>
-                <a:srgbClr val="000000"/>
-              </a:solidFill>
-              <a:latin typeface="Courier New" panose="02070309020205020404" pitchFamily="49" charset="0"/>
-              <a:ea typeface="Courier New" panose="02070309020205020404" pitchFamily="49" charset="0"/>
-              <a:cs typeface="Courier New" panose="02070309020205020404" pitchFamily="49" charset="0"/>
-            </a:endParaRPr>
-          </a:p>
-          <a:p>
-            <a:endParaRPr lang="ru-RU" dirty="0"/>
-          </a:p>
-          <a:p>
-            <a:endParaRPr lang="ru-RU" dirty="0"/>
           </a:p>
         </p:txBody>
       </p:sp>
@@ -6868,6 +6263,1570 @@
         <p:spPr>
           <a:xfrm>
             <a:off x="457200" y="0"/>
+            <a:ext cx="8229600" cy="836712"/>
+          </a:xfrm>
+        </p:spPr>
+        <p:txBody>
+          <a:bodyPr/>
+          <a:lstStyle/>
+          <a:p>
+            <a:r>
+              <a:rPr lang="ru-RU" sz="2800" b="1" dirty="0">
+                <a:solidFill>
+                  <a:schemeClr val="accent1"/>
+                </a:solidFill>
+                <a:effectLst>
+                  <a:outerShdw blurRad="38100" dist="25400" dir="5400000" algn="ctr" rotWithShape="0">
+                    <a:srgbClr val="6E747A">
+                      <a:alpha val="43000"/>
+                    </a:srgbClr>
+                  </a:outerShdw>
+                </a:effectLst>
+                <a:latin typeface="Times New Roman" panose="02020603050405020304" charset="0"/>
+                <a:ea typeface="+mn-ea"/>
+                <a:cs typeface="+mn-cs"/>
+              </a:rPr>
+              <a:t>10. Представление в виде </a:t>
+            </a:r>
+            <a:r>
+              <a:rPr lang="ru-RU" sz="2800" b="1" dirty="0" err="1">
+                <a:solidFill>
+                  <a:schemeClr val="accent1"/>
+                </a:solidFill>
+                <a:effectLst>
+                  <a:outerShdw blurRad="38100" dist="25400" dir="5400000" algn="ctr" rotWithShape="0">
+                    <a:srgbClr val="6E747A">
+                      <a:alpha val="43000"/>
+                    </a:srgbClr>
+                  </a:outerShdw>
+                </a:effectLst>
+                <a:latin typeface="Times New Roman" panose="02020603050405020304" charset="0"/>
+                <a:ea typeface="+mn-ea"/>
+                <a:cs typeface="+mn-cs"/>
+              </a:rPr>
+              <a:t>синглтона</a:t>
+            </a:r>
+            <a:endParaRPr lang="ru-RU" sz="2800" b="1" dirty="0">
+              <a:solidFill>
+                <a:schemeClr val="accent1"/>
+              </a:solidFill>
+              <a:effectLst>
+                <a:outerShdw blurRad="38100" dist="25400" dir="5400000" algn="ctr" rotWithShape="0">
+                  <a:srgbClr val="6E747A">
+                    <a:alpha val="43000"/>
+                  </a:srgbClr>
+                </a:outerShdw>
+              </a:effectLst>
+              <a:latin typeface="Times New Roman" panose="02020603050405020304" charset="0"/>
+              <a:ea typeface="+mn-ea"/>
+              <a:cs typeface="+mn-cs"/>
+            </a:endParaRPr>
+          </a:p>
+        </p:txBody>
+      </p:sp>
+      <p:sp>
+        <p:nvSpPr>
+          <p:cNvPr id="3" name="Содержимое 2"/>
+          <p:cNvSpPr>
+            <a:spLocks noGrp="1"/>
+          </p:cNvSpPr>
+          <p:nvPr>
+            <p:ph idx="1"/>
+          </p:nvPr>
+        </p:nvSpPr>
+        <p:spPr/>
+        <p:txBody>
+          <a:bodyPr>
+            <a:normAutofit fontScale="55000" lnSpcReduction="20000"/>
+          </a:bodyPr>
+          <a:lstStyle/>
+          <a:p>
+            <a:pPr>
+              <a:buNone/>
+            </a:pPr>
+            <a:r>
+              <a:rPr lang="ru-RU" sz="2500" dirty="0">
+                <a:solidFill>
+                  <a:srgbClr val="000000"/>
+                </a:solidFill>
+                <a:latin typeface="Courier New" panose="02070309020205020404" pitchFamily="49" charset="0"/>
+                <a:ea typeface="Courier New" panose="02070309020205020404" pitchFamily="49" charset="0"/>
+                <a:cs typeface="Courier New" panose="02070309020205020404" pitchFamily="49" charset="0"/>
+              </a:rPr>
+              <a:t>		Степень принадлежности </a:t>
+            </a:r>
+            <a:r>
+              <a:rPr lang="ru-RU" sz="2500" dirty="0" err="1">
+                <a:solidFill>
+                  <a:srgbClr val="000000"/>
+                </a:solidFill>
+                <a:latin typeface="Courier New" panose="02070309020205020404" pitchFamily="49" charset="0"/>
+                <a:ea typeface="Courier New" panose="02070309020205020404" pitchFamily="49" charset="0"/>
+                <a:cs typeface="Courier New" panose="02070309020205020404" pitchFamily="49" charset="0"/>
+              </a:rPr>
+              <a:t>m</a:t>
+            </a:r>
+            <a:r>
+              <a:rPr lang="en-US" sz="2500" dirty="0">
+                <a:solidFill>
+                  <a:srgbClr val="000000"/>
+                </a:solidFill>
+                <a:latin typeface="Courier New" panose="02070309020205020404" pitchFamily="49" charset="0"/>
+                <a:ea typeface="Courier New" panose="02070309020205020404" pitchFamily="49" charset="0"/>
+                <a:cs typeface="Courier New" panose="02070309020205020404" pitchFamily="49" charset="0"/>
+              </a:rPr>
+              <a:t>A</a:t>
+            </a:r>
+            <a:r>
+              <a:rPr lang="ru-RU" sz="2500" dirty="0">
+                <a:solidFill>
+                  <a:srgbClr val="000000"/>
+                </a:solidFill>
+                <a:latin typeface="Courier New" panose="02070309020205020404" pitchFamily="49" charset="0"/>
+                <a:ea typeface="Courier New" panose="02070309020205020404" pitchFamily="49" charset="0"/>
+                <a:cs typeface="Courier New" panose="02070309020205020404" pitchFamily="49" charset="0"/>
+              </a:rPr>
+              <a:t>(</a:t>
+            </a:r>
+            <a:r>
+              <a:rPr lang="en-US" sz="2500" dirty="0">
+                <a:solidFill>
+                  <a:srgbClr val="000000"/>
+                </a:solidFill>
+                <a:latin typeface="Courier New" panose="02070309020205020404" pitchFamily="49" charset="0"/>
+                <a:ea typeface="Courier New" panose="02070309020205020404" pitchFamily="49" charset="0"/>
+                <a:cs typeface="Courier New" panose="02070309020205020404" pitchFamily="49" charset="0"/>
+              </a:rPr>
+              <a:t>x</a:t>
+            </a:r>
+            <a:r>
+              <a:rPr lang="ru-RU" sz="2500" dirty="0">
+                <a:solidFill>
+                  <a:srgbClr val="000000"/>
+                </a:solidFill>
+                <a:latin typeface="Courier New" panose="02070309020205020404" pitchFamily="49" charset="0"/>
+                <a:ea typeface="Courier New" panose="02070309020205020404" pitchFamily="49" charset="0"/>
+                <a:cs typeface="Courier New" panose="02070309020205020404" pitchFamily="49" charset="0"/>
+              </a:rPr>
+              <a:t>) в нечетком множестве </a:t>
+            </a:r>
+            <a:r>
+              <a:rPr lang="en-US" sz="2500" dirty="0">
+                <a:solidFill>
+                  <a:srgbClr val="000000"/>
+                </a:solidFill>
+                <a:latin typeface="Courier New" panose="02070309020205020404" pitchFamily="49" charset="0"/>
+                <a:ea typeface="Courier New" panose="02070309020205020404" pitchFamily="49" charset="0"/>
+                <a:cs typeface="Courier New" panose="02070309020205020404" pitchFamily="49" charset="0"/>
+              </a:rPr>
+              <a:t>A</a:t>
+            </a:r>
+            <a:r>
+              <a:rPr lang="ru-RU" sz="2500" dirty="0">
+                <a:solidFill>
+                  <a:srgbClr val="000000"/>
+                </a:solidFill>
+                <a:latin typeface="Courier New" panose="02070309020205020404" pitchFamily="49" charset="0"/>
+                <a:ea typeface="Courier New" panose="02070309020205020404" pitchFamily="49" charset="0"/>
+                <a:cs typeface="Courier New" panose="02070309020205020404" pitchFamily="49" charset="0"/>
+              </a:rPr>
+              <a:t> является положительным числом, а пара (</a:t>
+            </a:r>
+            <a:r>
+              <a:rPr lang="ru-RU" sz="2500" dirty="0" err="1">
+                <a:solidFill>
+                  <a:srgbClr val="000000"/>
+                </a:solidFill>
+                <a:latin typeface="Courier New" panose="02070309020205020404" pitchFamily="49" charset="0"/>
+                <a:ea typeface="Courier New" panose="02070309020205020404" pitchFamily="49" charset="0"/>
+                <a:cs typeface="Courier New" panose="02070309020205020404" pitchFamily="49" charset="0"/>
+              </a:rPr>
+              <a:t>m</a:t>
+            </a:r>
+            <a:r>
+              <a:rPr lang="en-US" sz="2500" dirty="0">
+                <a:solidFill>
+                  <a:srgbClr val="000000"/>
+                </a:solidFill>
+                <a:latin typeface="Courier New" panose="02070309020205020404" pitchFamily="49" charset="0"/>
+                <a:ea typeface="Courier New" panose="02070309020205020404" pitchFamily="49" charset="0"/>
+                <a:cs typeface="Courier New" panose="02070309020205020404" pitchFamily="49" charset="0"/>
+              </a:rPr>
+              <a:t>A</a:t>
+            </a:r>
+            <a:r>
+              <a:rPr lang="ru-RU" sz="2500" dirty="0">
+                <a:solidFill>
+                  <a:srgbClr val="000000"/>
+                </a:solidFill>
+                <a:latin typeface="Courier New" panose="02070309020205020404" pitchFamily="49" charset="0"/>
+                <a:ea typeface="Courier New" panose="02070309020205020404" pitchFamily="49" charset="0"/>
+                <a:cs typeface="Courier New" panose="02070309020205020404" pitchFamily="49" charset="0"/>
+              </a:rPr>
+              <a:t>(</a:t>
+            </a:r>
+            <a:r>
+              <a:rPr lang="en-US" sz="2500" dirty="0">
+                <a:solidFill>
+                  <a:srgbClr val="000000"/>
+                </a:solidFill>
+                <a:latin typeface="Courier New" panose="02070309020205020404" pitchFamily="49" charset="0"/>
+                <a:ea typeface="Courier New" panose="02070309020205020404" pitchFamily="49" charset="0"/>
+                <a:cs typeface="Courier New" panose="02070309020205020404" pitchFamily="49" charset="0"/>
+              </a:rPr>
+              <a:t>x</a:t>
+            </a:r>
+            <a:r>
+              <a:rPr lang="ru-RU" sz="2500" dirty="0">
+                <a:solidFill>
+                  <a:srgbClr val="000000"/>
+                </a:solidFill>
+                <a:latin typeface="Courier New" panose="02070309020205020404" pitchFamily="49" charset="0"/>
+                <a:ea typeface="Courier New" panose="02070309020205020404" pitchFamily="49" charset="0"/>
+                <a:cs typeface="Courier New" panose="02070309020205020404" pitchFamily="49" charset="0"/>
+              </a:rPr>
+              <a:t>), </a:t>
+            </a:r>
+            <a:r>
+              <a:rPr lang="en-US" sz="2500" dirty="0">
+                <a:solidFill>
+                  <a:srgbClr val="000000"/>
+                </a:solidFill>
+                <a:latin typeface="Courier New" panose="02070309020205020404" pitchFamily="49" charset="0"/>
+                <a:ea typeface="Courier New" panose="02070309020205020404" pitchFamily="49" charset="0"/>
+                <a:cs typeface="Courier New" panose="02070309020205020404" pitchFamily="49" charset="0"/>
+              </a:rPr>
+              <a:t>x</a:t>
+            </a:r>
+            <a:r>
+              <a:rPr lang="ru-RU" sz="2500" dirty="0">
+                <a:solidFill>
+                  <a:srgbClr val="000000"/>
+                </a:solidFill>
+                <a:latin typeface="Courier New" panose="02070309020205020404" pitchFamily="49" charset="0"/>
+                <a:ea typeface="Courier New" panose="02070309020205020404" pitchFamily="49" charset="0"/>
+                <a:cs typeface="Courier New" panose="02070309020205020404" pitchFamily="49" charset="0"/>
+              </a:rPr>
+              <a:t>)  называется </a:t>
+            </a:r>
+            <a:r>
+              <a:rPr lang="ru-RU" sz="2500" dirty="0" err="1">
+                <a:solidFill>
+                  <a:srgbClr val="000000"/>
+                </a:solidFill>
+                <a:latin typeface="Courier New" panose="02070309020205020404" pitchFamily="49" charset="0"/>
+                <a:ea typeface="Courier New" panose="02070309020205020404" pitchFamily="49" charset="0"/>
+                <a:cs typeface="Courier New" panose="02070309020205020404" pitchFamily="49" charset="0"/>
+              </a:rPr>
+              <a:t>синглтоном</a:t>
+            </a:r>
+            <a:r>
+              <a:rPr lang="ru-RU" sz="2500" dirty="0">
+                <a:solidFill>
+                  <a:srgbClr val="000000"/>
+                </a:solidFill>
+                <a:latin typeface="Courier New" panose="02070309020205020404" pitchFamily="49" charset="0"/>
+                <a:ea typeface="Courier New" panose="02070309020205020404" pitchFamily="49" charset="0"/>
+                <a:cs typeface="Courier New" panose="02070309020205020404" pitchFamily="49" charset="0"/>
+              </a:rPr>
+              <a:t> (часто эти пары представлены </a:t>
+            </a:r>
+            <a:r>
+              <a:rPr lang="ru-RU" sz="2500" dirty="0" err="1">
+                <a:solidFill>
+                  <a:srgbClr val="000000"/>
+                </a:solidFill>
+                <a:latin typeface="Courier New" panose="02070309020205020404" pitchFamily="49" charset="0"/>
+                <a:ea typeface="Courier New" panose="02070309020205020404" pitchFamily="49" charset="0"/>
+                <a:cs typeface="Courier New" panose="02070309020205020404" pitchFamily="49" charset="0"/>
+              </a:rPr>
+              <a:t>m</a:t>
+            </a:r>
+            <a:r>
+              <a:rPr lang="en-US" sz="2500" dirty="0">
+                <a:solidFill>
+                  <a:srgbClr val="000000"/>
+                </a:solidFill>
+                <a:latin typeface="Courier New" panose="02070309020205020404" pitchFamily="49" charset="0"/>
+                <a:ea typeface="Courier New" panose="02070309020205020404" pitchFamily="49" charset="0"/>
+                <a:cs typeface="Courier New" panose="02070309020205020404" pitchFamily="49" charset="0"/>
+              </a:rPr>
+              <a:t>A</a:t>
+            </a:r>
+            <a:r>
+              <a:rPr lang="ru-RU" sz="2500" dirty="0">
+                <a:solidFill>
+                  <a:srgbClr val="000000"/>
+                </a:solidFill>
+                <a:latin typeface="Courier New" panose="02070309020205020404" pitchFamily="49" charset="0"/>
+                <a:ea typeface="Courier New" panose="02070309020205020404" pitchFamily="49" charset="0"/>
+                <a:cs typeface="Courier New" panose="02070309020205020404" pitchFamily="49" charset="0"/>
+              </a:rPr>
+              <a:t>(</a:t>
+            </a:r>
+            <a:r>
+              <a:rPr lang="en-US" sz="2500" dirty="0">
+                <a:solidFill>
+                  <a:srgbClr val="000000"/>
+                </a:solidFill>
+                <a:latin typeface="Courier New" panose="02070309020205020404" pitchFamily="49" charset="0"/>
+                <a:ea typeface="Courier New" panose="02070309020205020404" pitchFamily="49" charset="0"/>
+                <a:cs typeface="Courier New" panose="02070309020205020404" pitchFamily="49" charset="0"/>
+              </a:rPr>
+              <a:t>x</a:t>
+            </a:r>
+            <a:r>
+              <a:rPr lang="ru-RU" sz="2500" dirty="0">
+                <a:solidFill>
+                  <a:srgbClr val="000000"/>
+                </a:solidFill>
+                <a:latin typeface="Courier New" panose="02070309020205020404" pitchFamily="49" charset="0"/>
+                <a:ea typeface="Courier New" panose="02070309020205020404" pitchFamily="49" charset="0"/>
+                <a:cs typeface="Courier New" panose="02070309020205020404" pitchFamily="49" charset="0"/>
+              </a:rPr>
+              <a:t>)/</a:t>
+            </a:r>
+            <a:r>
+              <a:rPr lang="en-US" sz="2500" dirty="0">
+                <a:solidFill>
+                  <a:srgbClr val="000000"/>
+                </a:solidFill>
+                <a:latin typeface="Courier New" panose="02070309020205020404" pitchFamily="49" charset="0"/>
+                <a:ea typeface="Courier New" panose="02070309020205020404" pitchFamily="49" charset="0"/>
+                <a:cs typeface="Courier New" panose="02070309020205020404" pitchFamily="49" charset="0"/>
+              </a:rPr>
+              <a:t>x </a:t>
+            </a:r>
+            <a:r>
+              <a:rPr lang="ru-RU" sz="2500" dirty="0">
+                <a:solidFill>
+                  <a:srgbClr val="000000"/>
+                </a:solidFill>
+                <a:latin typeface="Courier New" panose="02070309020205020404" pitchFamily="49" charset="0"/>
+                <a:ea typeface="Courier New" panose="02070309020205020404" pitchFamily="49" charset="0"/>
+                <a:cs typeface="Courier New" panose="02070309020205020404" pitchFamily="49" charset="0"/>
+              </a:rPr>
+              <a:t>или </a:t>
+            </a:r>
+            <a:r>
+              <a:rPr lang="ru-RU" sz="2500" dirty="0" err="1">
+                <a:solidFill>
+                  <a:srgbClr val="000000"/>
+                </a:solidFill>
+                <a:latin typeface="Courier New" panose="02070309020205020404" pitchFamily="49" charset="0"/>
+                <a:ea typeface="Courier New" panose="02070309020205020404" pitchFamily="49" charset="0"/>
+                <a:cs typeface="Courier New" panose="02070309020205020404" pitchFamily="49" charset="0"/>
+              </a:rPr>
+              <a:t>m</a:t>
+            </a:r>
+            <a:r>
+              <a:rPr lang="ru-RU" sz="2500" dirty="0">
+                <a:solidFill>
+                  <a:srgbClr val="000000"/>
+                </a:solidFill>
+                <a:latin typeface="Courier New" panose="02070309020205020404" pitchFamily="49" charset="0"/>
+                <a:ea typeface="Courier New" panose="02070309020205020404" pitchFamily="49" charset="0"/>
+                <a:cs typeface="Courier New" panose="02070309020205020404" pitchFamily="49" charset="0"/>
+              </a:rPr>
+              <a:t>(</a:t>
+            </a:r>
+            <a:r>
+              <a:rPr lang="en-US" sz="2500" dirty="0">
+                <a:solidFill>
+                  <a:srgbClr val="000000"/>
+                </a:solidFill>
+                <a:latin typeface="Courier New" panose="02070309020205020404" pitchFamily="49" charset="0"/>
+                <a:ea typeface="Courier New" panose="02070309020205020404" pitchFamily="49" charset="0"/>
+                <a:cs typeface="Courier New" panose="02070309020205020404" pitchFamily="49" charset="0"/>
+              </a:rPr>
+              <a:t>x</a:t>
+            </a:r>
+            <a:r>
+              <a:rPr lang="ru-RU" sz="2500" dirty="0">
+                <a:solidFill>
+                  <a:srgbClr val="000000"/>
+                </a:solidFill>
+                <a:latin typeface="Courier New" panose="02070309020205020404" pitchFamily="49" charset="0"/>
+                <a:ea typeface="Courier New" panose="02070309020205020404" pitchFamily="49" charset="0"/>
+                <a:cs typeface="Courier New" panose="02070309020205020404" pitchFamily="49" charset="0"/>
+              </a:rPr>
+              <a:t>)/</a:t>
+            </a:r>
+            <a:r>
+              <a:rPr lang="en-US" sz="2500" dirty="0">
+                <a:solidFill>
+                  <a:srgbClr val="000000"/>
+                </a:solidFill>
+                <a:latin typeface="Courier New" panose="02070309020205020404" pitchFamily="49" charset="0"/>
+                <a:ea typeface="Courier New" panose="02070309020205020404" pitchFamily="49" charset="0"/>
+                <a:cs typeface="Courier New" panose="02070309020205020404" pitchFamily="49" charset="0"/>
+              </a:rPr>
+              <a:t>x</a:t>
+            </a:r>
+            <a:r>
+              <a:rPr lang="ru-RU" sz="2500" dirty="0">
+                <a:solidFill>
+                  <a:srgbClr val="000000"/>
+                </a:solidFill>
+                <a:latin typeface="Courier New" panose="02070309020205020404" pitchFamily="49" charset="0"/>
+                <a:ea typeface="Courier New" panose="02070309020205020404" pitchFamily="49" charset="0"/>
+                <a:cs typeface="Courier New" panose="02070309020205020404" pitchFamily="49" charset="0"/>
+              </a:rPr>
+              <a:t> для краткости). Нечеткое множество </a:t>
+            </a:r>
+            <a:r>
+              <a:rPr lang="en-US" sz="2500" dirty="0">
+                <a:solidFill>
+                  <a:srgbClr val="000000"/>
+                </a:solidFill>
+                <a:latin typeface="Courier New" panose="02070309020205020404" pitchFamily="49" charset="0"/>
+                <a:ea typeface="Courier New" panose="02070309020205020404" pitchFamily="49" charset="0"/>
+                <a:cs typeface="Courier New" panose="02070309020205020404" pitchFamily="49" charset="0"/>
+              </a:rPr>
+              <a:t>A</a:t>
+            </a:r>
+            <a:r>
+              <a:rPr lang="ru-RU" sz="2500" dirty="0">
+                <a:solidFill>
+                  <a:srgbClr val="000000"/>
+                </a:solidFill>
+                <a:latin typeface="Courier New" panose="02070309020205020404" pitchFamily="49" charset="0"/>
+                <a:ea typeface="Courier New" panose="02070309020205020404" pitchFamily="49" charset="0"/>
+                <a:cs typeface="Courier New" panose="02070309020205020404" pitchFamily="49" charset="0"/>
+              </a:rPr>
+              <a:t> в универсуме </a:t>
+            </a:r>
+            <a:r>
+              <a:rPr lang="ru-RU" sz="2500" dirty="0" err="1">
+                <a:solidFill>
+                  <a:srgbClr val="000000"/>
+                </a:solidFill>
+                <a:latin typeface="Courier New" panose="02070309020205020404" pitchFamily="49" charset="0"/>
+                <a:ea typeface="Courier New" panose="02070309020205020404" pitchFamily="49" charset="0"/>
+                <a:cs typeface="Courier New" panose="02070309020205020404" pitchFamily="49" charset="0"/>
+              </a:rPr>
+              <a:t>дискурса</a:t>
+            </a:r>
+            <a:r>
+              <a:rPr lang="ru-RU" sz="2500" dirty="0">
+                <a:solidFill>
+                  <a:srgbClr val="000000"/>
+                </a:solidFill>
+                <a:latin typeface="Courier New" panose="02070309020205020404" pitchFamily="49" charset="0"/>
+                <a:ea typeface="Courier New" panose="02070309020205020404" pitchFamily="49" charset="0"/>
+                <a:cs typeface="Courier New" panose="02070309020205020404" pitchFamily="49" charset="0"/>
+              </a:rPr>
+              <a:t> </a:t>
+            </a:r>
+            <a:r>
+              <a:rPr lang="en-US" sz="2500" dirty="0">
+                <a:solidFill>
+                  <a:srgbClr val="000000"/>
+                </a:solidFill>
+                <a:latin typeface="Courier New" panose="02070309020205020404" pitchFamily="49" charset="0"/>
+                <a:ea typeface="Courier New" panose="02070309020205020404" pitchFamily="49" charset="0"/>
+                <a:cs typeface="Courier New" panose="02070309020205020404" pitchFamily="49" charset="0"/>
+              </a:rPr>
+              <a:t>U</a:t>
+            </a:r>
+            <a:r>
+              <a:rPr lang="ru-RU" sz="2500" dirty="0">
+                <a:solidFill>
+                  <a:srgbClr val="000000"/>
+                </a:solidFill>
+                <a:latin typeface="Courier New" panose="02070309020205020404" pitchFamily="49" charset="0"/>
+                <a:ea typeface="Courier New" panose="02070309020205020404" pitchFamily="49" charset="0"/>
+                <a:cs typeface="Courier New" panose="02070309020205020404" pitchFamily="49" charset="0"/>
+              </a:rPr>
+              <a:t> можно описать следующим образом:</a:t>
+            </a:r>
+            <a:endParaRPr lang="ru-RU" sz="2500" dirty="0">
+              <a:solidFill>
+                <a:srgbClr val="000000"/>
+              </a:solidFill>
+              <a:latin typeface="Courier New" panose="02070309020205020404" pitchFamily="49" charset="0"/>
+              <a:ea typeface="Courier New" panose="02070309020205020404" pitchFamily="49" charset="0"/>
+              <a:cs typeface="Courier New" panose="02070309020205020404" pitchFamily="49" charset="0"/>
+            </a:endParaRPr>
+          </a:p>
+          <a:p>
+            <a:pPr>
+              <a:buNone/>
+            </a:pPr>
+            <a:endParaRPr lang="ru-RU" sz="2500" dirty="0">
+              <a:solidFill>
+                <a:srgbClr val="000000"/>
+              </a:solidFill>
+              <a:latin typeface="Courier New" panose="02070309020205020404" pitchFamily="49" charset="0"/>
+              <a:ea typeface="Courier New" panose="02070309020205020404" pitchFamily="49" charset="0"/>
+              <a:cs typeface="Courier New" panose="02070309020205020404" pitchFamily="49" charset="0"/>
+            </a:endParaRPr>
+          </a:p>
+          <a:p>
+            <a:pPr>
+              <a:buNone/>
+            </a:pPr>
+            <a:r>
+              <a:rPr lang="ru-RU" sz="2500" dirty="0">
+                <a:solidFill>
+                  <a:srgbClr val="000000"/>
+                </a:solidFill>
+                <a:latin typeface="Courier New" panose="02070309020205020404" pitchFamily="49" charset="0"/>
+                <a:ea typeface="Courier New" panose="02070309020205020404" pitchFamily="49" charset="0"/>
+                <a:cs typeface="Courier New" panose="02070309020205020404" pitchFamily="49" charset="0"/>
+              </a:rPr>
+              <a:t>		</a:t>
+            </a:r>
+            <a:r>
+              <a:rPr lang="en-US" sz="2500" dirty="0">
+                <a:solidFill>
+                  <a:srgbClr val="000000"/>
+                </a:solidFill>
+                <a:latin typeface="Courier New" panose="02070309020205020404" pitchFamily="49" charset="0"/>
+                <a:ea typeface="Courier New" panose="02070309020205020404" pitchFamily="49" charset="0"/>
+                <a:cs typeface="Courier New" panose="02070309020205020404" pitchFamily="49" charset="0"/>
+              </a:rPr>
+              <a:t>A</a:t>
+            </a:r>
+            <a:r>
+              <a:rPr lang="ru-RU" sz="2500" dirty="0" err="1">
+                <a:solidFill>
+                  <a:srgbClr val="000000"/>
+                </a:solidFill>
+                <a:latin typeface="Courier New" panose="02070309020205020404" pitchFamily="49" charset="0"/>
+                <a:ea typeface="Courier New" panose="02070309020205020404" pitchFamily="49" charset="0"/>
+                <a:cs typeface="Courier New" panose="02070309020205020404" pitchFamily="49" charset="0"/>
+              </a:rPr>
+              <a:t>=m</a:t>
+            </a:r>
+            <a:r>
+              <a:rPr lang="en-US" sz="2500" dirty="0">
+                <a:solidFill>
+                  <a:srgbClr val="000000"/>
+                </a:solidFill>
+                <a:latin typeface="Courier New" panose="02070309020205020404" pitchFamily="49" charset="0"/>
+                <a:ea typeface="Courier New" panose="02070309020205020404" pitchFamily="49" charset="0"/>
+                <a:cs typeface="Courier New" panose="02070309020205020404" pitchFamily="49" charset="0"/>
+              </a:rPr>
+              <a:t>A</a:t>
+            </a:r>
+            <a:r>
+              <a:rPr lang="ru-RU" sz="2500" dirty="0">
+                <a:solidFill>
+                  <a:srgbClr val="000000"/>
+                </a:solidFill>
+                <a:latin typeface="Courier New" panose="02070309020205020404" pitchFamily="49" charset="0"/>
+                <a:ea typeface="Courier New" panose="02070309020205020404" pitchFamily="49" charset="0"/>
+                <a:cs typeface="Courier New" panose="02070309020205020404" pitchFamily="49" charset="0"/>
+              </a:rPr>
+              <a:t> (</a:t>
+            </a:r>
+            <a:r>
+              <a:rPr lang="en-US" sz="2500" dirty="0">
+                <a:solidFill>
+                  <a:srgbClr val="000000"/>
+                </a:solidFill>
+                <a:latin typeface="Courier New" panose="02070309020205020404" pitchFamily="49" charset="0"/>
+                <a:ea typeface="Courier New" panose="02070309020205020404" pitchFamily="49" charset="0"/>
+                <a:cs typeface="Courier New" panose="02070309020205020404" pitchFamily="49" charset="0"/>
+              </a:rPr>
+              <a:t>x</a:t>
+            </a:r>
+            <a:r>
+              <a:rPr lang="ru-RU" sz="2500" dirty="0">
+                <a:solidFill>
+                  <a:srgbClr val="000000"/>
+                </a:solidFill>
+                <a:latin typeface="Courier New" panose="02070309020205020404" pitchFamily="49" charset="0"/>
+                <a:ea typeface="Courier New" panose="02070309020205020404" pitchFamily="49" charset="0"/>
+                <a:cs typeface="Courier New" panose="02070309020205020404" pitchFamily="49" charset="0"/>
+              </a:rPr>
+              <a:t>)/ </a:t>
+            </a:r>
+            <a:r>
+              <a:rPr lang="en-US" sz="2500" dirty="0">
+                <a:solidFill>
+                  <a:srgbClr val="000000"/>
+                </a:solidFill>
+                <a:latin typeface="Courier New" panose="02070309020205020404" pitchFamily="49" charset="0"/>
+                <a:ea typeface="Courier New" panose="02070309020205020404" pitchFamily="49" charset="0"/>
+                <a:cs typeface="Courier New" panose="02070309020205020404" pitchFamily="49" charset="0"/>
+              </a:rPr>
+              <a:t>x</a:t>
+            </a:r>
+            <a:endParaRPr lang="ru-RU" sz="2500" dirty="0">
+              <a:solidFill>
+                <a:srgbClr val="000000"/>
+              </a:solidFill>
+              <a:latin typeface="Courier New" panose="02070309020205020404" pitchFamily="49" charset="0"/>
+              <a:ea typeface="Courier New" panose="02070309020205020404" pitchFamily="49" charset="0"/>
+              <a:cs typeface="Courier New" panose="02070309020205020404" pitchFamily="49" charset="0"/>
+            </a:endParaRPr>
+          </a:p>
+          <a:p>
+            <a:pPr>
+              <a:buNone/>
+            </a:pPr>
+            <a:r>
+              <a:rPr lang="ru-RU" sz="2500" dirty="0">
+                <a:solidFill>
+                  <a:srgbClr val="000000"/>
+                </a:solidFill>
+                <a:latin typeface="Courier New" panose="02070309020205020404" pitchFamily="49" charset="0"/>
+                <a:ea typeface="Courier New" panose="02070309020205020404" pitchFamily="49" charset="0"/>
+                <a:cs typeface="Courier New" panose="02070309020205020404" pitchFamily="49" charset="0"/>
+              </a:rPr>
+              <a:t>		</a:t>
+            </a:r>
+            <a:r>
+              <a:rPr lang="en-US" sz="2500" dirty="0">
+                <a:solidFill>
+                  <a:srgbClr val="000000"/>
+                </a:solidFill>
+                <a:latin typeface="Courier New" panose="02070309020205020404" pitchFamily="49" charset="0"/>
+                <a:ea typeface="Courier New" panose="02070309020205020404" pitchFamily="49" charset="0"/>
+                <a:cs typeface="Courier New" panose="02070309020205020404" pitchFamily="49" charset="0"/>
+              </a:rPr>
+              <a:t>x</a:t>
+            </a:r>
+            <a:r>
+              <a:rPr lang="ru-RU" sz="2500" dirty="0">
+                <a:solidFill>
+                  <a:srgbClr val="000000"/>
+                </a:solidFill>
+                <a:latin typeface="Courier New" panose="02070309020205020404" pitchFamily="49" charset="0"/>
+                <a:ea typeface="Courier New" panose="02070309020205020404" pitchFamily="49" charset="0"/>
+                <a:cs typeface="Courier New" panose="02070309020205020404" pitchFamily="49" charset="0"/>
+              </a:rPr>
+              <a:t>Î</a:t>
+            </a:r>
+            <a:r>
+              <a:rPr lang="en-US" sz="2500" dirty="0">
+                <a:solidFill>
+                  <a:srgbClr val="000000"/>
+                </a:solidFill>
+                <a:latin typeface="Courier New" panose="02070309020205020404" pitchFamily="49" charset="0"/>
+                <a:ea typeface="Courier New" panose="02070309020205020404" pitchFamily="49" charset="0"/>
+                <a:cs typeface="Courier New" panose="02070309020205020404" pitchFamily="49" charset="0"/>
+              </a:rPr>
+              <a:t>U</a:t>
+            </a:r>
+            <a:endParaRPr lang="ru-RU" sz="2500" dirty="0">
+              <a:solidFill>
+                <a:srgbClr val="000000"/>
+              </a:solidFill>
+              <a:latin typeface="Courier New" panose="02070309020205020404" pitchFamily="49" charset="0"/>
+              <a:ea typeface="Courier New" panose="02070309020205020404" pitchFamily="49" charset="0"/>
+              <a:cs typeface="Courier New" panose="02070309020205020404" pitchFamily="49" charset="0"/>
+            </a:endParaRPr>
+          </a:p>
+          <a:p>
+            <a:pPr>
+              <a:buNone/>
+            </a:pPr>
+            <a:r>
+              <a:rPr lang="ru-RU" sz="2500" dirty="0">
+                <a:solidFill>
+                  <a:srgbClr val="000000"/>
+                </a:solidFill>
+                <a:latin typeface="Courier New" panose="02070309020205020404" pitchFamily="49" charset="0"/>
+                <a:ea typeface="Courier New" panose="02070309020205020404" pitchFamily="49" charset="0"/>
+                <a:cs typeface="Courier New" panose="02070309020205020404" pitchFamily="49" charset="0"/>
+              </a:rPr>
+              <a:t>			где интегральный символ обозначает объединение </a:t>
+            </a:r>
+            <a:r>
+              <a:rPr lang="ru-RU" sz="2500" dirty="0" err="1">
+                <a:solidFill>
+                  <a:srgbClr val="000000"/>
+                </a:solidFill>
+                <a:latin typeface="Courier New" panose="02070309020205020404" pitchFamily="49" charset="0"/>
+                <a:ea typeface="Courier New" panose="02070309020205020404" pitchFamily="49" charset="0"/>
+                <a:cs typeface="Courier New" panose="02070309020205020404" pitchFamily="49" charset="0"/>
+              </a:rPr>
+              <a:t>синглтонов</a:t>
+            </a:r>
+            <a:r>
+              <a:rPr lang="ru-RU" sz="2500" dirty="0">
+                <a:solidFill>
+                  <a:srgbClr val="000000"/>
+                </a:solidFill>
+                <a:latin typeface="Courier New" panose="02070309020205020404" pitchFamily="49" charset="0"/>
+                <a:ea typeface="Courier New" panose="02070309020205020404" pitchFamily="49" charset="0"/>
+                <a:cs typeface="Courier New" panose="02070309020205020404" pitchFamily="49" charset="0"/>
+              </a:rPr>
+              <a:t>.</a:t>
+            </a:r>
+            <a:endParaRPr lang="ru-RU" sz="2500" dirty="0">
+              <a:solidFill>
+                <a:srgbClr val="000000"/>
+              </a:solidFill>
+              <a:latin typeface="Courier New" panose="02070309020205020404" pitchFamily="49" charset="0"/>
+              <a:ea typeface="Courier New" panose="02070309020205020404" pitchFamily="49" charset="0"/>
+              <a:cs typeface="Courier New" panose="02070309020205020404" pitchFamily="49" charset="0"/>
+            </a:endParaRPr>
+          </a:p>
+          <a:p>
+            <a:pPr>
+              <a:buNone/>
+            </a:pPr>
+            <a:endParaRPr lang="ru-RU" sz="2500" dirty="0">
+              <a:solidFill>
+                <a:srgbClr val="000000"/>
+              </a:solidFill>
+              <a:latin typeface="Courier New" panose="02070309020205020404" pitchFamily="49" charset="0"/>
+              <a:ea typeface="Courier New" panose="02070309020205020404" pitchFamily="49" charset="0"/>
+              <a:cs typeface="Courier New" panose="02070309020205020404" pitchFamily="49" charset="0"/>
+            </a:endParaRPr>
+          </a:p>
+          <a:p>
+            <a:pPr>
+              <a:buNone/>
+            </a:pPr>
+            <a:r>
+              <a:rPr lang="ru-RU" sz="2500" dirty="0">
+                <a:solidFill>
+                  <a:srgbClr val="000000"/>
+                </a:solidFill>
+                <a:latin typeface="Courier New" panose="02070309020205020404" pitchFamily="49" charset="0"/>
+                <a:ea typeface="Courier New" panose="02070309020205020404" pitchFamily="49" charset="0"/>
+                <a:cs typeface="Courier New" panose="02070309020205020404" pitchFamily="49" charset="0"/>
+              </a:rPr>
+              <a:t>		Нечеткое множество представлено упорядоченным множеством точек, соединенных сегментами прямой линии. Степень принадлежности значения </a:t>
+            </a:r>
+            <a:r>
+              <a:rPr lang="ru-RU" sz="2500" dirty="0" err="1">
+                <a:solidFill>
+                  <a:srgbClr val="000000"/>
+                </a:solidFill>
+                <a:latin typeface="Courier New" panose="02070309020205020404" pitchFamily="49" charset="0"/>
+                <a:ea typeface="Courier New" panose="02070309020205020404" pitchFamily="49" charset="0"/>
+                <a:cs typeface="Courier New" panose="02070309020205020404" pitchFamily="49" charset="0"/>
+              </a:rPr>
+              <a:t>х</a:t>
+            </a:r>
+            <a:r>
+              <a:rPr lang="ru-RU" sz="2500" dirty="0">
+                <a:solidFill>
+                  <a:srgbClr val="000000"/>
+                </a:solidFill>
+                <a:latin typeface="Courier New" panose="02070309020205020404" pitchFamily="49" charset="0"/>
+                <a:ea typeface="Courier New" panose="02070309020205020404" pitchFamily="49" charset="0"/>
+                <a:cs typeface="Courier New" panose="02070309020205020404" pitchFamily="49" charset="0"/>
+              </a:rPr>
+              <a:t>, не указанного в списке </a:t>
+            </a:r>
+            <a:r>
+              <a:rPr lang="ru-RU" sz="2500" dirty="0" err="1">
+                <a:solidFill>
+                  <a:srgbClr val="000000"/>
+                </a:solidFill>
+                <a:latin typeface="Courier New" panose="02070309020205020404" pitchFamily="49" charset="0"/>
+                <a:ea typeface="Courier New" panose="02070309020205020404" pitchFamily="49" charset="0"/>
+                <a:cs typeface="Courier New" panose="02070309020205020404" pitchFamily="49" charset="0"/>
+              </a:rPr>
+              <a:t>синглтонов</a:t>
+            </a:r>
+            <a:r>
+              <a:rPr lang="ru-RU" sz="2500" dirty="0">
+                <a:solidFill>
+                  <a:srgbClr val="000000"/>
+                </a:solidFill>
+                <a:latin typeface="Courier New" panose="02070309020205020404" pitchFamily="49" charset="0"/>
+                <a:ea typeface="Courier New" panose="02070309020205020404" pitchFamily="49" charset="0"/>
+                <a:cs typeface="Courier New" panose="02070309020205020404" pitchFamily="49" charset="0"/>
+              </a:rPr>
+              <a:t>, будет рассчитываться на основе интерполяции по следующей формуле (для точек, которые не имеют нескольких значений принадлежности, в этих случаях значение принадлежности определяется как  максимальное для всех значений при одном и том же значении </a:t>
+            </a:r>
+            <a:r>
+              <a:rPr lang="ru-RU" sz="2500" dirty="0" err="1">
+                <a:solidFill>
+                  <a:srgbClr val="000000"/>
+                </a:solidFill>
+                <a:latin typeface="Courier New" panose="02070309020205020404" pitchFamily="49" charset="0"/>
+                <a:ea typeface="Courier New" panose="02070309020205020404" pitchFamily="49" charset="0"/>
+                <a:cs typeface="Courier New" panose="02070309020205020404" pitchFamily="49" charset="0"/>
+              </a:rPr>
+              <a:t>х</a:t>
+            </a:r>
+            <a:r>
+              <a:rPr lang="ru-RU" sz="2500" dirty="0">
+                <a:solidFill>
+                  <a:srgbClr val="000000"/>
+                </a:solidFill>
+                <a:latin typeface="Courier New" panose="02070309020205020404" pitchFamily="49" charset="0"/>
+                <a:ea typeface="Courier New" panose="02070309020205020404" pitchFamily="49" charset="0"/>
+                <a:cs typeface="Courier New" panose="02070309020205020404" pitchFamily="49" charset="0"/>
+              </a:rPr>
+              <a:t>):</a:t>
+            </a:r>
+            <a:endParaRPr lang="ru-RU" sz="2500" dirty="0">
+              <a:solidFill>
+                <a:srgbClr val="000000"/>
+              </a:solidFill>
+              <a:latin typeface="Courier New" panose="02070309020205020404" pitchFamily="49" charset="0"/>
+              <a:ea typeface="Courier New" panose="02070309020205020404" pitchFamily="49" charset="0"/>
+              <a:cs typeface="Courier New" panose="02070309020205020404" pitchFamily="49" charset="0"/>
+            </a:endParaRPr>
+          </a:p>
+          <a:p>
+            <a:pPr>
+              <a:buNone/>
+            </a:pPr>
+            <a:endParaRPr lang="ru-RU" sz="2500" dirty="0">
+              <a:solidFill>
+                <a:srgbClr val="000000"/>
+              </a:solidFill>
+              <a:latin typeface="Courier New" panose="02070309020205020404" pitchFamily="49" charset="0"/>
+              <a:ea typeface="Courier New" panose="02070309020205020404" pitchFamily="49" charset="0"/>
+              <a:cs typeface="Courier New" panose="02070309020205020404" pitchFamily="49" charset="0"/>
+            </a:endParaRPr>
+          </a:p>
+          <a:p>
+            <a:pPr>
+              <a:buNone/>
+            </a:pPr>
+            <a:r>
+              <a:rPr lang="ru-RU" sz="2500" dirty="0">
+                <a:solidFill>
+                  <a:srgbClr val="000000"/>
+                </a:solidFill>
+                <a:latin typeface="Courier New" panose="02070309020205020404" pitchFamily="49" charset="0"/>
+                <a:ea typeface="Courier New" panose="02070309020205020404" pitchFamily="49" charset="0"/>
+                <a:cs typeface="Courier New" panose="02070309020205020404" pitchFamily="49" charset="0"/>
+              </a:rPr>
+              <a:t>		</a:t>
+            </a:r>
+            <a:r>
+              <a:rPr lang="ru-RU" sz="2500" dirty="0" err="1">
+                <a:solidFill>
+                  <a:srgbClr val="000000"/>
+                </a:solidFill>
+                <a:latin typeface="Courier New" panose="02070309020205020404" pitchFamily="49" charset="0"/>
+                <a:ea typeface="Courier New" panose="02070309020205020404" pitchFamily="49" charset="0"/>
+                <a:cs typeface="Courier New" panose="02070309020205020404" pitchFamily="49" charset="0"/>
+              </a:rPr>
+              <a:t>m</a:t>
+            </a:r>
+            <a:r>
+              <a:rPr lang="ru-RU" sz="2500" dirty="0">
+                <a:solidFill>
+                  <a:srgbClr val="000000"/>
+                </a:solidFill>
+                <a:latin typeface="Courier New" panose="02070309020205020404" pitchFamily="49" charset="0"/>
+                <a:ea typeface="Courier New" panose="02070309020205020404" pitchFamily="49" charset="0"/>
+                <a:cs typeface="Courier New" panose="02070309020205020404" pitchFamily="49" charset="0"/>
+              </a:rPr>
+              <a:t>(</a:t>
+            </a:r>
+            <a:r>
+              <a:rPr lang="en-US" sz="2500" dirty="0">
+                <a:solidFill>
+                  <a:srgbClr val="000000"/>
+                </a:solidFill>
+                <a:latin typeface="Courier New" panose="02070309020205020404" pitchFamily="49" charset="0"/>
+                <a:ea typeface="Courier New" panose="02070309020205020404" pitchFamily="49" charset="0"/>
+                <a:cs typeface="Courier New" panose="02070309020205020404" pitchFamily="49" charset="0"/>
+              </a:rPr>
+              <a:t>x</a:t>
+            </a:r>
+            <a:r>
+              <a:rPr lang="ru-RU" sz="2500" dirty="0">
+                <a:solidFill>
+                  <a:srgbClr val="000000"/>
+                </a:solidFill>
+                <a:latin typeface="Courier New" panose="02070309020205020404" pitchFamily="49" charset="0"/>
+                <a:ea typeface="Courier New" panose="02070309020205020404" pitchFamily="49" charset="0"/>
+                <a:cs typeface="Courier New" panose="02070309020205020404" pitchFamily="49" charset="0"/>
+              </a:rPr>
+              <a:t>)= </a:t>
+            </a:r>
+            <a:r>
+              <a:rPr lang="ru-RU" sz="2500" dirty="0" err="1">
+                <a:solidFill>
+                  <a:srgbClr val="000000"/>
+                </a:solidFill>
+                <a:latin typeface="Courier New" panose="02070309020205020404" pitchFamily="49" charset="0"/>
+                <a:ea typeface="Courier New" panose="02070309020205020404" pitchFamily="49" charset="0"/>
+                <a:cs typeface="Courier New" panose="02070309020205020404" pitchFamily="49" charset="0"/>
+              </a:rPr>
+              <a:t>m</a:t>
+            </a:r>
+            <a:r>
+              <a:rPr lang="ru-RU" sz="2500" dirty="0">
+                <a:solidFill>
+                  <a:srgbClr val="000000"/>
+                </a:solidFill>
+                <a:latin typeface="Courier New" panose="02070309020205020404" pitchFamily="49" charset="0"/>
+                <a:ea typeface="Courier New" panose="02070309020205020404" pitchFamily="49" charset="0"/>
+                <a:cs typeface="Courier New" panose="02070309020205020404" pitchFamily="49" charset="0"/>
+              </a:rPr>
+              <a:t>(</a:t>
+            </a:r>
+            <a:r>
+              <a:rPr lang="en-US" sz="2500" dirty="0">
+                <a:solidFill>
+                  <a:srgbClr val="000000"/>
+                </a:solidFill>
+                <a:latin typeface="Courier New" panose="02070309020205020404" pitchFamily="49" charset="0"/>
+                <a:ea typeface="Courier New" panose="02070309020205020404" pitchFamily="49" charset="0"/>
+                <a:cs typeface="Courier New" panose="02070309020205020404" pitchFamily="49" charset="0"/>
+              </a:rPr>
+              <a:t>x</a:t>
+            </a:r>
+            <a:r>
+              <a:rPr lang="ru-RU" sz="2500" dirty="0">
+                <a:solidFill>
+                  <a:srgbClr val="000000"/>
+                </a:solidFill>
+                <a:latin typeface="Courier New" panose="02070309020205020404" pitchFamily="49" charset="0"/>
+                <a:ea typeface="Courier New" panose="02070309020205020404" pitchFamily="49" charset="0"/>
+                <a:cs typeface="Courier New" panose="02070309020205020404" pitchFamily="49" charset="0"/>
+              </a:rPr>
+              <a:t>1 ),  </a:t>
+            </a:r>
+            <a:r>
+              <a:rPr lang="en-US" sz="2500" dirty="0">
+                <a:solidFill>
+                  <a:srgbClr val="000000"/>
+                </a:solidFill>
+                <a:latin typeface="Courier New" panose="02070309020205020404" pitchFamily="49" charset="0"/>
+                <a:ea typeface="Courier New" panose="02070309020205020404" pitchFamily="49" charset="0"/>
+                <a:cs typeface="Courier New" panose="02070309020205020404" pitchFamily="49" charset="0"/>
+              </a:rPr>
+              <a:t>x </a:t>
+            </a:r>
+            <a:r>
+              <a:rPr lang="ru-RU" sz="2500" dirty="0">
+                <a:solidFill>
+                  <a:srgbClr val="000000"/>
+                </a:solidFill>
+                <a:latin typeface="Courier New" panose="02070309020205020404" pitchFamily="49" charset="0"/>
+                <a:ea typeface="Courier New" panose="02070309020205020404" pitchFamily="49" charset="0"/>
+                <a:cs typeface="Courier New" panose="02070309020205020404" pitchFamily="49" charset="0"/>
+              </a:rPr>
+              <a:t>£ </a:t>
+            </a:r>
+            <a:r>
+              <a:rPr lang="en-US" sz="2500" dirty="0">
+                <a:solidFill>
+                  <a:srgbClr val="000000"/>
+                </a:solidFill>
+                <a:latin typeface="Courier New" panose="02070309020205020404" pitchFamily="49" charset="0"/>
+                <a:ea typeface="Courier New" panose="02070309020205020404" pitchFamily="49" charset="0"/>
+                <a:cs typeface="Courier New" panose="02070309020205020404" pitchFamily="49" charset="0"/>
+              </a:rPr>
+              <a:t>x</a:t>
+            </a:r>
+            <a:r>
+              <a:rPr lang="ru-RU" sz="2500" dirty="0">
+                <a:solidFill>
+                  <a:srgbClr val="000000"/>
+                </a:solidFill>
+                <a:latin typeface="Courier New" panose="02070309020205020404" pitchFamily="49" charset="0"/>
+                <a:ea typeface="Courier New" panose="02070309020205020404" pitchFamily="49" charset="0"/>
+                <a:cs typeface="Courier New" panose="02070309020205020404" pitchFamily="49" charset="0"/>
+              </a:rPr>
+              <a:t>1</a:t>
+            </a:r>
+            <a:endParaRPr lang="ru-RU" sz="2500" dirty="0">
+              <a:solidFill>
+                <a:srgbClr val="000000"/>
+              </a:solidFill>
+              <a:latin typeface="Courier New" panose="02070309020205020404" pitchFamily="49" charset="0"/>
+              <a:ea typeface="Courier New" panose="02070309020205020404" pitchFamily="49" charset="0"/>
+              <a:cs typeface="Courier New" panose="02070309020205020404" pitchFamily="49" charset="0"/>
+            </a:endParaRPr>
+          </a:p>
+          <a:p>
+            <a:pPr>
+              <a:buNone/>
+            </a:pPr>
+            <a:r>
+              <a:rPr lang="ru-RU" sz="2500" dirty="0">
+                <a:solidFill>
+                  <a:srgbClr val="000000"/>
+                </a:solidFill>
+                <a:latin typeface="Courier New" panose="02070309020205020404" pitchFamily="49" charset="0"/>
+                <a:ea typeface="Courier New" panose="02070309020205020404" pitchFamily="49" charset="0"/>
+                <a:cs typeface="Courier New" panose="02070309020205020404" pitchFamily="49" charset="0"/>
+              </a:rPr>
+              <a:t>		</a:t>
+            </a:r>
+            <a:r>
+              <a:rPr lang="ru-RU" sz="2500" dirty="0" err="1">
+                <a:solidFill>
+                  <a:srgbClr val="000000"/>
+                </a:solidFill>
+                <a:latin typeface="Courier New" panose="02070309020205020404" pitchFamily="49" charset="0"/>
+                <a:ea typeface="Courier New" panose="02070309020205020404" pitchFamily="49" charset="0"/>
+                <a:cs typeface="Courier New" panose="02070309020205020404" pitchFamily="49" charset="0"/>
+              </a:rPr>
+              <a:t>m</a:t>
+            </a:r>
+            <a:r>
+              <a:rPr lang="ru-RU" sz="2500" dirty="0">
+                <a:solidFill>
+                  <a:srgbClr val="000000"/>
+                </a:solidFill>
+                <a:latin typeface="Courier New" panose="02070309020205020404" pitchFamily="49" charset="0"/>
+                <a:ea typeface="Courier New" panose="02070309020205020404" pitchFamily="49" charset="0"/>
+                <a:cs typeface="Courier New" panose="02070309020205020404" pitchFamily="49" charset="0"/>
+              </a:rPr>
+              <a:t>(</a:t>
+            </a:r>
+            <a:r>
+              <a:rPr lang="en-US" sz="2500" dirty="0">
+                <a:solidFill>
+                  <a:srgbClr val="000000"/>
+                </a:solidFill>
+                <a:latin typeface="Courier New" panose="02070309020205020404" pitchFamily="49" charset="0"/>
+                <a:ea typeface="Courier New" panose="02070309020205020404" pitchFamily="49" charset="0"/>
+                <a:cs typeface="Courier New" panose="02070309020205020404" pitchFamily="49" charset="0"/>
+              </a:rPr>
+              <a:t>x</a:t>
+            </a:r>
+            <a:r>
+              <a:rPr lang="ru-RU" sz="2500" dirty="0">
+                <a:solidFill>
+                  <a:srgbClr val="000000"/>
+                </a:solidFill>
+                <a:latin typeface="Courier New" panose="02070309020205020404" pitchFamily="49" charset="0"/>
+                <a:ea typeface="Courier New" panose="02070309020205020404" pitchFamily="49" charset="0"/>
+                <a:cs typeface="Courier New" panose="02070309020205020404" pitchFamily="49" charset="0"/>
+              </a:rPr>
+              <a:t>)= </a:t>
+            </a:r>
+            <a:r>
+              <a:rPr lang="ru-RU" sz="2500" dirty="0" err="1">
+                <a:solidFill>
+                  <a:srgbClr val="000000"/>
+                </a:solidFill>
+                <a:latin typeface="Courier New" panose="02070309020205020404" pitchFamily="49" charset="0"/>
+                <a:ea typeface="Courier New" panose="02070309020205020404" pitchFamily="49" charset="0"/>
+                <a:cs typeface="Courier New" panose="02070309020205020404" pitchFamily="49" charset="0"/>
+              </a:rPr>
+              <a:t>m</a:t>
+            </a:r>
+            <a:r>
+              <a:rPr lang="ru-RU" sz="2500" dirty="0">
+                <a:solidFill>
+                  <a:srgbClr val="000000"/>
+                </a:solidFill>
+                <a:latin typeface="Courier New" panose="02070309020205020404" pitchFamily="49" charset="0"/>
+                <a:ea typeface="Courier New" panose="02070309020205020404" pitchFamily="49" charset="0"/>
+                <a:cs typeface="Courier New" panose="02070309020205020404" pitchFamily="49" charset="0"/>
+              </a:rPr>
+              <a:t>(</a:t>
+            </a:r>
+            <a:r>
+              <a:rPr lang="en-US" sz="2500" dirty="0">
+                <a:solidFill>
+                  <a:srgbClr val="000000"/>
+                </a:solidFill>
+                <a:latin typeface="Courier New" panose="02070309020205020404" pitchFamily="49" charset="0"/>
+                <a:ea typeface="Courier New" panose="02070309020205020404" pitchFamily="49" charset="0"/>
+                <a:cs typeface="Courier New" panose="02070309020205020404" pitchFamily="49" charset="0"/>
+              </a:rPr>
+              <a:t>xi </a:t>
+            </a:r>
+            <a:r>
+              <a:rPr lang="ru-RU" sz="2500" dirty="0">
+                <a:solidFill>
+                  <a:srgbClr val="000000"/>
+                </a:solidFill>
+                <a:latin typeface="Courier New" panose="02070309020205020404" pitchFamily="49" charset="0"/>
+                <a:ea typeface="Courier New" panose="02070309020205020404" pitchFamily="49" charset="0"/>
+                <a:cs typeface="Courier New" panose="02070309020205020404" pitchFamily="49" charset="0"/>
+              </a:rPr>
+              <a:t>)+ </a:t>
+            </a:r>
+            <a:r>
+              <a:rPr lang="ru-RU" sz="2500" dirty="0" err="1">
+                <a:solidFill>
+                  <a:srgbClr val="000000"/>
+                </a:solidFill>
+                <a:latin typeface="Courier New" panose="02070309020205020404" pitchFamily="49" charset="0"/>
+                <a:ea typeface="Courier New" panose="02070309020205020404" pitchFamily="49" charset="0"/>
+                <a:cs typeface="Courier New" panose="02070309020205020404" pitchFamily="49" charset="0"/>
+              </a:rPr>
+              <a:t>m</a:t>
+            </a:r>
+            <a:r>
+              <a:rPr lang="ru-RU" sz="2500" dirty="0">
+                <a:solidFill>
+                  <a:srgbClr val="000000"/>
+                </a:solidFill>
+                <a:latin typeface="Courier New" panose="02070309020205020404" pitchFamily="49" charset="0"/>
+                <a:ea typeface="Courier New" panose="02070309020205020404" pitchFamily="49" charset="0"/>
+                <a:cs typeface="Courier New" panose="02070309020205020404" pitchFamily="49" charset="0"/>
+              </a:rPr>
+              <a:t>(</a:t>
+            </a:r>
+            <a:r>
+              <a:rPr lang="en-US" sz="2500" dirty="0">
+                <a:solidFill>
+                  <a:srgbClr val="000000"/>
+                </a:solidFill>
+                <a:latin typeface="Courier New" panose="02070309020205020404" pitchFamily="49" charset="0"/>
+                <a:ea typeface="Courier New" panose="02070309020205020404" pitchFamily="49" charset="0"/>
+                <a:cs typeface="Courier New" panose="02070309020205020404" pitchFamily="49" charset="0"/>
+              </a:rPr>
+              <a:t>xi </a:t>
+            </a:r>
+            <a:r>
+              <a:rPr lang="ru-RU" sz="2500" dirty="0">
+                <a:solidFill>
+                  <a:srgbClr val="000000"/>
+                </a:solidFill>
+                <a:latin typeface="Courier New" panose="02070309020205020404" pitchFamily="49" charset="0"/>
+                <a:ea typeface="Courier New" panose="02070309020205020404" pitchFamily="49" charset="0"/>
+                <a:cs typeface="Courier New" panose="02070309020205020404" pitchFamily="49" charset="0"/>
+              </a:rPr>
+              <a:t>+1 )- </a:t>
+            </a:r>
+            <a:r>
+              <a:rPr lang="ru-RU" sz="2500" dirty="0" err="1">
+                <a:solidFill>
+                  <a:srgbClr val="000000"/>
+                </a:solidFill>
+                <a:latin typeface="Courier New" panose="02070309020205020404" pitchFamily="49" charset="0"/>
+                <a:ea typeface="Courier New" panose="02070309020205020404" pitchFamily="49" charset="0"/>
+                <a:cs typeface="Courier New" panose="02070309020205020404" pitchFamily="49" charset="0"/>
+              </a:rPr>
+              <a:t>m</a:t>
+            </a:r>
+            <a:r>
+              <a:rPr lang="ru-RU" sz="2500" dirty="0">
+                <a:solidFill>
+                  <a:srgbClr val="000000"/>
+                </a:solidFill>
+                <a:latin typeface="Courier New" panose="02070309020205020404" pitchFamily="49" charset="0"/>
+                <a:ea typeface="Courier New" panose="02070309020205020404" pitchFamily="49" charset="0"/>
+                <a:cs typeface="Courier New" panose="02070309020205020404" pitchFamily="49" charset="0"/>
+              </a:rPr>
+              <a:t> (</a:t>
+            </a:r>
+            <a:r>
+              <a:rPr lang="en-US" sz="2500" dirty="0">
+                <a:solidFill>
+                  <a:srgbClr val="000000"/>
+                </a:solidFill>
+                <a:latin typeface="Courier New" panose="02070309020205020404" pitchFamily="49" charset="0"/>
+                <a:ea typeface="Courier New" panose="02070309020205020404" pitchFamily="49" charset="0"/>
+                <a:cs typeface="Courier New" panose="02070309020205020404" pitchFamily="49" charset="0"/>
+              </a:rPr>
+              <a:t>xi </a:t>
+            </a:r>
+            <a:r>
+              <a:rPr lang="ru-RU" sz="2500" dirty="0">
+                <a:solidFill>
+                  <a:srgbClr val="000000"/>
+                </a:solidFill>
+                <a:latin typeface="Courier New" panose="02070309020205020404" pitchFamily="49" charset="0"/>
+                <a:ea typeface="Courier New" panose="02070309020205020404" pitchFamily="49" charset="0"/>
+                <a:cs typeface="Courier New" panose="02070309020205020404" pitchFamily="49" charset="0"/>
+              </a:rPr>
+              <a:t>)(</a:t>
+            </a:r>
+            <a:r>
+              <a:rPr lang="en-US" sz="2500" dirty="0">
+                <a:solidFill>
+                  <a:srgbClr val="000000"/>
+                </a:solidFill>
+                <a:latin typeface="Courier New" panose="02070309020205020404" pitchFamily="49" charset="0"/>
+                <a:ea typeface="Courier New" panose="02070309020205020404" pitchFamily="49" charset="0"/>
+                <a:cs typeface="Courier New" panose="02070309020205020404" pitchFamily="49" charset="0"/>
+              </a:rPr>
+              <a:t>x </a:t>
+            </a:r>
+            <a:r>
+              <a:rPr lang="ru-RU" sz="2500" dirty="0">
+                <a:solidFill>
+                  <a:srgbClr val="000000"/>
+                </a:solidFill>
+                <a:latin typeface="Courier New" panose="02070309020205020404" pitchFamily="49" charset="0"/>
+                <a:ea typeface="Courier New" panose="02070309020205020404" pitchFamily="49" charset="0"/>
+                <a:cs typeface="Courier New" panose="02070309020205020404" pitchFamily="49" charset="0"/>
+              </a:rPr>
+              <a:t>- </a:t>
+            </a:r>
+            <a:r>
+              <a:rPr lang="en-US" sz="2500" dirty="0">
+                <a:solidFill>
+                  <a:srgbClr val="000000"/>
+                </a:solidFill>
+                <a:latin typeface="Courier New" panose="02070309020205020404" pitchFamily="49" charset="0"/>
+                <a:ea typeface="Courier New" panose="02070309020205020404" pitchFamily="49" charset="0"/>
+                <a:cs typeface="Courier New" panose="02070309020205020404" pitchFamily="49" charset="0"/>
+              </a:rPr>
+              <a:t>xi </a:t>
+            </a:r>
+            <a:r>
+              <a:rPr lang="ru-RU" sz="2500" dirty="0">
+                <a:solidFill>
+                  <a:srgbClr val="000000"/>
+                </a:solidFill>
+                <a:latin typeface="Courier New" panose="02070309020205020404" pitchFamily="49" charset="0"/>
+                <a:ea typeface="Courier New" panose="02070309020205020404" pitchFamily="49" charset="0"/>
+                <a:cs typeface="Courier New" panose="02070309020205020404" pitchFamily="49" charset="0"/>
+              </a:rPr>
+              <a:t>), </a:t>
+            </a:r>
+            <a:r>
+              <a:rPr lang="en-US" sz="2500" dirty="0">
+                <a:solidFill>
+                  <a:srgbClr val="000000"/>
+                </a:solidFill>
+                <a:latin typeface="Courier New" panose="02070309020205020404" pitchFamily="49" charset="0"/>
+                <a:ea typeface="Courier New" panose="02070309020205020404" pitchFamily="49" charset="0"/>
+                <a:cs typeface="Courier New" panose="02070309020205020404" pitchFamily="49" charset="0"/>
+              </a:rPr>
+              <a:t>xi </a:t>
+            </a:r>
+            <a:r>
+              <a:rPr lang="ru-RU" sz="2500" dirty="0">
+                <a:solidFill>
+                  <a:srgbClr val="000000"/>
+                </a:solidFill>
+                <a:latin typeface="Courier New" panose="02070309020205020404" pitchFamily="49" charset="0"/>
+                <a:ea typeface="Courier New" panose="02070309020205020404" pitchFamily="49" charset="0"/>
+                <a:cs typeface="Courier New" panose="02070309020205020404" pitchFamily="49" charset="0"/>
+              </a:rPr>
+              <a:t>&lt; </a:t>
+            </a:r>
+            <a:r>
+              <a:rPr lang="en-US" sz="2500" dirty="0">
+                <a:solidFill>
+                  <a:srgbClr val="000000"/>
+                </a:solidFill>
+                <a:latin typeface="Courier New" panose="02070309020205020404" pitchFamily="49" charset="0"/>
+                <a:ea typeface="Courier New" panose="02070309020205020404" pitchFamily="49" charset="0"/>
+                <a:cs typeface="Courier New" panose="02070309020205020404" pitchFamily="49" charset="0"/>
+              </a:rPr>
+              <a:t>x </a:t>
+            </a:r>
+            <a:r>
+              <a:rPr lang="ru-RU" sz="2500" dirty="0">
+                <a:solidFill>
+                  <a:srgbClr val="000000"/>
+                </a:solidFill>
+                <a:latin typeface="Courier New" panose="02070309020205020404" pitchFamily="49" charset="0"/>
+                <a:ea typeface="Courier New" panose="02070309020205020404" pitchFamily="49" charset="0"/>
+                <a:cs typeface="Courier New" panose="02070309020205020404" pitchFamily="49" charset="0"/>
+              </a:rPr>
+              <a:t>£ </a:t>
+            </a:r>
+            <a:r>
+              <a:rPr lang="en-US" sz="2500" dirty="0">
+                <a:solidFill>
+                  <a:srgbClr val="000000"/>
+                </a:solidFill>
+                <a:latin typeface="Courier New" panose="02070309020205020404" pitchFamily="49" charset="0"/>
+                <a:ea typeface="Courier New" panose="02070309020205020404" pitchFamily="49" charset="0"/>
+                <a:cs typeface="Courier New" panose="02070309020205020404" pitchFamily="49" charset="0"/>
+              </a:rPr>
+              <a:t>xi </a:t>
+            </a:r>
+            <a:r>
+              <a:rPr lang="ru-RU" sz="2500" dirty="0">
+                <a:solidFill>
+                  <a:srgbClr val="000000"/>
+                </a:solidFill>
+                <a:latin typeface="Courier New" panose="02070309020205020404" pitchFamily="49" charset="0"/>
+                <a:ea typeface="Courier New" panose="02070309020205020404" pitchFamily="49" charset="0"/>
+                <a:cs typeface="Courier New" panose="02070309020205020404" pitchFamily="49" charset="0"/>
+              </a:rPr>
+              <a:t>+1 </a:t>
+            </a:r>
+            <a:r>
+              <a:rPr lang="en-US" sz="2500" dirty="0">
+                <a:solidFill>
+                  <a:srgbClr val="000000"/>
+                </a:solidFill>
+                <a:latin typeface="Courier New" panose="02070309020205020404" pitchFamily="49" charset="0"/>
+                <a:ea typeface="Courier New" panose="02070309020205020404" pitchFamily="49" charset="0"/>
+                <a:cs typeface="Courier New" panose="02070309020205020404" pitchFamily="49" charset="0"/>
+              </a:rPr>
+              <a:t>xi </a:t>
+            </a:r>
+            <a:r>
+              <a:rPr lang="ru-RU" sz="2500" dirty="0">
+                <a:solidFill>
+                  <a:srgbClr val="000000"/>
+                </a:solidFill>
+                <a:latin typeface="Courier New" panose="02070309020205020404" pitchFamily="49" charset="0"/>
+                <a:ea typeface="Courier New" panose="02070309020205020404" pitchFamily="49" charset="0"/>
+                <a:cs typeface="Courier New" panose="02070309020205020404" pitchFamily="49" charset="0"/>
+              </a:rPr>
+              <a:t>+1 – </a:t>
+            </a:r>
+            <a:r>
+              <a:rPr lang="en-US" sz="2500" dirty="0">
+                <a:solidFill>
+                  <a:srgbClr val="000000"/>
+                </a:solidFill>
+                <a:latin typeface="Courier New" panose="02070309020205020404" pitchFamily="49" charset="0"/>
+                <a:ea typeface="Courier New" panose="02070309020205020404" pitchFamily="49" charset="0"/>
+                <a:cs typeface="Courier New" panose="02070309020205020404" pitchFamily="49" charset="0"/>
+              </a:rPr>
+              <a:t>xi</a:t>
+            </a:r>
+            <a:endParaRPr lang="ru-RU" sz="2500" dirty="0">
+              <a:solidFill>
+                <a:srgbClr val="000000"/>
+              </a:solidFill>
+              <a:latin typeface="Courier New" panose="02070309020205020404" pitchFamily="49" charset="0"/>
+              <a:ea typeface="Courier New" panose="02070309020205020404" pitchFamily="49" charset="0"/>
+              <a:cs typeface="Courier New" panose="02070309020205020404" pitchFamily="49" charset="0"/>
+            </a:endParaRPr>
+          </a:p>
+          <a:p>
+            <a:pPr>
+              <a:buNone/>
+            </a:pPr>
+            <a:r>
+              <a:rPr lang="ru-RU" sz="2500" dirty="0">
+                <a:solidFill>
+                  <a:srgbClr val="000000"/>
+                </a:solidFill>
+                <a:latin typeface="Courier New" panose="02070309020205020404" pitchFamily="49" charset="0"/>
+                <a:ea typeface="Courier New" panose="02070309020205020404" pitchFamily="49" charset="0"/>
+                <a:cs typeface="Courier New" panose="02070309020205020404" pitchFamily="49" charset="0"/>
+              </a:rPr>
+              <a:t>		</a:t>
+            </a:r>
+            <a:r>
+              <a:rPr lang="ru-RU" sz="2500" dirty="0" err="1">
+                <a:solidFill>
+                  <a:srgbClr val="000000"/>
+                </a:solidFill>
+                <a:latin typeface="Courier New" panose="02070309020205020404" pitchFamily="49" charset="0"/>
+                <a:ea typeface="Courier New" panose="02070309020205020404" pitchFamily="49" charset="0"/>
+                <a:cs typeface="Courier New" panose="02070309020205020404" pitchFamily="49" charset="0"/>
+              </a:rPr>
+              <a:t>m</a:t>
+            </a:r>
+            <a:r>
+              <a:rPr lang="ru-RU" sz="2500" dirty="0">
+                <a:solidFill>
+                  <a:srgbClr val="000000"/>
+                </a:solidFill>
+                <a:latin typeface="Courier New" panose="02070309020205020404" pitchFamily="49" charset="0"/>
+                <a:ea typeface="Courier New" panose="02070309020205020404" pitchFamily="49" charset="0"/>
+                <a:cs typeface="Courier New" panose="02070309020205020404" pitchFamily="49" charset="0"/>
+              </a:rPr>
+              <a:t>(</a:t>
+            </a:r>
+            <a:r>
+              <a:rPr lang="en-US" sz="2500" dirty="0">
+                <a:solidFill>
+                  <a:srgbClr val="000000"/>
+                </a:solidFill>
+                <a:latin typeface="Courier New" panose="02070309020205020404" pitchFamily="49" charset="0"/>
+                <a:ea typeface="Courier New" panose="02070309020205020404" pitchFamily="49" charset="0"/>
+                <a:cs typeface="Courier New" panose="02070309020205020404" pitchFamily="49" charset="0"/>
+              </a:rPr>
+              <a:t>x</a:t>
+            </a:r>
+            <a:r>
+              <a:rPr lang="ru-RU" sz="2500" dirty="0">
+                <a:solidFill>
+                  <a:srgbClr val="000000"/>
+                </a:solidFill>
+                <a:latin typeface="Courier New" panose="02070309020205020404" pitchFamily="49" charset="0"/>
+                <a:ea typeface="Courier New" panose="02070309020205020404" pitchFamily="49" charset="0"/>
+                <a:cs typeface="Courier New" panose="02070309020205020404" pitchFamily="49" charset="0"/>
+              </a:rPr>
+              <a:t>)= </a:t>
+            </a:r>
+            <a:r>
+              <a:rPr lang="ru-RU" sz="2500" dirty="0" err="1">
+                <a:solidFill>
+                  <a:srgbClr val="000000"/>
+                </a:solidFill>
+                <a:latin typeface="Courier New" panose="02070309020205020404" pitchFamily="49" charset="0"/>
+                <a:ea typeface="Courier New" panose="02070309020205020404" pitchFamily="49" charset="0"/>
+                <a:cs typeface="Courier New" panose="02070309020205020404" pitchFamily="49" charset="0"/>
+              </a:rPr>
+              <a:t>m</a:t>
+            </a:r>
+            <a:r>
+              <a:rPr lang="ru-RU" sz="2500" dirty="0">
+                <a:solidFill>
+                  <a:srgbClr val="000000"/>
+                </a:solidFill>
+                <a:latin typeface="Courier New" panose="02070309020205020404" pitchFamily="49" charset="0"/>
+                <a:ea typeface="Courier New" panose="02070309020205020404" pitchFamily="49" charset="0"/>
+                <a:cs typeface="Courier New" panose="02070309020205020404" pitchFamily="49" charset="0"/>
+              </a:rPr>
+              <a:t>(</a:t>
+            </a:r>
+            <a:r>
+              <a:rPr lang="en-US" sz="2500" dirty="0" err="1">
+                <a:solidFill>
+                  <a:srgbClr val="000000"/>
+                </a:solidFill>
+                <a:latin typeface="Courier New" panose="02070309020205020404" pitchFamily="49" charset="0"/>
+                <a:ea typeface="Courier New" panose="02070309020205020404" pitchFamily="49" charset="0"/>
+                <a:cs typeface="Courier New" panose="02070309020205020404" pitchFamily="49" charset="0"/>
+              </a:rPr>
+              <a:t>xn</a:t>
+            </a:r>
+            <a:r>
+              <a:rPr lang="en-US" sz="2500" dirty="0">
+                <a:solidFill>
+                  <a:srgbClr val="000000"/>
+                </a:solidFill>
+                <a:latin typeface="Courier New" panose="02070309020205020404" pitchFamily="49" charset="0"/>
+                <a:ea typeface="Courier New" panose="02070309020205020404" pitchFamily="49" charset="0"/>
+                <a:cs typeface="Courier New" panose="02070309020205020404" pitchFamily="49" charset="0"/>
+              </a:rPr>
+              <a:t> </a:t>
+            </a:r>
+            <a:r>
+              <a:rPr lang="ru-RU" sz="2500" dirty="0">
+                <a:solidFill>
+                  <a:srgbClr val="000000"/>
+                </a:solidFill>
+                <a:latin typeface="Courier New" panose="02070309020205020404" pitchFamily="49" charset="0"/>
+                <a:ea typeface="Courier New" panose="02070309020205020404" pitchFamily="49" charset="0"/>
+                <a:cs typeface="Courier New" panose="02070309020205020404" pitchFamily="49" charset="0"/>
+              </a:rPr>
+              <a:t>)</a:t>
+            </a:r>
+            <a:r>
+              <a:rPr lang="en-US" sz="2500" dirty="0">
+                <a:solidFill>
+                  <a:srgbClr val="000000"/>
+                </a:solidFill>
+                <a:latin typeface="Courier New" panose="02070309020205020404" pitchFamily="49" charset="0"/>
+                <a:ea typeface="Courier New" panose="02070309020205020404" pitchFamily="49" charset="0"/>
+                <a:cs typeface="Courier New" panose="02070309020205020404" pitchFamily="49" charset="0"/>
+              </a:rPr>
+              <a:t>,  </a:t>
+            </a:r>
+            <a:r>
+              <a:rPr lang="en-US" sz="2500" dirty="0" err="1">
+                <a:solidFill>
+                  <a:srgbClr val="000000"/>
+                </a:solidFill>
+                <a:latin typeface="Courier New" panose="02070309020205020404" pitchFamily="49" charset="0"/>
+                <a:ea typeface="Courier New" panose="02070309020205020404" pitchFamily="49" charset="0"/>
+                <a:cs typeface="Courier New" panose="02070309020205020404" pitchFamily="49" charset="0"/>
+              </a:rPr>
+              <a:t>xn</a:t>
+            </a:r>
+            <a:r>
+              <a:rPr lang="en-US" sz="2500" dirty="0">
+                <a:solidFill>
+                  <a:srgbClr val="000000"/>
+                </a:solidFill>
+                <a:latin typeface="Courier New" panose="02070309020205020404" pitchFamily="49" charset="0"/>
+                <a:ea typeface="Courier New" panose="02070309020205020404" pitchFamily="49" charset="0"/>
+                <a:cs typeface="Courier New" panose="02070309020205020404" pitchFamily="49" charset="0"/>
+              </a:rPr>
+              <a:t> </a:t>
+            </a:r>
+            <a:r>
+              <a:rPr lang="ru-RU" sz="2500" dirty="0">
+                <a:solidFill>
+                  <a:srgbClr val="000000"/>
+                </a:solidFill>
+                <a:latin typeface="Courier New" panose="02070309020205020404" pitchFamily="49" charset="0"/>
+                <a:ea typeface="Courier New" panose="02070309020205020404" pitchFamily="49" charset="0"/>
+                <a:cs typeface="Courier New" panose="02070309020205020404" pitchFamily="49" charset="0"/>
+              </a:rPr>
+              <a:t>&lt;</a:t>
+            </a:r>
+            <a:r>
+              <a:rPr lang="en-US" sz="2500" dirty="0">
+                <a:solidFill>
+                  <a:srgbClr val="000000"/>
+                </a:solidFill>
+                <a:latin typeface="Courier New" panose="02070309020205020404" pitchFamily="49" charset="0"/>
+                <a:ea typeface="Courier New" panose="02070309020205020404" pitchFamily="49" charset="0"/>
+                <a:cs typeface="Courier New" panose="02070309020205020404" pitchFamily="49" charset="0"/>
+              </a:rPr>
+              <a:t> x</a:t>
+            </a:r>
+            <a:endParaRPr lang="ru-RU" sz="2500" dirty="0">
+              <a:solidFill>
+                <a:srgbClr val="000000"/>
+              </a:solidFill>
+              <a:latin typeface="Courier New" panose="02070309020205020404" pitchFamily="49" charset="0"/>
+              <a:ea typeface="Courier New" panose="02070309020205020404" pitchFamily="49" charset="0"/>
+              <a:cs typeface="Courier New" panose="02070309020205020404" pitchFamily="49" charset="0"/>
+            </a:endParaRPr>
+          </a:p>
+          <a:p>
+            <a:endParaRPr lang="ru-RU" dirty="0"/>
+          </a:p>
+          <a:p>
+            <a:endParaRPr lang="ru-RU" dirty="0"/>
+          </a:p>
+        </p:txBody>
+      </p:sp>
+      <p:sp>
+        <p:nvSpPr>
+          <p:cNvPr id="4" name="Номер слайда 3"/>
+          <p:cNvSpPr>
+            <a:spLocks noGrp="1"/>
+          </p:cNvSpPr>
+          <p:nvPr>
+            <p:ph type="sldNum" sz="quarter" idx="12"/>
+          </p:nvPr>
+        </p:nvSpPr>
+        <p:spPr/>
+        <p:txBody>
+          <a:bodyPr/>
+          <a:lstStyle/>
+          <a:p>
+            <a:fld id="{2D80A49E-0AE4-4F85-8EA4-F0781D345D2A}" type="slidenum">
+              <a:rPr lang="ru-RU" smtClean="0"/>
+            </a:fld>
+            <a:endParaRPr lang="ru-RU" dirty="0"/>
+          </a:p>
+        </p:txBody>
+      </p:sp>
+    </p:spTree>
+  </p:cSld>
+  <p:clrMapOvr>
+    <a:masterClrMapping/>
+  </p:clrMapOvr>
+</p:sld>
+</file>
+
+<file path=ppt/slides/slide14.xml><?xml version="1.0" encoding="utf-8"?>
+<p:sld xmlns:a="http://schemas.openxmlformats.org/drawingml/2006/main" xmlns:r="http://schemas.openxmlformats.org/officeDocument/2006/relationships" xmlns:p="http://schemas.openxmlformats.org/presentationml/2006/main">
+  <p:cSld>
+    <p:spTree>
+      <p:nvGrpSpPr>
+        <p:cNvPr id="1" name=""/>
+        <p:cNvGrpSpPr/>
+        <p:nvPr/>
+      </p:nvGrpSpPr>
+      <p:grpSpPr>
+        <a:xfrm>
+          <a:off x="0" y="0"/>
+          <a:ext cx="0" cy="0"/>
+          <a:chOff x="0" y="0"/>
+          <a:chExt cx="0" cy="0"/>
+        </a:xfrm>
+      </p:grpSpPr>
+      <p:sp>
+        <p:nvSpPr>
+          <p:cNvPr id="2" name="Заголовок 1"/>
+          <p:cNvSpPr>
+            <a:spLocks noGrp="1"/>
+          </p:cNvSpPr>
+          <p:nvPr>
+            <p:ph type="title"/>
+          </p:nvPr>
+        </p:nvSpPr>
+        <p:spPr>
+          <a:xfrm>
+            <a:off x="457200" y="0"/>
             <a:ext cx="8229600" cy="975360"/>
           </a:xfrm>
         </p:spPr>
@@ -7320,7 +8279,7 @@
 </p:sld>
 </file>
 
-<file path=ppt/slides/slide14.xml><?xml version="1.0" encoding="utf-8"?>
+<file path=ppt/slides/slide15.xml><?xml version="1.0" encoding="utf-8"?>
 <p:sld xmlns:a="http://schemas.openxmlformats.org/drawingml/2006/main" xmlns:r="http://schemas.openxmlformats.org/officeDocument/2006/relationships" xmlns:p="http://schemas.openxmlformats.org/presentationml/2006/main">
   <p:cSld>
     <p:spTree>
@@ -7907,7 +8866,7 @@
 </p:sld>
 </file>
 
-<file path=ppt/slides/slide15.xml><?xml version="1.0" encoding="utf-8"?>
+<file path=ppt/slides/slide16.xml><?xml version="1.0" encoding="utf-8"?>
 <p:sld xmlns:a="http://schemas.openxmlformats.org/drawingml/2006/main" xmlns:r="http://schemas.openxmlformats.org/officeDocument/2006/relationships" xmlns:p="http://schemas.openxmlformats.org/presentationml/2006/main">
   <p:cSld>
     <p:spTree>
@@ -8532,7 +9491,7 @@
 </p:sld>
 </file>
 
-<file path=ppt/slides/slide16.xml><?xml version="1.0" encoding="utf-8"?>
+<file path=ppt/slides/slide17.xml><?xml version="1.0" encoding="utf-8"?>
 <p:sld xmlns:a="http://schemas.openxmlformats.org/drawingml/2006/main" xmlns:r="http://schemas.openxmlformats.org/officeDocument/2006/relationships" xmlns:p="http://schemas.openxmlformats.org/presentationml/2006/main">
   <p:cSld>
     <p:spTree>
@@ -8678,187 +9637,6 @@
               <a:rPr lang="ru-RU" b="1" dirty="0"/>
               <a:t>)</a:t>
             </a:r>
-            <a:endParaRPr lang="ru-RU" dirty="0"/>
-          </a:p>
-        </p:txBody>
-      </p:sp>
-      <p:sp>
-        <p:nvSpPr>
-          <p:cNvPr id="4" name="Номер слайда 3"/>
-          <p:cNvSpPr>
-            <a:spLocks noGrp="1"/>
-          </p:cNvSpPr>
-          <p:nvPr>
-            <p:ph type="sldNum" sz="quarter" idx="12"/>
-          </p:nvPr>
-        </p:nvSpPr>
-        <p:spPr/>
-        <p:txBody>
-          <a:bodyPr/>
-          <a:lstStyle/>
-          <a:p>
-            <a:fld id="{2D80A49E-0AE4-4F85-8EA4-F0781D345D2A}" type="slidenum">
-              <a:rPr lang="ru-RU" smtClean="0"/>
-            </a:fld>
-            <a:endParaRPr lang="ru-RU" dirty="0"/>
-          </a:p>
-        </p:txBody>
-      </p:sp>
-    </p:spTree>
-  </p:cSld>
-  <p:clrMapOvr>
-    <a:masterClrMapping/>
-  </p:clrMapOvr>
-</p:sld>
-</file>
-
-<file path=ppt/slides/slide17.xml><?xml version="1.0" encoding="utf-8"?>
-<p:sld xmlns:a="http://schemas.openxmlformats.org/drawingml/2006/main" xmlns:r="http://schemas.openxmlformats.org/officeDocument/2006/relationships" xmlns:p="http://schemas.openxmlformats.org/presentationml/2006/main">
-  <p:cSld>
-    <p:spTree>
-      <p:nvGrpSpPr>
-        <p:cNvPr id="1" name=""/>
-        <p:cNvGrpSpPr/>
-        <p:nvPr/>
-      </p:nvGrpSpPr>
-      <p:grpSpPr>
-        <a:xfrm>
-          <a:off x="0" y="0"/>
-          <a:ext cx="0" cy="0"/>
-          <a:chOff x="0" y="0"/>
-          <a:chExt cx="0" cy="0"/>
-        </a:xfrm>
-      </p:grpSpPr>
-      <p:sp>
-        <p:nvSpPr>
-          <p:cNvPr id="3" name="Объект 2"/>
-          <p:cNvSpPr>
-            <a:spLocks noGrp="1"/>
-          </p:cNvSpPr>
-          <p:nvPr>
-            <p:ph idx="1"/>
-          </p:nvPr>
-        </p:nvSpPr>
-        <p:spPr>
-          <a:xfrm>
-            <a:off x="457200" y="641350"/>
-            <a:ext cx="8229600" cy="4525963"/>
-          </a:xfrm>
-        </p:spPr>
-        <p:txBody>
-          <a:bodyPr/>
-          <a:lstStyle/>
-          <a:p>
-            <a:pPr marL="457200" indent="-457200">
-              <a:lnSpc>
-                <a:spcPct val="150000"/>
-              </a:lnSpc>
-              <a:buFont typeface="+mj-lt"/>
-              <a:buAutoNum type="arabicPeriod" startAt="4"/>
-            </a:pPr>
-            <a:r>
-              <a:rPr lang="ru-RU" b="1" dirty="0"/>
-              <a:t>Включение и отключение вычислений фактора достоверности в правилах(</a:t>
-            </a:r>
-            <a:r>
-              <a:rPr lang="ru-RU" b="1" i="1" u="sng" dirty="0" err="1"/>
-              <a:t>enable-cf-rule-calculation</a:t>
-            </a:r>
-            <a:r>
-              <a:rPr lang="ru-RU" b="1" i="1" u="sng" dirty="0"/>
-              <a:t>, </a:t>
-            </a:r>
-            <a:r>
-              <a:rPr lang="ru-RU" b="1" i="1" u="sng" dirty="0" err="1"/>
-              <a:t>disable-cf-rule-calculation</a:t>
-            </a:r>
-            <a:r>
-              <a:rPr lang="ru-RU" b="1" dirty="0"/>
-              <a:t>)</a:t>
-            </a:r>
-            <a:endParaRPr lang="ru-RU" b="1" dirty="0"/>
-          </a:p>
-          <a:p>
-            <a:pPr marL="457200" indent="-457200">
-              <a:lnSpc>
-                <a:spcPct val="150000"/>
-              </a:lnSpc>
-              <a:buFont typeface="+mj-lt"/>
-              <a:buAutoNum type="arabicPeriod" startAt="4"/>
-            </a:pPr>
-            <a:r>
-              <a:rPr lang="ru-RU" b="1" dirty="0"/>
-              <a:t>Доступ к пороговому коэффициенту достоверности(</a:t>
-            </a:r>
-            <a:r>
-              <a:rPr lang="ru-RU" b="1" i="1" u="sng" dirty="0" err="1"/>
-              <a:t>set-threshold</a:t>
-            </a:r>
-            <a:r>
-              <a:rPr lang="ru-RU" b="1" i="1" u="sng" dirty="0"/>
-              <a:t>, </a:t>
-            </a:r>
-            <a:r>
-              <a:rPr lang="ru-RU" b="1" i="1" u="sng" dirty="0" err="1"/>
-              <a:t>get-threshold</a:t>
-            </a:r>
-            <a:r>
-              <a:rPr lang="ru-RU" b="1" dirty="0"/>
-              <a:t>)</a:t>
-            </a:r>
-            <a:endParaRPr lang="ru-RU" b="1" dirty="0"/>
-          </a:p>
-          <a:p>
-            <a:pPr marL="457200" indent="-457200">
-              <a:lnSpc>
-                <a:spcPct val="150000"/>
-              </a:lnSpc>
-              <a:buFont typeface="+mj-lt"/>
-              <a:buAutoNum type="arabicPeriod" startAt="4"/>
-            </a:pPr>
-            <a:r>
-              <a:rPr lang="ru-RU" b="1" dirty="0"/>
-              <a:t>Настройка поведения оценки правила CF(</a:t>
-            </a:r>
-            <a:r>
-              <a:rPr lang="ru-RU" b="1" i="1" u="sng" dirty="0" err="1"/>
-              <a:t>set</a:t>
-            </a:r>
-            <a:r>
-              <a:rPr lang="ru-RU" b="1" i="1" u="sng" dirty="0"/>
-              <a:t>-CF-</a:t>
-            </a:r>
-            <a:r>
-              <a:rPr lang="ru-RU" b="1" i="1" u="sng" dirty="0" err="1"/>
-              <a:t>evaluation</a:t>
-            </a:r>
-            <a:r>
-              <a:rPr lang="ru-RU" b="1" i="1" u="sng" dirty="0"/>
-              <a:t>, </a:t>
-            </a:r>
-            <a:r>
-              <a:rPr lang="ru-RU" b="1" i="1" u="sng" dirty="0" err="1"/>
-              <a:t>get</a:t>
-            </a:r>
-            <a:r>
-              <a:rPr lang="ru-RU" b="1" i="1" u="sng" dirty="0"/>
-              <a:t>-CF-</a:t>
-            </a:r>
-            <a:r>
-              <a:rPr lang="ru-RU" b="1" i="1" u="sng" dirty="0" err="1"/>
-              <a:t>evaluation</a:t>
-            </a:r>
-            <a:r>
-              <a:rPr lang="ru-RU" b="1" dirty="0"/>
-              <a:t>)</a:t>
-            </a:r>
-            <a:endParaRPr lang="ru-RU" dirty="0"/>
-          </a:p>
-          <a:p>
-            <a:pPr marL="457200" indent="-457200">
-              <a:buFont typeface="+mj-lt"/>
-              <a:buAutoNum type="arabicPeriod" startAt="4"/>
-            </a:pPr>
             <a:endParaRPr lang="ru-RU" dirty="0"/>
           </a:p>
         </p:txBody>
@@ -8922,7 +9700,7 @@
         </p:nvSpPr>
         <p:spPr>
           <a:xfrm>
-            <a:off x="457200" y="610235"/>
+            <a:off x="457200" y="641350"/>
             <a:ext cx="8229600" cy="4525963"/>
           </a:xfrm>
         </p:spPr>
@@ -8935,15 +9713,15 @@
                 <a:spcPct val="150000"/>
               </a:lnSpc>
               <a:buFont typeface="+mj-lt"/>
-              <a:buAutoNum type="arabicPeriod" startAt="7"/>
+              <a:buAutoNum type="arabicPeriod" startAt="4"/>
             </a:pPr>
             <a:r>
               <a:rPr lang="ru-RU" b="1" dirty="0"/>
-              <a:t>Контроль точности отображения нечетких множеств(</a:t>
+              <a:t>Включение и отключение вычислений фактора достоверности в правилах(</a:t>
             </a:r>
             <a:r>
               <a:rPr lang="ru-RU" b="1" i="1" u="sng" dirty="0" err="1"/>
-              <a:t>set-fuzzy-display-precision</a:t>
+              <a:t>enable-cf-rule-calculation</a:t>
             </a:r>
             <a:r>
               <a:rPr lang="ru-RU" b="1" i="1" u="sng" dirty="0"/>
@@ -8951,7 +9729,7 @@
             </a:r>
             <a:r>
               <a:rPr lang="ru-RU" b="1" i="1" u="sng" dirty="0" err="1"/>
-              <a:t>get-fuzzy-display-precision</a:t>
+              <a:t>disable-cf-rule-calculation</a:t>
             </a:r>
             <a:r>
               <a:rPr lang="ru-RU" b="1" dirty="0"/>
@@ -8965,47 +9743,23 @@
                 <a:spcPct val="150000"/>
               </a:lnSpc>
               <a:buFont typeface="+mj-lt"/>
-              <a:buAutoNum type="arabicPeriod" startAt="7"/>
+              <a:buAutoNum type="arabicPeriod" startAt="4"/>
             </a:pPr>
             <a:r>
               <a:rPr lang="ru-RU" b="1" dirty="0"/>
-              <a:t>Управление методом нечетких выводов(</a:t>
+              <a:t>Доступ к пороговому коэффициенту достоверности(</a:t>
             </a:r>
             <a:r>
               <a:rPr lang="ru-RU" b="1" i="1" u="sng" dirty="0" err="1"/>
-              <a:t>set-fuzzy-inference-type</a:t>
+              <a:t>set-threshold</a:t>
             </a:r>
             <a:r>
               <a:rPr lang="ru-RU" b="1" i="1" u="sng" dirty="0"/>
               <a:t>, </a:t>
             </a:r>
             <a:r>
-              <a:rPr lang="en-US" b="1" i="1" u="sng" dirty="0"/>
-              <a:t>get</a:t>
-            </a:r>
-            <a:r>
-              <a:rPr lang="ru-RU" b="1" i="1" u="sng" dirty="0"/>
-              <a:t>-</a:t>
-            </a:r>
-            <a:r>
-              <a:rPr lang="en-US" b="1" i="1" u="sng" dirty="0"/>
-              <a:t>fuzzy</a:t>
-            </a:r>
-            <a:r>
-              <a:rPr lang="ru-RU" b="1" i="1" u="sng" dirty="0"/>
-              <a:t>-</a:t>
-            </a:r>
-            <a:r>
-              <a:rPr lang="en-US" b="1" i="1" u="sng" dirty="0"/>
-              <a:t>inference</a:t>
-            </a:r>
-            <a:r>
-              <a:rPr lang="ru-RU" b="1" i="1" u="sng" dirty="0"/>
-              <a:t>-</a:t>
-            </a:r>
-            <a:r>
-              <a:rPr lang="en-US" b="1" i="1" u="sng" dirty="0"/>
-              <a:t>type</a:t>
+              <a:rPr lang="ru-RU" b="1" i="1" u="sng" dirty="0" err="1"/>
+              <a:t>get-threshold</a:t>
             </a:r>
             <a:r>
               <a:rPr lang="ru-RU" b="1" dirty="0"/>
@@ -9019,15 +9773,23 @@
                 <a:spcPct val="150000"/>
               </a:lnSpc>
               <a:buFont typeface="+mj-lt"/>
-              <a:buAutoNum type="arabicPeriod" startAt="7"/>
+              <a:buAutoNum type="arabicPeriod" startAt="4"/>
             </a:pPr>
             <a:r>
               <a:rPr lang="ru-RU" b="1" dirty="0"/>
-              <a:t>Установка порога соответствия нечеткого шаблона(</a:t>
+              <a:t>Настройка поведения оценки правила CF(</a:t>
             </a:r>
             <a:r>
               <a:rPr lang="ru-RU" b="1" i="1" u="sng" dirty="0" err="1"/>
-              <a:t>set-alpha-value</a:t>
+              <a:t>set</a:t>
+            </a:r>
+            <a:r>
+              <a:rPr lang="ru-RU" b="1" i="1" u="sng" dirty="0"/>
+              <a:t>-CF-</a:t>
+            </a:r>
+            <a:r>
+              <a:rPr lang="ru-RU" b="1" i="1" u="sng" dirty="0" err="1"/>
+              <a:t>evaluation</a:t>
             </a:r>
             <a:r>
               <a:rPr lang="ru-RU" b="1" i="1" u="sng" dirty="0"/>
@@ -9035,7 +9797,15 @@
             </a:r>
             <a:r>
               <a:rPr lang="ru-RU" b="1" i="1" u="sng" dirty="0" err="1"/>
-              <a:t>get-alpha-value</a:t>
+              <a:t>get</a:t>
+            </a:r>
+            <a:r>
+              <a:rPr lang="ru-RU" b="1" i="1" u="sng" dirty="0"/>
+              <a:t>-CF-</a:t>
+            </a:r>
+            <a:r>
+              <a:rPr lang="ru-RU" b="1" i="1" u="sng" dirty="0" err="1"/>
+              <a:t>evaluation</a:t>
             </a:r>
             <a:r>
               <a:rPr lang="ru-RU" b="1" dirty="0"/>
@@ -9046,14 +9816,7 @@
           <a:p>
             <a:pPr marL="457200" indent="-457200">
               <a:buFont typeface="+mj-lt"/>
-              <a:buAutoNum type="arabicPeriod" startAt="7"/>
-            </a:pPr>
-            <a:endParaRPr lang="ru-RU" dirty="0"/>
-          </a:p>
-          <a:p>
-            <a:pPr marL="457200" indent="-457200">
-              <a:buFont typeface="+mj-lt"/>
-              <a:buAutoNum type="arabicPeriod" startAt="7"/>
+              <a:buAutoNum type="arabicPeriod" startAt="4"/>
             </a:pPr>
             <a:endParaRPr lang="ru-RU" dirty="0"/>
           </a:p>
@@ -9118,7 +9881,7 @@
         </p:nvSpPr>
         <p:spPr>
           <a:xfrm>
-            <a:off x="457200" y="662305"/>
+            <a:off x="457200" y="610235"/>
             <a:ext cx="8229600" cy="4525963"/>
           </a:xfrm>
         </p:spPr>
@@ -9131,19 +9894,23 @@
                 <a:spcPct val="150000"/>
               </a:lnSpc>
               <a:buFont typeface="+mj-lt"/>
-              <a:buAutoNum type="arabicPeriod" startAt="10"/>
+              <a:buAutoNum type="arabicPeriod" startAt="7"/>
             </a:pPr>
             <a:r>
               <a:rPr lang="ru-RU" b="1" dirty="0"/>
-              <a:t>Функция предиката нечетких значений(</a:t>
-            </a:r>
-            <a:r>
-              <a:rPr lang="en-US" b="1" i="1" u="sng" dirty="0"/>
-              <a:t>f</a:t>
+              <a:t>Контроль точности отображения нечетких множеств(</a:t>
             </a:r>
             <a:r>
               <a:rPr lang="ru-RU" b="1" i="1" u="sng" dirty="0" err="1"/>
-              <a:t>uzzyvaluep</a:t>
+              <a:t>set-fuzzy-display-precision</a:t>
+            </a:r>
+            <a:r>
+              <a:rPr lang="ru-RU" b="1" i="1" u="sng" dirty="0"/>
+              <a:t>, </a:t>
+            </a:r>
+            <a:r>
+              <a:rPr lang="ru-RU" b="1" i="1" u="sng" dirty="0" err="1"/>
+              <a:t>get-fuzzy-display-precision</a:t>
             </a:r>
             <a:r>
               <a:rPr lang="ru-RU" b="1" dirty="0"/>
@@ -9157,39 +9924,47 @@
                 <a:spcPct val="150000"/>
               </a:lnSpc>
               <a:buFont typeface="+mj-lt"/>
-              <a:buAutoNum type="arabicPeriod" startAt="10"/>
+              <a:buAutoNum type="arabicPeriod" startAt="7"/>
             </a:pPr>
             <a:r>
               <a:rPr lang="ru-RU" b="1" dirty="0"/>
-              <a:t>Создание и работа с FUZZY-VALUE(</a:t>
+              <a:t>Управление методом нечетких выводов(</a:t>
             </a:r>
             <a:r>
               <a:rPr lang="ru-RU" b="1" i="1" u="sng" dirty="0" err="1"/>
-              <a:t>create-fuzzy-value</a:t>
+              <a:t>set-fuzzy-inference-type</a:t>
             </a:r>
             <a:r>
               <a:rPr lang="ru-RU" b="1" i="1" u="sng" dirty="0"/>
               <a:t>, </a:t>
             </a:r>
             <a:r>
-              <a:rPr lang="ru-RU" b="1" i="1" u="sng" dirty="0" err="1"/>
-              <a:t>fuzzy-union</a:t>
+              <a:rPr lang="en-US" b="1" i="1" u="sng" dirty="0"/>
+              <a:t>get</a:t>
             </a:r>
             <a:r>
               <a:rPr lang="ru-RU" b="1" i="1" u="sng" dirty="0"/>
-              <a:t>, </a:t>
-            </a:r>
-            <a:r>
-              <a:rPr lang="ru-RU" b="1" i="1" u="sng" dirty="0" err="1"/>
-              <a:t>fuzzy-intersection</a:t>
+              <a:t>-</a:t>
+            </a:r>
+            <a:r>
+              <a:rPr lang="en-US" b="1" i="1" u="sng" dirty="0"/>
+              <a:t>fuzzy</a:t>
             </a:r>
             <a:r>
               <a:rPr lang="ru-RU" b="1" i="1" u="sng" dirty="0"/>
-              <a:t>, </a:t>
-            </a:r>
-            <a:r>
-              <a:rPr lang="ru-RU" b="1" i="1" u="sng" dirty="0" err="1"/>
-              <a:t>fuzzy-modify</a:t>
+              <a:t>-</a:t>
+            </a:r>
+            <a:r>
+              <a:rPr lang="en-US" b="1" i="1" u="sng" dirty="0"/>
+              <a:t>inference</a:t>
+            </a:r>
+            <a:r>
+              <a:rPr lang="ru-RU" b="1" i="1" u="sng" dirty="0"/>
+              <a:t>-</a:t>
+            </a:r>
+            <a:r>
+              <a:rPr lang="en-US" b="1" i="1" u="sng" dirty="0"/>
+              <a:t>type</a:t>
             </a:r>
             <a:r>
               <a:rPr lang="ru-RU" b="1" dirty="0"/>
@@ -9203,20 +9978,42 @@
                 <a:spcPct val="150000"/>
               </a:lnSpc>
               <a:buFont typeface="+mj-lt"/>
-              <a:buAutoNum type="arabicPeriod" startAt="10"/>
+              <a:buAutoNum type="arabicPeriod" startAt="7"/>
             </a:pPr>
             <a:r>
               <a:rPr lang="ru-RU" b="1" dirty="0"/>
-              <a:t>Доступ к нечеткому слоту в факте(</a:t>
+              <a:t>Установка порога соответствия нечеткого шаблона(</a:t>
             </a:r>
             <a:r>
               <a:rPr lang="ru-RU" b="1" i="1" u="sng" dirty="0" err="1"/>
-              <a:t>get-fuzzy-slot</a:t>
+              <a:t>set-alpha-value</a:t>
+            </a:r>
+            <a:r>
+              <a:rPr lang="ru-RU" b="1" i="1" u="sng" dirty="0"/>
+              <a:t>, </a:t>
+            </a:r>
+            <a:r>
+              <a:rPr lang="ru-RU" b="1" i="1" u="sng" dirty="0" err="1"/>
+              <a:t>get-alpha-value</a:t>
             </a:r>
             <a:r>
               <a:rPr lang="ru-RU" b="1" dirty="0"/>
               <a:t>)</a:t>
             </a:r>
+            <a:endParaRPr lang="ru-RU" dirty="0"/>
+          </a:p>
+          <a:p>
+            <a:pPr marL="457200" indent="-457200">
+              <a:buFont typeface="+mj-lt"/>
+              <a:buAutoNum type="arabicPeriod" startAt="7"/>
+            </a:pPr>
+            <a:endParaRPr lang="ru-RU" dirty="0"/>
+          </a:p>
+          <a:p>
+            <a:pPr marL="457200" indent="-457200">
+              <a:buFont typeface="+mj-lt"/>
+              <a:buAutoNum type="arabicPeriod" startAt="7"/>
+            </a:pPr>
             <a:endParaRPr lang="ru-RU" dirty="0"/>
           </a:p>
         </p:txBody>
@@ -9252,6 +10049,1327 @@
 </file>
 
 <file path=ppt/slides/slide2.xml><?xml version="1.0" encoding="utf-8"?>
+<p:sld xmlns:a="http://schemas.openxmlformats.org/drawingml/2006/main" xmlns:r="http://schemas.openxmlformats.org/officeDocument/2006/relationships" xmlns:p="http://schemas.openxmlformats.org/presentationml/2006/main">
+  <p:cSld>
+    <p:spTree>
+      <p:nvGrpSpPr>
+        <p:cNvPr id="1" name=""/>
+        <p:cNvGrpSpPr/>
+        <p:nvPr/>
+      </p:nvGrpSpPr>
+      <p:grpSpPr/>
+      <p:sp>
+        <p:nvSpPr>
+          <p:cNvPr id="4" name="Замещающий номер слайда 3"/>
+          <p:cNvSpPr>
+            <a:spLocks noGrp="1"/>
+          </p:cNvSpPr>
+          <p:nvPr>
+            <p:ph type="sldNum" sz="quarter" idx="12"/>
+          </p:nvPr>
+        </p:nvSpPr>
+        <p:spPr/>
+        <p:txBody>
+          <a:bodyPr/>
+          <a:p>
+            <a:fld id="{2D80A49E-0AE4-4F85-8EA4-F0781D345D2A}" type="slidenum">
+              <a:rPr lang="ru-RU" smtClean="0"/>
+            </a:fld>
+            <a:endParaRPr lang="ru-RU" dirty="0"/>
+          </a:p>
+        </p:txBody>
+      </p:sp>
+      <p:sp>
+        <p:nvSpPr>
+          <p:cNvPr id="5" name="Текстовое поле 4"/>
+          <p:cNvSpPr txBox="1"/>
+          <p:nvPr/>
+        </p:nvSpPr>
+        <p:spPr>
+          <a:xfrm>
+            <a:off x="451485" y="209550"/>
+            <a:ext cx="8488045" cy="518160"/>
+          </a:xfrm>
+          <a:prstGeom prst="rect">
+            <a:avLst/>
+          </a:prstGeom>
+          <a:noFill/>
+        </p:spPr>
+        <p:txBody>
+          <a:bodyPr wrap="square" rtlCol="0">
+            <a:spAutoFit/>
+          </a:bodyPr>
+          <a:p>
+            <a:pPr algn="ctr"/>
+            <a:r>
+              <a:rPr lang="ru-RU" sz="2800" b="1">
+                <a:solidFill>
+                  <a:schemeClr val="accent1"/>
+                </a:solidFill>
+                <a:effectLst>
+                  <a:outerShdw blurRad="38100" dist="25400" dir="5400000" algn="ctr" rotWithShape="0">
+                    <a:srgbClr val="6E747A">
+                      <a:alpha val="43000"/>
+                    </a:srgbClr>
+                  </a:outerShdw>
+                </a:effectLst>
+                <a:latin typeface="Times New Roman" panose="02020603050405020304" charset="0"/>
+              </a:rPr>
+              <a:t>Введение</a:t>
+            </a:r>
+            <a:endParaRPr lang="ru-RU" sz="2800" b="1">
+              <a:solidFill>
+                <a:schemeClr val="accent1"/>
+              </a:solidFill>
+              <a:effectLst>
+                <a:outerShdw blurRad="38100" dist="25400" dir="5400000" algn="ctr" rotWithShape="0">
+                  <a:srgbClr val="6E747A">
+                    <a:alpha val="43000"/>
+                  </a:srgbClr>
+                </a:outerShdw>
+              </a:effectLst>
+              <a:latin typeface="Times New Roman" panose="02020603050405020304" charset="0"/>
+            </a:endParaRPr>
+          </a:p>
+        </p:txBody>
+      </p:sp>
+      <p:sp>
+        <p:nvSpPr>
+          <p:cNvPr id="2" name="Текстовое поле 1"/>
+          <p:cNvSpPr txBox="1"/>
+          <p:nvPr/>
+        </p:nvSpPr>
+        <p:spPr>
+          <a:xfrm>
+            <a:off x="633730" y="960120"/>
+            <a:ext cx="8040370" cy="657225"/>
+          </a:xfrm>
+          <a:prstGeom prst="rect">
+            <a:avLst/>
+          </a:prstGeom>
+          <a:noFill/>
+        </p:spPr>
+        <p:txBody>
+          <a:bodyPr wrap="square" rtlCol="0" anchor="t">
+            <a:spAutoFit/>
+          </a:bodyPr>
+          <a:p>
+            <a:r>
+              <a:rPr lang="en-US" altLang="ru-RU" b="1"/>
+              <a:t>FuzzyCLIPS</a:t>
+            </a:r>
+            <a:r>
+              <a:rPr lang="en-US" altLang="ru-RU"/>
+              <a:t>:</a:t>
+            </a:r>
+            <a:r>
+              <a:rPr lang="ru-RU" altLang="en-US"/>
+              <a:t> расширение CLIPS (</a:t>
+            </a:r>
+            <a:r>
+              <a:rPr lang="ru-RU" altLang="en-US">
+                <a:sym typeface="+mn-ea"/>
+              </a:rPr>
+              <a:t>C Language Integrated Production System)</a:t>
+            </a:r>
+            <a:r>
+              <a:rPr lang="ru-RU" altLang="en-US"/>
+              <a:t> оболочки экспертной системы от NASA. </a:t>
+            </a:r>
+            <a:r>
+              <a:rPr lang="en-US" altLang="ru-RU"/>
+              <a:t>(</a:t>
+            </a:r>
+            <a:r>
+              <a:rPr lang="ru-RU" altLang="ru-RU"/>
+              <a:t>разработано в НИСК</a:t>
+            </a:r>
+            <a:r>
+              <a:rPr lang="en-US" altLang="ru-RU"/>
+              <a:t>)</a:t>
+            </a:r>
+            <a:endParaRPr lang="en-US" altLang="ru-RU"/>
+          </a:p>
+        </p:txBody>
+      </p:sp>
+      <p:sp>
+        <p:nvSpPr>
+          <p:cNvPr id="3" name="Текстовое поле 2"/>
+          <p:cNvSpPr txBox="1"/>
+          <p:nvPr/>
+        </p:nvSpPr>
+        <p:spPr>
+          <a:xfrm>
+            <a:off x="1661795" y="3310255"/>
+            <a:ext cx="2730500" cy="657225"/>
+          </a:xfrm>
+          <a:prstGeom prst="rect">
+            <a:avLst/>
+          </a:prstGeom>
+          <a:noFill/>
+        </p:spPr>
+        <p:txBody>
+          <a:bodyPr wrap="square" rtlCol="0" anchor="t">
+            <a:spAutoFit/>
+          </a:bodyPr>
+          <a:p>
+            <a:r>
+              <a:rPr lang="ru-RU" altLang="en-US"/>
+              <a:t>возможности нечёткой аргументации</a:t>
+            </a:r>
+            <a:endParaRPr lang="ru-RU" altLang="en-US"/>
+          </a:p>
+        </p:txBody>
+      </p:sp>
+      <p:sp>
+        <p:nvSpPr>
+          <p:cNvPr id="8" name="Прямоугольник 7"/>
+          <p:cNvSpPr/>
+          <p:nvPr/>
+        </p:nvSpPr>
+        <p:spPr>
+          <a:xfrm>
+            <a:off x="1063625" y="4744720"/>
+            <a:ext cx="1492250" cy="549910"/>
+          </a:xfrm>
+          <a:prstGeom prst="rect">
+            <a:avLst/>
+          </a:prstGeom>
+        </p:spPr>
+        <p:style>
+          <a:lnRef idx="1">
+            <a:schemeClr val="accent5"/>
+          </a:lnRef>
+          <a:fillRef idx="2">
+            <a:schemeClr val="accent5"/>
+          </a:fillRef>
+          <a:effectRef idx="1">
+            <a:schemeClr val="accent5"/>
+          </a:effectRef>
+          <a:fontRef idx="minor">
+            <a:schemeClr val="dk1"/>
+          </a:fontRef>
+        </p:style>
+        <p:txBody>
+          <a:bodyPr rtlCol="0" anchor="ctr"/>
+          <a:p>
+            <a:pPr algn="ctr"/>
+            <a:r>
+              <a:rPr lang="ru-RU" altLang="en-US" sz="1600"/>
+              <a:t>Нечеткие факты</a:t>
+            </a:r>
+            <a:endParaRPr lang="ru-RU" altLang="en-US" sz="1600"/>
+          </a:p>
+        </p:txBody>
+      </p:sp>
+      <p:sp>
+        <p:nvSpPr>
+          <p:cNvPr id="6" name="Прямоугольник 5"/>
+          <p:cNvSpPr/>
+          <p:nvPr/>
+        </p:nvSpPr>
+        <p:spPr>
+          <a:xfrm>
+            <a:off x="2900045" y="4744720"/>
+            <a:ext cx="1492250" cy="550545"/>
+          </a:xfrm>
+          <a:prstGeom prst="rect">
+            <a:avLst/>
+          </a:prstGeom>
+        </p:spPr>
+        <p:style>
+          <a:lnRef idx="1">
+            <a:schemeClr val="accent5"/>
+          </a:lnRef>
+          <a:fillRef idx="2">
+            <a:schemeClr val="accent5"/>
+          </a:fillRef>
+          <a:effectRef idx="1">
+            <a:schemeClr val="accent5"/>
+          </a:effectRef>
+          <a:fontRef idx="minor">
+            <a:schemeClr val="dk1"/>
+          </a:fontRef>
+        </p:style>
+        <p:txBody>
+          <a:bodyPr rtlCol="0" anchor="ctr"/>
+          <a:p>
+            <a:pPr algn="ctr"/>
+            <a:r>
+              <a:rPr lang="ru-RU" altLang="en-US" sz="1600"/>
+              <a:t>Нечеткие правила</a:t>
+            </a:r>
+            <a:endParaRPr lang="ru-RU" altLang="en-US" sz="1600"/>
+          </a:p>
+        </p:txBody>
+      </p:sp>
+      <p:cxnSp>
+        <p:nvCxnSpPr>
+          <p:cNvPr id="13" name="Прямая со стрелкой 12"/>
+          <p:cNvCxnSpPr/>
+          <p:nvPr/>
+        </p:nvCxnSpPr>
+        <p:spPr>
+          <a:xfrm flipH="1">
+            <a:off x="1584960" y="4036060"/>
+            <a:ext cx="575945" cy="504190"/>
+          </a:xfrm>
+          <a:prstGeom prst="straightConnector1">
+            <a:avLst/>
+          </a:prstGeom>
+          <a:ln>
+            <a:solidFill>
+              <a:schemeClr val="tx1"/>
+            </a:solidFill>
+            <a:tailEnd type="arrow" w="med" len="med"/>
+          </a:ln>
+        </p:spPr>
+        <p:style>
+          <a:lnRef idx="1">
+            <a:schemeClr val="dk1"/>
+          </a:lnRef>
+          <a:fillRef idx="0">
+            <a:schemeClr val="dk1"/>
+          </a:fillRef>
+          <a:effectRef idx="0">
+            <a:schemeClr val="dk1"/>
+          </a:effectRef>
+          <a:fontRef idx="minor">
+            <a:schemeClr val="tx1"/>
+          </a:fontRef>
+        </p:style>
+      </p:cxnSp>
+      <p:cxnSp>
+        <p:nvCxnSpPr>
+          <p:cNvPr id="7" name="Прямая со стрелкой 6"/>
+          <p:cNvCxnSpPr/>
+          <p:nvPr/>
+        </p:nvCxnSpPr>
+        <p:spPr>
+          <a:xfrm>
+            <a:off x="3297555" y="4036060"/>
+            <a:ext cx="482600" cy="523875"/>
+          </a:xfrm>
+          <a:prstGeom prst="straightConnector1">
+            <a:avLst/>
+          </a:prstGeom>
+          <a:ln>
+            <a:solidFill>
+              <a:schemeClr val="tx1"/>
+            </a:solidFill>
+            <a:tailEnd type="arrow" w="med" len="med"/>
+          </a:ln>
+        </p:spPr>
+        <p:style>
+          <a:lnRef idx="1">
+            <a:schemeClr val="dk1"/>
+          </a:lnRef>
+          <a:fillRef idx="0">
+            <a:schemeClr val="dk1"/>
+          </a:fillRef>
+          <a:effectRef idx="0">
+            <a:schemeClr val="dk1"/>
+          </a:effectRef>
+          <a:fontRef idx="minor">
+            <a:schemeClr val="tx1"/>
+          </a:fontRef>
+        </p:style>
+      </p:cxnSp>
+      <p:sp>
+        <p:nvSpPr>
+          <p:cNvPr id="9" name="Текстовое поле 8"/>
+          <p:cNvSpPr txBox="1"/>
+          <p:nvPr/>
+        </p:nvSpPr>
+        <p:spPr>
+          <a:xfrm>
+            <a:off x="6019165" y="3584575"/>
+            <a:ext cx="1768475" cy="382905"/>
+          </a:xfrm>
+          <a:prstGeom prst="rect">
+            <a:avLst/>
+          </a:prstGeom>
+          <a:noFill/>
+        </p:spPr>
+        <p:txBody>
+          <a:bodyPr wrap="square" rtlCol="0" anchor="t">
+            <a:spAutoFit/>
+          </a:bodyPr>
+          <a:p>
+            <a:r>
+              <a:rPr lang="ru-RU" altLang="en-US"/>
+              <a:t>Soft computing</a:t>
+            </a:r>
+            <a:endParaRPr lang="ru-RU" altLang="en-US"/>
+          </a:p>
+        </p:txBody>
+      </p:sp>
+      <p:cxnSp>
+        <p:nvCxnSpPr>
+          <p:cNvPr id="10" name="Прямая со стрелкой 9"/>
+          <p:cNvCxnSpPr/>
+          <p:nvPr/>
+        </p:nvCxnSpPr>
+        <p:spPr>
+          <a:xfrm>
+            <a:off x="7752715" y="3967480"/>
+            <a:ext cx="381000" cy="452120"/>
+          </a:xfrm>
+          <a:prstGeom prst="straightConnector1">
+            <a:avLst/>
+          </a:prstGeom>
+          <a:ln>
+            <a:solidFill>
+              <a:schemeClr val="tx1"/>
+            </a:solidFill>
+            <a:tailEnd type="arrow" w="med" len="med"/>
+          </a:ln>
+        </p:spPr>
+        <p:style>
+          <a:lnRef idx="1">
+            <a:schemeClr val="dk1"/>
+          </a:lnRef>
+          <a:fillRef idx="0">
+            <a:schemeClr val="dk1"/>
+          </a:fillRef>
+          <a:effectRef idx="0">
+            <a:schemeClr val="dk1"/>
+          </a:effectRef>
+          <a:fontRef idx="minor">
+            <a:schemeClr val="tx1"/>
+          </a:fontRef>
+        </p:style>
+      </p:cxnSp>
+      <p:cxnSp>
+        <p:nvCxnSpPr>
+          <p:cNvPr id="11" name="Прямая со стрелкой 10"/>
+          <p:cNvCxnSpPr/>
+          <p:nvPr/>
+        </p:nvCxnSpPr>
+        <p:spPr>
+          <a:xfrm flipH="1">
+            <a:off x="5443220" y="4036060"/>
+            <a:ext cx="575945" cy="504190"/>
+          </a:xfrm>
+          <a:prstGeom prst="straightConnector1">
+            <a:avLst/>
+          </a:prstGeom>
+          <a:ln>
+            <a:solidFill>
+              <a:schemeClr val="tx1"/>
+            </a:solidFill>
+            <a:tailEnd type="arrow" w="med" len="med"/>
+          </a:ln>
+        </p:spPr>
+        <p:style>
+          <a:lnRef idx="1">
+            <a:schemeClr val="dk1"/>
+          </a:lnRef>
+          <a:fillRef idx="0">
+            <a:schemeClr val="dk1"/>
+          </a:fillRef>
+          <a:effectRef idx="0">
+            <a:schemeClr val="dk1"/>
+          </a:effectRef>
+          <a:fontRef idx="minor">
+            <a:schemeClr val="tx1"/>
+          </a:fontRef>
+        </p:style>
+      </p:cxnSp>
+      <p:sp>
+        <p:nvSpPr>
+          <p:cNvPr id="12" name="Прямоугольник 11"/>
+          <p:cNvSpPr/>
+          <p:nvPr/>
+        </p:nvSpPr>
+        <p:spPr>
+          <a:xfrm>
+            <a:off x="4799330" y="4744085"/>
+            <a:ext cx="1596390" cy="551180"/>
+          </a:xfrm>
+          <a:prstGeom prst="rect">
+            <a:avLst/>
+          </a:prstGeom>
+        </p:spPr>
+        <p:style>
+          <a:lnRef idx="1">
+            <a:schemeClr val="accent5"/>
+          </a:lnRef>
+          <a:fillRef idx="2">
+            <a:schemeClr val="accent5"/>
+          </a:fillRef>
+          <a:effectRef idx="1">
+            <a:schemeClr val="accent5"/>
+          </a:effectRef>
+          <a:fontRef idx="minor">
+            <a:schemeClr val="dk1"/>
+          </a:fontRef>
+        </p:style>
+        <p:txBody>
+          <a:bodyPr rtlCol="0" anchor="ctr"/>
+          <a:p>
+            <a:pPr algn="ctr"/>
+            <a:r>
+              <a:rPr lang="ru-RU" altLang="ru-RU" sz="1600"/>
+              <a:t>Нечеткость</a:t>
+            </a:r>
+            <a:endParaRPr lang="ru-RU" altLang="ru-RU" sz="1600"/>
+          </a:p>
+        </p:txBody>
+      </p:sp>
+      <p:sp>
+        <p:nvSpPr>
+          <p:cNvPr id="14" name="Прямоугольник 13"/>
+          <p:cNvSpPr/>
+          <p:nvPr/>
+        </p:nvSpPr>
+        <p:spPr>
+          <a:xfrm>
+            <a:off x="6692265" y="4744720"/>
+            <a:ext cx="2247265" cy="549910"/>
+          </a:xfrm>
+          <a:prstGeom prst="rect">
+            <a:avLst/>
+          </a:prstGeom>
+        </p:spPr>
+        <p:style>
+          <a:lnRef idx="1">
+            <a:schemeClr val="accent5"/>
+          </a:lnRef>
+          <a:fillRef idx="2">
+            <a:schemeClr val="accent5"/>
+          </a:fillRef>
+          <a:effectRef idx="1">
+            <a:schemeClr val="accent5"/>
+          </a:effectRef>
+          <a:fontRef idx="minor">
+            <a:schemeClr val="dk1"/>
+          </a:fontRef>
+        </p:style>
+        <p:txBody>
+          <a:bodyPr rtlCol="0" anchor="ctr"/>
+          <a:p>
+            <a:pPr algn="ctr"/>
+            <a:r>
+              <a:rPr lang="ru-RU" altLang="ru-RU" sz="1600"/>
+              <a:t>Неопределенность</a:t>
+            </a:r>
+            <a:endParaRPr lang="ru-RU" altLang="ru-RU" sz="1600"/>
+          </a:p>
+        </p:txBody>
+      </p:sp>
+      <p:cxnSp>
+        <p:nvCxnSpPr>
+          <p:cNvPr id="17" name="Прямая со стрелкой 16"/>
+          <p:cNvCxnSpPr/>
+          <p:nvPr/>
+        </p:nvCxnSpPr>
+        <p:spPr>
+          <a:xfrm flipH="1">
+            <a:off x="3068955" y="2691130"/>
+            <a:ext cx="575945" cy="504190"/>
+          </a:xfrm>
+          <a:prstGeom prst="straightConnector1">
+            <a:avLst/>
+          </a:prstGeom>
+          <a:ln>
+            <a:solidFill>
+              <a:schemeClr val="tx1"/>
+            </a:solidFill>
+            <a:tailEnd type="arrow" w="med" len="med"/>
+          </a:ln>
+        </p:spPr>
+        <p:style>
+          <a:lnRef idx="1">
+            <a:schemeClr val="dk1"/>
+          </a:lnRef>
+          <a:fillRef idx="0">
+            <a:schemeClr val="dk1"/>
+          </a:fillRef>
+          <a:effectRef idx="0">
+            <a:schemeClr val="dk1"/>
+          </a:effectRef>
+          <a:fontRef idx="minor">
+            <a:schemeClr val="tx1"/>
+          </a:fontRef>
+        </p:style>
+      </p:cxnSp>
+      <p:cxnSp>
+        <p:nvCxnSpPr>
+          <p:cNvPr id="18" name="Прямая со стрелкой 17"/>
+          <p:cNvCxnSpPr/>
+          <p:nvPr/>
+        </p:nvCxnSpPr>
+        <p:spPr>
+          <a:xfrm>
+            <a:off x="6019165" y="2743200"/>
+            <a:ext cx="381000" cy="452120"/>
+          </a:xfrm>
+          <a:prstGeom prst="straightConnector1">
+            <a:avLst/>
+          </a:prstGeom>
+          <a:ln>
+            <a:solidFill>
+              <a:schemeClr val="tx1"/>
+            </a:solidFill>
+            <a:tailEnd type="arrow" w="med" len="med"/>
+          </a:ln>
+        </p:spPr>
+        <p:style>
+          <a:lnRef idx="1">
+            <a:schemeClr val="dk1"/>
+          </a:lnRef>
+          <a:fillRef idx="0">
+            <a:schemeClr val="dk1"/>
+          </a:fillRef>
+          <a:effectRef idx="0">
+            <a:schemeClr val="dk1"/>
+          </a:effectRef>
+          <a:fontRef idx="minor">
+            <a:schemeClr val="tx1"/>
+          </a:fontRef>
+        </p:style>
+      </p:cxnSp>
+      <p:sp>
+        <p:nvSpPr>
+          <p:cNvPr id="19" name="Прямоугольник 18"/>
+          <p:cNvSpPr/>
+          <p:nvPr/>
+        </p:nvSpPr>
+        <p:spPr>
+          <a:xfrm>
+            <a:off x="3945255" y="1994535"/>
+            <a:ext cx="2002790" cy="748665"/>
+          </a:xfrm>
+          <a:prstGeom prst="rect">
+            <a:avLst/>
+          </a:prstGeom>
+        </p:spPr>
+        <p:style>
+          <a:lnRef idx="1">
+            <a:schemeClr val="accent1"/>
+          </a:lnRef>
+          <a:fillRef idx="2">
+            <a:schemeClr val="accent1"/>
+          </a:fillRef>
+          <a:effectRef idx="1">
+            <a:schemeClr val="accent1"/>
+          </a:effectRef>
+          <a:fontRef idx="minor">
+            <a:schemeClr val="dk1"/>
+          </a:fontRef>
+        </p:style>
+        <p:txBody>
+          <a:bodyPr rtlCol="0" anchor="ctr">
+            <a:scene3d>
+              <a:camera prst="orthographicFront"/>
+              <a:lightRig rig="threePt" dir="t"/>
+            </a:scene3d>
+          </a:bodyPr>
+          <a:p>
+            <a:pPr algn="ctr"/>
+            <a:r>
+              <a:rPr lang="ru-RU" altLang="en-US" sz="1600">
+                <a:sym typeface="+mn-ea"/>
+              </a:rPr>
+              <a:t>Продукционная модель знания</a:t>
+            </a:r>
+            <a:endParaRPr lang="ru-RU" altLang="en-US" sz="1600">
+              <a:ln/>
+              <a:gradFill>
+                <a:gsLst>
+                  <a:gs pos="21000">
+                    <a:srgbClr val="53575C"/>
+                  </a:gs>
+                  <a:gs pos="88000">
+                    <a:srgbClr val="C5C7CA"/>
+                  </a:gs>
+                </a:gsLst>
+                <a:lin ang="5400000"/>
+              </a:gradFill>
+              <a:effectLst/>
+              <a:sym typeface="+mn-ea"/>
+            </a:endParaRPr>
+          </a:p>
+        </p:txBody>
+      </p:sp>
+      <p:sp>
+        <p:nvSpPr>
+          <p:cNvPr id="20" name="Текстовое поле 19"/>
+          <p:cNvSpPr txBox="1"/>
+          <p:nvPr/>
+        </p:nvSpPr>
+        <p:spPr>
+          <a:xfrm>
+            <a:off x="6311900" y="1994535"/>
+            <a:ext cx="2172970" cy="579120"/>
+          </a:xfrm>
+          <a:prstGeom prst="rect">
+            <a:avLst/>
+          </a:prstGeom>
+          <a:noFill/>
+        </p:spPr>
+        <p:txBody>
+          <a:bodyPr wrap="square" rtlCol="0" anchor="t">
+            <a:spAutoFit/>
+          </a:bodyPr>
+          <a:p>
+            <a:r>
+              <a:rPr lang="ru-RU" altLang="en-US" sz="1600">
+                <a:latin typeface="Times New Roman" panose="02020603050405020304" charset="0"/>
+              </a:rPr>
+              <a:t>правила вывода + </a:t>
+            </a:r>
+            <a:endParaRPr lang="ru-RU" altLang="en-US" sz="1600">
+              <a:latin typeface="Times New Roman" panose="02020603050405020304" charset="0"/>
+            </a:endParaRPr>
+          </a:p>
+          <a:p>
+            <a:r>
+              <a:rPr lang="ru-RU" altLang="en-US" sz="1600">
+                <a:latin typeface="Times New Roman" panose="02020603050405020304" charset="0"/>
+              </a:rPr>
+              <a:t>факты базы знаний</a:t>
+            </a:r>
+            <a:endParaRPr lang="ru-RU" altLang="en-US" sz="1600">
+              <a:latin typeface="Times New Roman" panose="02020603050405020304" charset="0"/>
+            </a:endParaRPr>
+          </a:p>
+        </p:txBody>
+      </p:sp>
+      <p:sp>
+        <p:nvSpPr>
+          <p:cNvPr id="22" name="Текстовое поле 21"/>
+          <p:cNvSpPr txBox="1"/>
+          <p:nvPr/>
+        </p:nvSpPr>
+        <p:spPr>
+          <a:xfrm>
+            <a:off x="1320800" y="5777230"/>
+            <a:ext cx="7552055" cy="350520"/>
+          </a:xfrm>
+          <a:prstGeom prst="rect">
+            <a:avLst/>
+          </a:prstGeom>
+          <a:noFill/>
+        </p:spPr>
+        <p:txBody>
+          <a:bodyPr wrap="square" rtlCol="0" anchor="t">
+            <a:spAutoFit/>
+          </a:bodyPr>
+          <a:p>
+            <a:r>
+              <a:rPr lang="ru-RU" altLang="en-US" sz="1600">
+                <a:sym typeface="+mn-ea"/>
+              </a:rPr>
+              <a:t>Применение</a:t>
+            </a:r>
+            <a:r>
+              <a:rPr lang="en-US" altLang="en-US" sz="1600">
+                <a:sym typeface="+mn-ea"/>
+              </a:rPr>
+              <a:t>:</a:t>
+            </a:r>
+            <a:r>
+              <a:rPr lang="ru-RU" altLang="en-US" sz="1600">
+                <a:sym typeface="+mn-ea"/>
+              </a:rPr>
+              <a:t> нечеткие микроконтроллеры </a:t>
+            </a:r>
+            <a:r>
+              <a:rPr lang="en-US" altLang="en-US" sz="1600">
+                <a:sym typeface="+mn-ea"/>
+              </a:rPr>
+              <a:t>, </a:t>
+            </a:r>
+            <a:r>
+              <a:rPr lang="ru-RU" altLang="en-US" sz="1600">
+                <a:sym typeface="+mn-ea"/>
+              </a:rPr>
+              <a:t>э</a:t>
+            </a:r>
+            <a:r>
+              <a:rPr lang="ru-RU" altLang="en-US" sz="1600">
+                <a:sym typeface="+mn-ea"/>
+              </a:rPr>
+              <a:t>вристические алгоритмы</a:t>
+            </a:r>
+            <a:r>
+              <a:rPr lang="en-US" altLang="ru-RU" sz="1600">
+                <a:sym typeface="+mn-ea"/>
+              </a:rPr>
+              <a:t>...</a:t>
+            </a:r>
+            <a:endParaRPr lang="en-US" altLang="ru-RU" sz="1600">
+              <a:sym typeface="+mn-ea"/>
+            </a:endParaRPr>
+          </a:p>
+        </p:txBody>
+      </p:sp>
+    </p:spTree>
+  </p:cSld>
+  <p:clrMapOvr>
+    <a:masterClrMapping/>
+  </p:clrMapOvr>
+</p:sld>
+</file>
+
+<file path=ppt/slides/slide20.xml><?xml version="1.0" encoding="utf-8"?>
+<p:sld xmlns:a="http://schemas.openxmlformats.org/drawingml/2006/main" xmlns:r="http://schemas.openxmlformats.org/officeDocument/2006/relationships" xmlns:p="http://schemas.openxmlformats.org/presentationml/2006/main">
+  <p:cSld>
+    <p:spTree>
+      <p:nvGrpSpPr>
+        <p:cNvPr id="1" name=""/>
+        <p:cNvGrpSpPr/>
+        <p:nvPr/>
+      </p:nvGrpSpPr>
+      <p:grpSpPr>
+        <a:xfrm>
+          <a:off x="0" y="0"/>
+          <a:ext cx="0" cy="0"/>
+          <a:chOff x="0" y="0"/>
+          <a:chExt cx="0" cy="0"/>
+        </a:xfrm>
+      </p:grpSpPr>
+      <p:sp>
+        <p:nvSpPr>
+          <p:cNvPr id="3" name="Объект 2"/>
+          <p:cNvSpPr>
+            <a:spLocks noGrp="1"/>
+          </p:cNvSpPr>
+          <p:nvPr>
+            <p:ph idx="1"/>
+          </p:nvPr>
+        </p:nvSpPr>
+        <p:spPr>
+          <a:xfrm>
+            <a:off x="457200" y="662305"/>
+            <a:ext cx="8229600" cy="4525963"/>
+          </a:xfrm>
+        </p:spPr>
+        <p:txBody>
+          <a:bodyPr/>
+          <a:lstStyle/>
+          <a:p>
+            <a:pPr marL="457200" indent="-457200">
+              <a:lnSpc>
+                <a:spcPct val="150000"/>
+              </a:lnSpc>
+              <a:buFont typeface="+mj-lt"/>
+              <a:buAutoNum type="arabicPeriod" startAt="10"/>
+            </a:pPr>
+            <a:r>
+              <a:rPr lang="ru-RU" b="1" dirty="0"/>
+              <a:t>Функция предиката нечетких значений(</a:t>
+            </a:r>
+            <a:r>
+              <a:rPr lang="en-US" b="1" i="1" u="sng" dirty="0"/>
+              <a:t>f</a:t>
+            </a:r>
+            <a:r>
+              <a:rPr lang="ru-RU" b="1" i="1" u="sng" dirty="0" err="1"/>
+              <a:t>uzzyvaluep</a:t>
+            </a:r>
+            <a:r>
+              <a:rPr lang="ru-RU" b="1" dirty="0"/>
+              <a:t>)</a:t>
+            </a:r>
+            <a:endParaRPr lang="ru-RU" b="1" dirty="0"/>
+          </a:p>
+          <a:p>
+            <a:pPr marL="457200" indent="-457200">
+              <a:lnSpc>
+                <a:spcPct val="150000"/>
+              </a:lnSpc>
+              <a:buFont typeface="+mj-lt"/>
+              <a:buAutoNum type="arabicPeriod" startAt="10"/>
+            </a:pPr>
+            <a:r>
+              <a:rPr lang="ru-RU" b="1" dirty="0"/>
+              <a:t>Создание и работа с FUZZY-VALUE(</a:t>
+            </a:r>
+            <a:r>
+              <a:rPr lang="ru-RU" b="1" i="1" u="sng" dirty="0" err="1"/>
+              <a:t>create-fuzzy-value</a:t>
+            </a:r>
+            <a:r>
+              <a:rPr lang="ru-RU" b="1" i="1" u="sng" dirty="0"/>
+              <a:t>, </a:t>
+            </a:r>
+            <a:r>
+              <a:rPr lang="ru-RU" b="1" i="1" u="sng" dirty="0" err="1"/>
+              <a:t>fuzzy-union</a:t>
+            </a:r>
+            <a:r>
+              <a:rPr lang="ru-RU" b="1" i="1" u="sng" dirty="0"/>
+              <a:t>, </a:t>
+            </a:r>
+            <a:r>
+              <a:rPr lang="ru-RU" b="1" i="1" u="sng" dirty="0" err="1"/>
+              <a:t>fuzzy-intersection</a:t>
+            </a:r>
+            <a:r>
+              <a:rPr lang="ru-RU" b="1" i="1" u="sng" dirty="0"/>
+              <a:t>, </a:t>
+            </a:r>
+            <a:r>
+              <a:rPr lang="ru-RU" b="1" i="1" u="sng" dirty="0" err="1"/>
+              <a:t>fuzzy-modify</a:t>
+            </a:r>
+            <a:r>
+              <a:rPr lang="ru-RU" b="1" dirty="0"/>
+              <a:t>)</a:t>
+            </a:r>
+            <a:endParaRPr lang="ru-RU" b="1" dirty="0"/>
+          </a:p>
+          <a:p>
+            <a:pPr marL="457200" indent="-457200">
+              <a:lnSpc>
+                <a:spcPct val="150000"/>
+              </a:lnSpc>
+              <a:buFont typeface="+mj-lt"/>
+              <a:buAutoNum type="arabicPeriod" startAt="10"/>
+            </a:pPr>
+            <a:r>
+              <a:rPr lang="ru-RU" b="1" dirty="0"/>
+              <a:t>Доступ к нечеткому слоту в факте(</a:t>
+            </a:r>
+            <a:r>
+              <a:rPr lang="ru-RU" b="1" i="1" u="sng" dirty="0" err="1"/>
+              <a:t>get-fuzzy-slot</a:t>
+            </a:r>
+            <a:r>
+              <a:rPr lang="ru-RU" b="1" dirty="0"/>
+              <a:t>)</a:t>
+            </a:r>
+            <a:endParaRPr lang="ru-RU" dirty="0"/>
+          </a:p>
+        </p:txBody>
+      </p:sp>
+      <p:sp>
+        <p:nvSpPr>
+          <p:cNvPr id="4" name="Номер слайда 3"/>
+          <p:cNvSpPr>
+            <a:spLocks noGrp="1"/>
+          </p:cNvSpPr>
+          <p:nvPr>
+            <p:ph type="sldNum" sz="quarter" idx="12"/>
+          </p:nvPr>
+        </p:nvSpPr>
+        <p:spPr/>
+        <p:txBody>
+          <a:bodyPr/>
+          <a:lstStyle/>
+          <a:p>
+            <a:fld id="{2D80A49E-0AE4-4F85-8EA4-F0781D345D2A}" type="slidenum">
+              <a:rPr lang="ru-RU" smtClean="0"/>
+            </a:fld>
+            <a:endParaRPr lang="ru-RU" dirty="0"/>
+          </a:p>
+        </p:txBody>
+      </p:sp>
+    </p:spTree>
+  </p:cSld>
+  <p:clrMapOvr>
+    <a:masterClrMapping/>
+  </p:clrMapOvr>
+</p:sld>
+</file>
+
+<file path=ppt/slides/slide21.xml><?xml version="1.0" encoding="utf-8"?>
+<p:sld xmlns:a="http://schemas.openxmlformats.org/drawingml/2006/main" xmlns:r="http://schemas.openxmlformats.org/officeDocument/2006/relationships" xmlns:p="http://schemas.openxmlformats.org/presentationml/2006/main">
+  <p:cSld>
+    <p:spTree>
+      <p:nvGrpSpPr>
+        <p:cNvPr id="1" name=""/>
+        <p:cNvGrpSpPr/>
+        <p:nvPr/>
+      </p:nvGrpSpPr>
+      <p:grpSpPr>
+        <a:xfrm>
+          <a:off x="0" y="0"/>
+          <a:ext cx="0" cy="0"/>
+          <a:chOff x="0" y="0"/>
+          <a:chExt cx="0" cy="0"/>
+        </a:xfrm>
+      </p:grpSpPr>
+      <p:sp>
+        <p:nvSpPr>
+          <p:cNvPr id="3" name="Объект 2"/>
+          <p:cNvSpPr>
+            <a:spLocks noGrp="1"/>
+          </p:cNvSpPr>
+          <p:nvPr>
+            <p:ph idx="1"/>
+          </p:nvPr>
+        </p:nvSpPr>
+        <p:spPr>
+          <a:xfrm>
+            <a:off x="457200" y="704215"/>
+            <a:ext cx="8229600" cy="4525963"/>
+          </a:xfrm>
+        </p:spPr>
+        <p:txBody>
+          <a:bodyPr/>
+          <a:lstStyle/>
+          <a:p>
+            <a:pPr marL="457200" indent="-457200">
+              <a:lnSpc>
+                <a:spcPct val="150000"/>
+              </a:lnSpc>
+              <a:buFont typeface="+mj-lt"/>
+              <a:buAutoNum type="arabicPeriod" startAt="13"/>
+            </a:pPr>
+            <a:r>
+              <a:rPr lang="ru-RU" b="1" dirty="0"/>
+              <a:t> Отображение нечеткого значения в функции форматирования</a:t>
+            </a:r>
+            <a:r>
+              <a:rPr lang="ru-RU" b="1" i="1" u="sng" dirty="0"/>
+              <a:t>(%</a:t>
+            </a:r>
+            <a:r>
+              <a:rPr lang="en-US" b="1" i="1" u="sng" dirty="0"/>
+              <a:t>F</a:t>
+            </a:r>
+            <a:r>
+              <a:rPr lang="en-US" b="1" dirty="0"/>
+              <a:t>)</a:t>
+            </a:r>
+            <a:endParaRPr lang="ru-RU" b="1" dirty="0"/>
+          </a:p>
+          <a:p>
+            <a:pPr marL="457200" indent="-457200">
+              <a:lnSpc>
+                <a:spcPct val="150000"/>
+              </a:lnSpc>
+              <a:buFont typeface="+mj-lt"/>
+              <a:buAutoNum type="arabicPeriod" startAt="13"/>
+            </a:pPr>
+            <a:r>
+              <a:rPr lang="ru-RU" b="1" dirty="0"/>
+              <a:t> Построение нечеткого значения(</a:t>
+            </a:r>
+            <a:r>
+              <a:rPr lang="ru-RU" b="1" i="1" u="sng" dirty="0" err="1"/>
+              <a:t>plot-fuzzy-value</a:t>
+            </a:r>
+            <a:r>
+              <a:rPr lang="ru-RU" b="1" dirty="0"/>
+              <a:t>)</a:t>
+            </a:r>
+            <a:endParaRPr lang="ru-RU" b="1" dirty="0"/>
+          </a:p>
+          <a:p>
+            <a:pPr marL="457200" indent="-457200">
+              <a:lnSpc>
+                <a:spcPct val="150000"/>
+              </a:lnSpc>
+              <a:buFont typeface="+mj-lt"/>
+              <a:buAutoNum type="arabicPeriod" startAt="13"/>
+            </a:pPr>
+            <a:r>
+              <a:rPr lang="ru-RU" b="1" dirty="0"/>
+              <a:t> Управление результатом </a:t>
+            </a:r>
+            <a:r>
+              <a:rPr lang="ru-RU" b="1" dirty="0" err="1"/>
+              <a:t>дезактивизации</a:t>
+            </a:r>
+            <a:r>
+              <a:rPr lang="ru-RU" b="1" dirty="0"/>
+              <a:t>(</a:t>
+            </a:r>
+            <a:r>
+              <a:rPr lang="ru-RU" b="1" i="1" u="sng" dirty="0" err="1"/>
+              <a:t>is-defuzzify-value-valid</a:t>
+            </a:r>
+            <a:r>
+              <a:rPr lang="ru-RU" b="1" dirty="0"/>
+              <a:t>)</a:t>
+            </a:r>
+            <a:endParaRPr lang="ru-RU" dirty="0"/>
+          </a:p>
+        </p:txBody>
+      </p:sp>
+      <p:sp>
+        <p:nvSpPr>
+          <p:cNvPr id="4" name="Номер слайда 3"/>
+          <p:cNvSpPr>
+            <a:spLocks noGrp="1"/>
+          </p:cNvSpPr>
+          <p:nvPr>
+            <p:ph type="sldNum" sz="quarter" idx="12"/>
+          </p:nvPr>
+        </p:nvSpPr>
+        <p:spPr/>
+        <p:txBody>
+          <a:bodyPr/>
+          <a:lstStyle/>
+          <a:p>
+            <a:fld id="{2D80A49E-0AE4-4F85-8EA4-F0781D345D2A}" type="slidenum">
+              <a:rPr lang="ru-RU" smtClean="0"/>
+            </a:fld>
+            <a:endParaRPr lang="ru-RU" dirty="0"/>
+          </a:p>
+        </p:txBody>
+      </p:sp>
+    </p:spTree>
+  </p:cSld>
+  <p:clrMapOvr>
+    <a:masterClrMapping/>
+  </p:clrMapOvr>
+</p:sld>
+</file>
+
+<file path=ppt/slides/slide22.xml><?xml version="1.0" encoding="utf-8"?>
+<p:sld xmlns:a="http://schemas.openxmlformats.org/drawingml/2006/main" xmlns:r="http://schemas.openxmlformats.org/officeDocument/2006/relationships" xmlns:p="http://schemas.openxmlformats.org/presentationml/2006/main">
+  <p:cSld>
+    <p:spTree>
+      <p:nvGrpSpPr>
+        <p:cNvPr id="1" name=""/>
+        <p:cNvGrpSpPr/>
+        <p:nvPr/>
+      </p:nvGrpSpPr>
+      <p:grpSpPr/>
+      <p:sp>
+        <p:nvSpPr>
+          <p:cNvPr id="4" name="Замещающий номер слайда 3"/>
+          <p:cNvSpPr>
+            <a:spLocks noGrp="1"/>
+          </p:cNvSpPr>
+          <p:nvPr>
+            <p:ph type="sldNum" sz="quarter" idx="12"/>
+          </p:nvPr>
+        </p:nvSpPr>
+        <p:spPr/>
+        <p:txBody>
+          <a:bodyPr/>
+          <a:p>
+            <a:fld id="{2D80A49E-0AE4-4F85-8EA4-F0781D345D2A}" type="slidenum">
+              <a:rPr lang="ru-RU" smtClean="0"/>
+            </a:fld>
+            <a:endParaRPr lang="ru-RU" dirty="0"/>
+          </a:p>
+        </p:txBody>
+      </p:sp>
+      <p:sp>
+        <p:nvSpPr>
+          <p:cNvPr id="5" name="Текстовое поле 4"/>
+          <p:cNvSpPr txBox="1"/>
+          <p:nvPr/>
+        </p:nvSpPr>
+        <p:spPr>
+          <a:xfrm>
+            <a:off x="451485" y="209550"/>
+            <a:ext cx="8488045" cy="518160"/>
+          </a:xfrm>
+          <a:prstGeom prst="rect">
+            <a:avLst/>
+          </a:prstGeom>
+          <a:noFill/>
+        </p:spPr>
+        <p:txBody>
+          <a:bodyPr wrap="square" rtlCol="0">
+            <a:spAutoFit/>
+          </a:bodyPr>
+          <a:p>
+            <a:pPr algn="ctr"/>
+            <a:r>
+              <a:rPr lang="ru-RU" sz="2800" b="1">
+                <a:solidFill>
+                  <a:schemeClr val="accent1"/>
+                </a:solidFill>
+                <a:effectLst>
+                  <a:outerShdw blurRad="38100" dist="25400" dir="5400000" algn="ctr" rotWithShape="0">
+                    <a:srgbClr val="6E747A">
+                      <a:alpha val="43000"/>
+                    </a:srgbClr>
+                  </a:outerShdw>
+                </a:effectLst>
+                <a:latin typeface="Times New Roman" panose="02020603050405020304" charset="0"/>
+              </a:rPr>
+              <a:t>Заключение</a:t>
+            </a:r>
+            <a:endParaRPr lang="ru-RU" sz="2800" b="1">
+              <a:solidFill>
+                <a:schemeClr val="accent1"/>
+              </a:solidFill>
+              <a:effectLst>
+                <a:outerShdw blurRad="38100" dist="25400" dir="5400000" algn="ctr" rotWithShape="0">
+                  <a:srgbClr val="6E747A">
+                    <a:alpha val="43000"/>
+                  </a:srgbClr>
+                </a:outerShdw>
+              </a:effectLst>
+              <a:latin typeface="Times New Roman" panose="02020603050405020304" charset="0"/>
+            </a:endParaRPr>
+          </a:p>
+        </p:txBody>
+      </p:sp>
+      <p:sp>
+        <p:nvSpPr>
+          <p:cNvPr id="2" name="Текстовое поле 1"/>
+          <p:cNvSpPr txBox="1"/>
+          <p:nvPr/>
+        </p:nvSpPr>
+        <p:spPr>
+          <a:xfrm>
+            <a:off x="977900" y="1289050"/>
+            <a:ext cx="6374765" cy="4802505"/>
+          </a:xfrm>
+          <a:prstGeom prst="rect">
+            <a:avLst/>
+          </a:prstGeom>
+          <a:noFill/>
+        </p:spPr>
+        <p:txBody>
+          <a:bodyPr wrap="square" rtlCol="0" anchor="t">
+            <a:spAutoFit/>
+          </a:bodyPr>
+          <a:p>
+            <a:r>
+              <a:rPr lang="en-US" altLang="en-US" b="1"/>
+              <a:t>FuzzyCLIPS</a:t>
+            </a:r>
+            <a:r>
+              <a:rPr lang="en-US" altLang="en-US"/>
+              <a:t>   </a:t>
+            </a:r>
+            <a:r>
+              <a:rPr lang="ru-RU" altLang="en-US"/>
+              <a:t>- ЭТО</a:t>
+            </a:r>
+            <a:br>
+              <a:rPr lang="en-US" altLang="en-US"/>
+            </a:br>
+            <a:br>
+              <a:rPr lang="en-US" altLang="en-US"/>
+            </a:br>
+            <a:r>
+              <a:rPr lang="en-US" altLang="en-US" sz="2000" b="1"/>
+              <a:t>-</a:t>
+            </a:r>
+            <a:r>
+              <a:rPr lang="en-US" altLang="en-US"/>
+              <a:t> </a:t>
+            </a:r>
+            <a:r>
+              <a:rPr lang="ru-RU" altLang="en-US"/>
+              <a:t>П</a:t>
+            </a:r>
+            <a:r>
+              <a:rPr lang="ru-RU" altLang="en-US"/>
+              <a:t>олезная среда для разработки приложений использующих нечёткую логику в системах принятия решений.</a:t>
+            </a:r>
+            <a:endParaRPr lang="ru-RU" altLang="en-US"/>
+          </a:p>
+          <a:p>
+            <a:endParaRPr lang="ru-RU" altLang="en-US"/>
+          </a:p>
+          <a:p>
+            <a:r>
+              <a:rPr lang="ru-RU" altLang="en-US"/>
+              <a:t>- Перспективная библиотека для интеллектуального анализа данных</a:t>
+            </a:r>
+            <a:endParaRPr lang="ru-RU" altLang="en-US"/>
+          </a:p>
+          <a:p>
+            <a:endParaRPr lang="ru-RU" altLang="en-US"/>
+          </a:p>
+          <a:p>
+            <a:r>
+              <a:rPr lang="ru-RU" altLang="en-US"/>
+              <a:t>- Важный ресурс потенциальной автоматизации рутинных задач общества</a:t>
+            </a:r>
+            <a:endParaRPr lang="ru-RU" altLang="en-US"/>
+          </a:p>
+          <a:p>
+            <a:endParaRPr lang="ru-RU" altLang="en-US"/>
+          </a:p>
+          <a:p>
+            <a:endParaRPr lang="ru-RU" altLang="en-US"/>
+          </a:p>
+          <a:p>
+            <a:endParaRPr lang="ru-RU" altLang="en-US"/>
+          </a:p>
+          <a:p>
+            <a:endParaRPr lang="ru-RU" altLang="en-US"/>
+          </a:p>
+          <a:p>
+            <a:endParaRPr lang="ru-RU" altLang="en-US"/>
+          </a:p>
+          <a:p>
+            <a:endParaRPr lang="ru-RU" altLang="en-US"/>
+          </a:p>
+        </p:txBody>
+      </p:sp>
+    </p:spTree>
+  </p:cSld>
+  <p:clrMapOvr>
+    <a:masterClrMapping/>
+  </p:clrMapOvr>
+</p:sld>
+</file>
+
+<file path=ppt/slides/slide23.xml><?xml version="1.0" encoding="utf-8"?>
+<p:sld xmlns:a="http://schemas.openxmlformats.org/drawingml/2006/main" xmlns:r="http://schemas.openxmlformats.org/officeDocument/2006/relationships" xmlns:p="http://schemas.openxmlformats.org/presentationml/2006/main">
+  <p:cSld>
+    <p:spTree>
+      <p:nvGrpSpPr>
+        <p:cNvPr id="1" name=""/>
+        <p:cNvGrpSpPr/>
+        <p:nvPr/>
+      </p:nvGrpSpPr>
+      <p:grpSpPr>
+        <a:xfrm>
+          <a:off x="0" y="0"/>
+          <a:ext cx="0" cy="0"/>
+          <a:chOff x="0" y="0"/>
+          <a:chExt cx="0" cy="0"/>
+        </a:xfrm>
+      </p:grpSpPr>
+      <p:sp>
+        <p:nvSpPr>
+          <p:cNvPr id="2" name="Заголовок 1"/>
+          <p:cNvSpPr>
+            <a:spLocks noGrp="1"/>
+          </p:cNvSpPr>
+          <p:nvPr>
+            <p:ph type="title"/>
+          </p:nvPr>
+        </p:nvSpPr>
+        <p:spPr>
+          <a:xfrm>
+            <a:off x="507802" y="1572523"/>
+            <a:ext cx="8229600" cy="979512"/>
+          </a:xfrm>
+        </p:spPr>
+        <p:txBody>
+          <a:bodyPr/>
+          <a:lstStyle/>
+          <a:p>
+            <a:r>
+              <a:rPr lang="ru-RU" altLang="en-US" sz="4000" b="1" dirty="0"/>
+              <a:t>Спасибо за внимание</a:t>
+            </a:r>
+            <a:r>
+              <a:rPr lang="en-US" altLang="ru-RU" sz="4000" b="1" dirty="0"/>
+              <a:t>!</a:t>
+            </a:r>
+            <a:endParaRPr lang="en-US" altLang="ru-RU" sz="4000" b="1" dirty="0"/>
+          </a:p>
+        </p:txBody>
+      </p:sp>
+    </p:spTree>
+  </p:cSld>
+  <p:clrMapOvr>
+    <a:masterClrMapping/>
+  </p:clrMapOvr>
+</p:sld>
+</file>
+
+<file path=ppt/slides/slide3.xml><?xml version="1.0" encoding="utf-8"?>
 <p:sld xmlns:a="http://schemas.openxmlformats.org/drawingml/2006/main" xmlns:r="http://schemas.openxmlformats.org/officeDocument/2006/relationships" xmlns:p="http://schemas.openxmlformats.org/presentationml/2006/main">
   <p:cSld>
     <p:spTree>
@@ -9598,210 +11716,7 @@
 </p:sld>
 </file>
 
-<file path=ppt/slides/slide20.xml><?xml version="1.0" encoding="utf-8"?>
-<p:sld xmlns:a="http://schemas.openxmlformats.org/drawingml/2006/main" xmlns:r="http://schemas.openxmlformats.org/officeDocument/2006/relationships" xmlns:p="http://schemas.openxmlformats.org/presentationml/2006/main">
-  <p:cSld>
-    <p:spTree>
-      <p:nvGrpSpPr>
-        <p:cNvPr id="1" name=""/>
-        <p:cNvGrpSpPr/>
-        <p:nvPr/>
-      </p:nvGrpSpPr>
-      <p:grpSpPr>
-        <a:xfrm>
-          <a:off x="0" y="0"/>
-          <a:ext cx="0" cy="0"/>
-          <a:chOff x="0" y="0"/>
-          <a:chExt cx="0" cy="0"/>
-        </a:xfrm>
-      </p:grpSpPr>
-      <p:sp>
-        <p:nvSpPr>
-          <p:cNvPr id="3" name="Объект 2"/>
-          <p:cNvSpPr>
-            <a:spLocks noGrp="1"/>
-          </p:cNvSpPr>
-          <p:nvPr>
-            <p:ph idx="1"/>
-          </p:nvPr>
-        </p:nvSpPr>
-        <p:spPr>
-          <a:xfrm>
-            <a:off x="457200" y="704215"/>
-            <a:ext cx="8229600" cy="4525963"/>
-          </a:xfrm>
-        </p:spPr>
-        <p:txBody>
-          <a:bodyPr/>
-          <a:lstStyle/>
-          <a:p>
-            <a:pPr marL="457200" indent="-457200">
-              <a:lnSpc>
-                <a:spcPct val="150000"/>
-              </a:lnSpc>
-              <a:buFont typeface="+mj-lt"/>
-              <a:buAutoNum type="arabicPeriod" startAt="13"/>
-            </a:pPr>
-            <a:r>
-              <a:rPr lang="ru-RU" b="1" dirty="0"/>
-              <a:t> Отображение нечеткого значения в функции форматирования</a:t>
-            </a:r>
-            <a:r>
-              <a:rPr lang="ru-RU" b="1" i="1" u="sng" dirty="0"/>
-              <a:t>(%</a:t>
-            </a:r>
-            <a:r>
-              <a:rPr lang="en-US" b="1" i="1" u="sng" dirty="0"/>
-              <a:t>F</a:t>
-            </a:r>
-            <a:r>
-              <a:rPr lang="en-US" b="1" dirty="0"/>
-              <a:t>)</a:t>
-            </a:r>
-            <a:endParaRPr lang="ru-RU" b="1" dirty="0"/>
-          </a:p>
-          <a:p>
-            <a:pPr marL="457200" indent="-457200">
-              <a:lnSpc>
-                <a:spcPct val="150000"/>
-              </a:lnSpc>
-              <a:buFont typeface="+mj-lt"/>
-              <a:buAutoNum type="arabicPeriod" startAt="13"/>
-            </a:pPr>
-            <a:r>
-              <a:rPr lang="ru-RU" b="1" dirty="0"/>
-              <a:t> Построение нечеткого значения(</a:t>
-            </a:r>
-            <a:r>
-              <a:rPr lang="ru-RU" b="1" i="1" u="sng" dirty="0" err="1"/>
-              <a:t>plot-fuzzy-value</a:t>
-            </a:r>
-            <a:r>
-              <a:rPr lang="ru-RU" b="1" dirty="0"/>
-              <a:t>)</a:t>
-            </a:r>
-            <a:endParaRPr lang="ru-RU" b="1" dirty="0"/>
-          </a:p>
-          <a:p>
-            <a:pPr marL="457200" indent="-457200">
-              <a:lnSpc>
-                <a:spcPct val="150000"/>
-              </a:lnSpc>
-              <a:buFont typeface="+mj-lt"/>
-              <a:buAutoNum type="arabicPeriod" startAt="13"/>
-            </a:pPr>
-            <a:r>
-              <a:rPr lang="ru-RU" b="1" dirty="0"/>
-              <a:t> Управление результатом </a:t>
-            </a:r>
-            <a:r>
-              <a:rPr lang="ru-RU" b="1" dirty="0" err="1"/>
-              <a:t>дезактивизации</a:t>
-            </a:r>
-            <a:r>
-              <a:rPr lang="ru-RU" b="1" dirty="0"/>
-              <a:t>(</a:t>
-            </a:r>
-            <a:r>
-              <a:rPr lang="ru-RU" b="1" i="1" u="sng" dirty="0" err="1"/>
-              <a:t>is-defuzzify-value-valid</a:t>
-            </a:r>
-            <a:r>
-              <a:rPr lang="ru-RU" b="1" dirty="0"/>
-              <a:t>)</a:t>
-            </a:r>
-            <a:endParaRPr lang="ru-RU" dirty="0"/>
-          </a:p>
-        </p:txBody>
-      </p:sp>
-      <p:sp>
-        <p:nvSpPr>
-          <p:cNvPr id="4" name="Номер слайда 3"/>
-          <p:cNvSpPr>
-            <a:spLocks noGrp="1"/>
-          </p:cNvSpPr>
-          <p:nvPr>
-            <p:ph type="sldNum" sz="quarter" idx="12"/>
-          </p:nvPr>
-        </p:nvSpPr>
-        <p:spPr/>
-        <p:txBody>
-          <a:bodyPr/>
-          <a:lstStyle/>
-          <a:p>
-            <a:fld id="{2D80A49E-0AE4-4F85-8EA4-F0781D345D2A}" type="slidenum">
-              <a:rPr lang="ru-RU" smtClean="0"/>
-            </a:fld>
-            <a:endParaRPr lang="ru-RU" dirty="0"/>
-          </a:p>
-        </p:txBody>
-      </p:sp>
-    </p:spTree>
-  </p:cSld>
-  <p:clrMapOvr>
-    <a:masterClrMapping/>
-  </p:clrMapOvr>
-</p:sld>
-</file>
-
-<file path=ppt/slides/slide21.xml><?xml version="1.0" encoding="utf-8"?>
-<p:sld xmlns:a="http://schemas.openxmlformats.org/drawingml/2006/main" xmlns:r="http://schemas.openxmlformats.org/officeDocument/2006/relationships" xmlns:p="http://schemas.openxmlformats.org/presentationml/2006/main">
-  <p:cSld>
-    <p:spTree>
-      <p:nvGrpSpPr>
-        <p:cNvPr id="1" name=""/>
-        <p:cNvGrpSpPr/>
-        <p:nvPr/>
-      </p:nvGrpSpPr>
-      <p:grpSpPr>
-        <a:xfrm>
-          <a:off x="0" y="0"/>
-          <a:ext cx="0" cy="0"/>
-          <a:chOff x="0" y="0"/>
-          <a:chExt cx="0" cy="0"/>
-        </a:xfrm>
-      </p:grpSpPr>
-      <p:sp>
-        <p:nvSpPr>
-          <p:cNvPr id="2" name="Заголовок 1"/>
-          <p:cNvSpPr>
-            <a:spLocks noGrp="1"/>
-          </p:cNvSpPr>
-          <p:nvPr>
-            <p:ph type="title"/>
-          </p:nvPr>
-        </p:nvSpPr>
-        <p:spPr>
-          <a:xfrm>
-            <a:off x="507802" y="1572523"/>
-            <a:ext cx="8229600" cy="979512"/>
-          </a:xfrm>
-        </p:spPr>
-        <p:txBody>
-          <a:bodyPr/>
-          <a:lstStyle/>
-          <a:p>
-            <a:r>
-              <a:rPr lang="ru-RU" altLang="en-US" sz="4000" b="1" dirty="0"/>
-              <a:t>Спасибо за внимание</a:t>
-            </a:r>
-            <a:r>
-              <a:rPr lang="en-US" altLang="ru-RU" sz="4000" b="1" dirty="0"/>
-              <a:t>!</a:t>
-            </a:r>
-            <a:endParaRPr lang="en-US" altLang="ru-RU" sz="4000" b="1" dirty="0"/>
-          </a:p>
-        </p:txBody>
-      </p:sp>
-    </p:spTree>
-  </p:cSld>
-  <p:clrMapOvr>
-    <a:masterClrMapping/>
-  </p:clrMapOvr>
-</p:sld>
-</file>
-
-<file path=ppt/slides/slide3.xml><?xml version="1.0" encoding="utf-8"?>
+<file path=ppt/slides/slide4.xml><?xml version="1.0" encoding="utf-8"?>
 <p:sld xmlns:a="http://schemas.openxmlformats.org/drawingml/2006/main" xmlns:r="http://schemas.openxmlformats.org/officeDocument/2006/relationships" xmlns:p="http://schemas.openxmlformats.org/presentationml/2006/main">
   <p:cSld>
     <p:spTree>
@@ -10928,7 +12843,7 @@
 </p:sld>
 </file>
 
-<file path=ppt/slides/slide4.xml><?xml version="1.0" encoding="utf-8"?>
+<file path=ppt/slides/slide5.xml><?xml version="1.0" encoding="utf-8"?>
 <p:sld xmlns:a="http://schemas.openxmlformats.org/drawingml/2006/main" xmlns:r="http://schemas.openxmlformats.org/officeDocument/2006/relationships" xmlns:p="http://schemas.openxmlformats.org/presentationml/2006/main">
   <p:cSld>
     <p:spTree>
@@ -11719,7 +13634,7 @@
 </p:sld>
 </file>
 
-<file path=ppt/slides/slide5.xml><?xml version="1.0" encoding="utf-8"?>
+<file path=ppt/slides/slide6.xml><?xml version="1.0" encoding="utf-8"?>
 <p:sld xmlns:a="http://schemas.openxmlformats.org/drawingml/2006/main" xmlns:r="http://schemas.openxmlformats.org/officeDocument/2006/relationships" xmlns:p="http://schemas.openxmlformats.org/presentationml/2006/main">
   <p:cSld>
     <p:spTree>
@@ -12577,7 +14492,7 @@
 </p:sld>
 </file>
 
-<file path=ppt/slides/slide6.xml><?xml version="1.0" encoding="utf-8"?>
+<file path=ppt/slides/slide7.xml><?xml version="1.0" encoding="utf-8"?>
 <p:sld xmlns:a="http://schemas.openxmlformats.org/drawingml/2006/main" xmlns:r="http://schemas.openxmlformats.org/officeDocument/2006/relationships" xmlns:p="http://schemas.openxmlformats.org/presentationml/2006/main">
   <p:cSld>
     <p:spTree>
@@ -12724,7 +14639,7 @@
 </p:sld>
 </file>
 
-<file path=ppt/slides/slide7.xml><?xml version="1.0" encoding="utf-8"?>
+<file path=ppt/slides/slide8.xml><?xml version="1.0" encoding="utf-8"?>
 <p:sld xmlns:a="http://schemas.openxmlformats.org/drawingml/2006/main" xmlns:r="http://schemas.openxmlformats.org/officeDocument/2006/relationships" xmlns:p="http://schemas.openxmlformats.org/presentationml/2006/main">
   <p:cSld>
     <p:spTree>
@@ -12935,7 +14850,7 @@
 </p:sld>
 </file>
 
-<file path=ppt/slides/slide8.xml><?xml version="1.0" encoding="utf-8"?>
+<file path=ppt/slides/slide9.xml><?xml version="1.0" encoding="utf-8"?>
 <p:sld xmlns:a="http://schemas.openxmlformats.org/drawingml/2006/main" xmlns:r="http://schemas.openxmlformats.org/officeDocument/2006/relationships" xmlns:p="http://schemas.openxmlformats.org/presentationml/2006/main">
   <p:cSld>
     <p:spTree>
@@ -14082,961 +15997,6 @@
               </a:effectLst>
               <a:latin typeface="Times New Roman" panose="02020603050405020304" charset="0"/>
             </a:endParaRPr>
-          </a:p>
-        </p:txBody>
-      </p:sp>
-    </p:spTree>
-  </p:cSld>
-  <p:clrMapOvr>
-    <a:masterClrMapping/>
-  </p:clrMapOvr>
-</p:sld>
-</file>
-
-<file path=ppt/slides/slide9.xml><?xml version="1.0" encoding="utf-8"?>
-<p:sld xmlns:a="http://schemas.openxmlformats.org/drawingml/2006/main" xmlns:r="http://schemas.openxmlformats.org/officeDocument/2006/relationships" xmlns:p="http://schemas.openxmlformats.org/presentationml/2006/main">
-  <p:cSld>
-    <p:spTree>
-      <p:nvGrpSpPr>
-        <p:cNvPr id="1" name=""/>
-        <p:cNvGrpSpPr/>
-        <p:nvPr/>
-      </p:nvGrpSpPr>
-      <p:grpSpPr>
-        <a:xfrm>
-          <a:off x="0" y="0"/>
-          <a:ext cx="0" cy="0"/>
-          <a:chOff x="0" y="0"/>
-          <a:chExt cx="0" cy="0"/>
-        </a:xfrm>
-      </p:grpSpPr>
-      <p:sp>
-        <p:nvSpPr>
-          <p:cNvPr id="2" name="Заголовок 1"/>
-          <p:cNvSpPr>
-            <a:spLocks noGrp="1"/>
-          </p:cNvSpPr>
-          <p:nvPr>
-            <p:ph type="title"/>
-          </p:nvPr>
-        </p:nvSpPr>
-        <p:spPr>
-          <a:xfrm>
-            <a:off x="539552" y="0"/>
-            <a:ext cx="8229600" cy="835496"/>
-          </a:xfrm>
-        </p:spPr>
-        <p:txBody>
-          <a:bodyPr/>
-          <a:lstStyle/>
-          <a:p>
-            <a:r>
-              <a:rPr lang="ru-RU" altLang="en-US" sz="2800" b="1" dirty="0">
-                <a:solidFill>
-                  <a:schemeClr val="accent1"/>
-                </a:solidFill>
-                <a:effectLst>
-                  <a:outerShdw blurRad="38100" dist="25400" dir="5400000" algn="ctr" rotWithShape="0">
-                    <a:srgbClr val="6E747A">
-                      <a:alpha val="43000"/>
-                    </a:srgbClr>
-                  </a:outerShdw>
-                </a:effectLst>
-                <a:latin typeface="Times New Roman" panose="02020603050405020304" charset="0"/>
-                <a:ea typeface="+mn-ea"/>
-                <a:cs typeface="+mn-cs"/>
-              </a:rPr>
-              <a:t>7</a:t>
-            </a:r>
-            <a:r>
-              <a:rPr lang="en-US" sz="2800" b="1" dirty="0">
-                <a:solidFill>
-                  <a:schemeClr val="accent1"/>
-                </a:solidFill>
-                <a:effectLst>
-                  <a:outerShdw blurRad="38100" dist="25400" dir="5400000" algn="ctr" rotWithShape="0">
-                    <a:srgbClr val="6E747A">
-                      <a:alpha val="43000"/>
-                    </a:srgbClr>
-                  </a:outerShdw>
-                </a:effectLst>
-                <a:latin typeface="Times New Roman" panose="02020603050405020304" charset="0"/>
-                <a:ea typeface="+mn-ea"/>
-                <a:cs typeface="+mn-cs"/>
-              </a:rPr>
-              <a:t>. </a:t>
-            </a:r>
-            <a:r>
-              <a:rPr lang="ru-RU" sz="2800" b="1" dirty="0">
-                <a:solidFill>
-                  <a:schemeClr val="accent1"/>
-                </a:solidFill>
-                <a:effectLst>
-                  <a:outerShdw blurRad="38100" dist="25400" dir="5400000" algn="ctr" rotWithShape="0">
-                    <a:srgbClr val="6E747A">
-                      <a:alpha val="43000"/>
-                    </a:srgbClr>
-                  </a:outerShdw>
-                </a:effectLst>
-                <a:latin typeface="Times New Roman" panose="02020603050405020304" charset="0"/>
-                <a:ea typeface="+mn-ea"/>
-                <a:cs typeface="+mn-cs"/>
-              </a:rPr>
-              <a:t>Нечеткие переменные в </a:t>
-            </a:r>
-            <a:r>
-              <a:rPr lang="en-US" sz="2800" b="1" dirty="0" err="1">
-                <a:solidFill>
-                  <a:schemeClr val="accent1"/>
-                </a:solidFill>
-                <a:effectLst>
-                  <a:outerShdw blurRad="38100" dist="25400" dir="5400000" algn="ctr" rotWithShape="0">
-                    <a:srgbClr val="6E747A">
-                      <a:alpha val="43000"/>
-                    </a:srgbClr>
-                  </a:outerShdw>
-                </a:effectLst>
-                <a:latin typeface="Times New Roman" panose="02020603050405020304" charset="0"/>
-                <a:ea typeface="+mn-ea"/>
-                <a:cs typeface="+mn-cs"/>
-              </a:rPr>
-              <a:t>FuzzyClips</a:t>
-            </a:r>
-            <a:r>
-              <a:rPr lang="en-US" sz="2800" b="1" dirty="0">
-                <a:solidFill>
-                  <a:schemeClr val="accent1"/>
-                </a:solidFill>
-                <a:effectLst>
-                  <a:outerShdw blurRad="38100" dist="25400" dir="5400000" algn="ctr" rotWithShape="0">
-                    <a:srgbClr val="6E747A">
-                      <a:alpha val="43000"/>
-                    </a:srgbClr>
-                  </a:outerShdw>
-                </a:effectLst>
-                <a:latin typeface="Times New Roman" panose="02020603050405020304" charset="0"/>
-                <a:ea typeface="+mn-ea"/>
-                <a:cs typeface="+mn-cs"/>
-              </a:rPr>
-              <a:t> </a:t>
-            </a:r>
-            <a:endParaRPr lang="ru-RU" sz="2800" b="1" dirty="0">
-              <a:solidFill>
-                <a:schemeClr val="accent1"/>
-              </a:solidFill>
-              <a:effectLst>
-                <a:outerShdw blurRad="38100" dist="25400" dir="5400000" algn="ctr" rotWithShape="0">
-                  <a:srgbClr val="6E747A">
-                    <a:alpha val="43000"/>
-                  </a:srgbClr>
-                </a:outerShdw>
-              </a:effectLst>
-              <a:latin typeface="Times New Roman" panose="02020603050405020304" charset="0"/>
-              <a:ea typeface="+mn-ea"/>
-              <a:cs typeface="+mn-cs"/>
-            </a:endParaRPr>
-          </a:p>
-        </p:txBody>
-      </p:sp>
-      <p:sp>
-        <p:nvSpPr>
-          <p:cNvPr id="3" name="Содержимое 2"/>
-          <p:cNvSpPr>
-            <a:spLocks noGrp="1"/>
-          </p:cNvSpPr>
-          <p:nvPr>
-            <p:ph idx="1"/>
-          </p:nvPr>
-        </p:nvSpPr>
-        <p:spPr>
-          <a:xfrm>
-            <a:off x="467544" y="1556792"/>
-            <a:ext cx="8229600" cy="4525963"/>
-          </a:xfrm>
-        </p:spPr>
-        <p:txBody>
-          <a:bodyPr>
-            <a:normAutofit fontScale="62500" lnSpcReduction="20000"/>
-          </a:bodyPr>
-          <a:lstStyle/>
-          <a:p>
-            <a:pPr>
-              <a:buNone/>
-            </a:pPr>
-            <a:r>
-              <a:rPr lang="ru-RU" sz="2200" dirty="0">
-                <a:solidFill>
-                  <a:srgbClr val="000000"/>
-                </a:solidFill>
-                <a:latin typeface="Courier New" panose="02070309020205020404" pitchFamily="49" charset="0"/>
-                <a:ea typeface="Courier New" panose="02070309020205020404" pitchFamily="49" charset="0"/>
-                <a:cs typeface="Courier New" panose="02070309020205020404" pitchFamily="49" charset="0"/>
-              </a:rPr>
-              <a:t>		В </a:t>
-            </a:r>
-            <a:r>
-              <a:rPr lang="en-US" sz="2200" dirty="0" err="1">
-                <a:solidFill>
-                  <a:srgbClr val="000000"/>
-                </a:solidFill>
-                <a:latin typeface="Courier New" panose="02070309020205020404" pitchFamily="49" charset="0"/>
-                <a:ea typeface="Courier New" panose="02070309020205020404" pitchFamily="49" charset="0"/>
-                <a:cs typeface="Courier New" panose="02070309020205020404" pitchFamily="49" charset="0"/>
-              </a:rPr>
-              <a:t>FuzzyClips</a:t>
-            </a:r>
-            <a:r>
-              <a:rPr lang="en-US" sz="2200" dirty="0">
-                <a:solidFill>
-                  <a:srgbClr val="000000"/>
-                </a:solidFill>
-                <a:latin typeface="Courier New" panose="02070309020205020404" pitchFamily="49" charset="0"/>
-                <a:ea typeface="Courier New" panose="02070309020205020404" pitchFamily="49" charset="0"/>
-                <a:cs typeface="Courier New" panose="02070309020205020404" pitchFamily="49" charset="0"/>
-              </a:rPr>
-              <a:t> </a:t>
-            </a:r>
-            <a:r>
-              <a:rPr lang="ru-RU" sz="2200" dirty="0">
-                <a:solidFill>
-                  <a:srgbClr val="000000"/>
-                </a:solidFill>
-                <a:latin typeface="Courier New" panose="02070309020205020404" pitchFamily="49" charset="0"/>
-                <a:ea typeface="Courier New" panose="02070309020205020404" pitchFamily="49" charset="0"/>
-                <a:cs typeface="Courier New" panose="02070309020205020404" pitchFamily="49" charset="0"/>
-              </a:rPr>
-              <a:t>все нечеткие переменные должны быть определены до использования конструктора </a:t>
-            </a:r>
-            <a:r>
-              <a:rPr lang="en-US" sz="2200" dirty="0" err="1">
-                <a:solidFill>
-                  <a:srgbClr val="000000"/>
-                </a:solidFill>
-                <a:latin typeface="Courier New" panose="02070309020205020404" pitchFamily="49" charset="0"/>
-                <a:ea typeface="Courier New" panose="02070309020205020404" pitchFamily="49" charset="0"/>
-                <a:cs typeface="Courier New" panose="02070309020205020404" pitchFamily="49" charset="0"/>
-              </a:rPr>
-              <a:t>deftemplate</a:t>
-            </a:r>
-            <a:r>
-              <a:rPr lang="ru-RU" sz="2200" dirty="0">
-                <a:solidFill>
-                  <a:srgbClr val="000000"/>
-                </a:solidFill>
-                <a:latin typeface="Courier New" panose="02070309020205020404" pitchFamily="49" charset="0"/>
-                <a:ea typeface="Courier New" panose="02070309020205020404" pitchFamily="49" charset="0"/>
-                <a:cs typeface="Courier New" panose="02070309020205020404" pitchFamily="49" charset="0"/>
-              </a:rPr>
-              <a:t>. Расширенный синтаксис приведен ниже:</a:t>
-            </a:r>
-            <a:endParaRPr lang="ru-RU" sz="2200" dirty="0">
-              <a:solidFill>
-                <a:srgbClr val="000000"/>
-              </a:solidFill>
-              <a:latin typeface="Courier New" panose="02070309020205020404" pitchFamily="49" charset="0"/>
-              <a:ea typeface="Courier New" panose="02070309020205020404" pitchFamily="49" charset="0"/>
-              <a:cs typeface="Courier New" panose="02070309020205020404" pitchFamily="49" charset="0"/>
-            </a:endParaRPr>
-          </a:p>
-          <a:p>
-            <a:pPr>
-              <a:buNone/>
-            </a:pPr>
-            <a:endParaRPr lang="ru-RU" dirty="0"/>
-          </a:p>
-          <a:p>
-            <a:pPr>
-              <a:buNone/>
-            </a:pPr>
-            <a:r>
-              <a:rPr lang="ru-RU" dirty="0"/>
-              <a:t> </a:t>
-            </a:r>
-            <a:endParaRPr lang="ru-RU" dirty="0"/>
-          </a:p>
-          <a:p>
-            <a:pPr marL="0">
-              <a:buNone/>
-            </a:pPr>
-            <a:r>
-              <a:rPr lang="ru-RU" sz="2200" dirty="0">
-                <a:solidFill>
-                  <a:srgbClr val="000000"/>
-                </a:solidFill>
-                <a:latin typeface="Courier New" panose="02070309020205020404" pitchFamily="49" charset="0"/>
-                <a:ea typeface="Courier New" panose="02070309020205020404" pitchFamily="49" charset="0"/>
-                <a:cs typeface="Courier New" panose="02070309020205020404" pitchFamily="49" charset="0"/>
-              </a:rPr>
-              <a:t>(</a:t>
-            </a:r>
-            <a:r>
-              <a:rPr lang="en-US" sz="2200" dirty="0" err="1">
-                <a:solidFill>
-                  <a:srgbClr val="000000"/>
-                </a:solidFill>
-                <a:latin typeface="Courier New" panose="02070309020205020404" pitchFamily="49" charset="0"/>
-                <a:ea typeface="Courier New" panose="02070309020205020404" pitchFamily="49" charset="0"/>
-                <a:cs typeface="Courier New" panose="02070309020205020404" pitchFamily="49" charset="0"/>
-              </a:rPr>
-              <a:t>deftemplate</a:t>
-            </a:r>
-            <a:r>
-              <a:rPr lang="ru-RU" sz="2200" dirty="0">
-                <a:solidFill>
-                  <a:srgbClr val="000000"/>
-                </a:solidFill>
-                <a:latin typeface="Courier New" panose="02070309020205020404" pitchFamily="49" charset="0"/>
-                <a:ea typeface="Courier New" panose="02070309020205020404" pitchFamily="49" charset="0"/>
-                <a:cs typeface="Courier New" panose="02070309020205020404" pitchFamily="49" charset="0"/>
-              </a:rPr>
-              <a:t> &lt;</a:t>
-            </a:r>
-            <a:r>
-              <a:rPr lang="en-US" sz="2200" dirty="0">
-                <a:solidFill>
-                  <a:srgbClr val="000000"/>
-                </a:solidFill>
-                <a:latin typeface="Courier New" panose="02070309020205020404" pitchFamily="49" charset="0"/>
-                <a:ea typeface="Courier New" panose="02070309020205020404" pitchFamily="49" charset="0"/>
-                <a:cs typeface="Courier New" panose="02070309020205020404" pitchFamily="49" charset="0"/>
-              </a:rPr>
-              <a:t>name</a:t>
-            </a:r>
-            <a:r>
-              <a:rPr lang="ru-RU" sz="2200" dirty="0">
-                <a:solidFill>
-                  <a:srgbClr val="000000"/>
-                </a:solidFill>
-                <a:latin typeface="Courier New" panose="02070309020205020404" pitchFamily="49" charset="0"/>
-                <a:ea typeface="Courier New" panose="02070309020205020404" pitchFamily="49" charset="0"/>
-                <a:cs typeface="Courier New" panose="02070309020205020404" pitchFamily="49" charset="0"/>
-              </a:rPr>
-              <a:t>&gt; [“&lt;</a:t>
-            </a:r>
-            <a:r>
-              <a:rPr lang="en-US" sz="2200" dirty="0">
-                <a:solidFill>
-                  <a:srgbClr val="000000"/>
-                </a:solidFill>
-                <a:latin typeface="Courier New" panose="02070309020205020404" pitchFamily="49" charset="0"/>
-                <a:ea typeface="Courier New" panose="02070309020205020404" pitchFamily="49" charset="0"/>
-                <a:cs typeface="Courier New" panose="02070309020205020404" pitchFamily="49" charset="0"/>
-              </a:rPr>
-              <a:t>Comments</a:t>
-            </a:r>
-            <a:r>
-              <a:rPr lang="ru-RU" sz="2200" dirty="0">
-                <a:solidFill>
-                  <a:srgbClr val="000000"/>
-                </a:solidFill>
-                <a:latin typeface="Courier New" panose="02070309020205020404" pitchFamily="49" charset="0"/>
-                <a:ea typeface="Courier New" panose="02070309020205020404" pitchFamily="49" charset="0"/>
-                <a:cs typeface="Courier New" panose="02070309020205020404" pitchFamily="49" charset="0"/>
-              </a:rPr>
-              <a:t>&gt;”]</a:t>
-            </a:r>
-            <a:endParaRPr lang="ru-RU" sz="2200" dirty="0">
-              <a:solidFill>
-                <a:srgbClr val="000000"/>
-              </a:solidFill>
-              <a:latin typeface="Courier New" panose="02070309020205020404" pitchFamily="49" charset="0"/>
-              <a:ea typeface="Courier New" panose="02070309020205020404" pitchFamily="49" charset="0"/>
-              <a:cs typeface="Courier New" panose="02070309020205020404" pitchFamily="49" charset="0"/>
-            </a:endParaRPr>
-          </a:p>
-          <a:p>
-            <a:pPr marL="0">
-              <a:buNone/>
-            </a:pPr>
-            <a:r>
-              <a:rPr lang="ru-RU" sz="2200" dirty="0">
-                <a:solidFill>
-                  <a:srgbClr val="000000"/>
-                </a:solidFill>
-                <a:latin typeface="Courier New" panose="02070309020205020404" pitchFamily="49" charset="0"/>
-                <a:ea typeface="Courier New" panose="02070309020205020404" pitchFamily="49" charset="0"/>
-                <a:cs typeface="Courier New" panose="02070309020205020404" pitchFamily="49" charset="0"/>
-              </a:rPr>
-              <a:t>&lt;</a:t>
-            </a:r>
-            <a:r>
-              <a:rPr lang="en-US" sz="2200" dirty="0">
-                <a:solidFill>
-                  <a:srgbClr val="000000"/>
-                </a:solidFill>
-                <a:latin typeface="Courier New" panose="02070309020205020404" pitchFamily="49" charset="0"/>
-                <a:ea typeface="Courier New" panose="02070309020205020404" pitchFamily="49" charset="0"/>
-                <a:cs typeface="Courier New" panose="02070309020205020404" pitchFamily="49" charset="0"/>
-              </a:rPr>
-              <a:t>from</a:t>
-            </a:r>
-            <a:r>
-              <a:rPr lang="ru-RU" sz="2200" dirty="0">
-                <a:solidFill>
-                  <a:srgbClr val="000000"/>
-                </a:solidFill>
-                <a:latin typeface="Courier New" panose="02070309020205020404" pitchFamily="49" charset="0"/>
-                <a:ea typeface="Courier New" panose="02070309020205020404" pitchFamily="49" charset="0"/>
-                <a:cs typeface="Courier New" panose="02070309020205020404" pitchFamily="49" charset="0"/>
-              </a:rPr>
-              <a:t>&gt; &lt;</a:t>
-            </a:r>
-            <a:r>
-              <a:rPr lang="en-US" sz="2200" dirty="0">
-                <a:solidFill>
-                  <a:srgbClr val="000000"/>
-                </a:solidFill>
-                <a:latin typeface="Courier New" panose="02070309020205020404" pitchFamily="49" charset="0"/>
-                <a:ea typeface="Courier New" panose="02070309020205020404" pitchFamily="49" charset="0"/>
-                <a:cs typeface="Courier New" panose="02070309020205020404" pitchFamily="49" charset="0"/>
-              </a:rPr>
-              <a:t>to</a:t>
-            </a:r>
-            <a:r>
-              <a:rPr lang="ru-RU" sz="2200" dirty="0">
-                <a:solidFill>
-                  <a:srgbClr val="000000"/>
-                </a:solidFill>
-                <a:latin typeface="Courier New" panose="02070309020205020404" pitchFamily="49" charset="0"/>
-                <a:ea typeface="Courier New" panose="02070309020205020404" pitchFamily="49" charset="0"/>
-                <a:cs typeface="Courier New" panose="02070309020205020404" pitchFamily="49" charset="0"/>
-              </a:rPr>
-              <a:t>&gt; [&lt;</a:t>
-            </a:r>
-            <a:r>
-              <a:rPr lang="en-US" sz="2200" dirty="0">
-                <a:solidFill>
-                  <a:srgbClr val="000000"/>
-                </a:solidFill>
-                <a:latin typeface="Courier New" panose="02070309020205020404" pitchFamily="49" charset="0"/>
-                <a:ea typeface="Courier New" panose="02070309020205020404" pitchFamily="49" charset="0"/>
-                <a:cs typeface="Courier New" panose="02070309020205020404" pitchFamily="49" charset="0"/>
-              </a:rPr>
-              <a:t>unit</a:t>
-            </a:r>
-            <a:r>
-              <a:rPr lang="ru-RU" sz="2200" dirty="0">
-                <a:solidFill>
-                  <a:srgbClr val="000000"/>
-                </a:solidFill>
-                <a:latin typeface="Courier New" panose="02070309020205020404" pitchFamily="49" charset="0"/>
-                <a:ea typeface="Courier New" panose="02070309020205020404" pitchFamily="49" charset="0"/>
-                <a:cs typeface="Courier New" panose="02070309020205020404" pitchFamily="49" charset="0"/>
-              </a:rPr>
-              <a:t>&gt;] ; Предметная область</a:t>
-            </a:r>
-            <a:endParaRPr lang="ru-RU" sz="2200" dirty="0">
-              <a:solidFill>
-                <a:srgbClr val="000000"/>
-              </a:solidFill>
-              <a:latin typeface="Courier New" panose="02070309020205020404" pitchFamily="49" charset="0"/>
-              <a:ea typeface="Courier New" panose="02070309020205020404" pitchFamily="49" charset="0"/>
-              <a:cs typeface="Courier New" panose="02070309020205020404" pitchFamily="49" charset="0"/>
-            </a:endParaRPr>
-          </a:p>
-          <a:p>
-            <a:pPr marL="0">
-              <a:buNone/>
-            </a:pPr>
-            <a:r>
-              <a:rPr lang="ru-RU" sz="2200" dirty="0">
-                <a:solidFill>
-                  <a:srgbClr val="000000"/>
-                </a:solidFill>
-                <a:latin typeface="Courier New" panose="02070309020205020404" pitchFamily="49" charset="0"/>
-                <a:ea typeface="Courier New" panose="02070309020205020404" pitchFamily="49" charset="0"/>
-                <a:cs typeface="Courier New" panose="02070309020205020404" pitchFamily="49" charset="0"/>
-              </a:rPr>
-              <a:t>(</a:t>
-            </a:r>
-            <a:endParaRPr lang="ru-RU" sz="2200" dirty="0">
-              <a:solidFill>
-                <a:srgbClr val="000000"/>
-              </a:solidFill>
-              <a:latin typeface="Courier New" panose="02070309020205020404" pitchFamily="49" charset="0"/>
-              <a:ea typeface="Courier New" panose="02070309020205020404" pitchFamily="49" charset="0"/>
-              <a:cs typeface="Courier New" panose="02070309020205020404" pitchFamily="49" charset="0"/>
-            </a:endParaRPr>
-          </a:p>
-          <a:p>
-            <a:pPr marL="0">
-              <a:buNone/>
-            </a:pPr>
-            <a:r>
-              <a:rPr lang="en-US" sz="2200" dirty="0">
-                <a:solidFill>
-                  <a:srgbClr val="000000"/>
-                </a:solidFill>
-                <a:latin typeface="Courier New" panose="02070309020205020404" pitchFamily="49" charset="0"/>
-                <a:ea typeface="Courier New" panose="02070309020205020404" pitchFamily="49" charset="0"/>
-                <a:cs typeface="Courier New" panose="02070309020205020404" pitchFamily="49" charset="0"/>
-              </a:rPr>
-              <a:t>t</a:t>
-            </a:r>
-            <a:r>
-              <a:rPr lang="ru-RU" sz="2200" dirty="0">
-                <a:solidFill>
-                  <a:srgbClr val="000000"/>
-                </a:solidFill>
-                <a:latin typeface="Courier New" panose="02070309020205020404" pitchFamily="49" charset="0"/>
-                <a:ea typeface="Courier New" panose="02070309020205020404" pitchFamily="49" charset="0"/>
-                <a:cs typeface="Courier New" panose="02070309020205020404" pitchFamily="49" charset="0"/>
-              </a:rPr>
-              <a:t>1</a:t>
-            </a:r>
-            <a:endParaRPr lang="ru-RU" sz="2200" dirty="0">
-              <a:solidFill>
-                <a:srgbClr val="000000"/>
-              </a:solidFill>
-              <a:latin typeface="Courier New" panose="02070309020205020404" pitchFamily="49" charset="0"/>
-              <a:ea typeface="Courier New" panose="02070309020205020404" pitchFamily="49" charset="0"/>
-              <a:cs typeface="Courier New" panose="02070309020205020404" pitchFamily="49" charset="0"/>
-            </a:endParaRPr>
-          </a:p>
-          <a:p>
-            <a:pPr marL="0">
-              <a:buNone/>
-            </a:pPr>
-            <a:r>
-              <a:rPr lang="ru-RU" sz="2200" dirty="0">
-                <a:solidFill>
-                  <a:srgbClr val="000000"/>
-                </a:solidFill>
-                <a:latin typeface="Courier New" panose="02070309020205020404" pitchFamily="49" charset="0"/>
-                <a:ea typeface="Courier New" panose="02070309020205020404" pitchFamily="49" charset="0"/>
-                <a:cs typeface="Courier New" panose="02070309020205020404" pitchFamily="49" charset="0"/>
-              </a:rPr>
-              <a:t>.</a:t>
-            </a:r>
-            <a:endParaRPr lang="ru-RU" sz="2200" dirty="0">
-              <a:solidFill>
-                <a:srgbClr val="000000"/>
-              </a:solidFill>
-              <a:latin typeface="Courier New" panose="02070309020205020404" pitchFamily="49" charset="0"/>
-              <a:ea typeface="Courier New" panose="02070309020205020404" pitchFamily="49" charset="0"/>
-              <a:cs typeface="Courier New" panose="02070309020205020404" pitchFamily="49" charset="0"/>
-            </a:endParaRPr>
-          </a:p>
-          <a:p>
-            <a:pPr marL="0">
-              <a:buNone/>
-            </a:pPr>
-            <a:r>
-              <a:rPr lang="ru-RU" sz="2200" dirty="0">
-                <a:solidFill>
-                  <a:srgbClr val="000000"/>
-                </a:solidFill>
-                <a:latin typeface="Courier New" panose="02070309020205020404" pitchFamily="49" charset="0"/>
-                <a:ea typeface="Courier New" panose="02070309020205020404" pitchFamily="49" charset="0"/>
-                <a:cs typeface="Courier New" panose="02070309020205020404" pitchFamily="49" charset="0"/>
-              </a:rPr>
-              <a:t>. ; Список первичных термов</a:t>
-            </a:r>
-            <a:endParaRPr lang="ru-RU" sz="2200" dirty="0">
-              <a:solidFill>
-                <a:srgbClr val="000000"/>
-              </a:solidFill>
-              <a:latin typeface="Courier New" panose="02070309020205020404" pitchFamily="49" charset="0"/>
-              <a:ea typeface="Courier New" panose="02070309020205020404" pitchFamily="49" charset="0"/>
-              <a:cs typeface="Courier New" panose="02070309020205020404" pitchFamily="49" charset="0"/>
-            </a:endParaRPr>
-          </a:p>
-          <a:p>
-            <a:pPr marL="0">
-              <a:buNone/>
-            </a:pPr>
-            <a:r>
-              <a:rPr lang="ru-RU" sz="2200" dirty="0">
-                <a:solidFill>
-                  <a:srgbClr val="000000"/>
-                </a:solidFill>
-                <a:latin typeface="Courier New" panose="02070309020205020404" pitchFamily="49" charset="0"/>
-                <a:ea typeface="Courier New" panose="02070309020205020404" pitchFamily="49" charset="0"/>
-                <a:cs typeface="Courier New" panose="02070309020205020404" pitchFamily="49" charset="0"/>
-              </a:rPr>
-              <a:t>.</a:t>
-            </a:r>
-            <a:endParaRPr lang="ru-RU" sz="2200" dirty="0">
-              <a:solidFill>
-                <a:srgbClr val="000000"/>
-              </a:solidFill>
-              <a:latin typeface="Courier New" panose="02070309020205020404" pitchFamily="49" charset="0"/>
-              <a:ea typeface="Courier New" panose="02070309020205020404" pitchFamily="49" charset="0"/>
-              <a:cs typeface="Courier New" panose="02070309020205020404" pitchFamily="49" charset="0"/>
-            </a:endParaRPr>
-          </a:p>
-          <a:p>
-            <a:pPr marL="0">
-              <a:buNone/>
-            </a:pPr>
-            <a:r>
-              <a:rPr lang="en-US" sz="2200" dirty="0" err="1">
-                <a:solidFill>
-                  <a:srgbClr val="000000"/>
-                </a:solidFill>
-                <a:latin typeface="Courier New" panose="02070309020205020404" pitchFamily="49" charset="0"/>
-                <a:ea typeface="Courier New" panose="02070309020205020404" pitchFamily="49" charset="0"/>
-                <a:cs typeface="Courier New" panose="02070309020205020404" pitchFamily="49" charset="0"/>
-              </a:rPr>
-              <a:t>tn</a:t>
-            </a:r>
-            <a:endParaRPr lang="ru-RU" sz="2200" dirty="0">
-              <a:solidFill>
-                <a:srgbClr val="000000"/>
-              </a:solidFill>
-              <a:latin typeface="Courier New" panose="02070309020205020404" pitchFamily="49" charset="0"/>
-              <a:ea typeface="Courier New" panose="02070309020205020404" pitchFamily="49" charset="0"/>
-              <a:cs typeface="Courier New" panose="02070309020205020404" pitchFamily="49" charset="0"/>
-            </a:endParaRPr>
-          </a:p>
-          <a:p>
-            <a:pPr marL="0">
-              <a:buNone/>
-            </a:pPr>
-            <a:r>
-              <a:rPr lang="ru-RU" sz="2200" dirty="0">
-                <a:solidFill>
-                  <a:srgbClr val="000000"/>
-                </a:solidFill>
-                <a:latin typeface="Courier New" panose="02070309020205020404" pitchFamily="49" charset="0"/>
-                <a:ea typeface="Courier New" panose="02070309020205020404" pitchFamily="49" charset="0"/>
-                <a:cs typeface="Courier New" panose="02070309020205020404" pitchFamily="49" charset="0"/>
-              </a:rPr>
-              <a:t>)</a:t>
-            </a:r>
-            <a:endParaRPr lang="ru-RU" sz="2200" dirty="0">
-              <a:solidFill>
-                <a:srgbClr val="000000"/>
-              </a:solidFill>
-              <a:latin typeface="Courier New" panose="02070309020205020404" pitchFamily="49" charset="0"/>
-              <a:ea typeface="Courier New" panose="02070309020205020404" pitchFamily="49" charset="0"/>
-              <a:cs typeface="Courier New" panose="02070309020205020404" pitchFamily="49" charset="0"/>
-            </a:endParaRPr>
-          </a:p>
-          <a:p>
-            <a:pPr marL="0">
-              <a:buNone/>
-            </a:pPr>
-            <a:r>
-              <a:rPr lang="ru-RU" sz="2200" dirty="0">
-                <a:solidFill>
-                  <a:srgbClr val="000000"/>
-                </a:solidFill>
-                <a:latin typeface="Courier New" panose="02070309020205020404" pitchFamily="49" charset="0"/>
-                <a:ea typeface="Courier New" panose="02070309020205020404" pitchFamily="49" charset="0"/>
-                <a:cs typeface="Courier New" panose="02070309020205020404" pitchFamily="49" charset="0"/>
-              </a:rPr>
-              <a:t>)</a:t>
-            </a:r>
-            <a:endParaRPr lang="ru-RU" sz="2200" dirty="0">
-              <a:solidFill>
-                <a:srgbClr val="000000"/>
-              </a:solidFill>
-              <a:latin typeface="Courier New" panose="02070309020205020404" pitchFamily="49" charset="0"/>
-              <a:ea typeface="Courier New" panose="02070309020205020404" pitchFamily="49" charset="0"/>
-              <a:cs typeface="Courier New" panose="02070309020205020404" pitchFamily="49" charset="0"/>
-            </a:endParaRPr>
-          </a:p>
-          <a:p>
-            <a:pPr>
-              <a:buNone/>
-            </a:pPr>
-            <a:r>
-              <a:rPr lang="ru-RU" dirty="0"/>
-              <a:t> </a:t>
-            </a:r>
-            <a:endParaRPr lang="ru-RU" dirty="0"/>
-          </a:p>
-          <a:p>
-            <a:pPr>
-              <a:buNone/>
-            </a:pPr>
-            <a:r>
-              <a:rPr lang="ru-RU" sz="2200" dirty="0">
-                <a:solidFill>
-                  <a:srgbClr val="000000"/>
-                </a:solidFill>
-                <a:latin typeface="Courier New" panose="02070309020205020404" pitchFamily="49" charset="0"/>
-                <a:ea typeface="Courier New" panose="02070309020205020404" pitchFamily="49" charset="0"/>
-                <a:cs typeface="Courier New" panose="02070309020205020404" pitchFamily="49" charset="0"/>
-              </a:rPr>
-              <a:t>		где &lt;</a:t>
-            </a:r>
-            <a:r>
-              <a:rPr lang="en-US" sz="2200" dirty="0">
-                <a:solidFill>
-                  <a:srgbClr val="000000"/>
-                </a:solidFill>
-                <a:latin typeface="Courier New" panose="02070309020205020404" pitchFamily="49" charset="0"/>
-                <a:ea typeface="Courier New" panose="02070309020205020404" pitchFamily="49" charset="0"/>
-                <a:cs typeface="Courier New" panose="02070309020205020404" pitchFamily="49" charset="0"/>
-              </a:rPr>
-              <a:t>name</a:t>
-            </a:r>
-            <a:r>
-              <a:rPr lang="ru-RU" sz="2200" dirty="0">
-                <a:solidFill>
-                  <a:srgbClr val="000000"/>
-                </a:solidFill>
-                <a:latin typeface="Courier New" panose="02070309020205020404" pitchFamily="49" charset="0"/>
-                <a:ea typeface="Courier New" panose="02070309020205020404" pitchFamily="49" charset="0"/>
-                <a:cs typeface="Courier New" panose="02070309020205020404" pitchFamily="49" charset="0"/>
-              </a:rPr>
-              <a:t>&gt; - идентификатор, который используется для нечеткой переменной. </a:t>
-            </a:r>
-            <a:r>
-              <a:rPr lang="en-US" sz="2200" dirty="0">
-                <a:solidFill>
-                  <a:srgbClr val="000000"/>
-                </a:solidFill>
-                <a:latin typeface="Courier New" panose="02070309020205020404" pitchFamily="49" charset="0"/>
-                <a:ea typeface="Courier New" panose="02070309020205020404" pitchFamily="49" charset="0"/>
-                <a:cs typeface="Courier New" panose="02070309020205020404" pitchFamily="49" charset="0"/>
-              </a:rPr>
-              <a:t>&lt;from&gt; </a:t>
-            </a:r>
-            <a:r>
-              <a:rPr lang="ru-RU" sz="2200" dirty="0">
-                <a:solidFill>
-                  <a:srgbClr val="000000"/>
-                </a:solidFill>
-                <a:latin typeface="Courier New" panose="02070309020205020404" pitchFamily="49" charset="0"/>
-                <a:ea typeface="Courier New" panose="02070309020205020404" pitchFamily="49" charset="0"/>
-                <a:cs typeface="Courier New" panose="02070309020205020404" pitchFamily="49" charset="0"/>
-              </a:rPr>
-              <a:t>и </a:t>
-            </a:r>
-            <a:r>
-              <a:rPr lang="en-US" sz="2200" dirty="0">
-                <a:solidFill>
-                  <a:srgbClr val="000000"/>
-                </a:solidFill>
-                <a:latin typeface="Courier New" panose="02070309020205020404" pitchFamily="49" charset="0"/>
-                <a:ea typeface="Courier New" panose="02070309020205020404" pitchFamily="49" charset="0"/>
-                <a:cs typeface="Courier New" panose="02070309020205020404" pitchFamily="49" charset="0"/>
-              </a:rPr>
-              <a:t>&lt;to&gt; </a:t>
-            </a:r>
-            <a:r>
-              <a:rPr lang="ru-RU" sz="2200" dirty="0">
-                <a:solidFill>
-                  <a:srgbClr val="000000"/>
-                </a:solidFill>
-                <a:latin typeface="Courier New" panose="02070309020205020404" pitchFamily="49" charset="0"/>
-                <a:ea typeface="Courier New" panose="02070309020205020404" pitchFamily="49" charset="0"/>
-                <a:cs typeface="Courier New" panose="02070309020205020404" pitchFamily="49" charset="0"/>
-              </a:rPr>
-              <a:t>- числа с плавающей запятой</a:t>
-            </a:r>
-            <a:r>
-              <a:rPr lang="en-US" sz="2200" dirty="0">
-                <a:solidFill>
-                  <a:srgbClr val="000000"/>
-                </a:solidFill>
-                <a:latin typeface="Courier New" panose="02070309020205020404" pitchFamily="49" charset="0"/>
-                <a:ea typeface="Courier New" panose="02070309020205020404" pitchFamily="49" charset="0"/>
-                <a:cs typeface="Courier New" panose="02070309020205020404" pitchFamily="49" charset="0"/>
-              </a:rPr>
-              <a:t>, </a:t>
-            </a:r>
-            <a:r>
-              <a:rPr lang="ru-RU" sz="2200" dirty="0">
-                <a:solidFill>
-                  <a:srgbClr val="000000"/>
-                </a:solidFill>
-                <a:latin typeface="Courier New" panose="02070309020205020404" pitchFamily="49" charset="0"/>
-                <a:ea typeface="Courier New" panose="02070309020205020404" pitchFamily="49" charset="0"/>
-                <a:cs typeface="Courier New" panose="02070309020205020404" pitchFamily="49" charset="0"/>
-              </a:rPr>
-              <a:t>а первичный терм </a:t>
-            </a:r>
-            <a:r>
-              <a:rPr lang="en-US" sz="2200" dirty="0" err="1">
-                <a:solidFill>
-                  <a:srgbClr val="000000"/>
-                </a:solidFill>
-                <a:latin typeface="Courier New" panose="02070309020205020404" pitchFamily="49" charset="0"/>
-                <a:ea typeface="Courier New" panose="02070309020205020404" pitchFamily="49" charset="0"/>
-                <a:cs typeface="Courier New" panose="02070309020205020404" pitchFamily="49" charset="0"/>
-              </a:rPr>
-              <a:t>ti</a:t>
-            </a:r>
-            <a:r>
-              <a:rPr lang="en-US" sz="2200" dirty="0">
-                <a:solidFill>
-                  <a:srgbClr val="000000"/>
-                </a:solidFill>
-                <a:latin typeface="Courier New" panose="02070309020205020404" pitchFamily="49" charset="0"/>
-                <a:ea typeface="Courier New" panose="02070309020205020404" pitchFamily="49" charset="0"/>
-                <a:cs typeface="Courier New" panose="02070309020205020404" pitchFamily="49" charset="0"/>
-              </a:rPr>
-              <a:t> (</a:t>
-            </a:r>
-            <a:r>
-              <a:rPr lang="en-US" sz="2200" dirty="0" err="1">
-                <a:solidFill>
-                  <a:srgbClr val="000000"/>
-                </a:solidFill>
-                <a:latin typeface="Courier New" panose="02070309020205020404" pitchFamily="49" charset="0"/>
-                <a:ea typeface="Courier New" panose="02070309020205020404" pitchFamily="49" charset="0"/>
-                <a:cs typeface="Courier New" panose="02070309020205020404" pitchFamily="49" charset="0"/>
-              </a:rPr>
-              <a:t>i</a:t>
-            </a:r>
-            <a:r>
-              <a:rPr lang="en-US" sz="2200" dirty="0">
-                <a:solidFill>
-                  <a:srgbClr val="000000"/>
-                </a:solidFill>
-                <a:latin typeface="Courier New" panose="02070309020205020404" pitchFamily="49" charset="0"/>
-                <a:ea typeface="Courier New" panose="02070309020205020404" pitchFamily="49" charset="0"/>
-                <a:cs typeface="Courier New" panose="02070309020205020404" pitchFamily="49" charset="0"/>
-              </a:rPr>
-              <a:t> = 1..n) </a:t>
-            </a:r>
-            <a:r>
-              <a:rPr lang="ru-RU" sz="2200" dirty="0">
-                <a:solidFill>
-                  <a:srgbClr val="000000"/>
-                </a:solidFill>
-                <a:latin typeface="Courier New" panose="02070309020205020404" pitchFamily="49" charset="0"/>
-                <a:ea typeface="Courier New" panose="02070309020205020404" pitchFamily="49" charset="0"/>
-                <a:cs typeface="Courier New" panose="02070309020205020404" pitchFamily="49" charset="0"/>
-              </a:rPr>
-              <a:t>имеет следующий вид</a:t>
-            </a:r>
-            <a:r>
-              <a:rPr lang="en-US" sz="2200" dirty="0">
-                <a:solidFill>
-                  <a:srgbClr val="000000"/>
-                </a:solidFill>
-                <a:latin typeface="Courier New" panose="02070309020205020404" pitchFamily="49" charset="0"/>
-                <a:ea typeface="Courier New" panose="02070309020205020404" pitchFamily="49" charset="0"/>
-                <a:cs typeface="Courier New" panose="02070309020205020404" pitchFamily="49" charset="0"/>
-              </a:rPr>
-              <a:t>:(&lt;</a:t>
-            </a:r>
-            <a:r>
-              <a:rPr lang="en-US" sz="2200" dirty="0" err="1">
-                <a:solidFill>
-                  <a:srgbClr val="000000"/>
-                </a:solidFill>
-                <a:latin typeface="Courier New" panose="02070309020205020404" pitchFamily="49" charset="0"/>
-                <a:ea typeface="Courier New" panose="02070309020205020404" pitchFamily="49" charset="0"/>
-                <a:cs typeface="Courier New" panose="02070309020205020404" pitchFamily="49" charset="0"/>
-              </a:rPr>
-              <a:t>pname</a:t>
-            </a:r>
-            <a:r>
-              <a:rPr lang="en-US" sz="2200" dirty="0">
-                <a:solidFill>
-                  <a:srgbClr val="000000"/>
-                </a:solidFill>
-                <a:latin typeface="Courier New" panose="02070309020205020404" pitchFamily="49" charset="0"/>
-                <a:ea typeface="Courier New" panose="02070309020205020404" pitchFamily="49" charset="0"/>
-                <a:cs typeface="Courier New" panose="02070309020205020404" pitchFamily="49" charset="0"/>
-              </a:rPr>
-              <a:t>&gt;  &lt;</a:t>
-            </a:r>
-            <a:r>
-              <a:rPr lang="ru-RU" sz="2200" dirty="0">
-                <a:solidFill>
-                  <a:srgbClr val="000000"/>
-                </a:solidFill>
-                <a:latin typeface="Courier New" panose="02070309020205020404" pitchFamily="49" charset="0"/>
-                <a:ea typeface="Courier New" panose="02070309020205020404" pitchFamily="49" charset="0"/>
-                <a:cs typeface="Courier New" panose="02070309020205020404" pitchFamily="49" charset="0"/>
-              </a:rPr>
-              <a:t>описание нечеткого множества</a:t>
-            </a:r>
-            <a:r>
-              <a:rPr lang="en-US" sz="2200" dirty="0">
-                <a:solidFill>
-                  <a:srgbClr val="000000"/>
-                </a:solidFill>
-                <a:latin typeface="Courier New" panose="02070309020205020404" pitchFamily="49" charset="0"/>
-                <a:ea typeface="Courier New" panose="02070309020205020404" pitchFamily="49" charset="0"/>
-                <a:cs typeface="Courier New" panose="02070309020205020404" pitchFamily="49" charset="0"/>
-              </a:rPr>
-              <a:t>&gt;). </a:t>
-            </a:r>
-            <a:r>
-              <a:rPr lang="ru-RU" sz="2200" dirty="0">
-                <a:solidFill>
-                  <a:srgbClr val="000000"/>
-                </a:solidFill>
-                <a:latin typeface="Courier New" panose="02070309020205020404" pitchFamily="49" charset="0"/>
-                <a:ea typeface="Courier New" panose="02070309020205020404" pitchFamily="49" charset="0"/>
-                <a:cs typeface="Courier New" panose="02070309020205020404" pitchFamily="49" charset="0"/>
-              </a:rPr>
-              <a:t>Параметр </a:t>
-            </a:r>
-            <a:r>
-              <a:rPr lang="en-US" sz="2200" dirty="0" err="1">
-                <a:solidFill>
-                  <a:srgbClr val="000000"/>
-                </a:solidFill>
-                <a:latin typeface="Courier New" panose="02070309020205020404" pitchFamily="49" charset="0"/>
-                <a:ea typeface="Courier New" panose="02070309020205020404" pitchFamily="49" charset="0"/>
-                <a:cs typeface="Courier New" panose="02070309020205020404" pitchFamily="49" charset="0"/>
-              </a:rPr>
-              <a:t>pname</a:t>
-            </a:r>
-            <a:r>
-              <a:rPr lang="en-US" sz="2200" dirty="0">
-                <a:solidFill>
-                  <a:srgbClr val="000000"/>
-                </a:solidFill>
-                <a:latin typeface="Courier New" panose="02070309020205020404" pitchFamily="49" charset="0"/>
-                <a:ea typeface="Courier New" panose="02070309020205020404" pitchFamily="49" charset="0"/>
-                <a:cs typeface="Courier New" panose="02070309020205020404" pitchFamily="49" charset="0"/>
-              </a:rPr>
-              <a:t> </a:t>
-            </a:r>
-            <a:r>
-              <a:rPr lang="ru-RU" sz="2200" dirty="0">
-                <a:solidFill>
-                  <a:srgbClr val="000000"/>
-                </a:solidFill>
-                <a:latin typeface="Courier New" panose="02070309020205020404" pitchFamily="49" charset="0"/>
-                <a:ea typeface="Courier New" panose="02070309020205020404" pitchFamily="49" charset="0"/>
-                <a:cs typeface="Courier New" panose="02070309020205020404" pitchFamily="49" charset="0"/>
-              </a:rPr>
-              <a:t>определяет имя нечеткого множества а описание - соответствующую функцию принадлежности.</a:t>
-            </a:r>
-            <a:endParaRPr lang="ru-RU" sz="2200" dirty="0">
-              <a:solidFill>
-                <a:srgbClr val="000000"/>
-              </a:solidFill>
-              <a:latin typeface="Courier New" panose="02070309020205020404" pitchFamily="49" charset="0"/>
-              <a:ea typeface="Courier New" panose="02070309020205020404" pitchFamily="49" charset="0"/>
-              <a:cs typeface="Courier New" panose="02070309020205020404" pitchFamily="49" charset="0"/>
-            </a:endParaRPr>
-          </a:p>
-          <a:p>
-            <a:endParaRPr lang="ru-RU" dirty="0"/>
-          </a:p>
-        </p:txBody>
-      </p:sp>
-      <p:sp>
-        <p:nvSpPr>
-          <p:cNvPr id="4" name="Номер слайда 3"/>
-          <p:cNvSpPr>
-            <a:spLocks noGrp="1"/>
-          </p:cNvSpPr>
-          <p:nvPr>
-            <p:ph type="sldNum" sz="quarter" idx="12"/>
-          </p:nvPr>
-        </p:nvSpPr>
-        <p:spPr/>
-        <p:txBody>
-          <a:bodyPr/>
-          <a:lstStyle/>
-          <a:p>
-            <a:fld id="{2D80A49E-0AE4-4F85-8EA4-F0781D345D2A}" type="slidenum">
-              <a:rPr lang="ru-RU" smtClean="0"/>
-            </a:fld>
-            <a:endParaRPr lang="ru-RU" dirty="0"/>
           </a:p>
         </p:txBody>
       </p:sp>
